--- a/Week 1/AP CS A - Week 1 Lecture.pptx
+++ b/Week 1/AP CS A - Week 1 Lecture.pptx
@@ -3724,7 +3724,6 @@
               <a:rPr lang="en-US" dirty="0" smtClean="0"/>
               <a:t>Code, variables, conditions and logic</a:t>
             </a:r>
-            <a:endParaRPr lang="en-US" dirty="0" smtClean="0"/>
           </a:p>
         </p:txBody>
       </p:sp>
@@ -3831,17 +3830,8 @@
             </a:r>
             <a:r>
               <a:rPr lang="en-US" sz="2800" dirty="0"/>
-              <a:t>. They are passed to the command by placing them between </a:t>
-            </a:r>
-            <a:r>
-              <a:rPr lang="en-US" sz="2800" dirty="0"/>
-              <a:t>()</a:t>
-            </a:r>
-            <a:r>
-              <a:rPr lang="en-US" sz="2800" dirty="0"/>
-              <a:t> brackets that follow the command name.</a:t>
-            </a:r>
-            <a:endParaRPr lang="en-US" sz="2800" dirty="0"/>
+              <a:t>. They are passed to the command by placing them between () brackets that follow the command name.</a:t>
+            </a:r>
           </a:p>
         </p:txBody>
       </p:sp>
@@ -4087,15 +4077,7 @@
             </a:r>
             <a:r>
               <a:rPr lang="en-US" sz="2800" dirty="0"/>
-              <a:t> are a useful way to make notes in the source code for yourself and others. Everything on a line after two forward slashes </a:t>
-            </a:r>
-            <a:r>
-              <a:rPr lang="en-US" sz="2800" dirty="0"/>
-              <a:t>//</a:t>
-            </a:r>
-            <a:r>
-              <a:rPr lang="en-US" sz="2800" dirty="0"/>
-              <a:t> is treated as a comment.</a:t>
+              <a:t> are a useful way to make notes in the source code for yourself and others. Everything on a line after two forward slashes // is treated as a comment.</a:t>
             </a:r>
             <a:endParaRPr lang="en-US" sz="2800" b="1" dirty="0"/>
           </a:p>
@@ -4355,15 +4337,7 @@
             </a:r>
             <a:r>
               <a:rPr lang="en-US" sz="2800" dirty="0"/>
-              <a:t>, the file should be named </a:t>
-            </a:r>
-            <a:r>
-              <a:rPr lang="en-US" sz="2800" dirty="0"/>
-              <a:t>Example.java</a:t>
-            </a:r>
-            <a:r>
-              <a:rPr lang="en-US" sz="2800" dirty="0"/>
-              <a:t>.</a:t>
+              <a:t>, the file should be named Example.java.</a:t>
             </a:r>
             <a:endParaRPr lang="en-US" sz="2800" b="1" dirty="0"/>
           </a:p>
@@ -5246,7 +5220,6 @@
               <a:rPr lang="en-US" dirty="0"/>
               <a:t>Variable names that have been defined before cannot be used.</a:t>
             </a:r>
-            <a:endParaRPr lang="en-US" dirty="0"/>
           </a:p>
         </p:txBody>
       </p:sp>
@@ -5596,31 +5569,7 @@
           <a:p>
             <a:r>
               <a:rPr lang="en-US" sz="2400" dirty="0"/>
-              <a:t>The calculation operations are pretty straightforward: </a:t>
-            </a:r>
-            <a:r>
-              <a:rPr lang="en-US" sz="2400" dirty="0"/>
-              <a:t>+</a:t>
-            </a:r>
-            <a:r>
-              <a:rPr lang="en-US" sz="2400" dirty="0"/>
-              <a:t>, </a:t>
-            </a:r>
-            <a:r>
-              <a:rPr lang="en-US" sz="2400" dirty="0"/>
-              <a:t>-</a:t>
-            </a:r>
-            <a:r>
-              <a:rPr lang="en-US" sz="2400" dirty="0"/>
-              <a:t>, </a:t>
-            </a:r>
-            <a:r>
-              <a:rPr lang="en-US" sz="2400" dirty="0"/>
-              <a:t>*</a:t>
-            </a:r>
-            <a:r>
-              <a:rPr lang="en-US" sz="2400" dirty="0"/>
-              <a:t> and </a:t>
+              <a:t>The calculation operations are pretty straightforward: +, -, * and </a:t>
             </a:r>
             <a:r>
               <a:rPr lang="en-US" sz="2400" dirty="0" smtClean="0"/>
@@ -5630,15 +5579,7 @@
           <a:p>
             <a:r>
               <a:rPr lang="en-US" sz="2400" dirty="0"/>
-              <a:t>A more peculiar operation is the modulo operation </a:t>
-            </a:r>
-            <a:r>
-              <a:rPr lang="en-US" sz="2400" dirty="0"/>
-              <a:t>%</a:t>
-            </a:r>
-            <a:r>
-              <a:rPr lang="en-US" sz="2400" dirty="0"/>
-              <a:t>, which calculates the remainder of a division</a:t>
+              <a:t>A more peculiar operation is the modulo operation %, which calculates the remainder of a division</a:t>
             </a:r>
             <a:r>
               <a:rPr lang="en-US" sz="2400" dirty="0" smtClean="0"/>
@@ -5650,7 +5591,6 @@
               <a:rPr lang="en-US" sz="2400" dirty="0"/>
               <a:t>The order of operations is also pretty straightforward: the operations are calculated from left to right taking the parentheses into account.</a:t>
             </a:r>
-            <a:endParaRPr lang="en-US" sz="2400" dirty="0"/>
           </a:p>
         </p:txBody>
       </p:sp>
@@ -5961,7 +5901,6 @@
               <a:rPr lang="en-US" sz="2800" dirty="0"/>
               <a:t>If all the variables in a calculation operation are integers, the end result will also be an integer.</a:t>
             </a:r>
-            <a:endParaRPr lang="en-US" sz="2800" dirty="0"/>
           </a:p>
         </p:txBody>
       </p:sp>
@@ -6250,17 +6189,8 @@
           <a:p>
             <a:r>
               <a:rPr lang="en-US" sz="2800" dirty="0"/>
-              <a:t>If the </a:t>
-            </a:r>
-            <a:r>
-              <a:rPr lang="en-US" sz="2800" dirty="0"/>
-              <a:t>+</a:t>
-            </a:r>
-            <a:r>
-              <a:rPr lang="en-US" sz="2800" dirty="0"/>
-              <a:t> operator is used between two strings, a new string is created with the two strings combined.</a:t>
-            </a:r>
-            <a:endParaRPr lang="en-US" sz="2800" dirty="0"/>
+              <a:t>If the + operator is used between two strings, a new string is created with the two strings combined.</a:t>
+            </a:r>
           </a:p>
         </p:txBody>
       </p:sp>
@@ -6669,7 +6599,7 @@
         </p:nvGraphicFramePr>
         <p:xfrm>
           <a:off x="304800" y="1047750"/>
-          <a:ext cx="6172199" cy="3692220"/>
+          <a:ext cx="6172199" cy="3835104"/>
         </p:xfrm>
         <a:graphic>
           <a:graphicData uri="http://schemas.openxmlformats.org/drawingml/2006/table">
@@ -11999,11 +11929,7 @@
             </a:pPr>
             <a:r>
               <a:rPr lang="en-US" sz="2800" dirty="0"/>
-              <a:t>	</a:t>
-            </a:r>
-            <a:r>
-              <a:rPr lang="en-US" sz="2800" dirty="0"/>
-              <a:t>A computer program is composed of commands written in the </a:t>
+              <a:t>	A computer program is composed of commands written in the </a:t>
             </a:r>
             <a:r>
               <a:rPr lang="en-US" sz="2800" i="1" dirty="0"/>
@@ -12035,7 +11961,19 @@
             </a:r>
             <a:r>
               <a:rPr lang="en-US" sz="2800" dirty="0"/>
-              <a:t>. Source code is saved in a textual format and will be </a:t>
+              <a:t>. Source code is saved in </a:t>
+            </a:r>
+            <a:r>
+              <a:rPr lang="en-US" sz="2800"/>
+              <a:t>a </a:t>
+            </a:r>
+            <a:r>
+              <a:rPr lang="en-US" sz="2800" smtClean="0"/>
+              <a:t>text </a:t>
+            </a:r>
+            <a:r>
+              <a:rPr lang="en-US" sz="2800" dirty="0"/>
+              <a:t>format and will be </a:t>
             </a:r>
             <a:r>
               <a:rPr lang="en-US" sz="2800" i="1" dirty="0"/>
@@ -12562,17 +12500,8 @@
             </a:r>
             <a:r>
               <a:rPr lang="en-US" sz="2800" dirty="0"/>
-              <a:t>A semicolon </a:t>
-            </a:r>
-            <a:r>
-              <a:rPr lang="en-US" sz="2800" dirty="0"/>
-              <a:t>;</a:t>
-            </a:r>
-            <a:r>
-              <a:rPr lang="en-US" sz="2800" dirty="0"/>
-              <a:t> is used to separate different commands. The compiler and the interpreter both ignore line breaks in the source code, so we could write the entire program on a single line.</a:t>
-            </a:r>
-            <a:endParaRPr lang="en-US" sz="2800" dirty="0"/>
+              <a:t>A semicolon ; is used to separate different commands. The compiler and the interpreter both ignore line breaks in the source code, so we could write the entire program on a single line.</a:t>
+            </a:r>
           </a:p>
         </p:txBody>
       </p:sp>

--- a/Week 1/AP CS A - Week 1 Lecture.pptx
+++ b/Week 1/AP CS A - Week 1 Lecture.pptx
@@ -9763,7 +9763,7 @@
                                         <p:tgtEl>
                                           <p:spTgt spid="3">
                                             <p:txEl>
-                                              <p:pRg st="2" end="2"/>
+                                              <p:pRg st="1" end="1"/>
                                             </p:txEl>
                                           </p:spTgt>
                                         </p:tgtEl>
@@ -9781,7 +9781,7 @@
                                         <p:tgtEl>
                                           <p:spTgt spid="3">
                                             <p:txEl>
-                                              <p:pRg st="2" end="2"/>
+                                              <p:pRg st="1" end="1"/>
                                             </p:txEl>
                                           </p:spTgt>
                                         </p:tgtEl>
@@ -9824,7 +9824,7 @@
                                         <p:tgtEl>
                                           <p:spTgt spid="3">
                                             <p:txEl>
-                                              <p:pRg st="3" end="3"/>
+                                              <p:pRg st="2" end="2"/>
                                             </p:txEl>
                                           </p:spTgt>
                                         </p:tgtEl>
@@ -9842,7 +9842,7 @@
                                         <p:tgtEl>
                                           <p:spTgt spid="3">
                                             <p:txEl>
-                                              <p:pRg st="3" end="3"/>
+                                              <p:pRg st="2" end="2"/>
                                             </p:txEl>
                                           </p:spTgt>
                                         </p:tgtEl>
@@ -9885,6 +9885,67 @@
                                         <p:tgtEl>
                                           <p:spTgt spid="3">
                                             <p:txEl>
+                                              <p:pRg st="3" end="3"/>
+                                            </p:txEl>
+                                          </p:spTgt>
+                                        </p:tgtEl>
+                                        <p:attrNameLst>
+                                          <p:attrName>style.visibility</p:attrName>
+                                        </p:attrNameLst>
+                                      </p:cBhvr>
+                                      <p:to>
+                                        <p:strVal val="visible"/>
+                                      </p:to>
+                                    </p:set>
+                                    <p:animEffect transition="in" filter="fade">
+                                      <p:cBhvr>
+                                        <p:cTn id="22" dur="500"/>
+                                        <p:tgtEl>
+                                          <p:spTgt spid="3">
+                                            <p:txEl>
+                                              <p:pRg st="3" end="3"/>
+                                            </p:txEl>
+                                          </p:spTgt>
+                                        </p:tgtEl>
+                                      </p:cBhvr>
+                                    </p:animEffect>
+                                  </p:childTnLst>
+                                </p:cTn>
+                              </p:par>
+                            </p:childTnLst>
+                          </p:cTn>
+                        </p:par>
+                      </p:childTnLst>
+                    </p:cTn>
+                  </p:par>
+                  <p:par>
+                    <p:cTn id="23" fill="hold">
+                      <p:stCondLst>
+                        <p:cond delay="indefinite"/>
+                      </p:stCondLst>
+                      <p:childTnLst>
+                        <p:par>
+                          <p:cTn id="24" fill="hold">
+                            <p:stCondLst>
+                              <p:cond delay="0"/>
+                            </p:stCondLst>
+                            <p:childTnLst>
+                              <p:par>
+                                <p:cTn id="25" presetID="10" presetClass="entr" presetSubtype="0" fill="hold" nodeType="clickEffect">
+                                  <p:stCondLst>
+                                    <p:cond delay="0"/>
+                                  </p:stCondLst>
+                                  <p:childTnLst>
+                                    <p:set>
+                                      <p:cBhvr>
+                                        <p:cTn id="26" dur="1" fill="hold">
+                                          <p:stCondLst>
+                                            <p:cond delay="0"/>
+                                          </p:stCondLst>
+                                        </p:cTn>
+                                        <p:tgtEl>
+                                          <p:spTgt spid="3">
+                                            <p:txEl>
                                               <p:pRg st="4" end="4"/>
                                             </p:txEl>
                                           </p:spTgt>
@@ -9899,7 +9960,7 @@
                                     </p:set>
                                     <p:animEffect transition="in" filter="fade">
                                       <p:cBhvr>
-                                        <p:cTn id="22" dur="500"/>
+                                        <p:cTn id="27" dur="500"/>
                                         <p:tgtEl>
                                           <p:spTgt spid="3">
                                             <p:txEl>
@@ -11961,14 +12022,10 @@
             </a:r>
             <a:r>
               <a:rPr lang="en-US" sz="2800" dirty="0"/>
-              <a:t>. Source code is saved in </a:t>
-            </a:r>
-            <a:r>
-              <a:rPr lang="en-US" sz="2800"/>
-              <a:t>a </a:t>
-            </a:r>
-            <a:r>
-              <a:rPr lang="en-US" sz="2800" smtClean="0"/>
+              <a:t>. Source code is saved in a </a:t>
+            </a:r>
+            <a:r>
+              <a:rPr lang="en-US" sz="2800" dirty="0" smtClean="0"/>
               <a:t>text </a:t>
             </a:r>
             <a:r>

--- a/Week 1/AP CS A - Week 1 Lecture.pptx
+++ b/Week 1/AP CS A - Week 1 Lecture.pptx
@@ -5,31 +5,32 @@
     <p:sldMasterId id="2147483648" r:id="rId1"/>
   </p:sldMasterIdLst>
   <p:notesMasterIdLst>
-    <p:notesMasterId r:id="rId24"/>
+    <p:notesMasterId r:id="rId25"/>
   </p:notesMasterIdLst>
   <p:sldIdLst>
     <p:sldId id="256" r:id="rId2"/>
     <p:sldId id="257" r:id="rId3"/>
     <p:sldId id="258" r:id="rId4"/>
     <p:sldId id="259" r:id="rId5"/>
-    <p:sldId id="260" r:id="rId6"/>
-    <p:sldId id="261" r:id="rId7"/>
-    <p:sldId id="262" r:id="rId8"/>
-    <p:sldId id="263" r:id="rId9"/>
-    <p:sldId id="264" r:id="rId10"/>
-    <p:sldId id="265" r:id="rId11"/>
-    <p:sldId id="266" r:id="rId12"/>
-    <p:sldId id="267" r:id="rId13"/>
-    <p:sldId id="277" r:id="rId14"/>
-    <p:sldId id="268" r:id="rId15"/>
-    <p:sldId id="269" r:id="rId16"/>
-    <p:sldId id="270" r:id="rId17"/>
-    <p:sldId id="271" r:id="rId18"/>
-    <p:sldId id="272" r:id="rId19"/>
-    <p:sldId id="273" r:id="rId20"/>
-    <p:sldId id="274" r:id="rId21"/>
-    <p:sldId id="275" r:id="rId22"/>
-    <p:sldId id="276" r:id="rId23"/>
+    <p:sldId id="278" r:id="rId6"/>
+    <p:sldId id="260" r:id="rId7"/>
+    <p:sldId id="261" r:id="rId8"/>
+    <p:sldId id="262" r:id="rId9"/>
+    <p:sldId id="263" r:id="rId10"/>
+    <p:sldId id="264" r:id="rId11"/>
+    <p:sldId id="265" r:id="rId12"/>
+    <p:sldId id="266" r:id="rId13"/>
+    <p:sldId id="267" r:id="rId14"/>
+    <p:sldId id="277" r:id="rId15"/>
+    <p:sldId id="268" r:id="rId16"/>
+    <p:sldId id="269" r:id="rId17"/>
+    <p:sldId id="270" r:id="rId18"/>
+    <p:sldId id="271" r:id="rId19"/>
+    <p:sldId id="272" r:id="rId20"/>
+    <p:sldId id="273" r:id="rId21"/>
+    <p:sldId id="274" r:id="rId22"/>
+    <p:sldId id="275" r:id="rId23"/>
+    <p:sldId id="276" r:id="rId24"/>
   </p:sldIdLst>
   <p:sldSz cx="9144000" cy="5143500" type="screen16x9"/>
   <p:notesSz cx="6858000" cy="9144000"/>
@@ -3797,7 +3798,12 @@
             <p:ph idx="1"/>
           </p:nvPr>
         </p:nvSpPr>
-        <p:spPr/>
+        <p:spPr>
+          <a:xfrm>
+            <a:off x="457200" y="1200151"/>
+            <a:ext cx="8229600" cy="2971799"/>
+          </a:xfrm>
+        </p:spPr>
         <p:txBody>
           <a:bodyPr>
             <a:normAutofit/>
@@ -3809,7 +3815,7 @@
             </a:pPr>
             <a:r>
               <a:rPr lang="en-US" b="1" dirty="0" smtClean="0"/>
-              <a:t>Parameters:</a:t>
+              <a:t>Semicolon:</a:t>
             </a:r>
           </a:p>
           <a:p>
@@ -3822,15 +3828,7 @@
             </a:r>
             <a:r>
               <a:rPr lang="en-US" sz="2800" dirty="0"/>
-              <a:t>The information processed by a command are the </a:t>
-            </a:r>
-            <a:r>
-              <a:rPr lang="en-US" sz="2800" i="1" dirty="0"/>
-              <a:t>parameters of a command</a:t>
-            </a:r>
-            <a:r>
-              <a:rPr lang="en-US" sz="2800" dirty="0"/>
-              <a:t>. They are passed to the command by placing them between () brackets that follow the command name.</a:t>
+              <a:t>A semicolon ; is used to separate different commands. The compiler and the interpreter both ignore line breaks in the source code, so we could write the entire program on a single line.</a:t>
             </a:r>
           </a:p>
         </p:txBody>
@@ -3838,7 +3836,7 @@
     </p:spTree>
     <p:extLst>
       <p:ext uri="{BB962C8B-B14F-4D97-AF65-F5344CB8AC3E}">
-        <p14:creationId xmlns:p14="http://schemas.microsoft.com/office/powerpoint/2010/main" val="1820349556"/>
+        <p14:creationId xmlns:p14="http://schemas.microsoft.com/office/powerpoint/2010/main" val="3534887587"/>
       </p:ext>
     </p:extLst>
   </p:cSld>
@@ -4052,7 +4050,9 @@
         </p:nvSpPr>
         <p:spPr/>
         <p:txBody>
-          <a:bodyPr/>
+          <a:bodyPr>
+            <a:normAutofit/>
+          </a:bodyPr>
           <a:lstStyle/>
           <a:p>
             <a:pPr marL="0" indent="0">
@@ -4060,7 +4060,7 @@
             </a:pPr>
             <a:r>
               <a:rPr lang="en-US" b="1" dirty="0" smtClean="0"/>
-              <a:t>Comments:</a:t>
+              <a:t>Parameters:</a:t>
             </a:r>
           </a:p>
           <a:p>
@@ -4068,25 +4068,28 @@
               <a:buNone/>
             </a:pPr>
             <a:r>
-              <a:rPr lang="en-US" b="1" dirty="0"/>
+              <a:rPr lang="en-US" dirty="0"/>
               <a:t>	</a:t>
             </a:r>
             <a:r>
+              <a:rPr lang="en-US" sz="2800" dirty="0"/>
+              <a:t>The information processed by a command are the </a:t>
+            </a:r>
+            <a:r>
               <a:rPr lang="en-US" sz="2800" i="1" dirty="0"/>
-              <a:t>Comments</a:t>
+              <a:t>parameters of a command</a:t>
             </a:r>
             <a:r>
               <a:rPr lang="en-US" sz="2800" dirty="0"/>
-              <a:t> are a useful way to make notes in the source code for yourself and others. Everything on a line after two forward slashes // is treated as a comment.</a:t>
-            </a:r>
-            <a:endParaRPr lang="en-US" sz="2800" b="1" dirty="0"/>
+              <a:t>. They are passed to the command by placing them between () brackets that follow the command name.</a:t>
+            </a:r>
           </a:p>
         </p:txBody>
       </p:sp>
     </p:spTree>
     <p:extLst>
       <p:ext uri="{BB962C8B-B14F-4D97-AF65-F5344CB8AC3E}">
-        <p14:creationId xmlns:p14="http://schemas.microsoft.com/office/powerpoint/2010/main" val="980862565"/>
+        <p14:creationId xmlns:p14="http://schemas.microsoft.com/office/powerpoint/2010/main" val="1820349556"/>
       </p:ext>
     </p:extLst>
   </p:cSld>
@@ -4308,7 +4311,7 @@
             </a:pPr>
             <a:r>
               <a:rPr lang="en-US" b="1" dirty="0" smtClean="0"/>
-              <a:t>Main program body:</a:t>
+              <a:t>Comments:</a:t>
             </a:r>
           </a:p>
           <a:p>
@@ -4320,24 +4323,12 @@
               <a:t>	</a:t>
             </a:r>
             <a:r>
+              <a:rPr lang="en-US" sz="2800" i="1" dirty="0"/>
+              <a:t>Comments</a:t>
+            </a:r>
+            <a:r>
               <a:rPr lang="en-US" sz="2800" dirty="0"/>
-              <a:t>The program is stored in a text file named after the program with the </a:t>
-            </a:r>
-            <a:r>
-              <a:rPr lang="en-US" sz="2800" i="1" dirty="0"/>
-              <a:t>.java</a:t>
-            </a:r>
-            <a:r>
-              <a:rPr lang="en-US" sz="2800" dirty="0"/>
-              <a:t> extension. For a program named </a:t>
-            </a:r>
-            <a:r>
-              <a:rPr lang="en-US" sz="2800" i="1" dirty="0"/>
-              <a:t>Example</a:t>
-            </a:r>
-            <a:r>
-              <a:rPr lang="en-US" sz="2800" dirty="0"/>
-              <a:t>, the file should be named Example.java.</a:t>
+              <a:t> are a useful way to make notes in the source code for yourself and others. Everything on a line after two forward slashes // is treated as a comment.</a:t>
             </a:r>
             <a:endParaRPr lang="en-US" sz="2800" b="1" dirty="0"/>
           </a:p>
@@ -4346,7 +4337,7 @@
     </p:spTree>
     <p:extLst>
       <p:ext uri="{BB962C8B-B14F-4D97-AF65-F5344CB8AC3E}">
-        <p14:creationId xmlns:p14="http://schemas.microsoft.com/office/powerpoint/2010/main" val="1472311601"/>
+        <p14:creationId xmlns:p14="http://schemas.microsoft.com/office/powerpoint/2010/main" val="980862565"/>
       </p:ext>
     </p:extLst>
   </p:cSld>
@@ -4532,6 +4523,266 @@
             <a:spLocks noGrp="1"/>
           </p:cNvSpPr>
           <p:nvPr>
+            <p:ph type="title"/>
+          </p:nvPr>
+        </p:nvSpPr>
+        <p:spPr/>
+        <p:txBody>
+          <a:bodyPr/>
+          <a:lstStyle/>
+          <a:p>
+            <a:r>
+              <a:rPr lang="en-US" dirty="0" smtClean="0"/>
+              <a:t>The Program</a:t>
+            </a:r>
+            <a:endParaRPr lang="en-US" dirty="0"/>
+          </a:p>
+        </p:txBody>
+      </p:sp>
+      <p:sp>
+        <p:nvSpPr>
+          <p:cNvPr id="3" name="Content Placeholder 2"/>
+          <p:cNvSpPr>
+            <a:spLocks noGrp="1"/>
+          </p:cNvSpPr>
+          <p:nvPr>
+            <p:ph idx="1"/>
+          </p:nvPr>
+        </p:nvSpPr>
+        <p:spPr/>
+        <p:txBody>
+          <a:bodyPr/>
+          <a:lstStyle/>
+          <a:p>
+            <a:pPr marL="0" indent="0">
+              <a:buNone/>
+            </a:pPr>
+            <a:r>
+              <a:rPr lang="en-US" b="1" dirty="0" smtClean="0"/>
+              <a:t>Main program body:</a:t>
+            </a:r>
+          </a:p>
+          <a:p>
+            <a:pPr marL="0" indent="0">
+              <a:buNone/>
+            </a:pPr>
+            <a:r>
+              <a:rPr lang="en-US" b="1" dirty="0"/>
+              <a:t>	</a:t>
+            </a:r>
+            <a:r>
+              <a:rPr lang="en-US" sz="2800" dirty="0"/>
+              <a:t>The program is stored in a text file named after the program with the </a:t>
+            </a:r>
+            <a:r>
+              <a:rPr lang="en-US" sz="2800" i="1" dirty="0"/>
+              <a:t>.java</a:t>
+            </a:r>
+            <a:r>
+              <a:rPr lang="en-US" sz="2800" dirty="0"/>
+              <a:t> extension. For a program named </a:t>
+            </a:r>
+            <a:r>
+              <a:rPr lang="en-US" sz="2800" i="1" dirty="0"/>
+              <a:t>Example</a:t>
+            </a:r>
+            <a:r>
+              <a:rPr lang="en-US" sz="2800" dirty="0"/>
+              <a:t>, the file should be named Example.java.</a:t>
+            </a:r>
+            <a:endParaRPr lang="en-US" sz="2800" b="1" dirty="0"/>
+          </a:p>
+        </p:txBody>
+      </p:sp>
+    </p:spTree>
+    <p:extLst>
+      <p:ext uri="{BB962C8B-B14F-4D97-AF65-F5344CB8AC3E}">
+        <p14:creationId xmlns:p14="http://schemas.microsoft.com/office/powerpoint/2010/main" val="1472311601"/>
+      </p:ext>
+    </p:extLst>
+  </p:cSld>
+  <p:clrMapOvr>
+    <a:masterClrMapping/>
+  </p:clrMapOvr>
+  <p:timing>
+    <p:tnLst>
+      <p:par>
+        <p:cTn id="1" dur="indefinite" restart="never" nodeType="tmRoot">
+          <p:childTnLst>
+            <p:seq concurrent="1" nextAc="seek">
+              <p:cTn id="2" dur="indefinite" nodeType="mainSeq">
+                <p:childTnLst>
+                  <p:par>
+                    <p:cTn id="3" fill="hold">
+                      <p:stCondLst>
+                        <p:cond delay="indefinite"/>
+                      </p:stCondLst>
+                      <p:childTnLst>
+                        <p:par>
+                          <p:cTn id="4" fill="hold">
+                            <p:stCondLst>
+                              <p:cond delay="0"/>
+                            </p:stCondLst>
+                            <p:childTnLst>
+                              <p:par>
+                                <p:cTn id="5" presetID="10" presetClass="entr" presetSubtype="0" fill="hold" nodeType="clickEffect">
+                                  <p:stCondLst>
+                                    <p:cond delay="0"/>
+                                  </p:stCondLst>
+                                  <p:childTnLst>
+                                    <p:set>
+                                      <p:cBhvr>
+                                        <p:cTn id="6" dur="1" fill="hold">
+                                          <p:stCondLst>
+                                            <p:cond delay="0"/>
+                                          </p:stCondLst>
+                                        </p:cTn>
+                                        <p:tgtEl>
+                                          <p:spTgt spid="3">
+                                            <p:txEl>
+                                              <p:pRg st="0" end="0"/>
+                                            </p:txEl>
+                                          </p:spTgt>
+                                        </p:tgtEl>
+                                        <p:attrNameLst>
+                                          <p:attrName>style.visibility</p:attrName>
+                                        </p:attrNameLst>
+                                      </p:cBhvr>
+                                      <p:to>
+                                        <p:strVal val="visible"/>
+                                      </p:to>
+                                    </p:set>
+                                    <p:animEffect transition="in" filter="fade">
+                                      <p:cBhvr>
+                                        <p:cTn id="7" dur="500"/>
+                                        <p:tgtEl>
+                                          <p:spTgt spid="3">
+                                            <p:txEl>
+                                              <p:pRg st="0" end="0"/>
+                                            </p:txEl>
+                                          </p:spTgt>
+                                        </p:tgtEl>
+                                      </p:cBhvr>
+                                    </p:animEffect>
+                                  </p:childTnLst>
+                                </p:cTn>
+                              </p:par>
+                            </p:childTnLst>
+                          </p:cTn>
+                        </p:par>
+                      </p:childTnLst>
+                    </p:cTn>
+                  </p:par>
+                  <p:par>
+                    <p:cTn id="8" fill="hold">
+                      <p:stCondLst>
+                        <p:cond delay="indefinite"/>
+                      </p:stCondLst>
+                      <p:childTnLst>
+                        <p:par>
+                          <p:cTn id="9" fill="hold">
+                            <p:stCondLst>
+                              <p:cond delay="0"/>
+                            </p:stCondLst>
+                            <p:childTnLst>
+                              <p:par>
+                                <p:cTn id="10" presetID="10" presetClass="entr" presetSubtype="0" fill="hold" nodeType="clickEffect">
+                                  <p:stCondLst>
+                                    <p:cond delay="0"/>
+                                  </p:stCondLst>
+                                  <p:childTnLst>
+                                    <p:set>
+                                      <p:cBhvr>
+                                        <p:cTn id="11" dur="1" fill="hold">
+                                          <p:stCondLst>
+                                            <p:cond delay="0"/>
+                                          </p:stCondLst>
+                                        </p:cTn>
+                                        <p:tgtEl>
+                                          <p:spTgt spid="3">
+                                            <p:txEl>
+                                              <p:pRg st="1" end="1"/>
+                                            </p:txEl>
+                                          </p:spTgt>
+                                        </p:tgtEl>
+                                        <p:attrNameLst>
+                                          <p:attrName>style.visibility</p:attrName>
+                                        </p:attrNameLst>
+                                      </p:cBhvr>
+                                      <p:to>
+                                        <p:strVal val="visible"/>
+                                      </p:to>
+                                    </p:set>
+                                    <p:animEffect transition="in" filter="fade">
+                                      <p:cBhvr>
+                                        <p:cTn id="12" dur="500"/>
+                                        <p:tgtEl>
+                                          <p:spTgt spid="3">
+                                            <p:txEl>
+                                              <p:pRg st="1" end="1"/>
+                                            </p:txEl>
+                                          </p:spTgt>
+                                        </p:tgtEl>
+                                      </p:cBhvr>
+                                    </p:animEffect>
+                                  </p:childTnLst>
+                                </p:cTn>
+                              </p:par>
+                            </p:childTnLst>
+                          </p:cTn>
+                        </p:par>
+                      </p:childTnLst>
+                    </p:cTn>
+                  </p:par>
+                </p:childTnLst>
+              </p:cTn>
+              <p:prevCondLst>
+                <p:cond evt="onPrev" delay="0">
+                  <p:tgtEl>
+                    <p:sldTgt/>
+                  </p:tgtEl>
+                </p:cond>
+              </p:prevCondLst>
+              <p:nextCondLst>
+                <p:cond evt="onNext" delay="0">
+                  <p:tgtEl>
+                    <p:sldTgt/>
+                  </p:tgtEl>
+                </p:cond>
+              </p:nextCondLst>
+            </p:seq>
+          </p:childTnLst>
+        </p:cTn>
+      </p:par>
+    </p:tnLst>
+  </p:timing>
+</p:sld>
+</file>
+
+<file path=ppt/slides/slide14.xml><?xml version="1.0" encoding="utf-8"?>
+<p:sld xmlns:a="http://schemas.openxmlformats.org/drawingml/2006/main" xmlns:r="http://schemas.openxmlformats.org/officeDocument/2006/relationships" xmlns:p="http://schemas.openxmlformats.org/presentationml/2006/main">
+  <p:cSld>
+    <p:spTree>
+      <p:nvGrpSpPr>
+        <p:cNvPr id="1" name=""/>
+        <p:cNvGrpSpPr/>
+        <p:nvPr/>
+      </p:nvGrpSpPr>
+      <p:grpSpPr>
+        <a:xfrm>
+          <a:off x="0" y="0"/>
+          <a:ext cx="0" cy="0"/>
+          <a:chOff x="0" y="0"/>
+          <a:chExt cx="0" cy="0"/>
+        </a:xfrm>
+      </p:grpSpPr>
+      <p:sp>
+        <p:nvSpPr>
+          <p:cNvPr id="2" name="Title 1"/>
+          <p:cNvSpPr>
+            <a:spLocks noGrp="1"/>
+          </p:cNvSpPr>
+          <p:nvPr>
             <p:ph type="ctrTitle"/>
           </p:nvPr>
         </p:nvSpPr>
@@ -4591,7 +4842,7 @@
 </p:sld>
 </file>
 
-<file path=ppt/slides/slide14.xml><?xml version="1.0" encoding="utf-8"?>
+<file path=ppt/slides/slide15.xml><?xml version="1.0" encoding="utf-8"?>
 <p:sld xmlns:a="http://schemas.openxmlformats.org/drawingml/2006/main" xmlns:r="http://schemas.openxmlformats.org/officeDocument/2006/relationships" xmlns:p="http://schemas.openxmlformats.org/presentationml/2006/main">
   <p:cSld>
     <p:spTree>
@@ -5132,7 +5383,7 @@
 </p:sld>
 </file>
 
-<file path=ppt/slides/slide15.xml><?xml version="1.0" encoding="utf-8"?>
+<file path=ppt/slides/slide16.xml><?xml version="1.0" encoding="utf-8"?>
 <p:sld xmlns:a="http://schemas.openxmlformats.org/drawingml/2006/main" xmlns:r="http://schemas.openxmlformats.org/officeDocument/2006/relationships" xmlns:p="http://schemas.openxmlformats.org/presentationml/2006/main">
   <p:cSld>
     <p:spTree>
@@ -5510,316 +5761,6 @@
 </p:sld>
 </file>
 
-<file path=ppt/slides/slide16.xml><?xml version="1.0" encoding="utf-8"?>
-<p:sld xmlns:a="http://schemas.openxmlformats.org/drawingml/2006/main" xmlns:r="http://schemas.openxmlformats.org/officeDocument/2006/relationships" xmlns:p="http://schemas.openxmlformats.org/presentationml/2006/main">
-  <p:cSld>
-    <p:spTree>
-      <p:nvGrpSpPr>
-        <p:cNvPr id="1" name=""/>
-        <p:cNvGrpSpPr/>
-        <p:nvPr/>
-      </p:nvGrpSpPr>
-      <p:grpSpPr>
-        <a:xfrm>
-          <a:off x="0" y="0"/>
-          <a:ext cx="0" cy="0"/>
-          <a:chOff x="0" y="0"/>
-          <a:chExt cx="0" cy="0"/>
-        </a:xfrm>
-      </p:grpSpPr>
-      <p:sp>
-        <p:nvSpPr>
-          <p:cNvPr id="2" name="Title 1"/>
-          <p:cNvSpPr>
-            <a:spLocks noGrp="1"/>
-          </p:cNvSpPr>
-          <p:nvPr>
-            <p:ph type="title"/>
-          </p:nvPr>
-        </p:nvSpPr>
-        <p:spPr/>
-        <p:txBody>
-          <a:bodyPr/>
-          <a:lstStyle/>
-          <a:p>
-            <a:r>
-              <a:rPr lang="en-US" dirty="0" smtClean="0"/>
-              <a:t>Calculation</a:t>
-            </a:r>
-            <a:endParaRPr lang="en-US" dirty="0"/>
-          </a:p>
-        </p:txBody>
-      </p:sp>
-      <p:sp>
-        <p:nvSpPr>
-          <p:cNvPr id="3" name="Content Placeholder 2"/>
-          <p:cNvSpPr>
-            <a:spLocks noGrp="1"/>
-          </p:cNvSpPr>
-          <p:nvPr>
-            <p:ph idx="1"/>
-          </p:nvPr>
-        </p:nvSpPr>
-        <p:spPr/>
-        <p:txBody>
-          <a:bodyPr>
-            <a:normAutofit/>
-          </a:bodyPr>
-          <a:lstStyle/>
-          <a:p>
-            <a:r>
-              <a:rPr lang="en-US" sz="2400" dirty="0"/>
-              <a:t>The calculation operations are pretty straightforward: +, -, * and </a:t>
-            </a:r>
-            <a:r>
-              <a:rPr lang="en-US" sz="2400" dirty="0" smtClean="0"/>
-              <a:t>/.</a:t>
-            </a:r>
-          </a:p>
-          <a:p>
-            <a:r>
-              <a:rPr lang="en-US" sz="2400" dirty="0"/>
-              <a:t>A more peculiar operation is the modulo operation %, which calculates the remainder of a division</a:t>
-            </a:r>
-            <a:r>
-              <a:rPr lang="en-US" sz="2400" dirty="0" smtClean="0"/>
-              <a:t>.</a:t>
-            </a:r>
-          </a:p>
-          <a:p>
-            <a:r>
-              <a:rPr lang="en-US" sz="2400" dirty="0"/>
-              <a:t>The order of operations is also pretty straightforward: the operations are calculated from left to right taking the parentheses into account.</a:t>
-            </a:r>
-          </a:p>
-        </p:txBody>
-      </p:sp>
-    </p:spTree>
-    <p:extLst>
-      <p:ext uri="{BB962C8B-B14F-4D97-AF65-F5344CB8AC3E}">
-        <p14:creationId xmlns:p14="http://schemas.microsoft.com/office/powerpoint/2010/main" val="2511286958"/>
-      </p:ext>
-    </p:extLst>
-  </p:cSld>
-  <p:clrMapOvr>
-    <a:masterClrMapping/>
-  </p:clrMapOvr>
-  <p:timing>
-    <p:tnLst>
-      <p:par>
-        <p:cTn id="1" dur="indefinite" restart="never" nodeType="tmRoot">
-          <p:childTnLst>
-            <p:seq concurrent="1" nextAc="seek">
-              <p:cTn id="2" dur="indefinite" nodeType="mainSeq">
-                <p:childTnLst>
-                  <p:par>
-                    <p:cTn id="3" fill="hold">
-                      <p:stCondLst>
-                        <p:cond delay="indefinite"/>
-                      </p:stCondLst>
-                      <p:childTnLst>
-                        <p:par>
-                          <p:cTn id="4" fill="hold">
-                            <p:stCondLst>
-                              <p:cond delay="0"/>
-                            </p:stCondLst>
-                            <p:childTnLst>
-                              <p:par>
-                                <p:cTn id="5" presetID="10" presetClass="entr" presetSubtype="0" fill="hold" nodeType="clickEffect">
-                                  <p:stCondLst>
-                                    <p:cond delay="0"/>
-                                  </p:stCondLst>
-                                  <p:childTnLst>
-                                    <p:set>
-                                      <p:cBhvr>
-                                        <p:cTn id="6" dur="1" fill="hold">
-                                          <p:stCondLst>
-                                            <p:cond delay="0"/>
-                                          </p:stCondLst>
-                                        </p:cTn>
-                                        <p:tgtEl>
-                                          <p:spTgt spid="3">
-                                            <p:txEl>
-                                              <p:pRg st="0" end="0"/>
-                                            </p:txEl>
-                                          </p:spTgt>
-                                        </p:tgtEl>
-                                        <p:attrNameLst>
-                                          <p:attrName>style.visibility</p:attrName>
-                                        </p:attrNameLst>
-                                      </p:cBhvr>
-                                      <p:to>
-                                        <p:strVal val="visible"/>
-                                      </p:to>
-                                    </p:set>
-                                    <p:animEffect transition="in" filter="fade">
-                                      <p:cBhvr>
-                                        <p:cTn id="7" dur="500"/>
-                                        <p:tgtEl>
-                                          <p:spTgt spid="3">
-                                            <p:txEl>
-                                              <p:pRg st="0" end="0"/>
-                                            </p:txEl>
-                                          </p:spTgt>
-                                        </p:tgtEl>
-                                      </p:cBhvr>
-                                    </p:animEffect>
-                                  </p:childTnLst>
-                                </p:cTn>
-                              </p:par>
-                            </p:childTnLst>
-                          </p:cTn>
-                        </p:par>
-                      </p:childTnLst>
-                    </p:cTn>
-                  </p:par>
-                  <p:par>
-                    <p:cTn id="8" fill="hold">
-                      <p:stCondLst>
-                        <p:cond delay="indefinite"/>
-                      </p:stCondLst>
-                      <p:childTnLst>
-                        <p:par>
-                          <p:cTn id="9" fill="hold">
-                            <p:stCondLst>
-                              <p:cond delay="0"/>
-                            </p:stCondLst>
-                            <p:childTnLst>
-                              <p:par>
-                                <p:cTn id="10" presetID="10" presetClass="entr" presetSubtype="0" fill="hold" nodeType="clickEffect">
-                                  <p:stCondLst>
-                                    <p:cond delay="0"/>
-                                  </p:stCondLst>
-                                  <p:childTnLst>
-                                    <p:set>
-                                      <p:cBhvr>
-                                        <p:cTn id="11" dur="1" fill="hold">
-                                          <p:stCondLst>
-                                            <p:cond delay="0"/>
-                                          </p:stCondLst>
-                                        </p:cTn>
-                                        <p:tgtEl>
-                                          <p:spTgt spid="3">
-                                            <p:txEl>
-                                              <p:pRg st="1" end="1"/>
-                                            </p:txEl>
-                                          </p:spTgt>
-                                        </p:tgtEl>
-                                        <p:attrNameLst>
-                                          <p:attrName>style.visibility</p:attrName>
-                                        </p:attrNameLst>
-                                      </p:cBhvr>
-                                      <p:to>
-                                        <p:strVal val="visible"/>
-                                      </p:to>
-                                    </p:set>
-                                    <p:animEffect transition="in" filter="fade">
-                                      <p:cBhvr>
-                                        <p:cTn id="12" dur="500"/>
-                                        <p:tgtEl>
-                                          <p:spTgt spid="3">
-                                            <p:txEl>
-                                              <p:pRg st="1" end="1"/>
-                                            </p:txEl>
-                                          </p:spTgt>
-                                        </p:tgtEl>
-                                      </p:cBhvr>
-                                    </p:animEffect>
-                                  </p:childTnLst>
-                                </p:cTn>
-                              </p:par>
-                            </p:childTnLst>
-                          </p:cTn>
-                        </p:par>
-                      </p:childTnLst>
-                    </p:cTn>
-                  </p:par>
-                  <p:par>
-                    <p:cTn id="13" fill="hold">
-                      <p:stCondLst>
-                        <p:cond delay="indefinite"/>
-                      </p:stCondLst>
-                      <p:childTnLst>
-                        <p:par>
-                          <p:cTn id="14" fill="hold">
-                            <p:stCondLst>
-                              <p:cond delay="0"/>
-                            </p:stCondLst>
-                            <p:childTnLst>
-                              <p:par>
-                                <p:cTn id="15" presetID="10" presetClass="entr" presetSubtype="0" fill="hold" nodeType="clickEffect">
-                                  <p:stCondLst>
-                                    <p:cond delay="0"/>
-                                  </p:stCondLst>
-                                  <p:childTnLst>
-                                    <p:set>
-                                      <p:cBhvr>
-                                        <p:cTn id="16" dur="1" fill="hold">
-                                          <p:stCondLst>
-                                            <p:cond delay="0"/>
-                                          </p:stCondLst>
-                                        </p:cTn>
-                                        <p:tgtEl>
-                                          <p:spTgt spid="3">
-                                            <p:txEl>
-                                              <p:pRg st="2" end="2"/>
-                                            </p:txEl>
-                                          </p:spTgt>
-                                        </p:tgtEl>
-                                        <p:attrNameLst>
-                                          <p:attrName>style.visibility</p:attrName>
-                                        </p:attrNameLst>
-                                      </p:cBhvr>
-                                      <p:to>
-                                        <p:strVal val="visible"/>
-                                      </p:to>
-                                    </p:set>
-                                    <p:animEffect transition="in" filter="fade">
-                                      <p:cBhvr>
-                                        <p:cTn id="17" dur="500"/>
-                                        <p:tgtEl>
-                                          <p:spTgt spid="3">
-                                            <p:txEl>
-                                              <p:pRg st="2" end="2"/>
-                                            </p:txEl>
-                                          </p:spTgt>
-                                        </p:tgtEl>
-                                      </p:cBhvr>
-                                    </p:animEffect>
-                                  </p:childTnLst>
-                                </p:cTn>
-                              </p:par>
-                            </p:childTnLst>
-                          </p:cTn>
-                        </p:par>
-                      </p:childTnLst>
-                    </p:cTn>
-                  </p:par>
-                </p:childTnLst>
-              </p:cTn>
-              <p:prevCondLst>
-                <p:cond evt="onPrev" delay="0">
-                  <p:tgtEl>
-                    <p:sldTgt/>
-                  </p:tgtEl>
-                </p:cond>
-              </p:prevCondLst>
-              <p:nextCondLst>
-                <p:cond evt="onNext" delay="0">
-                  <p:tgtEl>
-                    <p:sldTgt/>
-                  </p:tgtEl>
-                </p:cond>
-              </p:nextCondLst>
-            </p:seq>
-          </p:childTnLst>
-        </p:cTn>
-      </p:par>
-    </p:tnLst>
-  </p:timing>
-</p:sld>
-</file>
-
 <file path=ppt/slides/slide17.xml><?xml version="1.0" encoding="utf-8"?>
 <p:sld xmlns:a="http://schemas.openxmlformats.org/drawingml/2006/main" xmlns:r="http://schemas.openxmlformats.org/officeDocument/2006/relationships" xmlns:p="http://schemas.openxmlformats.org/presentationml/2006/main">
   <p:cSld>
@@ -5854,7 +5795,7 @@
           <a:p>
             <a:r>
               <a:rPr lang="en-US" dirty="0" smtClean="0"/>
-              <a:t>Floating point numbers</a:t>
+              <a:t>Calculation</a:t>
             </a:r>
             <a:endParaRPr lang="en-US" dirty="0"/>
           </a:p>
@@ -5878,28 +5819,28 @@
           <a:lstStyle/>
           <a:p>
             <a:r>
-              <a:rPr lang="en-US" sz="2800" dirty="0"/>
-              <a:t>Calculating the division and remainder of whole numbers is a little trickier</a:t>
-            </a:r>
-            <a:r>
-              <a:rPr lang="en-US" sz="2800" dirty="0" smtClean="0"/>
+              <a:rPr lang="en-US" sz="2400" dirty="0"/>
+              <a:t>The calculation operations are pretty straightforward: +, -, * and </a:t>
+            </a:r>
+            <a:r>
+              <a:rPr lang="en-US" sz="2400" dirty="0" smtClean="0"/>
+              <a:t>/.</a:t>
+            </a:r>
+          </a:p>
+          <a:p>
+            <a:r>
+              <a:rPr lang="en-US" sz="2400" dirty="0"/>
+              <a:t>A more peculiar operation is the modulo operation %, which calculates the remainder of a division</a:t>
+            </a:r>
+            <a:r>
+              <a:rPr lang="en-US" sz="2400" dirty="0" smtClean="0"/>
               <a:t>.</a:t>
             </a:r>
           </a:p>
           <a:p>
             <a:r>
-              <a:rPr lang="en-US" sz="2800" dirty="0"/>
-              <a:t>A floating point number (decimal number) and integer (whole number) often get mixed up</a:t>
-            </a:r>
-            <a:r>
-              <a:rPr lang="en-US" sz="2800" dirty="0" smtClean="0"/>
-              <a:t>.</a:t>
-            </a:r>
-          </a:p>
-          <a:p>
-            <a:r>
-              <a:rPr lang="en-US" sz="2800" dirty="0"/>
-              <a:t>If all the variables in a calculation operation are integers, the end result will also be an integer.</a:t>
+              <a:rPr lang="en-US" sz="2400" dirty="0"/>
+              <a:t>The order of operations is also pretty straightforward: the operations are calculated from left to right taking the parentheses into account.</a:t>
             </a:r>
           </a:p>
         </p:txBody>
@@ -5907,7 +5848,7 @@
     </p:spTree>
     <p:extLst>
       <p:ext uri="{BB962C8B-B14F-4D97-AF65-F5344CB8AC3E}">
-        <p14:creationId xmlns:p14="http://schemas.microsoft.com/office/powerpoint/2010/main" val="1719028210"/>
+        <p14:creationId xmlns:p14="http://schemas.microsoft.com/office/powerpoint/2010/main" val="2511286958"/>
       </p:ext>
     </p:extLst>
   </p:cSld>
@@ -6164,6 +6105,316 @@
           <a:p>
             <a:r>
               <a:rPr lang="en-US" dirty="0" smtClean="0"/>
+              <a:t>Floating point numbers</a:t>
+            </a:r>
+            <a:endParaRPr lang="en-US" dirty="0"/>
+          </a:p>
+        </p:txBody>
+      </p:sp>
+      <p:sp>
+        <p:nvSpPr>
+          <p:cNvPr id="3" name="Content Placeholder 2"/>
+          <p:cNvSpPr>
+            <a:spLocks noGrp="1"/>
+          </p:cNvSpPr>
+          <p:nvPr>
+            <p:ph idx="1"/>
+          </p:nvPr>
+        </p:nvSpPr>
+        <p:spPr/>
+        <p:txBody>
+          <a:bodyPr>
+            <a:normAutofit/>
+          </a:bodyPr>
+          <a:lstStyle/>
+          <a:p>
+            <a:r>
+              <a:rPr lang="en-US" sz="2800" dirty="0"/>
+              <a:t>Calculating the division and remainder of whole numbers is a little trickier</a:t>
+            </a:r>
+            <a:r>
+              <a:rPr lang="en-US" sz="2800" dirty="0" smtClean="0"/>
+              <a:t>.</a:t>
+            </a:r>
+          </a:p>
+          <a:p>
+            <a:r>
+              <a:rPr lang="en-US" sz="2800" dirty="0"/>
+              <a:t>A floating point number (decimal number) and integer (whole number) often get mixed up</a:t>
+            </a:r>
+            <a:r>
+              <a:rPr lang="en-US" sz="2800" dirty="0" smtClean="0"/>
+              <a:t>.</a:t>
+            </a:r>
+          </a:p>
+          <a:p>
+            <a:r>
+              <a:rPr lang="en-US" sz="2800" dirty="0"/>
+              <a:t>If all the variables in a calculation operation are integers, the end result will also be an integer.</a:t>
+            </a:r>
+          </a:p>
+        </p:txBody>
+      </p:sp>
+    </p:spTree>
+    <p:extLst>
+      <p:ext uri="{BB962C8B-B14F-4D97-AF65-F5344CB8AC3E}">
+        <p14:creationId xmlns:p14="http://schemas.microsoft.com/office/powerpoint/2010/main" val="1719028210"/>
+      </p:ext>
+    </p:extLst>
+  </p:cSld>
+  <p:clrMapOvr>
+    <a:masterClrMapping/>
+  </p:clrMapOvr>
+  <p:timing>
+    <p:tnLst>
+      <p:par>
+        <p:cTn id="1" dur="indefinite" restart="never" nodeType="tmRoot">
+          <p:childTnLst>
+            <p:seq concurrent="1" nextAc="seek">
+              <p:cTn id="2" dur="indefinite" nodeType="mainSeq">
+                <p:childTnLst>
+                  <p:par>
+                    <p:cTn id="3" fill="hold">
+                      <p:stCondLst>
+                        <p:cond delay="indefinite"/>
+                      </p:stCondLst>
+                      <p:childTnLst>
+                        <p:par>
+                          <p:cTn id="4" fill="hold">
+                            <p:stCondLst>
+                              <p:cond delay="0"/>
+                            </p:stCondLst>
+                            <p:childTnLst>
+                              <p:par>
+                                <p:cTn id="5" presetID="10" presetClass="entr" presetSubtype="0" fill="hold" nodeType="clickEffect">
+                                  <p:stCondLst>
+                                    <p:cond delay="0"/>
+                                  </p:stCondLst>
+                                  <p:childTnLst>
+                                    <p:set>
+                                      <p:cBhvr>
+                                        <p:cTn id="6" dur="1" fill="hold">
+                                          <p:stCondLst>
+                                            <p:cond delay="0"/>
+                                          </p:stCondLst>
+                                        </p:cTn>
+                                        <p:tgtEl>
+                                          <p:spTgt spid="3">
+                                            <p:txEl>
+                                              <p:pRg st="0" end="0"/>
+                                            </p:txEl>
+                                          </p:spTgt>
+                                        </p:tgtEl>
+                                        <p:attrNameLst>
+                                          <p:attrName>style.visibility</p:attrName>
+                                        </p:attrNameLst>
+                                      </p:cBhvr>
+                                      <p:to>
+                                        <p:strVal val="visible"/>
+                                      </p:to>
+                                    </p:set>
+                                    <p:animEffect transition="in" filter="fade">
+                                      <p:cBhvr>
+                                        <p:cTn id="7" dur="500"/>
+                                        <p:tgtEl>
+                                          <p:spTgt spid="3">
+                                            <p:txEl>
+                                              <p:pRg st="0" end="0"/>
+                                            </p:txEl>
+                                          </p:spTgt>
+                                        </p:tgtEl>
+                                      </p:cBhvr>
+                                    </p:animEffect>
+                                  </p:childTnLst>
+                                </p:cTn>
+                              </p:par>
+                            </p:childTnLst>
+                          </p:cTn>
+                        </p:par>
+                      </p:childTnLst>
+                    </p:cTn>
+                  </p:par>
+                  <p:par>
+                    <p:cTn id="8" fill="hold">
+                      <p:stCondLst>
+                        <p:cond delay="indefinite"/>
+                      </p:stCondLst>
+                      <p:childTnLst>
+                        <p:par>
+                          <p:cTn id="9" fill="hold">
+                            <p:stCondLst>
+                              <p:cond delay="0"/>
+                            </p:stCondLst>
+                            <p:childTnLst>
+                              <p:par>
+                                <p:cTn id="10" presetID="10" presetClass="entr" presetSubtype="0" fill="hold" nodeType="clickEffect">
+                                  <p:stCondLst>
+                                    <p:cond delay="0"/>
+                                  </p:stCondLst>
+                                  <p:childTnLst>
+                                    <p:set>
+                                      <p:cBhvr>
+                                        <p:cTn id="11" dur="1" fill="hold">
+                                          <p:stCondLst>
+                                            <p:cond delay="0"/>
+                                          </p:stCondLst>
+                                        </p:cTn>
+                                        <p:tgtEl>
+                                          <p:spTgt spid="3">
+                                            <p:txEl>
+                                              <p:pRg st="1" end="1"/>
+                                            </p:txEl>
+                                          </p:spTgt>
+                                        </p:tgtEl>
+                                        <p:attrNameLst>
+                                          <p:attrName>style.visibility</p:attrName>
+                                        </p:attrNameLst>
+                                      </p:cBhvr>
+                                      <p:to>
+                                        <p:strVal val="visible"/>
+                                      </p:to>
+                                    </p:set>
+                                    <p:animEffect transition="in" filter="fade">
+                                      <p:cBhvr>
+                                        <p:cTn id="12" dur="500"/>
+                                        <p:tgtEl>
+                                          <p:spTgt spid="3">
+                                            <p:txEl>
+                                              <p:pRg st="1" end="1"/>
+                                            </p:txEl>
+                                          </p:spTgt>
+                                        </p:tgtEl>
+                                      </p:cBhvr>
+                                    </p:animEffect>
+                                  </p:childTnLst>
+                                </p:cTn>
+                              </p:par>
+                            </p:childTnLst>
+                          </p:cTn>
+                        </p:par>
+                      </p:childTnLst>
+                    </p:cTn>
+                  </p:par>
+                  <p:par>
+                    <p:cTn id="13" fill="hold">
+                      <p:stCondLst>
+                        <p:cond delay="indefinite"/>
+                      </p:stCondLst>
+                      <p:childTnLst>
+                        <p:par>
+                          <p:cTn id="14" fill="hold">
+                            <p:stCondLst>
+                              <p:cond delay="0"/>
+                            </p:stCondLst>
+                            <p:childTnLst>
+                              <p:par>
+                                <p:cTn id="15" presetID="10" presetClass="entr" presetSubtype="0" fill="hold" nodeType="clickEffect">
+                                  <p:stCondLst>
+                                    <p:cond delay="0"/>
+                                  </p:stCondLst>
+                                  <p:childTnLst>
+                                    <p:set>
+                                      <p:cBhvr>
+                                        <p:cTn id="16" dur="1" fill="hold">
+                                          <p:stCondLst>
+                                            <p:cond delay="0"/>
+                                          </p:stCondLst>
+                                        </p:cTn>
+                                        <p:tgtEl>
+                                          <p:spTgt spid="3">
+                                            <p:txEl>
+                                              <p:pRg st="2" end="2"/>
+                                            </p:txEl>
+                                          </p:spTgt>
+                                        </p:tgtEl>
+                                        <p:attrNameLst>
+                                          <p:attrName>style.visibility</p:attrName>
+                                        </p:attrNameLst>
+                                      </p:cBhvr>
+                                      <p:to>
+                                        <p:strVal val="visible"/>
+                                      </p:to>
+                                    </p:set>
+                                    <p:animEffect transition="in" filter="fade">
+                                      <p:cBhvr>
+                                        <p:cTn id="17" dur="500"/>
+                                        <p:tgtEl>
+                                          <p:spTgt spid="3">
+                                            <p:txEl>
+                                              <p:pRg st="2" end="2"/>
+                                            </p:txEl>
+                                          </p:spTgt>
+                                        </p:tgtEl>
+                                      </p:cBhvr>
+                                    </p:animEffect>
+                                  </p:childTnLst>
+                                </p:cTn>
+                              </p:par>
+                            </p:childTnLst>
+                          </p:cTn>
+                        </p:par>
+                      </p:childTnLst>
+                    </p:cTn>
+                  </p:par>
+                </p:childTnLst>
+              </p:cTn>
+              <p:prevCondLst>
+                <p:cond evt="onPrev" delay="0">
+                  <p:tgtEl>
+                    <p:sldTgt/>
+                  </p:tgtEl>
+                </p:cond>
+              </p:prevCondLst>
+              <p:nextCondLst>
+                <p:cond evt="onNext" delay="0">
+                  <p:tgtEl>
+                    <p:sldTgt/>
+                  </p:tgtEl>
+                </p:cond>
+              </p:nextCondLst>
+            </p:seq>
+          </p:childTnLst>
+        </p:cTn>
+      </p:par>
+    </p:tnLst>
+  </p:timing>
+</p:sld>
+</file>
+
+<file path=ppt/slides/slide19.xml><?xml version="1.0" encoding="utf-8"?>
+<p:sld xmlns:a="http://schemas.openxmlformats.org/drawingml/2006/main" xmlns:r="http://schemas.openxmlformats.org/officeDocument/2006/relationships" xmlns:p="http://schemas.openxmlformats.org/presentationml/2006/main">
+  <p:cSld>
+    <p:spTree>
+      <p:nvGrpSpPr>
+        <p:cNvPr id="1" name=""/>
+        <p:cNvGrpSpPr/>
+        <p:nvPr/>
+      </p:nvGrpSpPr>
+      <p:grpSpPr>
+        <a:xfrm>
+          <a:off x="0" y="0"/>
+          <a:ext cx="0" cy="0"/>
+          <a:chOff x="0" y="0"/>
+          <a:chExt cx="0" cy="0"/>
+        </a:xfrm>
+      </p:grpSpPr>
+      <p:sp>
+        <p:nvSpPr>
+          <p:cNvPr id="2" name="Title 1"/>
+          <p:cNvSpPr>
+            <a:spLocks noGrp="1"/>
+          </p:cNvSpPr>
+          <p:nvPr>
+            <p:ph type="title"/>
+          </p:nvPr>
+        </p:nvSpPr>
+        <p:spPr/>
+        <p:txBody>
+          <a:bodyPr/>
+          <a:lstStyle/>
+          <a:p>
+            <a:r>
+              <a:rPr lang="en-US" dirty="0" smtClean="0"/>
               <a:t>Concatenation</a:t>
             </a:r>
             <a:endParaRPr lang="en-US" dirty="0"/>
@@ -6298,7 +6549,2625 @@
 </p:sld>
 </file>
 
-<file path=ppt/slides/slide19.xml><?xml version="1.0" encoding="utf-8"?>
+<file path=ppt/slides/slide2.xml><?xml version="1.0" encoding="utf-8"?>
+<p:sld xmlns:a="http://schemas.openxmlformats.org/drawingml/2006/main" xmlns:r="http://schemas.openxmlformats.org/officeDocument/2006/relationships" xmlns:p="http://schemas.openxmlformats.org/presentationml/2006/main">
+  <p:cSld>
+    <p:spTree>
+      <p:nvGrpSpPr>
+        <p:cNvPr id="1" name=""/>
+        <p:cNvGrpSpPr/>
+        <p:nvPr/>
+      </p:nvGrpSpPr>
+      <p:grpSpPr>
+        <a:xfrm>
+          <a:off x="0" y="0"/>
+          <a:ext cx="0" cy="0"/>
+          <a:chOff x="0" y="0"/>
+          <a:chExt cx="0" cy="0"/>
+        </a:xfrm>
+      </p:grpSpPr>
+      <p:sp>
+        <p:nvSpPr>
+          <p:cNvPr id="2" name="Title 1"/>
+          <p:cNvSpPr>
+            <a:spLocks noGrp="1"/>
+          </p:cNvSpPr>
+          <p:nvPr>
+            <p:ph type="title"/>
+          </p:nvPr>
+        </p:nvSpPr>
+        <p:spPr/>
+        <p:txBody>
+          <a:bodyPr/>
+          <a:lstStyle/>
+          <a:p>
+            <a:r>
+              <a:rPr lang="en-US" dirty="0" smtClean="0"/>
+              <a:t>Course Introduction</a:t>
+            </a:r>
+            <a:endParaRPr lang="en-US" dirty="0"/>
+          </a:p>
+        </p:txBody>
+      </p:sp>
+      <p:graphicFrame>
+        <p:nvGraphicFramePr>
+          <p:cNvPr id="5" name="Content Placeholder 4"/>
+          <p:cNvGraphicFramePr>
+            <a:graphicFrameLocks noGrp="1"/>
+          </p:cNvGraphicFramePr>
+          <p:nvPr>
+            <p:ph idx="1"/>
+            <p:extLst>
+              <p:ext uri="{D42A27DB-BD31-4B8C-83A1-F6EECF244321}">
+                <p14:modId xmlns:p14="http://schemas.microsoft.com/office/powerpoint/2010/main" val="11550583"/>
+              </p:ext>
+            </p:extLst>
+          </p:nvPr>
+        </p:nvGraphicFramePr>
+        <p:xfrm>
+          <a:off x="304800" y="1047750"/>
+          <a:ext cx="6172199" cy="3835104"/>
+        </p:xfrm>
+        <a:graphic>
+          <a:graphicData uri="http://schemas.openxmlformats.org/drawingml/2006/table">
+            <a:tbl>
+              <a:tblPr firstRow="1" firstCol="1" bandRow="1">
+                <a:tableStyleId>{5C22544A-7EE6-4342-B048-85BDC9FD1C3A}</a:tableStyleId>
+              </a:tblPr>
+              <a:tblGrid>
+                <a:gridCol w="736238"/>
+                <a:gridCol w="1033780"/>
+                <a:gridCol w="939017"/>
+                <a:gridCol w="3463164"/>
+              </a:tblGrid>
+              <a:tr h="285540">
+                <a:tc>
+                  <a:txBody>
+                    <a:bodyPr/>
+                    <a:lstStyle/>
+                    <a:p>
+                      <a:pPr marL="0" marR="0" algn="ctr">
+                        <a:lnSpc>
+                          <a:spcPct val="107000"/>
+                        </a:lnSpc>
+                        <a:spcBef>
+                          <a:spcPts val="0"/>
+                        </a:spcBef>
+                        <a:spcAft>
+                          <a:spcPts val="800"/>
+                        </a:spcAft>
+                      </a:pPr>
+                      <a:r>
+                        <a:rPr lang="en-US" sz="1000" dirty="0">
+                          <a:effectLst/>
+                        </a:rPr>
+                        <a:t>WEEK</a:t>
+                      </a:r>
+                      <a:endParaRPr lang="en-US" sz="1000" dirty="0">
+                        <a:effectLst/>
+                        <a:latin typeface="Calibri"/>
+                        <a:ea typeface="等线"/>
+                        <a:cs typeface="Times New Roman"/>
+                      </a:endParaRPr>
+                    </a:p>
+                  </a:txBody>
+                  <a:tcPr marL="8905" marR="8905" marT="8905" marB="8905" anchor="ctr"/>
+                </a:tc>
+                <a:tc>
+                  <a:txBody>
+                    <a:bodyPr/>
+                    <a:lstStyle/>
+                    <a:p>
+                      <a:pPr marL="0" marR="0" algn="ctr">
+                        <a:lnSpc>
+                          <a:spcPct val="107000"/>
+                        </a:lnSpc>
+                        <a:spcBef>
+                          <a:spcPts val="0"/>
+                        </a:spcBef>
+                        <a:spcAft>
+                          <a:spcPts val="800"/>
+                        </a:spcAft>
+                      </a:pPr>
+                      <a:r>
+                        <a:rPr lang="en-US" sz="1000">
+                          <a:effectLst/>
+                        </a:rPr>
+                        <a:t>DATE</a:t>
+                      </a:r>
+                      <a:endParaRPr lang="en-US" sz="1000">
+                        <a:effectLst/>
+                        <a:latin typeface="Calibri"/>
+                        <a:ea typeface="等线"/>
+                        <a:cs typeface="Times New Roman"/>
+                      </a:endParaRPr>
+                    </a:p>
+                  </a:txBody>
+                  <a:tcPr marL="8905" marR="8905" marT="8905" marB="8905" anchor="ctr"/>
+                </a:tc>
+                <a:tc>
+                  <a:txBody>
+                    <a:bodyPr/>
+                    <a:lstStyle/>
+                    <a:p>
+                      <a:pPr marL="0" marR="0" algn="ctr">
+                        <a:lnSpc>
+                          <a:spcPct val="107000"/>
+                        </a:lnSpc>
+                        <a:spcBef>
+                          <a:spcPts val="0"/>
+                        </a:spcBef>
+                        <a:spcAft>
+                          <a:spcPts val="0"/>
+                        </a:spcAft>
+                      </a:pPr>
+                      <a:r>
+                        <a:rPr lang="en-US" sz="1100">
+                          <a:effectLst/>
+                        </a:rPr>
+                        <a:t>SECTION</a:t>
+                      </a:r>
+                      <a:endParaRPr lang="en-US" sz="1100">
+                        <a:effectLst/>
+                        <a:latin typeface="Times New Roman"/>
+                        <a:ea typeface="Times New Roman"/>
+                        <a:cs typeface="Times New Roman"/>
+                      </a:endParaRPr>
+                    </a:p>
+                  </a:txBody>
+                  <a:tcPr marL="8905" marR="8905" marT="8905" marB="8905" anchor="ctr"/>
+                </a:tc>
+                <a:tc>
+                  <a:txBody>
+                    <a:bodyPr/>
+                    <a:lstStyle/>
+                    <a:p>
+                      <a:pPr marL="0" marR="0" algn="ctr">
+                        <a:lnSpc>
+                          <a:spcPct val="107000"/>
+                        </a:lnSpc>
+                        <a:spcBef>
+                          <a:spcPts val="0"/>
+                        </a:spcBef>
+                        <a:spcAft>
+                          <a:spcPts val="0"/>
+                        </a:spcAft>
+                      </a:pPr>
+                      <a:r>
+                        <a:rPr lang="en-US" sz="1000">
+                          <a:effectLst/>
+                        </a:rPr>
+                        <a:t>TOPIC</a:t>
+                      </a:r>
+                      <a:endParaRPr lang="en-US" sz="1000">
+                        <a:effectLst/>
+                        <a:latin typeface="Calibri"/>
+                        <a:ea typeface="等线"/>
+                        <a:cs typeface="Times New Roman"/>
+                      </a:endParaRPr>
+                    </a:p>
+                  </a:txBody>
+                  <a:tcPr marL="8905" marR="8905" marT="8905" marB="8905" anchor="ctr"/>
+                </a:tc>
+              </a:tr>
+              <a:tr h="161937">
+                <a:tc>
+                  <a:txBody>
+                    <a:bodyPr/>
+                    <a:lstStyle/>
+                    <a:p>
+                      <a:pPr marL="0" marR="0" algn="ctr">
+                        <a:lnSpc>
+                          <a:spcPct val="107000"/>
+                        </a:lnSpc>
+                        <a:spcBef>
+                          <a:spcPts val="0"/>
+                        </a:spcBef>
+                        <a:spcAft>
+                          <a:spcPts val="800"/>
+                        </a:spcAft>
+                      </a:pPr>
+                      <a:r>
+                        <a:rPr lang="en-US" sz="900">
+                          <a:effectLst/>
+                        </a:rPr>
+                        <a:t>1</a:t>
+                      </a:r>
+                      <a:endParaRPr lang="en-US" sz="1000">
+                        <a:effectLst/>
+                        <a:latin typeface="Calibri"/>
+                        <a:ea typeface="等线"/>
+                        <a:cs typeface="Times New Roman"/>
+                      </a:endParaRPr>
+                    </a:p>
+                  </a:txBody>
+                  <a:tcPr marL="8905" marR="8905" marT="8905" marB="8905" anchor="ctr"/>
+                </a:tc>
+                <a:tc>
+                  <a:txBody>
+                    <a:bodyPr/>
+                    <a:lstStyle/>
+                    <a:p>
+                      <a:pPr marL="0" marR="0" algn="ctr">
+                        <a:lnSpc>
+                          <a:spcPct val="107000"/>
+                        </a:lnSpc>
+                        <a:spcBef>
+                          <a:spcPts val="0"/>
+                        </a:spcBef>
+                        <a:spcAft>
+                          <a:spcPts val="800"/>
+                        </a:spcAft>
+                      </a:pPr>
+                      <a:r>
+                        <a:rPr lang="en-US" sz="1100">
+                          <a:effectLst/>
+                        </a:rPr>
+                        <a:t>26-30 Aug</a:t>
+                      </a:r>
+                      <a:endParaRPr lang="en-US" sz="1100">
+                        <a:effectLst/>
+                        <a:latin typeface="Calibri"/>
+                        <a:ea typeface="等线"/>
+                        <a:cs typeface="Times New Roman"/>
+                      </a:endParaRPr>
+                    </a:p>
+                  </a:txBody>
+                  <a:tcPr marL="8905" marR="8905" marT="8905" marB="8905" anchor="ctr"/>
+                </a:tc>
+                <a:tc>
+                  <a:txBody>
+                    <a:bodyPr/>
+                    <a:lstStyle/>
+                    <a:p>
+                      <a:pPr marL="0" marR="0">
+                        <a:lnSpc>
+                          <a:spcPct val="107000"/>
+                        </a:lnSpc>
+                        <a:spcBef>
+                          <a:spcPts val="0"/>
+                        </a:spcBef>
+                        <a:spcAft>
+                          <a:spcPts val="0"/>
+                        </a:spcAft>
+                      </a:pPr>
+                      <a:r>
+                        <a:rPr lang="en-US" sz="1100">
+                          <a:effectLst/>
+                        </a:rPr>
+                        <a:t> </a:t>
+                      </a:r>
+                      <a:endParaRPr lang="en-US" sz="1100">
+                        <a:effectLst/>
+                        <a:latin typeface="Calibri"/>
+                        <a:ea typeface="等线"/>
+                        <a:cs typeface="Times New Roman"/>
+                      </a:endParaRPr>
+                    </a:p>
+                  </a:txBody>
+                  <a:tcPr marL="8905" marR="8905" marT="8905" marB="8905" anchor="ctr"/>
+                </a:tc>
+                <a:tc>
+                  <a:txBody>
+                    <a:bodyPr/>
+                    <a:lstStyle/>
+                    <a:p>
+                      <a:pPr marL="0" marR="0">
+                        <a:lnSpc>
+                          <a:spcPct val="107000"/>
+                        </a:lnSpc>
+                        <a:spcBef>
+                          <a:spcPts val="0"/>
+                        </a:spcBef>
+                        <a:spcAft>
+                          <a:spcPts val="0"/>
+                        </a:spcAft>
+                      </a:pPr>
+                      <a:r>
+                        <a:rPr lang="en-US" sz="1100" dirty="0">
+                          <a:effectLst/>
+                        </a:rPr>
+                        <a:t>Code, variables, conditionals and logic</a:t>
+                      </a:r>
+                      <a:endParaRPr lang="en-US" sz="1100" dirty="0">
+                        <a:effectLst/>
+                        <a:latin typeface="Calibri"/>
+                        <a:ea typeface="等线"/>
+                        <a:cs typeface="Times New Roman"/>
+                      </a:endParaRPr>
+                    </a:p>
+                  </a:txBody>
+                  <a:tcPr marL="8905" marR="8905" marT="8905" marB="8905" anchor="ctr"/>
+                </a:tc>
+              </a:tr>
+              <a:tr h="161937">
+                <a:tc>
+                  <a:txBody>
+                    <a:bodyPr/>
+                    <a:lstStyle/>
+                    <a:p>
+                      <a:pPr marL="0" marR="0" algn="ctr">
+                        <a:lnSpc>
+                          <a:spcPct val="107000"/>
+                        </a:lnSpc>
+                        <a:spcBef>
+                          <a:spcPts val="0"/>
+                        </a:spcBef>
+                        <a:spcAft>
+                          <a:spcPts val="800"/>
+                        </a:spcAft>
+                      </a:pPr>
+                      <a:r>
+                        <a:rPr lang="en-US" sz="900">
+                          <a:effectLst/>
+                        </a:rPr>
+                        <a:t>2</a:t>
+                      </a:r>
+                      <a:endParaRPr lang="en-US" sz="1000">
+                        <a:effectLst/>
+                        <a:latin typeface="Calibri"/>
+                        <a:ea typeface="等线"/>
+                        <a:cs typeface="Times New Roman"/>
+                      </a:endParaRPr>
+                    </a:p>
+                  </a:txBody>
+                  <a:tcPr marL="8905" marR="8905" marT="8905" marB="8905" anchor="ctr"/>
+                </a:tc>
+                <a:tc>
+                  <a:txBody>
+                    <a:bodyPr/>
+                    <a:lstStyle/>
+                    <a:p>
+                      <a:pPr marL="0" marR="0" algn="ctr">
+                        <a:lnSpc>
+                          <a:spcPct val="107000"/>
+                        </a:lnSpc>
+                        <a:spcBef>
+                          <a:spcPts val="0"/>
+                        </a:spcBef>
+                        <a:spcAft>
+                          <a:spcPts val="800"/>
+                        </a:spcAft>
+                      </a:pPr>
+                      <a:r>
+                        <a:rPr lang="en-US" sz="1100">
+                          <a:effectLst/>
+                        </a:rPr>
+                        <a:t>2-6 Sept</a:t>
+                      </a:r>
+                      <a:endParaRPr lang="en-US" sz="1100">
+                        <a:effectLst/>
+                        <a:latin typeface="Calibri"/>
+                        <a:ea typeface="等线"/>
+                        <a:cs typeface="Times New Roman"/>
+                      </a:endParaRPr>
+                    </a:p>
+                  </a:txBody>
+                  <a:tcPr marL="8905" marR="8905" marT="8905" marB="8905" anchor="ctr"/>
+                </a:tc>
+                <a:tc>
+                  <a:txBody>
+                    <a:bodyPr/>
+                    <a:lstStyle/>
+                    <a:p>
+                      <a:pPr marL="0" marR="0">
+                        <a:lnSpc>
+                          <a:spcPct val="107000"/>
+                        </a:lnSpc>
+                        <a:spcBef>
+                          <a:spcPts val="0"/>
+                        </a:spcBef>
+                        <a:spcAft>
+                          <a:spcPts val="0"/>
+                        </a:spcAft>
+                      </a:pPr>
+                      <a:r>
+                        <a:rPr lang="en-US" sz="1100">
+                          <a:effectLst/>
+                        </a:rPr>
+                        <a:t> </a:t>
+                      </a:r>
+                      <a:endParaRPr lang="en-US" sz="1100">
+                        <a:effectLst/>
+                        <a:latin typeface="Calibri"/>
+                        <a:ea typeface="等线"/>
+                        <a:cs typeface="Times New Roman"/>
+                      </a:endParaRPr>
+                    </a:p>
+                  </a:txBody>
+                  <a:tcPr marL="8905" marR="8905" marT="8905" marB="8905" anchor="ctr"/>
+                </a:tc>
+                <a:tc>
+                  <a:txBody>
+                    <a:bodyPr/>
+                    <a:lstStyle/>
+                    <a:p>
+                      <a:pPr marL="0" marR="0">
+                        <a:lnSpc>
+                          <a:spcPct val="107000"/>
+                        </a:lnSpc>
+                        <a:spcBef>
+                          <a:spcPts val="0"/>
+                        </a:spcBef>
+                        <a:spcAft>
+                          <a:spcPts val="0"/>
+                        </a:spcAft>
+                      </a:pPr>
+                      <a:r>
+                        <a:rPr lang="en-US" sz="1100" dirty="0">
+                          <a:effectLst/>
+                        </a:rPr>
+                        <a:t>Loops and basics of methods</a:t>
+                      </a:r>
+                      <a:endParaRPr lang="en-US" sz="1100" dirty="0">
+                        <a:effectLst/>
+                        <a:latin typeface="Calibri"/>
+                        <a:ea typeface="等线"/>
+                        <a:cs typeface="Times New Roman"/>
+                      </a:endParaRPr>
+                    </a:p>
+                  </a:txBody>
+                  <a:tcPr marL="8905" marR="8905" marT="8905" marB="8905" anchor="ctr"/>
+                </a:tc>
+              </a:tr>
+              <a:tr h="161937">
+                <a:tc>
+                  <a:txBody>
+                    <a:bodyPr/>
+                    <a:lstStyle/>
+                    <a:p>
+                      <a:pPr marL="0" marR="0" algn="ctr">
+                        <a:lnSpc>
+                          <a:spcPct val="107000"/>
+                        </a:lnSpc>
+                        <a:spcBef>
+                          <a:spcPts val="0"/>
+                        </a:spcBef>
+                        <a:spcAft>
+                          <a:spcPts val="800"/>
+                        </a:spcAft>
+                      </a:pPr>
+                      <a:r>
+                        <a:rPr lang="en-US" sz="900">
+                          <a:effectLst/>
+                        </a:rPr>
+                        <a:t>3</a:t>
+                      </a:r>
+                      <a:endParaRPr lang="en-US" sz="1000">
+                        <a:effectLst/>
+                        <a:latin typeface="Calibri"/>
+                        <a:ea typeface="等线"/>
+                        <a:cs typeface="Times New Roman"/>
+                      </a:endParaRPr>
+                    </a:p>
+                  </a:txBody>
+                  <a:tcPr marL="8905" marR="8905" marT="8905" marB="8905" anchor="ctr"/>
+                </a:tc>
+                <a:tc>
+                  <a:txBody>
+                    <a:bodyPr/>
+                    <a:lstStyle/>
+                    <a:p>
+                      <a:pPr marL="0" marR="0" algn="ctr">
+                        <a:lnSpc>
+                          <a:spcPct val="107000"/>
+                        </a:lnSpc>
+                        <a:spcBef>
+                          <a:spcPts val="0"/>
+                        </a:spcBef>
+                        <a:spcAft>
+                          <a:spcPts val="800"/>
+                        </a:spcAft>
+                      </a:pPr>
+                      <a:r>
+                        <a:rPr lang="en-US" sz="1100">
+                          <a:effectLst/>
+                        </a:rPr>
+                        <a:t>9-12 Sept</a:t>
+                      </a:r>
+                      <a:endParaRPr lang="en-US" sz="1100">
+                        <a:effectLst/>
+                        <a:latin typeface="Calibri"/>
+                        <a:ea typeface="等线"/>
+                        <a:cs typeface="Times New Roman"/>
+                      </a:endParaRPr>
+                    </a:p>
+                  </a:txBody>
+                  <a:tcPr marL="8905" marR="8905" marT="8905" marB="8905" anchor="ctr"/>
+                </a:tc>
+                <a:tc>
+                  <a:txBody>
+                    <a:bodyPr/>
+                    <a:lstStyle/>
+                    <a:p>
+                      <a:pPr marL="0" marR="0">
+                        <a:lnSpc>
+                          <a:spcPct val="107000"/>
+                        </a:lnSpc>
+                        <a:spcBef>
+                          <a:spcPts val="0"/>
+                        </a:spcBef>
+                        <a:spcAft>
+                          <a:spcPts val="800"/>
+                        </a:spcAft>
+                      </a:pPr>
+                      <a:r>
+                        <a:rPr lang="en-US" sz="1100">
+                          <a:effectLst/>
+                        </a:rPr>
+                        <a:t> </a:t>
+                      </a:r>
+                      <a:endParaRPr lang="en-US" sz="1100">
+                        <a:effectLst/>
+                        <a:latin typeface="Calibri"/>
+                        <a:ea typeface="等线"/>
+                        <a:cs typeface="Times New Roman"/>
+                      </a:endParaRPr>
+                    </a:p>
+                  </a:txBody>
+                  <a:tcPr marL="8905" marR="8905" marT="8905" marB="8905" anchor="ctr"/>
+                </a:tc>
+                <a:tc>
+                  <a:txBody>
+                    <a:bodyPr/>
+                    <a:lstStyle/>
+                    <a:p>
+                      <a:pPr marL="0" marR="0">
+                        <a:lnSpc>
+                          <a:spcPct val="107000"/>
+                        </a:lnSpc>
+                        <a:spcBef>
+                          <a:spcPts val="0"/>
+                        </a:spcBef>
+                        <a:spcAft>
+                          <a:spcPts val="0"/>
+                        </a:spcAft>
+                      </a:pPr>
+                      <a:r>
+                        <a:rPr lang="en-US" sz="1100" dirty="0">
+                          <a:effectLst/>
+                        </a:rPr>
+                        <a:t>Methods and </a:t>
+                      </a:r>
+                      <a:r>
+                        <a:rPr lang="en-US" sz="1100" dirty="0" err="1">
+                          <a:effectLst/>
+                        </a:rPr>
+                        <a:t>ArrayList</a:t>
+                      </a:r>
+                      <a:endParaRPr lang="en-US" sz="1100" dirty="0">
+                        <a:effectLst/>
+                        <a:latin typeface="Calibri"/>
+                        <a:ea typeface="等线"/>
+                        <a:cs typeface="Times New Roman"/>
+                      </a:endParaRPr>
+                    </a:p>
+                  </a:txBody>
+                  <a:tcPr marL="8905" marR="8905" marT="8905" marB="8905" anchor="ctr"/>
+                </a:tc>
+              </a:tr>
+              <a:tr h="161937">
+                <a:tc>
+                  <a:txBody>
+                    <a:bodyPr/>
+                    <a:lstStyle/>
+                    <a:p>
+                      <a:pPr marL="0" marR="0" algn="ctr">
+                        <a:lnSpc>
+                          <a:spcPct val="107000"/>
+                        </a:lnSpc>
+                        <a:spcBef>
+                          <a:spcPts val="0"/>
+                        </a:spcBef>
+                        <a:spcAft>
+                          <a:spcPts val="800"/>
+                        </a:spcAft>
+                      </a:pPr>
+                      <a:r>
+                        <a:rPr lang="en-US" sz="900">
+                          <a:effectLst/>
+                        </a:rPr>
+                        <a:t>4</a:t>
+                      </a:r>
+                      <a:endParaRPr lang="en-US" sz="1000">
+                        <a:effectLst/>
+                        <a:latin typeface="Calibri"/>
+                        <a:ea typeface="等线"/>
+                        <a:cs typeface="Times New Roman"/>
+                      </a:endParaRPr>
+                    </a:p>
+                  </a:txBody>
+                  <a:tcPr marL="8905" marR="8905" marT="8905" marB="8905" anchor="ctr"/>
+                </a:tc>
+                <a:tc>
+                  <a:txBody>
+                    <a:bodyPr/>
+                    <a:lstStyle/>
+                    <a:p>
+                      <a:pPr marL="0" marR="0" algn="ctr">
+                        <a:lnSpc>
+                          <a:spcPct val="107000"/>
+                        </a:lnSpc>
+                        <a:spcBef>
+                          <a:spcPts val="0"/>
+                        </a:spcBef>
+                        <a:spcAft>
+                          <a:spcPts val="800"/>
+                        </a:spcAft>
+                      </a:pPr>
+                      <a:r>
+                        <a:rPr lang="en-US" sz="1100">
+                          <a:effectLst/>
+                        </a:rPr>
+                        <a:t>16-20 Sept</a:t>
+                      </a:r>
+                      <a:endParaRPr lang="en-US" sz="1100">
+                        <a:effectLst/>
+                        <a:latin typeface="Calibri"/>
+                        <a:ea typeface="等线"/>
+                        <a:cs typeface="Times New Roman"/>
+                      </a:endParaRPr>
+                    </a:p>
+                  </a:txBody>
+                  <a:tcPr marL="8905" marR="8905" marT="8905" marB="8905" anchor="ctr"/>
+                </a:tc>
+                <a:tc>
+                  <a:txBody>
+                    <a:bodyPr/>
+                    <a:lstStyle/>
+                    <a:p>
+                      <a:pPr marL="0" marR="0">
+                        <a:lnSpc>
+                          <a:spcPct val="107000"/>
+                        </a:lnSpc>
+                        <a:spcBef>
+                          <a:spcPts val="0"/>
+                        </a:spcBef>
+                        <a:spcAft>
+                          <a:spcPts val="0"/>
+                        </a:spcAft>
+                      </a:pPr>
+                      <a:r>
+                        <a:rPr lang="en-US" sz="1100">
+                          <a:effectLst/>
+                        </a:rPr>
+                        <a:t> </a:t>
+                      </a:r>
+                      <a:endParaRPr lang="en-US" sz="1100">
+                        <a:effectLst/>
+                        <a:latin typeface="Calibri"/>
+                        <a:ea typeface="等线"/>
+                        <a:cs typeface="Times New Roman"/>
+                      </a:endParaRPr>
+                    </a:p>
+                  </a:txBody>
+                  <a:tcPr marL="8905" marR="8905" marT="8905" marB="8905" anchor="ctr"/>
+                </a:tc>
+                <a:tc>
+                  <a:txBody>
+                    <a:bodyPr/>
+                    <a:lstStyle/>
+                    <a:p>
+                      <a:pPr marL="0" marR="0">
+                        <a:lnSpc>
+                          <a:spcPct val="107000"/>
+                        </a:lnSpc>
+                        <a:spcBef>
+                          <a:spcPts val="0"/>
+                        </a:spcBef>
+                        <a:spcAft>
+                          <a:spcPts val="800"/>
+                        </a:spcAft>
+                      </a:pPr>
+                      <a:r>
+                        <a:rPr lang="en-US" sz="1100" dirty="0">
+                          <a:effectLst/>
+                        </a:rPr>
+                        <a:t>Basics of objects</a:t>
+                      </a:r>
+                      <a:endParaRPr lang="en-US" sz="1100" dirty="0">
+                        <a:effectLst/>
+                        <a:latin typeface="Calibri"/>
+                        <a:ea typeface="等线"/>
+                        <a:cs typeface="Times New Roman"/>
+                      </a:endParaRPr>
+                    </a:p>
+                  </a:txBody>
+                  <a:tcPr marL="8905" marR="8905" marT="8905" marB="8905" anchor="ctr"/>
+                </a:tc>
+              </a:tr>
+              <a:tr h="161937">
+                <a:tc>
+                  <a:txBody>
+                    <a:bodyPr/>
+                    <a:lstStyle/>
+                    <a:p>
+                      <a:pPr marL="0" marR="0" algn="ctr">
+                        <a:lnSpc>
+                          <a:spcPct val="107000"/>
+                        </a:lnSpc>
+                        <a:spcBef>
+                          <a:spcPts val="0"/>
+                        </a:spcBef>
+                        <a:spcAft>
+                          <a:spcPts val="800"/>
+                        </a:spcAft>
+                      </a:pPr>
+                      <a:r>
+                        <a:rPr lang="en-US" sz="900">
+                          <a:effectLst/>
+                        </a:rPr>
+                        <a:t>5</a:t>
+                      </a:r>
+                      <a:endParaRPr lang="en-US" sz="1000">
+                        <a:effectLst/>
+                        <a:latin typeface="Calibri"/>
+                        <a:ea typeface="等线"/>
+                        <a:cs typeface="Times New Roman"/>
+                      </a:endParaRPr>
+                    </a:p>
+                  </a:txBody>
+                  <a:tcPr marL="8905" marR="8905" marT="8905" marB="8905" anchor="ctr"/>
+                </a:tc>
+                <a:tc>
+                  <a:txBody>
+                    <a:bodyPr/>
+                    <a:lstStyle/>
+                    <a:p>
+                      <a:pPr marL="0" marR="0" algn="ctr">
+                        <a:lnSpc>
+                          <a:spcPct val="107000"/>
+                        </a:lnSpc>
+                        <a:spcBef>
+                          <a:spcPts val="0"/>
+                        </a:spcBef>
+                        <a:spcAft>
+                          <a:spcPts val="800"/>
+                        </a:spcAft>
+                      </a:pPr>
+                      <a:r>
+                        <a:rPr lang="en-US" sz="1100">
+                          <a:effectLst/>
+                        </a:rPr>
+                        <a:t>23-27 Sept</a:t>
+                      </a:r>
+                      <a:endParaRPr lang="en-US" sz="1100">
+                        <a:effectLst/>
+                        <a:latin typeface="Calibri"/>
+                        <a:ea typeface="等线"/>
+                        <a:cs typeface="Times New Roman"/>
+                      </a:endParaRPr>
+                    </a:p>
+                  </a:txBody>
+                  <a:tcPr marL="8905" marR="8905" marT="8905" marB="8905" anchor="ctr"/>
+                </a:tc>
+                <a:tc>
+                  <a:txBody>
+                    <a:bodyPr/>
+                    <a:lstStyle/>
+                    <a:p>
+                      <a:pPr marL="0" marR="0">
+                        <a:lnSpc>
+                          <a:spcPct val="107000"/>
+                        </a:lnSpc>
+                        <a:spcBef>
+                          <a:spcPts val="0"/>
+                        </a:spcBef>
+                        <a:spcAft>
+                          <a:spcPts val="800"/>
+                        </a:spcAft>
+                      </a:pPr>
+                      <a:r>
+                        <a:rPr lang="en-US" sz="1100">
+                          <a:effectLst/>
+                        </a:rPr>
+                        <a:t> </a:t>
+                      </a:r>
+                      <a:endParaRPr lang="en-US" sz="1100">
+                        <a:effectLst/>
+                        <a:latin typeface="Calibri"/>
+                        <a:ea typeface="等线"/>
+                        <a:cs typeface="Times New Roman"/>
+                      </a:endParaRPr>
+                    </a:p>
+                  </a:txBody>
+                  <a:tcPr marL="8905" marR="8905" marT="8905" marB="8905" anchor="ctr"/>
+                </a:tc>
+                <a:tc>
+                  <a:txBody>
+                    <a:bodyPr/>
+                    <a:lstStyle/>
+                    <a:p>
+                      <a:pPr marL="0" marR="0">
+                        <a:lnSpc>
+                          <a:spcPct val="107000"/>
+                        </a:lnSpc>
+                        <a:spcBef>
+                          <a:spcPts val="0"/>
+                        </a:spcBef>
+                        <a:spcAft>
+                          <a:spcPts val="800"/>
+                        </a:spcAft>
+                      </a:pPr>
+                      <a:r>
+                        <a:rPr lang="en-US" sz="1100" dirty="0">
+                          <a:effectLst/>
+                        </a:rPr>
+                        <a:t>Further on objects</a:t>
+                      </a:r>
+                      <a:endParaRPr lang="en-US" sz="1100" dirty="0">
+                        <a:effectLst/>
+                        <a:latin typeface="Calibri"/>
+                        <a:ea typeface="等线"/>
+                        <a:cs typeface="Times New Roman"/>
+                      </a:endParaRPr>
+                    </a:p>
+                  </a:txBody>
+                  <a:tcPr marL="8905" marR="8905" marT="8905" marB="8905" anchor="ctr"/>
+                </a:tc>
+              </a:tr>
+              <a:tr h="161937">
+                <a:tc>
+                  <a:txBody>
+                    <a:bodyPr/>
+                    <a:lstStyle/>
+                    <a:p>
+                      <a:pPr marL="0" marR="0" algn="ctr">
+                        <a:lnSpc>
+                          <a:spcPct val="107000"/>
+                        </a:lnSpc>
+                        <a:spcBef>
+                          <a:spcPts val="0"/>
+                        </a:spcBef>
+                        <a:spcAft>
+                          <a:spcPts val="800"/>
+                        </a:spcAft>
+                      </a:pPr>
+                      <a:r>
+                        <a:rPr lang="en-US" sz="900">
+                          <a:effectLst/>
+                        </a:rPr>
+                        <a:t>6</a:t>
+                      </a:r>
+                      <a:endParaRPr lang="en-US" sz="1000">
+                        <a:effectLst/>
+                        <a:latin typeface="Calibri"/>
+                        <a:ea typeface="等线"/>
+                        <a:cs typeface="Times New Roman"/>
+                      </a:endParaRPr>
+                    </a:p>
+                  </a:txBody>
+                  <a:tcPr marL="8905" marR="8905" marT="8905" marB="8905" anchor="ctr"/>
+                </a:tc>
+                <a:tc>
+                  <a:txBody>
+                    <a:bodyPr/>
+                    <a:lstStyle/>
+                    <a:p>
+                      <a:pPr marL="0" marR="0" algn="ctr">
+                        <a:lnSpc>
+                          <a:spcPct val="107000"/>
+                        </a:lnSpc>
+                        <a:spcBef>
+                          <a:spcPts val="0"/>
+                        </a:spcBef>
+                        <a:spcAft>
+                          <a:spcPts val="800"/>
+                        </a:spcAft>
+                      </a:pPr>
+                      <a:r>
+                        <a:rPr lang="en-US" sz="1100">
+                          <a:effectLst/>
+                        </a:rPr>
+                        <a:t>8-11 Oct</a:t>
+                      </a:r>
+                      <a:endParaRPr lang="en-US" sz="1100">
+                        <a:effectLst/>
+                        <a:latin typeface="Calibri"/>
+                        <a:ea typeface="等线"/>
+                        <a:cs typeface="Times New Roman"/>
+                      </a:endParaRPr>
+                    </a:p>
+                  </a:txBody>
+                  <a:tcPr marL="8905" marR="8905" marT="8905" marB="8905" anchor="ctr"/>
+                </a:tc>
+                <a:tc>
+                  <a:txBody>
+                    <a:bodyPr/>
+                    <a:lstStyle/>
+                    <a:p>
+                      <a:pPr marL="0" marR="0">
+                        <a:lnSpc>
+                          <a:spcPct val="107000"/>
+                        </a:lnSpc>
+                        <a:spcBef>
+                          <a:spcPts val="0"/>
+                        </a:spcBef>
+                        <a:spcAft>
+                          <a:spcPts val="0"/>
+                        </a:spcAft>
+                      </a:pPr>
+                      <a:r>
+                        <a:rPr lang="en-US" sz="1100">
+                          <a:effectLst/>
+                        </a:rPr>
+                        <a:t> </a:t>
+                      </a:r>
+                      <a:endParaRPr lang="en-US" sz="1100">
+                        <a:effectLst/>
+                        <a:latin typeface="Calibri"/>
+                        <a:ea typeface="等线"/>
+                        <a:cs typeface="Times New Roman"/>
+                      </a:endParaRPr>
+                    </a:p>
+                  </a:txBody>
+                  <a:tcPr marL="8905" marR="8905" marT="8905" marB="8905" anchor="ctr"/>
+                </a:tc>
+                <a:tc>
+                  <a:txBody>
+                    <a:bodyPr/>
+                    <a:lstStyle/>
+                    <a:p>
+                      <a:pPr marL="0" marR="0">
+                        <a:lnSpc>
+                          <a:spcPct val="107000"/>
+                        </a:lnSpc>
+                        <a:spcBef>
+                          <a:spcPts val="0"/>
+                        </a:spcBef>
+                        <a:spcAft>
+                          <a:spcPts val="800"/>
+                        </a:spcAft>
+                      </a:pPr>
+                      <a:r>
+                        <a:rPr lang="en-US" sz="1100" dirty="0">
+                          <a:effectLst/>
+                        </a:rPr>
+                        <a:t>Tables, searching and sorting</a:t>
+                      </a:r>
+                      <a:endParaRPr lang="en-US" sz="1100" dirty="0">
+                        <a:effectLst/>
+                        <a:latin typeface="Calibri"/>
+                        <a:ea typeface="等线"/>
+                        <a:cs typeface="Times New Roman"/>
+                      </a:endParaRPr>
+                    </a:p>
+                  </a:txBody>
+                  <a:tcPr marL="8905" marR="8905" marT="8905" marB="8905" anchor="ctr"/>
+                </a:tc>
+              </a:tr>
+              <a:tr h="161937">
+                <a:tc>
+                  <a:txBody>
+                    <a:bodyPr/>
+                    <a:lstStyle/>
+                    <a:p>
+                      <a:pPr marL="0" marR="0" algn="ctr">
+                        <a:lnSpc>
+                          <a:spcPct val="107000"/>
+                        </a:lnSpc>
+                        <a:spcBef>
+                          <a:spcPts val="0"/>
+                        </a:spcBef>
+                        <a:spcAft>
+                          <a:spcPts val="800"/>
+                        </a:spcAft>
+                      </a:pPr>
+                      <a:r>
+                        <a:rPr lang="en-US" sz="900">
+                          <a:effectLst/>
+                        </a:rPr>
+                        <a:t>7</a:t>
+                      </a:r>
+                      <a:endParaRPr lang="en-US" sz="1000">
+                        <a:effectLst/>
+                        <a:latin typeface="Calibri"/>
+                        <a:ea typeface="等线"/>
+                        <a:cs typeface="Times New Roman"/>
+                      </a:endParaRPr>
+                    </a:p>
+                  </a:txBody>
+                  <a:tcPr marL="8905" marR="8905" marT="8905" marB="8905" anchor="ctr"/>
+                </a:tc>
+                <a:tc>
+                  <a:txBody>
+                    <a:bodyPr/>
+                    <a:lstStyle/>
+                    <a:p>
+                      <a:pPr marL="0" marR="0" algn="ctr">
+                        <a:lnSpc>
+                          <a:spcPct val="107000"/>
+                        </a:lnSpc>
+                        <a:spcBef>
+                          <a:spcPts val="0"/>
+                        </a:spcBef>
+                        <a:spcAft>
+                          <a:spcPts val="800"/>
+                        </a:spcAft>
+                      </a:pPr>
+                      <a:r>
+                        <a:rPr lang="en-US" sz="1100">
+                          <a:effectLst/>
+                        </a:rPr>
+                        <a:t>14-18 Oct</a:t>
+                      </a:r>
+                      <a:endParaRPr lang="en-US" sz="1100">
+                        <a:effectLst/>
+                        <a:latin typeface="Calibri"/>
+                        <a:ea typeface="等线"/>
+                        <a:cs typeface="Times New Roman"/>
+                      </a:endParaRPr>
+                    </a:p>
+                  </a:txBody>
+                  <a:tcPr marL="8905" marR="8905" marT="8905" marB="8905" anchor="ctr"/>
+                </a:tc>
+                <a:tc>
+                  <a:txBody>
+                    <a:bodyPr/>
+                    <a:lstStyle/>
+                    <a:p>
+                      <a:pPr marL="0" marR="0">
+                        <a:lnSpc>
+                          <a:spcPct val="107000"/>
+                        </a:lnSpc>
+                        <a:spcBef>
+                          <a:spcPts val="0"/>
+                        </a:spcBef>
+                        <a:spcAft>
+                          <a:spcPts val="800"/>
+                        </a:spcAft>
+                      </a:pPr>
+                      <a:r>
+                        <a:rPr lang="en-US" sz="1100">
+                          <a:effectLst/>
+                        </a:rPr>
+                        <a:t> </a:t>
+                      </a:r>
+                      <a:endParaRPr lang="en-US" sz="1100">
+                        <a:effectLst/>
+                        <a:latin typeface="Calibri"/>
+                        <a:ea typeface="等线"/>
+                        <a:cs typeface="Times New Roman"/>
+                      </a:endParaRPr>
+                    </a:p>
+                  </a:txBody>
+                  <a:tcPr marL="8905" marR="8905" marT="8905" marB="8905" anchor="ctr"/>
+                </a:tc>
+                <a:tc>
+                  <a:txBody>
+                    <a:bodyPr/>
+                    <a:lstStyle/>
+                    <a:p>
+                      <a:pPr marL="0" marR="0">
+                        <a:lnSpc>
+                          <a:spcPct val="107000"/>
+                        </a:lnSpc>
+                        <a:spcBef>
+                          <a:spcPts val="0"/>
+                        </a:spcBef>
+                        <a:spcAft>
+                          <a:spcPts val="800"/>
+                        </a:spcAft>
+                      </a:pPr>
+                      <a:r>
+                        <a:rPr lang="en-US" sz="1100">
+                          <a:effectLst/>
+                        </a:rPr>
+                        <a:t>Mid-term preparation and mid-term project</a:t>
+                      </a:r>
+                      <a:endParaRPr lang="en-US" sz="1100">
+                        <a:effectLst/>
+                        <a:latin typeface="Calibri"/>
+                        <a:ea typeface="等线"/>
+                        <a:cs typeface="Times New Roman"/>
+                      </a:endParaRPr>
+                    </a:p>
+                  </a:txBody>
+                  <a:tcPr marL="8905" marR="8905" marT="8905" marB="8905" anchor="ctr"/>
+                </a:tc>
+              </a:tr>
+              <a:tr h="161937">
+                <a:tc>
+                  <a:txBody>
+                    <a:bodyPr/>
+                    <a:lstStyle/>
+                    <a:p>
+                      <a:pPr marL="0" marR="0" algn="ctr">
+                        <a:lnSpc>
+                          <a:spcPct val="107000"/>
+                        </a:lnSpc>
+                        <a:spcBef>
+                          <a:spcPts val="0"/>
+                        </a:spcBef>
+                        <a:spcAft>
+                          <a:spcPts val="800"/>
+                        </a:spcAft>
+                      </a:pPr>
+                      <a:r>
+                        <a:rPr lang="en-US" sz="900">
+                          <a:effectLst/>
+                        </a:rPr>
+                        <a:t>8</a:t>
+                      </a:r>
+                      <a:endParaRPr lang="en-US" sz="1000">
+                        <a:effectLst/>
+                        <a:latin typeface="Calibri"/>
+                        <a:ea typeface="等线"/>
+                        <a:cs typeface="Times New Roman"/>
+                      </a:endParaRPr>
+                    </a:p>
+                  </a:txBody>
+                  <a:tcPr marL="8905" marR="8905" marT="8905" marB="8905" anchor="ctr"/>
+                </a:tc>
+                <a:tc>
+                  <a:txBody>
+                    <a:bodyPr/>
+                    <a:lstStyle/>
+                    <a:p>
+                      <a:pPr marL="0" marR="0" algn="ctr">
+                        <a:lnSpc>
+                          <a:spcPct val="107000"/>
+                        </a:lnSpc>
+                        <a:spcBef>
+                          <a:spcPts val="0"/>
+                        </a:spcBef>
+                        <a:spcAft>
+                          <a:spcPts val="800"/>
+                        </a:spcAft>
+                      </a:pPr>
+                      <a:r>
+                        <a:rPr lang="en-US" sz="1100">
+                          <a:effectLst/>
+                        </a:rPr>
+                        <a:t>21-25 Oct</a:t>
+                      </a:r>
+                      <a:endParaRPr lang="en-US" sz="1100">
+                        <a:effectLst/>
+                        <a:latin typeface="Calibri"/>
+                        <a:ea typeface="等线"/>
+                        <a:cs typeface="Times New Roman"/>
+                      </a:endParaRPr>
+                    </a:p>
+                  </a:txBody>
+                  <a:tcPr marL="8905" marR="8905" marT="8905" marB="8905" anchor="ctr"/>
+                </a:tc>
+                <a:tc>
+                  <a:txBody>
+                    <a:bodyPr/>
+                    <a:lstStyle/>
+                    <a:p>
+                      <a:pPr marL="0" marR="0">
+                        <a:lnSpc>
+                          <a:spcPct val="107000"/>
+                        </a:lnSpc>
+                        <a:spcBef>
+                          <a:spcPts val="0"/>
+                        </a:spcBef>
+                        <a:spcAft>
+                          <a:spcPts val="800"/>
+                        </a:spcAft>
+                      </a:pPr>
+                      <a:r>
+                        <a:rPr lang="en-US" sz="1100">
+                          <a:effectLst/>
+                        </a:rPr>
+                        <a:t> </a:t>
+                      </a:r>
+                      <a:endParaRPr lang="en-US" sz="1100">
+                        <a:effectLst/>
+                        <a:latin typeface="Calibri"/>
+                        <a:ea typeface="等线"/>
+                        <a:cs typeface="Times New Roman"/>
+                      </a:endParaRPr>
+                    </a:p>
+                  </a:txBody>
+                  <a:tcPr marL="8905" marR="8905" marT="8905" marB="8905" anchor="ctr"/>
+                </a:tc>
+                <a:tc>
+                  <a:txBody>
+                    <a:bodyPr/>
+                    <a:lstStyle/>
+                    <a:p>
+                      <a:pPr marL="0" marR="0">
+                        <a:lnSpc>
+                          <a:spcPct val="107000"/>
+                        </a:lnSpc>
+                        <a:spcBef>
+                          <a:spcPts val="0"/>
+                        </a:spcBef>
+                        <a:spcAft>
+                          <a:spcPts val="800"/>
+                        </a:spcAft>
+                      </a:pPr>
+                      <a:r>
+                        <a:rPr lang="en-US" sz="1100">
+                          <a:effectLst/>
+                        </a:rPr>
+                        <a:t>MID-TERM EXAM</a:t>
+                      </a:r>
+                      <a:endParaRPr lang="en-US" sz="1100">
+                        <a:effectLst/>
+                        <a:latin typeface="Calibri"/>
+                        <a:ea typeface="等线"/>
+                        <a:cs typeface="Times New Roman"/>
+                      </a:endParaRPr>
+                    </a:p>
+                  </a:txBody>
+                  <a:tcPr marL="8905" marR="8905" marT="8905" marB="8905" anchor="ctr"/>
+                </a:tc>
+              </a:tr>
+              <a:tr h="161937">
+                <a:tc>
+                  <a:txBody>
+                    <a:bodyPr/>
+                    <a:lstStyle/>
+                    <a:p>
+                      <a:pPr marL="0" marR="0" algn="ctr">
+                        <a:lnSpc>
+                          <a:spcPct val="107000"/>
+                        </a:lnSpc>
+                        <a:spcBef>
+                          <a:spcPts val="0"/>
+                        </a:spcBef>
+                        <a:spcAft>
+                          <a:spcPts val="800"/>
+                        </a:spcAft>
+                      </a:pPr>
+                      <a:r>
+                        <a:rPr lang="en-US" sz="900">
+                          <a:effectLst/>
+                        </a:rPr>
+                        <a:t>9</a:t>
+                      </a:r>
+                      <a:endParaRPr lang="en-US" sz="1000">
+                        <a:effectLst/>
+                        <a:latin typeface="Calibri"/>
+                        <a:ea typeface="等线"/>
+                        <a:cs typeface="Times New Roman"/>
+                      </a:endParaRPr>
+                    </a:p>
+                  </a:txBody>
+                  <a:tcPr marL="8905" marR="8905" marT="8905" marB="8905" anchor="ctr"/>
+                </a:tc>
+                <a:tc>
+                  <a:txBody>
+                    <a:bodyPr/>
+                    <a:lstStyle/>
+                    <a:p>
+                      <a:pPr marL="0" marR="0" algn="ctr">
+                        <a:lnSpc>
+                          <a:spcPct val="107000"/>
+                        </a:lnSpc>
+                        <a:spcBef>
+                          <a:spcPts val="0"/>
+                        </a:spcBef>
+                        <a:spcAft>
+                          <a:spcPts val="800"/>
+                        </a:spcAft>
+                      </a:pPr>
+                      <a:r>
+                        <a:rPr lang="en-US" sz="1100">
+                          <a:effectLst/>
+                        </a:rPr>
+                        <a:t>28 Oct - 1 Nov</a:t>
+                      </a:r>
+                      <a:endParaRPr lang="en-US" sz="1100">
+                        <a:effectLst/>
+                        <a:latin typeface="Calibri"/>
+                        <a:ea typeface="等线"/>
+                        <a:cs typeface="Times New Roman"/>
+                      </a:endParaRPr>
+                    </a:p>
+                  </a:txBody>
+                  <a:tcPr marL="8905" marR="8905" marT="8905" marB="8905" anchor="ctr"/>
+                </a:tc>
+                <a:tc>
+                  <a:txBody>
+                    <a:bodyPr/>
+                    <a:lstStyle/>
+                    <a:p>
+                      <a:pPr marL="0" marR="0">
+                        <a:lnSpc>
+                          <a:spcPct val="107000"/>
+                        </a:lnSpc>
+                        <a:spcBef>
+                          <a:spcPts val="0"/>
+                        </a:spcBef>
+                        <a:spcAft>
+                          <a:spcPts val="800"/>
+                        </a:spcAft>
+                      </a:pPr>
+                      <a:r>
+                        <a:rPr lang="en-US" sz="1100">
+                          <a:effectLst/>
+                        </a:rPr>
+                        <a:t> </a:t>
+                      </a:r>
+                      <a:endParaRPr lang="en-US" sz="1100">
+                        <a:effectLst/>
+                        <a:latin typeface="Calibri"/>
+                        <a:ea typeface="等线"/>
+                        <a:cs typeface="Times New Roman"/>
+                      </a:endParaRPr>
+                    </a:p>
+                  </a:txBody>
+                  <a:tcPr marL="8905" marR="8905" marT="8905" marB="8905" anchor="ctr"/>
+                </a:tc>
+                <a:tc>
+                  <a:txBody>
+                    <a:bodyPr/>
+                    <a:lstStyle/>
+                    <a:p>
+                      <a:pPr marL="0" marR="0">
+                        <a:lnSpc>
+                          <a:spcPct val="107000"/>
+                        </a:lnSpc>
+                        <a:spcBef>
+                          <a:spcPts val="0"/>
+                        </a:spcBef>
+                        <a:spcAft>
+                          <a:spcPts val="800"/>
+                        </a:spcAft>
+                      </a:pPr>
+                      <a:r>
+                        <a:rPr lang="en-US" sz="1100" dirty="0" err="1">
+                          <a:effectLst/>
+                        </a:rPr>
+                        <a:t>HashMap</a:t>
+                      </a:r>
+                      <a:endParaRPr lang="en-US" sz="1100" dirty="0">
+                        <a:effectLst/>
+                        <a:latin typeface="Calibri"/>
+                        <a:ea typeface="等线"/>
+                        <a:cs typeface="Times New Roman"/>
+                      </a:endParaRPr>
+                    </a:p>
+                  </a:txBody>
+                  <a:tcPr marL="8905" marR="8905" marT="8905" marB="8905" anchor="ctr"/>
+                </a:tc>
+              </a:tr>
+              <a:tr h="161937">
+                <a:tc>
+                  <a:txBody>
+                    <a:bodyPr/>
+                    <a:lstStyle/>
+                    <a:p>
+                      <a:pPr marL="0" marR="0" algn="ctr">
+                        <a:lnSpc>
+                          <a:spcPct val="107000"/>
+                        </a:lnSpc>
+                        <a:spcBef>
+                          <a:spcPts val="0"/>
+                        </a:spcBef>
+                        <a:spcAft>
+                          <a:spcPts val="800"/>
+                        </a:spcAft>
+                      </a:pPr>
+                      <a:r>
+                        <a:rPr lang="en-US" sz="900">
+                          <a:effectLst/>
+                        </a:rPr>
+                        <a:t>10</a:t>
+                      </a:r>
+                      <a:endParaRPr lang="en-US" sz="1000">
+                        <a:effectLst/>
+                        <a:latin typeface="Calibri"/>
+                        <a:ea typeface="等线"/>
+                        <a:cs typeface="Times New Roman"/>
+                      </a:endParaRPr>
+                    </a:p>
+                  </a:txBody>
+                  <a:tcPr marL="8905" marR="8905" marT="8905" marB="8905" anchor="ctr"/>
+                </a:tc>
+                <a:tc>
+                  <a:txBody>
+                    <a:bodyPr/>
+                    <a:lstStyle/>
+                    <a:p>
+                      <a:pPr marL="0" marR="0" algn="ctr">
+                        <a:lnSpc>
+                          <a:spcPct val="107000"/>
+                        </a:lnSpc>
+                        <a:spcBef>
+                          <a:spcPts val="0"/>
+                        </a:spcBef>
+                        <a:spcAft>
+                          <a:spcPts val="800"/>
+                        </a:spcAft>
+                      </a:pPr>
+                      <a:r>
+                        <a:rPr lang="en-US" sz="1100">
+                          <a:effectLst/>
+                        </a:rPr>
+                        <a:t>4-8 Nov</a:t>
+                      </a:r>
+                      <a:endParaRPr lang="en-US" sz="1100">
+                        <a:effectLst/>
+                        <a:latin typeface="Calibri"/>
+                        <a:ea typeface="等线"/>
+                        <a:cs typeface="Times New Roman"/>
+                      </a:endParaRPr>
+                    </a:p>
+                  </a:txBody>
+                  <a:tcPr marL="8905" marR="8905" marT="8905" marB="8905" anchor="ctr"/>
+                </a:tc>
+                <a:tc>
+                  <a:txBody>
+                    <a:bodyPr/>
+                    <a:lstStyle/>
+                    <a:p>
+                      <a:pPr marL="0" marR="0">
+                        <a:lnSpc>
+                          <a:spcPct val="107000"/>
+                        </a:lnSpc>
+                        <a:spcBef>
+                          <a:spcPts val="0"/>
+                        </a:spcBef>
+                        <a:spcAft>
+                          <a:spcPts val="800"/>
+                        </a:spcAft>
+                      </a:pPr>
+                      <a:r>
+                        <a:rPr lang="en-US" sz="1100">
+                          <a:effectLst/>
+                        </a:rPr>
+                        <a:t> </a:t>
+                      </a:r>
+                      <a:endParaRPr lang="en-US" sz="1100">
+                        <a:effectLst/>
+                        <a:latin typeface="Calibri"/>
+                        <a:ea typeface="等线"/>
+                        <a:cs typeface="Times New Roman"/>
+                      </a:endParaRPr>
+                    </a:p>
+                  </a:txBody>
+                  <a:tcPr marL="8905" marR="8905" marT="8905" marB="8905" anchor="ctr"/>
+                </a:tc>
+                <a:tc>
+                  <a:txBody>
+                    <a:bodyPr/>
+                    <a:lstStyle/>
+                    <a:p>
+                      <a:pPr marL="0" marR="0">
+                        <a:lnSpc>
+                          <a:spcPct val="107000"/>
+                        </a:lnSpc>
+                        <a:spcBef>
+                          <a:spcPts val="0"/>
+                        </a:spcBef>
+                        <a:spcAft>
+                          <a:spcPts val="0"/>
+                        </a:spcAft>
+                      </a:pPr>
+                      <a:r>
+                        <a:rPr lang="en-US" sz="1100" dirty="0">
+                          <a:effectLst/>
+                        </a:rPr>
+                        <a:t>Interfaces</a:t>
+                      </a:r>
+                      <a:endParaRPr lang="en-US" sz="1100" dirty="0">
+                        <a:effectLst/>
+                        <a:latin typeface="Calibri"/>
+                        <a:ea typeface="等线"/>
+                        <a:cs typeface="Times New Roman"/>
+                      </a:endParaRPr>
+                    </a:p>
+                  </a:txBody>
+                  <a:tcPr marL="8905" marR="8905" marT="8905" marB="8905" anchor="ctr"/>
+                </a:tc>
+              </a:tr>
+              <a:tr h="161937">
+                <a:tc>
+                  <a:txBody>
+                    <a:bodyPr/>
+                    <a:lstStyle/>
+                    <a:p>
+                      <a:pPr marL="0" marR="0" algn="ctr">
+                        <a:lnSpc>
+                          <a:spcPct val="107000"/>
+                        </a:lnSpc>
+                        <a:spcBef>
+                          <a:spcPts val="0"/>
+                        </a:spcBef>
+                        <a:spcAft>
+                          <a:spcPts val="800"/>
+                        </a:spcAft>
+                      </a:pPr>
+                      <a:r>
+                        <a:rPr lang="en-US" sz="900">
+                          <a:effectLst/>
+                        </a:rPr>
+                        <a:t>11</a:t>
+                      </a:r>
+                      <a:endParaRPr lang="en-US" sz="1000">
+                        <a:effectLst/>
+                        <a:latin typeface="Calibri"/>
+                        <a:ea typeface="等线"/>
+                        <a:cs typeface="Times New Roman"/>
+                      </a:endParaRPr>
+                    </a:p>
+                  </a:txBody>
+                  <a:tcPr marL="8905" marR="8905" marT="8905" marB="8905" anchor="ctr"/>
+                </a:tc>
+                <a:tc>
+                  <a:txBody>
+                    <a:bodyPr/>
+                    <a:lstStyle/>
+                    <a:p>
+                      <a:pPr marL="0" marR="0" algn="ctr">
+                        <a:lnSpc>
+                          <a:spcPct val="107000"/>
+                        </a:lnSpc>
+                        <a:spcBef>
+                          <a:spcPts val="0"/>
+                        </a:spcBef>
+                        <a:spcAft>
+                          <a:spcPts val="800"/>
+                        </a:spcAft>
+                      </a:pPr>
+                      <a:r>
+                        <a:rPr lang="en-US" sz="1100">
+                          <a:effectLst/>
+                        </a:rPr>
+                        <a:t>11-15 Nov</a:t>
+                      </a:r>
+                      <a:endParaRPr lang="en-US" sz="1100">
+                        <a:effectLst/>
+                        <a:latin typeface="Calibri"/>
+                        <a:ea typeface="等线"/>
+                        <a:cs typeface="Times New Roman"/>
+                      </a:endParaRPr>
+                    </a:p>
+                  </a:txBody>
+                  <a:tcPr marL="8905" marR="8905" marT="8905" marB="8905" anchor="ctr"/>
+                </a:tc>
+                <a:tc>
+                  <a:txBody>
+                    <a:bodyPr/>
+                    <a:lstStyle/>
+                    <a:p>
+                      <a:pPr marL="0" marR="0">
+                        <a:lnSpc>
+                          <a:spcPct val="107000"/>
+                        </a:lnSpc>
+                        <a:spcBef>
+                          <a:spcPts val="0"/>
+                        </a:spcBef>
+                        <a:spcAft>
+                          <a:spcPts val="800"/>
+                        </a:spcAft>
+                      </a:pPr>
+                      <a:r>
+                        <a:rPr lang="en-US" sz="1100">
+                          <a:effectLst/>
+                        </a:rPr>
+                        <a:t> </a:t>
+                      </a:r>
+                      <a:endParaRPr lang="en-US" sz="1100">
+                        <a:effectLst/>
+                        <a:latin typeface="Calibri"/>
+                        <a:ea typeface="等线"/>
+                        <a:cs typeface="Times New Roman"/>
+                      </a:endParaRPr>
+                    </a:p>
+                  </a:txBody>
+                  <a:tcPr marL="8905" marR="8905" marT="8905" marB="8905" anchor="ctr"/>
+                </a:tc>
+                <a:tc>
+                  <a:txBody>
+                    <a:bodyPr/>
+                    <a:lstStyle/>
+                    <a:p>
+                      <a:pPr marL="0" marR="0">
+                        <a:lnSpc>
+                          <a:spcPct val="107000"/>
+                        </a:lnSpc>
+                        <a:spcBef>
+                          <a:spcPts val="0"/>
+                        </a:spcBef>
+                        <a:spcAft>
+                          <a:spcPts val="0"/>
+                        </a:spcAft>
+                      </a:pPr>
+                      <a:r>
+                        <a:rPr lang="en-US" sz="1100" dirty="0">
+                          <a:effectLst/>
+                        </a:rPr>
+                        <a:t>Exceptions and reading from files</a:t>
+                      </a:r>
+                      <a:endParaRPr lang="en-US" sz="1100" dirty="0">
+                        <a:effectLst/>
+                        <a:latin typeface="Calibri"/>
+                        <a:ea typeface="等线"/>
+                        <a:cs typeface="Times New Roman"/>
+                      </a:endParaRPr>
+                    </a:p>
+                  </a:txBody>
+                  <a:tcPr marL="8905" marR="8905" marT="8905" marB="8905" anchor="ctr"/>
+                </a:tc>
+              </a:tr>
+              <a:tr h="161937">
+                <a:tc>
+                  <a:txBody>
+                    <a:bodyPr/>
+                    <a:lstStyle/>
+                    <a:p>
+                      <a:pPr marL="0" marR="0" algn="ctr">
+                        <a:lnSpc>
+                          <a:spcPct val="107000"/>
+                        </a:lnSpc>
+                        <a:spcBef>
+                          <a:spcPts val="0"/>
+                        </a:spcBef>
+                        <a:spcAft>
+                          <a:spcPts val="800"/>
+                        </a:spcAft>
+                      </a:pPr>
+                      <a:r>
+                        <a:rPr lang="en-US" sz="900">
+                          <a:effectLst/>
+                        </a:rPr>
+                        <a:t>12</a:t>
+                      </a:r>
+                      <a:endParaRPr lang="en-US" sz="1000">
+                        <a:effectLst/>
+                        <a:latin typeface="Calibri"/>
+                        <a:ea typeface="等线"/>
+                        <a:cs typeface="Times New Roman"/>
+                      </a:endParaRPr>
+                    </a:p>
+                  </a:txBody>
+                  <a:tcPr marL="8905" marR="8905" marT="8905" marB="8905" anchor="ctr"/>
+                </a:tc>
+                <a:tc>
+                  <a:txBody>
+                    <a:bodyPr/>
+                    <a:lstStyle/>
+                    <a:p>
+                      <a:pPr marL="0" marR="0" algn="ctr">
+                        <a:lnSpc>
+                          <a:spcPct val="107000"/>
+                        </a:lnSpc>
+                        <a:spcBef>
+                          <a:spcPts val="0"/>
+                        </a:spcBef>
+                        <a:spcAft>
+                          <a:spcPts val="800"/>
+                        </a:spcAft>
+                      </a:pPr>
+                      <a:r>
+                        <a:rPr lang="en-US" sz="1100">
+                          <a:effectLst/>
+                        </a:rPr>
+                        <a:t>18-22 Nov</a:t>
+                      </a:r>
+                      <a:endParaRPr lang="en-US" sz="1100">
+                        <a:effectLst/>
+                        <a:latin typeface="Calibri"/>
+                        <a:ea typeface="等线"/>
+                        <a:cs typeface="Times New Roman"/>
+                      </a:endParaRPr>
+                    </a:p>
+                  </a:txBody>
+                  <a:tcPr marL="8905" marR="8905" marT="8905" marB="8905" anchor="ctr"/>
+                </a:tc>
+                <a:tc>
+                  <a:txBody>
+                    <a:bodyPr/>
+                    <a:lstStyle/>
+                    <a:p>
+                      <a:pPr marL="0" marR="0">
+                        <a:lnSpc>
+                          <a:spcPct val="107000"/>
+                        </a:lnSpc>
+                        <a:spcBef>
+                          <a:spcPts val="0"/>
+                        </a:spcBef>
+                        <a:spcAft>
+                          <a:spcPts val="800"/>
+                        </a:spcAft>
+                      </a:pPr>
+                      <a:r>
+                        <a:rPr lang="en-US" sz="1100">
+                          <a:effectLst/>
+                        </a:rPr>
+                        <a:t> </a:t>
+                      </a:r>
+                      <a:endParaRPr lang="en-US" sz="1100">
+                        <a:effectLst/>
+                        <a:latin typeface="Calibri"/>
+                        <a:ea typeface="等线"/>
+                        <a:cs typeface="Times New Roman"/>
+                      </a:endParaRPr>
+                    </a:p>
+                  </a:txBody>
+                  <a:tcPr marL="8905" marR="8905" marT="8905" marB="8905" anchor="ctr"/>
+                </a:tc>
+                <a:tc>
+                  <a:txBody>
+                    <a:bodyPr/>
+                    <a:lstStyle/>
+                    <a:p>
+                      <a:pPr marL="0" marR="0">
+                        <a:lnSpc>
+                          <a:spcPct val="107000"/>
+                        </a:lnSpc>
+                        <a:spcBef>
+                          <a:spcPts val="0"/>
+                        </a:spcBef>
+                        <a:spcAft>
+                          <a:spcPts val="800"/>
+                        </a:spcAft>
+                      </a:pPr>
+                      <a:r>
+                        <a:rPr lang="en-US" sz="1100" dirty="0">
+                          <a:effectLst/>
+                        </a:rPr>
+                        <a:t>Inheritance</a:t>
+                      </a:r>
+                      <a:endParaRPr lang="en-US" sz="1100" dirty="0">
+                        <a:effectLst/>
+                        <a:latin typeface="Calibri"/>
+                        <a:ea typeface="等线"/>
+                        <a:cs typeface="Times New Roman"/>
+                      </a:endParaRPr>
+                    </a:p>
+                  </a:txBody>
+                  <a:tcPr marL="8905" marR="8905" marT="8905" marB="8905" anchor="ctr"/>
+                </a:tc>
+              </a:tr>
+              <a:tr h="161937">
+                <a:tc>
+                  <a:txBody>
+                    <a:bodyPr/>
+                    <a:lstStyle/>
+                    <a:p>
+                      <a:pPr marL="0" marR="0" algn="ctr">
+                        <a:lnSpc>
+                          <a:spcPct val="107000"/>
+                        </a:lnSpc>
+                        <a:spcBef>
+                          <a:spcPts val="0"/>
+                        </a:spcBef>
+                        <a:spcAft>
+                          <a:spcPts val="800"/>
+                        </a:spcAft>
+                      </a:pPr>
+                      <a:r>
+                        <a:rPr lang="en-US" sz="900">
+                          <a:effectLst/>
+                        </a:rPr>
+                        <a:t>13</a:t>
+                      </a:r>
+                      <a:endParaRPr lang="en-US" sz="1000">
+                        <a:effectLst/>
+                        <a:latin typeface="Calibri"/>
+                        <a:ea typeface="等线"/>
+                        <a:cs typeface="Times New Roman"/>
+                      </a:endParaRPr>
+                    </a:p>
+                  </a:txBody>
+                  <a:tcPr marL="8905" marR="8905" marT="8905" marB="8905" anchor="ctr"/>
+                </a:tc>
+                <a:tc>
+                  <a:txBody>
+                    <a:bodyPr/>
+                    <a:lstStyle/>
+                    <a:p>
+                      <a:pPr marL="0" marR="0" algn="ctr">
+                        <a:lnSpc>
+                          <a:spcPct val="107000"/>
+                        </a:lnSpc>
+                        <a:spcBef>
+                          <a:spcPts val="0"/>
+                        </a:spcBef>
+                        <a:spcAft>
+                          <a:spcPts val="800"/>
+                        </a:spcAft>
+                      </a:pPr>
+                      <a:r>
+                        <a:rPr lang="en-US" sz="1100">
+                          <a:effectLst/>
+                        </a:rPr>
+                        <a:t>25-29 Nov</a:t>
+                      </a:r>
+                      <a:endParaRPr lang="en-US" sz="1100">
+                        <a:effectLst/>
+                        <a:latin typeface="Calibri"/>
+                        <a:ea typeface="等线"/>
+                        <a:cs typeface="Times New Roman"/>
+                      </a:endParaRPr>
+                    </a:p>
+                  </a:txBody>
+                  <a:tcPr marL="8905" marR="8905" marT="8905" marB="8905" anchor="ctr"/>
+                </a:tc>
+                <a:tc>
+                  <a:txBody>
+                    <a:bodyPr/>
+                    <a:lstStyle/>
+                    <a:p>
+                      <a:pPr marL="0" marR="0">
+                        <a:lnSpc>
+                          <a:spcPct val="107000"/>
+                        </a:lnSpc>
+                        <a:spcBef>
+                          <a:spcPts val="0"/>
+                        </a:spcBef>
+                        <a:spcAft>
+                          <a:spcPts val="800"/>
+                        </a:spcAft>
+                      </a:pPr>
+                      <a:r>
+                        <a:rPr lang="en-US" sz="1100">
+                          <a:effectLst/>
+                        </a:rPr>
+                        <a:t> </a:t>
+                      </a:r>
+                      <a:endParaRPr lang="en-US" sz="1100">
+                        <a:effectLst/>
+                        <a:latin typeface="Calibri"/>
+                        <a:ea typeface="等线"/>
+                        <a:cs typeface="Times New Roman"/>
+                      </a:endParaRPr>
+                    </a:p>
+                  </a:txBody>
+                  <a:tcPr marL="8905" marR="8905" marT="8905" marB="8905" anchor="ctr"/>
+                </a:tc>
+                <a:tc>
+                  <a:txBody>
+                    <a:bodyPr/>
+                    <a:lstStyle/>
+                    <a:p>
+                      <a:pPr marL="0" marR="0">
+                        <a:lnSpc>
+                          <a:spcPct val="107000"/>
+                        </a:lnSpc>
+                        <a:spcBef>
+                          <a:spcPts val="0"/>
+                        </a:spcBef>
+                        <a:spcAft>
+                          <a:spcPts val="800"/>
+                        </a:spcAft>
+                      </a:pPr>
+                      <a:r>
+                        <a:rPr lang="en-US" sz="1100" dirty="0">
+                          <a:effectLst/>
+                        </a:rPr>
+                        <a:t>Writing into files and GUI</a:t>
+                      </a:r>
+                      <a:endParaRPr lang="en-US" sz="1100" dirty="0">
+                        <a:effectLst/>
+                        <a:latin typeface="Calibri"/>
+                        <a:ea typeface="等线"/>
+                        <a:cs typeface="Times New Roman"/>
+                      </a:endParaRPr>
+                    </a:p>
+                  </a:txBody>
+                  <a:tcPr marL="8905" marR="8905" marT="8905" marB="8905" anchor="ctr"/>
+                </a:tc>
+              </a:tr>
+              <a:tr h="161937">
+                <a:tc>
+                  <a:txBody>
+                    <a:bodyPr/>
+                    <a:lstStyle/>
+                    <a:p>
+                      <a:pPr marL="0" marR="0" algn="ctr">
+                        <a:lnSpc>
+                          <a:spcPct val="107000"/>
+                        </a:lnSpc>
+                        <a:spcBef>
+                          <a:spcPts val="0"/>
+                        </a:spcBef>
+                        <a:spcAft>
+                          <a:spcPts val="800"/>
+                        </a:spcAft>
+                      </a:pPr>
+                      <a:r>
+                        <a:rPr lang="en-US" sz="900">
+                          <a:effectLst/>
+                        </a:rPr>
+                        <a:t>14</a:t>
+                      </a:r>
+                      <a:endParaRPr lang="en-US" sz="1000">
+                        <a:effectLst/>
+                        <a:latin typeface="Calibri"/>
+                        <a:ea typeface="等线"/>
+                        <a:cs typeface="Times New Roman"/>
+                      </a:endParaRPr>
+                    </a:p>
+                  </a:txBody>
+                  <a:tcPr marL="8905" marR="8905" marT="8905" marB="8905" anchor="ctr"/>
+                </a:tc>
+                <a:tc>
+                  <a:txBody>
+                    <a:bodyPr/>
+                    <a:lstStyle/>
+                    <a:p>
+                      <a:pPr marL="0" marR="0" algn="ctr">
+                        <a:lnSpc>
+                          <a:spcPct val="107000"/>
+                        </a:lnSpc>
+                        <a:spcBef>
+                          <a:spcPts val="0"/>
+                        </a:spcBef>
+                        <a:spcAft>
+                          <a:spcPts val="800"/>
+                        </a:spcAft>
+                      </a:pPr>
+                      <a:r>
+                        <a:rPr lang="en-US" sz="1100">
+                          <a:effectLst/>
+                        </a:rPr>
+                        <a:t>2-6 Dec</a:t>
+                      </a:r>
+                      <a:endParaRPr lang="en-US" sz="1100">
+                        <a:effectLst/>
+                        <a:latin typeface="Calibri"/>
+                        <a:ea typeface="等线"/>
+                        <a:cs typeface="Times New Roman"/>
+                      </a:endParaRPr>
+                    </a:p>
+                  </a:txBody>
+                  <a:tcPr marL="8905" marR="8905" marT="8905" marB="8905" anchor="ctr"/>
+                </a:tc>
+                <a:tc>
+                  <a:txBody>
+                    <a:bodyPr/>
+                    <a:lstStyle/>
+                    <a:p>
+                      <a:pPr marL="0" marR="0">
+                        <a:lnSpc>
+                          <a:spcPct val="107000"/>
+                        </a:lnSpc>
+                        <a:spcBef>
+                          <a:spcPts val="0"/>
+                        </a:spcBef>
+                        <a:spcAft>
+                          <a:spcPts val="0"/>
+                        </a:spcAft>
+                      </a:pPr>
+                      <a:r>
+                        <a:rPr lang="en-US" sz="1100">
+                          <a:effectLst/>
+                        </a:rPr>
+                        <a:t> </a:t>
+                      </a:r>
+                      <a:endParaRPr lang="en-US" sz="1100">
+                        <a:effectLst/>
+                        <a:latin typeface="Calibri"/>
+                        <a:ea typeface="等线"/>
+                        <a:cs typeface="Times New Roman"/>
+                      </a:endParaRPr>
+                    </a:p>
+                  </a:txBody>
+                  <a:tcPr marL="8905" marR="8905" marT="8905" marB="8905" anchor="ctr"/>
+                </a:tc>
+                <a:tc>
+                  <a:txBody>
+                    <a:bodyPr/>
+                    <a:lstStyle/>
+                    <a:p>
+                      <a:pPr marL="0" marR="0">
+                        <a:lnSpc>
+                          <a:spcPct val="107000"/>
+                        </a:lnSpc>
+                        <a:spcBef>
+                          <a:spcPts val="0"/>
+                        </a:spcBef>
+                        <a:spcAft>
+                          <a:spcPts val="800"/>
+                        </a:spcAft>
+                      </a:pPr>
+                      <a:r>
+                        <a:rPr lang="en-US" sz="1100" dirty="0">
+                          <a:effectLst/>
+                        </a:rPr>
+                        <a:t>Regex, iterators, </a:t>
+                      </a:r>
+                      <a:r>
+                        <a:rPr lang="en-US" sz="1100" dirty="0" err="1">
+                          <a:effectLst/>
+                        </a:rPr>
+                        <a:t>enum</a:t>
+                      </a:r>
+                      <a:endParaRPr lang="en-US" sz="1100" dirty="0">
+                        <a:effectLst/>
+                        <a:latin typeface="Calibri"/>
+                        <a:ea typeface="等线"/>
+                        <a:cs typeface="Times New Roman"/>
+                      </a:endParaRPr>
+                    </a:p>
+                  </a:txBody>
+                  <a:tcPr marL="8905" marR="8905" marT="8905" marB="8905" anchor="ctr"/>
+                </a:tc>
+              </a:tr>
+              <a:tr h="161937">
+                <a:tc>
+                  <a:txBody>
+                    <a:bodyPr/>
+                    <a:lstStyle/>
+                    <a:p>
+                      <a:pPr marL="0" marR="0" algn="ctr">
+                        <a:lnSpc>
+                          <a:spcPct val="107000"/>
+                        </a:lnSpc>
+                        <a:spcBef>
+                          <a:spcPts val="0"/>
+                        </a:spcBef>
+                        <a:spcAft>
+                          <a:spcPts val="800"/>
+                        </a:spcAft>
+                      </a:pPr>
+                      <a:r>
+                        <a:rPr lang="en-US" sz="900">
+                          <a:effectLst/>
+                        </a:rPr>
+                        <a:t>15</a:t>
+                      </a:r>
+                      <a:endParaRPr lang="en-US" sz="1000">
+                        <a:effectLst/>
+                        <a:latin typeface="Calibri"/>
+                        <a:ea typeface="等线"/>
+                        <a:cs typeface="Times New Roman"/>
+                      </a:endParaRPr>
+                    </a:p>
+                  </a:txBody>
+                  <a:tcPr marL="8905" marR="8905" marT="8905" marB="8905" anchor="ctr"/>
+                </a:tc>
+                <a:tc>
+                  <a:txBody>
+                    <a:bodyPr/>
+                    <a:lstStyle/>
+                    <a:p>
+                      <a:pPr marL="0" marR="0" algn="ctr">
+                        <a:lnSpc>
+                          <a:spcPct val="107000"/>
+                        </a:lnSpc>
+                        <a:spcBef>
+                          <a:spcPts val="0"/>
+                        </a:spcBef>
+                        <a:spcAft>
+                          <a:spcPts val="800"/>
+                        </a:spcAft>
+                      </a:pPr>
+                      <a:r>
+                        <a:rPr lang="en-US" sz="1100">
+                          <a:effectLst/>
+                        </a:rPr>
+                        <a:t>9-13 Dec</a:t>
+                      </a:r>
+                      <a:endParaRPr lang="en-US" sz="1100">
+                        <a:effectLst/>
+                        <a:latin typeface="Calibri"/>
+                        <a:ea typeface="等线"/>
+                        <a:cs typeface="Times New Roman"/>
+                      </a:endParaRPr>
+                    </a:p>
+                  </a:txBody>
+                  <a:tcPr marL="8905" marR="8905" marT="8905" marB="8905" anchor="ctr"/>
+                </a:tc>
+                <a:tc>
+                  <a:txBody>
+                    <a:bodyPr/>
+                    <a:lstStyle/>
+                    <a:p>
+                      <a:pPr marL="0" marR="0">
+                        <a:lnSpc>
+                          <a:spcPct val="107000"/>
+                        </a:lnSpc>
+                        <a:spcBef>
+                          <a:spcPts val="0"/>
+                        </a:spcBef>
+                        <a:spcAft>
+                          <a:spcPts val="0"/>
+                        </a:spcAft>
+                      </a:pPr>
+                      <a:r>
+                        <a:rPr lang="en-US" sz="1100">
+                          <a:effectLst/>
+                        </a:rPr>
+                        <a:t> </a:t>
+                      </a:r>
+                      <a:endParaRPr lang="en-US" sz="1100">
+                        <a:effectLst/>
+                        <a:latin typeface="Calibri"/>
+                        <a:ea typeface="等线"/>
+                        <a:cs typeface="Times New Roman"/>
+                      </a:endParaRPr>
+                    </a:p>
+                  </a:txBody>
+                  <a:tcPr marL="8905" marR="8905" marT="8905" marB="8905" anchor="ctr"/>
+                </a:tc>
+                <a:tc>
+                  <a:txBody>
+                    <a:bodyPr/>
+                    <a:lstStyle/>
+                    <a:p>
+                      <a:pPr marL="0" marR="0">
+                        <a:lnSpc>
+                          <a:spcPct val="107000"/>
+                        </a:lnSpc>
+                        <a:spcBef>
+                          <a:spcPts val="0"/>
+                        </a:spcBef>
+                        <a:spcAft>
+                          <a:spcPts val="800"/>
+                        </a:spcAft>
+                      </a:pPr>
+                      <a:r>
+                        <a:rPr lang="en-US" sz="1100" dirty="0">
+                          <a:effectLst/>
+                        </a:rPr>
+                        <a:t>FINAL PROJECT</a:t>
+                      </a:r>
+                      <a:endParaRPr lang="en-US" sz="1100" dirty="0">
+                        <a:effectLst/>
+                        <a:latin typeface="Calibri"/>
+                        <a:ea typeface="等线"/>
+                        <a:cs typeface="Times New Roman"/>
+                      </a:endParaRPr>
+                    </a:p>
+                  </a:txBody>
+                  <a:tcPr marL="8905" marR="8905" marT="8905" marB="8905" anchor="ctr"/>
+                </a:tc>
+              </a:tr>
+              <a:tr h="161937">
+                <a:tc>
+                  <a:txBody>
+                    <a:bodyPr/>
+                    <a:lstStyle/>
+                    <a:p>
+                      <a:pPr marL="0" marR="0" algn="ctr">
+                        <a:lnSpc>
+                          <a:spcPct val="107000"/>
+                        </a:lnSpc>
+                        <a:spcBef>
+                          <a:spcPts val="0"/>
+                        </a:spcBef>
+                        <a:spcAft>
+                          <a:spcPts val="800"/>
+                        </a:spcAft>
+                      </a:pPr>
+                      <a:r>
+                        <a:rPr lang="en-US" sz="900">
+                          <a:effectLst/>
+                        </a:rPr>
+                        <a:t>16</a:t>
+                      </a:r>
+                      <a:endParaRPr lang="en-US" sz="1000">
+                        <a:effectLst/>
+                        <a:latin typeface="Calibri"/>
+                        <a:ea typeface="等线"/>
+                        <a:cs typeface="Times New Roman"/>
+                      </a:endParaRPr>
+                    </a:p>
+                  </a:txBody>
+                  <a:tcPr marL="8905" marR="8905" marT="8905" marB="8905" anchor="ctr"/>
+                </a:tc>
+                <a:tc>
+                  <a:txBody>
+                    <a:bodyPr/>
+                    <a:lstStyle/>
+                    <a:p>
+                      <a:pPr marL="0" marR="0" algn="ctr">
+                        <a:lnSpc>
+                          <a:spcPct val="107000"/>
+                        </a:lnSpc>
+                        <a:spcBef>
+                          <a:spcPts val="0"/>
+                        </a:spcBef>
+                        <a:spcAft>
+                          <a:spcPts val="800"/>
+                        </a:spcAft>
+                      </a:pPr>
+                      <a:r>
+                        <a:rPr lang="en-US" sz="1100">
+                          <a:effectLst/>
+                        </a:rPr>
+                        <a:t>16-20 Dec</a:t>
+                      </a:r>
+                      <a:endParaRPr lang="en-US" sz="1100">
+                        <a:effectLst/>
+                        <a:latin typeface="Calibri"/>
+                        <a:ea typeface="等线"/>
+                        <a:cs typeface="Times New Roman"/>
+                      </a:endParaRPr>
+                    </a:p>
+                  </a:txBody>
+                  <a:tcPr marL="8905" marR="8905" marT="8905" marB="8905" anchor="ctr"/>
+                </a:tc>
+                <a:tc>
+                  <a:txBody>
+                    <a:bodyPr/>
+                    <a:lstStyle/>
+                    <a:p>
+                      <a:pPr marL="0" marR="0">
+                        <a:lnSpc>
+                          <a:spcPct val="107000"/>
+                        </a:lnSpc>
+                        <a:spcBef>
+                          <a:spcPts val="0"/>
+                        </a:spcBef>
+                        <a:spcAft>
+                          <a:spcPts val="0"/>
+                        </a:spcAft>
+                      </a:pPr>
+                      <a:r>
+                        <a:rPr lang="en-US" sz="1100">
+                          <a:effectLst/>
+                        </a:rPr>
+                        <a:t> </a:t>
+                      </a:r>
+                      <a:endParaRPr lang="en-US" sz="1100">
+                        <a:effectLst/>
+                        <a:latin typeface="Calibri"/>
+                        <a:ea typeface="等线"/>
+                        <a:cs typeface="Times New Roman"/>
+                      </a:endParaRPr>
+                    </a:p>
+                  </a:txBody>
+                  <a:tcPr marL="8905" marR="8905" marT="8905" marB="8905" anchor="ctr"/>
+                </a:tc>
+                <a:tc>
+                  <a:txBody>
+                    <a:bodyPr/>
+                    <a:lstStyle/>
+                    <a:p>
+                      <a:pPr marL="0" marR="0">
+                        <a:lnSpc>
+                          <a:spcPct val="107000"/>
+                        </a:lnSpc>
+                        <a:spcBef>
+                          <a:spcPts val="0"/>
+                        </a:spcBef>
+                        <a:spcAft>
+                          <a:spcPts val="0"/>
+                        </a:spcAft>
+                      </a:pPr>
+                      <a:r>
+                        <a:rPr lang="en-US" sz="1100" dirty="0">
+                          <a:effectLst/>
+                        </a:rPr>
+                        <a:t>FINAL PROJECT</a:t>
+                      </a:r>
+                      <a:endParaRPr lang="en-US" sz="1100" dirty="0">
+                        <a:effectLst/>
+                        <a:latin typeface="Calibri"/>
+                        <a:ea typeface="等线"/>
+                        <a:cs typeface="Times New Roman"/>
+                      </a:endParaRPr>
+                    </a:p>
+                  </a:txBody>
+                  <a:tcPr marL="8905" marR="8905" marT="8905" marB="8905" anchor="ctr"/>
+                </a:tc>
+              </a:tr>
+              <a:tr h="161937">
+                <a:tc>
+                  <a:txBody>
+                    <a:bodyPr/>
+                    <a:lstStyle/>
+                    <a:p>
+                      <a:pPr marL="0" marR="0" algn="ctr">
+                        <a:lnSpc>
+                          <a:spcPct val="107000"/>
+                        </a:lnSpc>
+                        <a:spcBef>
+                          <a:spcPts val="0"/>
+                        </a:spcBef>
+                        <a:spcAft>
+                          <a:spcPts val="800"/>
+                        </a:spcAft>
+                      </a:pPr>
+                      <a:r>
+                        <a:rPr lang="en-US" sz="900">
+                          <a:effectLst/>
+                        </a:rPr>
+                        <a:t>17</a:t>
+                      </a:r>
+                      <a:endParaRPr lang="en-US" sz="1000">
+                        <a:effectLst/>
+                        <a:latin typeface="Calibri"/>
+                        <a:ea typeface="等线"/>
+                        <a:cs typeface="Times New Roman"/>
+                      </a:endParaRPr>
+                    </a:p>
+                  </a:txBody>
+                  <a:tcPr marL="8905" marR="8905" marT="8905" marB="8905" anchor="ctr"/>
+                </a:tc>
+                <a:tc>
+                  <a:txBody>
+                    <a:bodyPr/>
+                    <a:lstStyle/>
+                    <a:p>
+                      <a:pPr marL="0" marR="0" algn="ctr">
+                        <a:lnSpc>
+                          <a:spcPct val="107000"/>
+                        </a:lnSpc>
+                        <a:spcBef>
+                          <a:spcPts val="0"/>
+                        </a:spcBef>
+                        <a:spcAft>
+                          <a:spcPts val="800"/>
+                        </a:spcAft>
+                      </a:pPr>
+                      <a:r>
+                        <a:rPr lang="en-US" sz="1100">
+                          <a:effectLst/>
+                        </a:rPr>
+                        <a:t>2-10 Jan</a:t>
+                      </a:r>
+                      <a:endParaRPr lang="en-US" sz="1100">
+                        <a:effectLst/>
+                        <a:latin typeface="Calibri"/>
+                        <a:ea typeface="等线"/>
+                        <a:cs typeface="Times New Roman"/>
+                      </a:endParaRPr>
+                    </a:p>
+                  </a:txBody>
+                  <a:tcPr marL="8905" marR="8905" marT="8905" marB="8905" anchor="ctr"/>
+                </a:tc>
+                <a:tc>
+                  <a:txBody>
+                    <a:bodyPr/>
+                    <a:lstStyle/>
+                    <a:p>
+                      <a:pPr marL="0" marR="0">
+                        <a:lnSpc>
+                          <a:spcPct val="107000"/>
+                        </a:lnSpc>
+                        <a:spcBef>
+                          <a:spcPts val="0"/>
+                        </a:spcBef>
+                        <a:spcAft>
+                          <a:spcPts val="0"/>
+                        </a:spcAft>
+                      </a:pPr>
+                      <a:r>
+                        <a:rPr lang="en-US" sz="1100">
+                          <a:effectLst/>
+                        </a:rPr>
+                        <a:t> </a:t>
+                      </a:r>
+                      <a:endParaRPr lang="en-US" sz="1100">
+                        <a:effectLst/>
+                        <a:latin typeface="Calibri"/>
+                        <a:ea typeface="等线"/>
+                        <a:cs typeface="Times New Roman"/>
+                      </a:endParaRPr>
+                    </a:p>
+                  </a:txBody>
+                  <a:tcPr marL="8905" marR="8905" marT="8905" marB="8905" anchor="ctr"/>
+                </a:tc>
+                <a:tc>
+                  <a:txBody>
+                    <a:bodyPr/>
+                    <a:lstStyle/>
+                    <a:p>
+                      <a:pPr marL="0" marR="0">
+                        <a:lnSpc>
+                          <a:spcPct val="107000"/>
+                        </a:lnSpc>
+                        <a:spcBef>
+                          <a:spcPts val="0"/>
+                        </a:spcBef>
+                        <a:spcAft>
+                          <a:spcPts val="0"/>
+                        </a:spcAft>
+                      </a:pPr>
+                      <a:r>
+                        <a:rPr lang="en-US" sz="1100" dirty="0">
+                          <a:effectLst/>
+                        </a:rPr>
+                        <a:t>Final Exam preparation</a:t>
+                      </a:r>
+                      <a:endParaRPr lang="en-US" sz="1100" dirty="0">
+                        <a:effectLst/>
+                        <a:latin typeface="Calibri"/>
+                        <a:ea typeface="等线"/>
+                        <a:cs typeface="Times New Roman"/>
+                      </a:endParaRPr>
+                    </a:p>
+                  </a:txBody>
+                  <a:tcPr marL="8905" marR="8905" marT="8905" marB="8905" anchor="ctr"/>
+                </a:tc>
+              </a:tr>
+              <a:tr h="161937">
+                <a:tc>
+                  <a:txBody>
+                    <a:bodyPr/>
+                    <a:lstStyle/>
+                    <a:p>
+                      <a:pPr marL="0" marR="0" algn="ctr">
+                        <a:lnSpc>
+                          <a:spcPct val="107000"/>
+                        </a:lnSpc>
+                        <a:spcBef>
+                          <a:spcPts val="0"/>
+                        </a:spcBef>
+                        <a:spcAft>
+                          <a:spcPts val="0"/>
+                        </a:spcAft>
+                      </a:pPr>
+                      <a:r>
+                        <a:rPr lang="en-US" sz="900">
+                          <a:effectLst/>
+                        </a:rPr>
+                        <a:t>18</a:t>
+                      </a:r>
+                      <a:endParaRPr lang="en-US" sz="1000">
+                        <a:effectLst/>
+                        <a:latin typeface="Calibri"/>
+                        <a:ea typeface="等线"/>
+                        <a:cs typeface="Times New Roman"/>
+                      </a:endParaRPr>
+                    </a:p>
+                  </a:txBody>
+                  <a:tcPr marL="8905" marR="8905" marT="8905" marB="8905" anchor="ctr"/>
+                </a:tc>
+                <a:tc>
+                  <a:txBody>
+                    <a:bodyPr/>
+                    <a:lstStyle/>
+                    <a:p>
+                      <a:pPr marL="0" marR="0" algn="ctr">
+                        <a:lnSpc>
+                          <a:spcPct val="107000"/>
+                        </a:lnSpc>
+                        <a:spcBef>
+                          <a:spcPts val="0"/>
+                        </a:spcBef>
+                        <a:spcAft>
+                          <a:spcPts val="0"/>
+                        </a:spcAft>
+                      </a:pPr>
+                      <a:r>
+                        <a:rPr lang="en-US" sz="1100">
+                          <a:effectLst/>
+                        </a:rPr>
+                        <a:t>15-16 Jan</a:t>
+                      </a:r>
+                      <a:endParaRPr lang="en-US" sz="1100">
+                        <a:effectLst/>
+                        <a:latin typeface="Calibri"/>
+                        <a:ea typeface="等线"/>
+                        <a:cs typeface="Times New Roman"/>
+                      </a:endParaRPr>
+                    </a:p>
+                  </a:txBody>
+                  <a:tcPr marL="8905" marR="8905" marT="8905" marB="8905" anchor="ctr"/>
+                </a:tc>
+                <a:tc>
+                  <a:txBody>
+                    <a:bodyPr/>
+                    <a:lstStyle/>
+                    <a:p>
+                      <a:pPr marL="0" marR="0">
+                        <a:lnSpc>
+                          <a:spcPct val="107000"/>
+                        </a:lnSpc>
+                        <a:spcBef>
+                          <a:spcPts val="0"/>
+                        </a:spcBef>
+                        <a:spcAft>
+                          <a:spcPts val="0"/>
+                        </a:spcAft>
+                      </a:pPr>
+                      <a:r>
+                        <a:rPr lang="en-US" sz="1100">
+                          <a:effectLst/>
+                        </a:rPr>
+                        <a:t> </a:t>
+                      </a:r>
+                      <a:endParaRPr lang="en-US" sz="1100">
+                        <a:effectLst/>
+                        <a:latin typeface="Calibri"/>
+                        <a:ea typeface="等线"/>
+                        <a:cs typeface="Times New Roman"/>
+                      </a:endParaRPr>
+                    </a:p>
+                  </a:txBody>
+                  <a:tcPr marL="8905" marR="8905" marT="8905" marB="8905" anchor="ctr"/>
+                </a:tc>
+                <a:tc>
+                  <a:txBody>
+                    <a:bodyPr/>
+                    <a:lstStyle/>
+                    <a:p>
+                      <a:pPr marL="0" marR="0">
+                        <a:lnSpc>
+                          <a:spcPct val="107000"/>
+                        </a:lnSpc>
+                        <a:spcBef>
+                          <a:spcPts val="0"/>
+                        </a:spcBef>
+                        <a:spcAft>
+                          <a:spcPts val="0"/>
+                        </a:spcAft>
+                      </a:pPr>
+                      <a:r>
+                        <a:rPr lang="en-US" sz="1100" dirty="0">
+                          <a:effectLst/>
+                        </a:rPr>
+                        <a:t>FINAL EXAM</a:t>
+                      </a:r>
+                      <a:endParaRPr lang="en-US" sz="1100" dirty="0">
+                        <a:effectLst/>
+                        <a:latin typeface="Calibri"/>
+                        <a:ea typeface="等线"/>
+                        <a:cs typeface="Times New Roman"/>
+                      </a:endParaRPr>
+                    </a:p>
+                  </a:txBody>
+                  <a:tcPr marL="8905" marR="8905" marT="8905" marB="8905" anchor="ctr"/>
+                </a:tc>
+              </a:tr>
+            </a:tbl>
+          </a:graphicData>
+        </a:graphic>
+      </p:graphicFrame>
+      <p:pic>
+        <p:nvPicPr>
+          <p:cNvPr id="1025" name="Picture 25" descr="Description: page2image3733664"/>
+          <p:cNvPicPr>
+            <a:picLocks noChangeAspect="1" noChangeArrowheads="1"/>
+          </p:cNvPicPr>
+          <p:nvPr/>
+        </p:nvPicPr>
+        <p:blipFill>
+          <a:blip r:embed="rId2" r:link="rId3">
+            <a:extLst>
+              <a:ext uri="{28A0092B-C50C-407E-A947-70E740481C1C}">
+                <a14:useLocalDpi xmlns:a14="http://schemas.microsoft.com/office/drawing/2010/main" val="0"/>
+              </a:ext>
+            </a:extLst>
+          </a:blip>
+          <a:srcRect/>
+          <a:stretch>
+            <a:fillRect/>
+          </a:stretch>
+        </p:blipFill>
+        <p:spPr bwMode="auto">
+          <a:xfrm>
+            <a:off x="1806575" y="1200150"/>
+            <a:ext cx="9525" cy="9525"/>
+          </a:xfrm>
+          <a:prstGeom prst="rect">
+            <a:avLst/>
+          </a:prstGeom>
+          <a:noFill/>
+          <a:extLst>
+            <a:ext uri="{909E8E84-426E-40DD-AFC4-6F175D3DCCD1}">
+              <a14:hiddenFill xmlns:a14="http://schemas.microsoft.com/office/drawing/2010/main">
+                <a:solidFill>
+                  <a:srgbClr val="FFFFFF"/>
+                </a:solidFill>
+              </a14:hiddenFill>
+            </a:ext>
+          </a:extLst>
+        </p:spPr>
+      </p:pic>
+    </p:spTree>
+    <p:extLst>
+      <p:ext uri="{BB962C8B-B14F-4D97-AF65-F5344CB8AC3E}">
+        <p14:creationId xmlns:p14="http://schemas.microsoft.com/office/powerpoint/2010/main" val="1615222713"/>
+      </p:ext>
+    </p:extLst>
+  </p:cSld>
+  <p:clrMapOvr>
+    <a:masterClrMapping/>
+  </p:clrMapOvr>
+  <p:timing>
+    <p:tnLst>
+      <p:par>
+        <p:cTn id="1" dur="indefinite" restart="never" nodeType="tmRoot"/>
+      </p:par>
+    </p:tnLst>
+  </p:timing>
+</p:sld>
+</file>
+
+<file path=ppt/slides/slide20.xml><?xml version="1.0" encoding="utf-8"?>
 <p:sld xmlns:a="http://schemas.openxmlformats.org/drawingml/2006/main" xmlns:r="http://schemas.openxmlformats.org/officeDocument/2006/relationships" xmlns:p="http://schemas.openxmlformats.org/presentationml/2006/main">
   <p:cSld>
     <p:spTree>
@@ -6542,2625 +9411,7 @@
 </p:sld>
 </file>
 
-<file path=ppt/slides/slide2.xml><?xml version="1.0" encoding="utf-8"?>
-<p:sld xmlns:a="http://schemas.openxmlformats.org/drawingml/2006/main" xmlns:r="http://schemas.openxmlformats.org/officeDocument/2006/relationships" xmlns:p="http://schemas.openxmlformats.org/presentationml/2006/main">
-  <p:cSld>
-    <p:spTree>
-      <p:nvGrpSpPr>
-        <p:cNvPr id="1" name=""/>
-        <p:cNvGrpSpPr/>
-        <p:nvPr/>
-      </p:nvGrpSpPr>
-      <p:grpSpPr>
-        <a:xfrm>
-          <a:off x="0" y="0"/>
-          <a:ext cx="0" cy="0"/>
-          <a:chOff x="0" y="0"/>
-          <a:chExt cx="0" cy="0"/>
-        </a:xfrm>
-      </p:grpSpPr>
-      <p:sp>
-        <p:nvSpPr>
-          <p:cNvPr id="2" name="Title 1"/>
-          <p:cNvSpPr>
-            <a:spLocks noGrp="1"/>
-          </p:cNvSpPr>
-          <p:nvPr>
-            <p:ph type="title"/>
-          </p:nvPr>
-        </p:nvSpPr>
-        <p:spPr/>
-        <p:txBody>
-          <a:bodyPr/>
-          <a:lstStyle/>
-          <a:p>
-            <a:r>
-              <a:rPr lang="en-US" dirty="0" smtClean="0"/>
-              <a:t>Course Introduction</a:t>
-            </a:r>
-            <a:endParaRPr lang="en-US" dirty="0"/>
-          </a:p>
-        </p:txBody>
-      </p:sp>
-      <p:graphicFrame>
-        <p:nvGraphicFramePr>
-          <p:cNvPr id="5" name="Content Placeholder 4"/>
-          <p:cNvGraphicFramePr>
-            <a:graphicFrameLocks noGrp="1"/>
-          </p:cNvGraphicFramePr>
-          <p:nvPr>
-            <p:ph idx="1"/>
-            <p:extLst>
-              <p:ext uri="{D42A27DB-BD31-4B8C-83A1-F6EECF244321}">
-                <p14:modId xmlns:p14="http://schemas.microsoft.com/office/powerpoint/2010/main" val="11550583"/>
-              </p:ext>
-            </p:extLst>
-          </p:nvPr>
-        </p:nvGraphicFramePr>
-        <p:xfrm>
-          <a:off x="304800" y="1047750"/>
-          <a:ext cx="6172199" cy="3835104"/>
-        </p:xfrm>
-        <a:graphic>
-          <a:graphicData uri="http://schemas.openxmlformats.org/drawingml/2006/table">
-            <a:tbl>
-              <a:tblPr firstRow="1" firstCol="1" bandRow="1">
-                <a:tableStyleId>{5C22544A-7EE6-4342-B048-85BDC9FD1C3A}</a:tableStyleId>
-              </a:tblPr>
-              <a:tblGrid>
-                <a:gridCol w="736238"/>
-                <a:gridCol w="1033780"/>
-                <a:gridCol w="939017"/>
-                <a:gridCol w="3463164"/>
-              </a:tblGrid>
-              <a:tr h="285540">
-                <a:tc>
-                  <a:txBody>
-                    <a:bodyPr/>
-                    <a:lstStyle/>
-                    <a:p>
-                      <a:pPr marL="0" marR="0" algn="ctr">
-                        <a:lnSpc>
-                          <a:spcPct val="107000"/>
-                        </a:lnSpc>
-                        <a:spcBef>
-                          <a:spcPts val="0"/>
-                        </a:spcBef>
-                        <a:spcAft>
-                          <a:spcPts val="800"/>
-                        </a:spcAft>
-                      </a:pPr>
-                      <a:r>
-                        <a:rPr lang="en-US" sz="1000" dirty="0">
-                          <a:effectLst/>
-                        </a:rPr>
-                        <a:t>WEEK</a:t>
-                      </a:r>
-                      <a:endParaRPr lang="en-US" sz="1000" dirty="0">
-                        <a:effectLst/>
-                        <a:latin typeface="Calibri"/>
-                        <a:ea typeface="等线"/>
-                        <a:cs typeface="Times New Roman"/>
-                      </a:endParaRPr>
-                    </a:p>
-                  </a:txBody>
-                  <a:tcPr marL="8905" marR="8905" marT="8905" marB="8905" anchor="ctr"/>
-                </a:tc>
-                <a:tc>
-                  <a:txBody>
-                    <a:bodyPr/>
-                    <a:lstStyle/>
-                    <a:p>
-                      <a:pPr marL="0" marR="0" algn="ctr">
-                        <a:lnSpc>
-                          <a:spcPct val="107000"/>
-                        </a:lnSpc>
-                        <a:spcBef>
-                          <a:spcPts val="0"/>
-                        </a:spcBef>
-                        <a:spcAft>
-                          <a:spcPts val="800"/>
-                        </a:spcAft>
-                      </a:pPr>
-                      <a:r>
-                        <a:rPr lang="en-US" sz="1000">
-                          <a:effectLst/>
-                        </a:rPr>
-                        <a:t>DATE</a:t>
-                      </a:r>
-                      <a:endParaRPr lang="en-US" sz="1000">
-                        <a:effectLst/>
-                        <a:latin typeface="Calibri"/>
-                        <a:ea typeface="等线"/>
-                        <a:cs typeface="Times New Roman"/>
-                      </a:endParaRPr>
-                    </a:p>
-                  </a:txBody>
-                  <a:tcPr marL="8905" marR="8905" marT="8905" marB="8905" anchor="ctr"/>
-                </a:tc>
-                <a:tc>
-                  <a:txBody>
-                    <a:bodyPr/>
-                    <a:lstStyle/>
-                    <a:p>
-                      <a:pPr marL="0" marR="0" algn="ctr">
-                        <a:lnSpc>
-                          <a:spcPct val="107000"/>
-                        </a:lnSpc>
-                        <a:spcBef>
-                          <a:spcPts val="0"/>
-                        </a:spcBef>
-                        <a:spcAft>
-                          <a:spcPts val="0"/>
-                        </a:spcAft>
-                      </a:pPr>
-                      <a:r>
-                        <a:rPr lang="en-US" sz="1100">
-                          <a:effectLst/>
-                        </a:rPr>
-                        <a:t>SECTION</a:t>
-                      </a:r>
-                      <a:endParaRPr lang="en-US" sz="1100">
-                        <a:effectLst/>
-                        <a:latin typeface="Times New Roman"/>
-                        <a:ea typeface="Times New Roman"/>
-                        <a:cs typeface="Times New Roman"/>
-                      </a:endParaRPr>
-                    </a:p>
-                  </a:txBody>
-                  <a:tcPr marL="8905" marR="8905" marT="8905" marB="8905" anchor="ctr"/>
-                </a:tc>
-                <a:tc>
-                  <a:txBody>
-                    <a:bodyPr/>
-                    <a:lstStyle/>
-                    <a:p>
-                      <a:pPr marL="0" marR="0" algn="ctr">
-                        <a:lnSpc>
-                          <a:spcPct val="107000"/>
-                        </a:lnSpc>
-                        <a:spcBef>
-                          <a:spcPts val="0"/>
-                        </a:spcBef>
-                        <a:spcAft>
-                          <a:spcPts val="0"/>
-                        </a:spcAft>
-                      </a:pPr>
-                      <a:r>
-                        <a:rPr lang="en-US" sz="1000">
-                          <a:effectLst/>
-                        </a:rPr>
-                        <a:t>TOPIC</a:t>
-                      </a:r>
-                      <a:endParaRPr lang="en-US" sz="1000">
-                        <a:effectLst/>
-                        <a:latin typeface="Calibri"/>
-                        <a:ea typeface="等线"/>
-                        <a:cs typeface="Times New Roman"/>
-                      </a:endParaRPr>
-                    </a:p>
-                  </a:txBody>
-                  <a:tcPr marL="8905" marR="8905" marT="8905" marB="8905" anchor="ctr"/>
-                </a:tc>
-              </a:tr>
-              <a:tr h="161937">
-                <a:tc>
-                  <a:txBody>
-                    <a:bodyPr/>
-                    <a:lstStyle/>
-                    <a:p>
-                      <a:pPr marL="0" marR="0" algn="ctr">
-                        <a:lnSpc>
-                          <a:spcPct val="107000"/>
-                        </a:lnSpc>
-                        <a:spcBef>
-                          <a:spcPts val="0"/>
-                        </a:spcBef>
-                        <a:spcAft>
-                          <a:spcPts val="800"/>
-                        </a:spcAft>
-                      </a:pPr>
-                      <a:r>
-                        <a:rPr lang="en-US" sz="900">
-                          <a:effectLst/>
-                        </a:rPr>
-                        <a:t>1</a:t>
-                      </a:r>
-                      <a:endParaRPr lang="en-US" sz="1000">
-                        <a:effectLst/>
-                        <a:latin typeface="Calibri"/>
-                        <a:ea typeface="等线"/>
-                        <a:cs typeface="Times New Roman"/>
-                      </a:endParaRPr>
-                    </a:p>
-                  </a:txBody>
-                  <a:tcPr marL="8905" marR="8905" marT="8905" marB="8905" anchor="ctr"/>
-                </a:tc>
-                <a:tc>
-                  <a:txBody>
-                    <a:bodyPr/>
-                    <a:lstStyle/>
-                    <a:p>
-                      <a:pPr marL="0" marR="0" algn="ctr">
-                        <a:lnSpc>
-                          <a:spcPct val="107000"/>
-                        </a:lnSpc>
-                        <a:spcBef>
-                          <a:spcPts val="0"/>
-                        </a:spcBef>
-                        <a:spcAft>
-                          <a:spcPts val="800"/>
-                        </a:spcAft>
-                      </a:pPr>
-                      <a:r>
-                        <a:rPr lang="en-US" sz="1100">
-                          <a:effectLst/>
-                        </a:rPr>
-                        <a:t>26-30 Aug</a:t>
-                      </a:r>
-                      <a:endParaRPr lang="en-US" sz="1100">
-                        <a:effectLst/>
-                        <a:latin typeface="Calibri"/>
-                        <a:ea typeface="等线"/>
-                        <a:cs typeface="Times New Roman"/>
-                      </a:endParaRPr>
-                    </a:p>
-                  </a:txBody>
-                  <a:tcPr marL="8905" marR="8905" marT="8905" marB="8905" anchor="ctr"/>
-                </a:tc>
-                <a:tc>
-                  <a:txBody>
-                    <a:bodyPr/>
-                    <a:lstStyle/>
-                    <a:p>
-                      <a:pPr marL="0" marR="0">
-                        <a:lnSpc>
-                          <a:spcPct val="107000"/>
-                        </a:lnSpc>
-                        <a:spcBef>
-                          <a:spcPts val="0"/>
-                        </a:spcBef>
-                        <a:spcAft>
-                          <a:spcPts val="0"/>
-                        </a:spcAft>
-                      </a:pPr>
-                      <a:r>
-                        <a:rPr lang="en-US" sz="1100">
-                          <a:effectLst/>
-                        </a:rPr>
-                        <a:t> </a:t>
-                      </a:r>
-                      <a:endParaRPr lang="en-US" sz="1100">
-                        <a:effectLst/>
-                        <a:latin typeface="Calibri"/>
-                        <a:ea typeface="等线"/>
-                        <a:cs typeface="Times New Roman"/>
-                      </a:endParaRPr>
-                    </a:p>
-                  </a:txBody>
-                  <a:tcPr marL="8905" marR="8905" marT="8905" marB="8905" anchor="ctr"/>
-                </a:tc>
-                <a:tc>
-                  <a:txBody>
-                    <a:bodyPr/>
-                    <a:lstStyle/>
-                    <a:p>
-                      <a:pPr marL="0" marR="0">
-                        <a:lnSpc>
-                          <a:spcPct val="107000"/>
-                        </a:lnSpc>
-                        <a:spcBef>
-                          <a:spcPts val="0"/>
-                        </a:spcBef>
-                        <a:spcAft>
-                          <a:spcPts val="0"/>
-                        </a:spcAft>
-                      </a:pPr>
-                      <a:r>
-                        <a:rPr lang="en-US" sz="1100" dirty="0">
-                          <a:effectLst/>
-                        </a:rPr>
-                        <a:t>Code, variables, conditionals and logic</a:t>
-                      </a:r>
-                      <a:endParaRPr lang="en-US" sz="1100" dirty="0">
-                        <a:effectLst/>
-                        <a:latin typeface="Calibri"/>
-                        <a:ea typeface="等线"/>
-                        <a:cs typeface="Times New Roman"/>
-                      </a:endParaRPr>
-                    </a:p>
-                  </a:txBody>
-                  <a:tcPr marL="8905" marR="8905" marT="8905" marB="8905" anchor="ctr"/>
-                </a:tc>
-              </a:tr>
-              <a:tr h="161937">
-                <a:tc>
-                  <a:txBody>
-                    <a:bodyPr/>
-                    <a:lstStyle/>
-                    <a:p>
-                      <a:pPr marL="0" marR="0" algn="ctr">
-                        <a:lnSpc>
-                          <a:spcPct val="107000"/>
-                        </a:lnSpc>
-                        <a:spcBef>
-                          <a:spcPts val="0"/>
-                        </a:spcBef>
-                        <a:spcAft>
-                          <a:spcPts val="800"/>
-                        </a:spcAft>
-                      </a:pPr>
-                      <a:r>
-                        <a:rPr lang="en-US" sz="900">
-                          <a:effectLst/>
-                        </a:rPr>
-                        <a:t>2</a:t>
-                      </a:r>
-                      <a:endParaRPr lang="en-US" sz="1000">
-                        <a:effectLst/>
-                        <a:latin typeface="Calibri"/>
-                        <a:ea typeface="等线"/>
-                        <a:cs typeface="Times New Roman"/>
-                      </a:endParaRPr>
-                    </a:p>
-                  </a:txBody>
-                  <a:tcPr marL="8905" marR="8905" marT="8905" marB="8905" anchor="ctr"/>
-                </a:tc>
-                <a:tc>
-                  <a:txBody>
-                    <a:bodyPr/>
-                    <a:lstStyle/>
-                    <a:p>
-                      <a:pPr marL="0" marR="0" algn="ctr">
-                        <a:lnSpc>
-                          <a:spcPct val="107000"/>
-                        </a:lnSpc>
-                        <a:spcBef>
-                          <a:spcPts val="0"/>
-                        </a:spcBef>
-                        <a:spcAft>
-                          <a:spcPts val="800"/>
-                        </a:spcAft>
-                      </a:pPr>
-                      <a:r>
-                        <a:rPr lang="en-US" sz="1100">
-                          <a:effectLst/>
-                        </a:rPr>
-                        <a:t>2-6 Sept</a:t>
-                      </a:r>
-                      <a:endParaRPr lang="en-US" sz="1100">
-                        <a:effectLst/>
-                        <a:latin typeface="Calibri"/>
-                        <a:ea typeface="等线"/>
-                        <a:cs typeface="Times New Roman"/>
-                      </a:endParaRPr>
-                    </a:p>
-                  </a:txBody>
-                  <a:tcPr marL="8905" marR="8905" marT="8905" marB="8905" anchor="ctr"/>
-                </a:tc>
-                <a:tc>
-                  <a:txBody>
-                    <a:bodyPr/>
-                    <a:lstStyle/>
-                    <a:p>
-                      <a:pPr marL="0" marR="0">
-                        <a:lnSpc>
-                          <a:spcPct val="107000"/>
-                        </a:lnSpc>
-                        <a:spcBef>
-                          <a:spcPts val="0"/>
-                        </a:spcBef>
-                        <a:spcAft>
-                          <a:spcPts val="0"/>
-                        </a:spcAft>
-                      </a:pPr>
-                      <a:r>
-                        <a:rPr lang="en-US" sz="1100">
-                          <a:effectLst/>
-                        </a:rPr>
-                        <a:t> </a:t>
-                      </a:r>
-                      <a:endParaRPr lang="en-US" sz="1100">
-                        <a:effectLst/>
-                        <a:latin typeface="Calibri"/>
-                        <a:ea typeface="等线"/>
-                        <a:cs typeface="Times New Roman"/>
-                      </a:endParaRPr>
-                    </a:p>
-                  </a:txBody>
-                  <a:tcPr marL="8905" marR="8905" marT="8905" marB="8905" anchor="ctr"/>
-                </a:tc>
-                <a:tc>
-                  <a:txBody>
-                    <a:bodyPr/>
-                    <a:lstStyle/>
-                    <a:p>
-                      <a:pPr marL="0" marR="0">
-                        <a:lnSpc>
-                          <a:spcPct val="107000"/>
-                        </a:lnSpc>
-                        <a:spcBef>
-                          <a:spcPts val="0"/>
-                        </a:spcBef>
-                        <a:spcAft>
-                          <a:spcPts val="0"/>
-                        </a:spcAft>
-                      </a:pPr>
-                      <a:r>
-                        <a:rPr lang="en-US" sz="1100" dirty="0">
-                          <a:effectLst/>
-                        </a:rPr>
-                        <a:t>Loops and basics of methods</a:t>
-                      </a:r>
-                      <a:endParaRPr lang="en-US" sz="1100" dirty="0">
-                        <a:effectLst/>
-                        <a:latin typeface="Calibri"/>
-                        <a:ea typeface="等线"/>
-                        <a:cs typeface="Times New Roman"/>
-                      </a:endParaRPr>
-                    </a:p>
-                  </a:txBody>
-                  <a:tcPr marL="8905" marR="8905" marT="8905" marB="8905" anchor="ctr"/>
-                </a:tc>
-              </a:tr>
-              <a:tr h="161937">
-                <a:tc>
-                  <a:txBody>
-                    <a:bodyPr/>
-                    <a:lstStyle/>
-                    <a:p>
-                      <a:pPr marL="0" marR="0" algn="ctr">
-                        <a:lnSpc>
-                          <a:spcPct val="107000"/>
-                        </a:lnSpc>
-                        <a:spcBef>
-                          <a:spcPts val="0"/>
-                        </a:spcBef>
-                        <a:spcAft>
-                          <a:spcPts val="800"/>
-                        </a:spcAft>
-                      </a:pPr>
-                      <a:r>
-                        <a:rPr lang="en-US" sz="900">
-                          <a:effectLst/>
-                        </a:rPr>
-                        <a:t>3</a:t>
-                      </a:r>
-                      <a:endParaRPr lang="en-US" sz="1000">
-                        <a:effectLst/>
-                        <a:latin typeface="Calibri"/>
-                        <a:ea typeface="等线"/>
-                        <a:cs typeface="Times New Roman"/>
-                      </a:endParaRPr>
-                    </a:p>
-                  </a:txBody>
-                  <a:tcPr marL="8905" marR="8905" marT="8905" marB="8905" anchor="ctr"/>
-                </a:tc>
-                <a:tc>
-                  <a:txBody>
-                    <a:bodyPr/>
-                    <a:lstStyle/>
-                    <a:p>
-                      <a:pPr marL="0" marR="0" algn="ctr">
-                        <a:lnSpc>
-                          <a:spcPct val="107000"/>
-                        </a:lnSpc>
-                        <a:spcBef>
-                          <a:spcPts val="0"/>
-                        </a:spcBef>
-                        <a:spcAft>
-                          <a:spcPts val="800"/>
-                        </a:spcAft>
-                      </a:pPr>
-                      <a:r>
-                        <a:rPr lang="en-US" sz="1100">
-                          <a:effectLst/>
-                        </a:rPr>
-                        <a:t>9-12 Sept</a:t>
-                      </a:r>
-                      <a:endParaRPr lang="en-US" sz="1100">
-                        <a:effectLst/>
-                        <a:latin typeface="Calibri"/>
-                        <a:ea typeface="等线"/>
-                        <a:cs typeface="Times New Roman"/>
-                      </a:endParaRPr>
-                    </a:p>
-                  </a:txBody>
-                  <a:tcPr marL="8905" marR="8905" marT="8905" marB="8905" anchor="ctr"/>
-                </a:tc>
-                <a:tc>
-                  <a:txBody>
-                    <a:bodyPr/>
-                    <a:lstStyle/>
-                    <a:p>
-                      <a:pPr marL="0" marR="0">
-                        <a:lnSpc>
-                          <a:spcPct val="107000"/>
-                        </a:lnSpc>
-                        <a:spcBef>
-                          <a:spcPts val="0"/>
-                        </a:spcBef>
-                        <a:spcAft>
-                          <a:spcPts val="800"/>
-                        </a:spcAft>
-                      </a:pPr>
-                      <a:r>
-                        <a:rPr lang="en-US" sz="1100">
-                          <a:effectLst/>
-                        </a:rPr>
-                        <a:t> </a:t>
-                      </a:r>
-                      <a:endParaRPr lang="en-US" sz="1100">
-                        <a:effectLst/>
-                        <a:latin typeface="Calibri"/>
-                        <a:ea typeface="等线"/>
-                        <a:cs typeface="Times New Roman"/>
-                      </a:endParaRPr>
-                    </a:p>
-                  </a:txBody>
-                  <a:tcPr marL="8905" marR="8905" marT="8905" marB="8905" anchor="ctr"/>
-                </a:tc>
-                <a:tc>
-                  <a:txBody>
-                    <a:bodyPr/>
-                    <a:lstStyle/>
-                    <a:p>
-                      <a:pPr marL="0" marR="0">
-                        <a:lnSpc>
-                          <a:spcPct val="107000"/>
-                        </a:lnSpc>
-                        <a:spcBef>
-                          <a:spcPts val="0"/>
-                        </a:spcBef>
-                        <a:spcAft>
-                          <a:spcPts val="0"/>
-                        </a:spcAft>
-                      </a:pPr>
-                      <a:r>
-                        <a:rPr lang="en-US" sz="1100" dirty="0">
-                          <a:effectLst/>
-                        </a:rPr>
-                        <a:t>Methods and </a:t>
-                      </a:r>
-                      <a:r>
-                        <a:rPr lang="en-US" sz="1100" dirty="0" err="1">
-                          <a:effectLst/>
-                        </a:rPr>
-                        <a:t>ArrayList</a:t>
-                      </a:r>
-                      <a:endParaRPr lang="en-US" sz="1100" dirty="0">
-                        <a:effectLst/>
-                        <a:latin typeface="Calibri"/>
-                        <a:ea typeface="等线"/>
-                        <a:cs typeface="Times New Roman"/>
-                      </a:endParaRPr>
-                    </a:p>
-                  </a:txBody>
-                  <a:tcPr marL="8905" marR="8905" marT="8905" marB="8905" anchor="ctr"/>
-                </a:tc>
-              </a:tr>
-              <a:tr h="161937">
-                <a:tc>
-                  <a:txBody>
-                    <a:bodyPr/>
-                    <a:lstStyle/>
-                    <a:p>
-                      <a:pPr marL="0" marR="0" algn="ctr">
-                        <a:lnSpc>
-                          <a:spcPct val="107000"/>
-                        </a:lnSpc>
-                        <a:spcBef>
-                          <a:spcPts val="0"/>
-                        </a:spcBef>
-                        <a:spcAft>
-                          <a:spcPts val="800"/>
-                        </a:spcAft>
-                      </a:pPr>
-                      <a:r>
-                        <a:rPr lang="en-US" sz="900">
-                          <a:effectLst/>
-                        </a:rPr>
-                        <a:t>4</a:t>
-                      </a:r>
-                      <a:endParaRPr lang="en-US" sz="1000">
-                        <a:effectLst/>
-                        <a:latin typeface="Calibri"/>
-                        <a:ea typeface="等线"/>
-                        <a:cs typeface="Times New Roman"/>
-                      </a:endParaRPr>
-                    </a:p>
-                  </a:txBody>
-                  <a:tcPr marL="8905" marR="8905" marT="8905" marB="8905" anchor="ctr"/>
-                </a:tc>
-                <a:tc>
-                  <a:txBody>
-                    <a:bodyPr/>
-                    <a:lstStyle/>
-                    <a:p>
-                      <a:pPr marL="0" marR="0" algn="ctr">
-                        <a:lnSpc>
-                          <a:spcPct val="107000"/>
-                        </a:lnSpc>
-                        <a:spcBef>
-                          <a:spcPts val="0"/>
-                        </a:spcBef>
-                        <a:spcAft>
-                          <a:spcPts val="800"/>
-                        </a:spcAft>
-                      </a:pPr>
-                      <a:r>
-                        <a:rPr lang="en-US" sz="1100">
-                          <a:effectLst/>
-                        </a:rPr>
-                        <a:t>16-20 Sept</a:t>
-                      </a:r>
-                      <a:endParaRPr lang="en-US" sz="1100">
-                        <a:effectLst/>
-                        <a:latin typeface="Calibri"/>
-                        <a:ea typeface="等线"/>
-                        <a:cs typeface="Times New Roman"/>
-                      </a:endParaRPr>
-                    </a:p>
-                  </a:txBody>
-                  <a:tcPr marL="8905" marR="8905" marT="8905" marB="8905" anchor="ctr"/>
-                </a:tc>
-                <a:tc>
-                  <a:txBody>
-                    <a:bodyPr/>
-                    <a:lstStyle/>
-                    <a:p>
-                      <a:pPr marL="0" marR="0">
-                        <a:lnSpc>
-                          <a:spcPct val="107000"/>
-                        </a:lnSpc>
-                        <a:spcBef>
-                          <a:spcPts val="0"/>
-                        </a:spcBef>
-                        <a:spcAft>
-                          <a:spcPts val="0"/>
-                        </a:spcAft>
-                      </a:pPr>
-                      <a:r>
-                        <a:rPr lang="en-US" sz="1100">
-                          <a:effectLst/>
-                        </a:rPr>
-                        <a:t> </a:t>
-                      </a:r>
-                      <a:endParaRPr lang="en-US" sz="1100">
-                        <a:effectLst/>
-                        <a:latin typeface="Calibri"/>
-                        <a:ea typeface="等线"/>
-                        <a:cs typeface="Times New Roman"/>
-                      </a:endParaRPr>
-                    </a:p>
-                  </a:txBody>
-                  <a:tcPr marL="8905" marR="8905" marT="8905" marB="8905" anchor="ctr"/>
-                </a:tc>
-                <a:tc>
-                  <a:txBody>
-                    <a:bodyPr/>
-                    <a:lstStyle/>
-                    <a:p>
-                      <a:pPr marL="0" marR="0">
-                        <a:lnSpc>
-                          <a:spcPct val="107000"/>
-                        </a:lnSpc>
-                        <a:spcBef>
-                          <a:spcPts val="0"/>
-                        </a:spcBef>
-                        <a:spcAft>
-                          <a:spcPts val="800"/>
-                        </a:spcAft>
-                      </a:pPr>
-                      <a:r>
-                        <a:rPr lang="en-US" sz="1100" dirty="0">
-                          <a:effectLst/>
-                        </a:rPr>
-                        <a:t>Basics of objects</a:t>
-                      </a:r>
-                      <a:endParaRPr lang="en-US" sz="1100" dirty="0">
-                        <a:effectLst/>
-                        <a:latin typeface="Calibri"/>
-                        <a:ea typeface="等线"/>
-                        <a:cs typeface="Times New Roman"/>
-                      </a:endParaRPr>
-                    </a:p>
-                  </a:txBody>
-                  <a:tcPr marL="8905" marR="8905" marT="8905" marB="8905" anchor="ctr"/>
-                </a:tc>
-              </a:tr>
-              <a:tr h="161937">
-                <a:tc>
-                  <a:txBody>
-                    <a:bodyPr/>
-                    <a:lstStyle/>
-                    <a:p>
-                      <a:pPr marL="0" marR="0" algn="ctr">
-                        <a:lnSpc>
-                          <a:spcPct val="107000"/>
-                        </a:lnSpc>
-                        <a:spcBef>
-                          <a:spcPts val="0"/>
-                        </a:spcBef>
-                        <a:spcAft>
-                          <a:spcPts val="800"/>
-                        </a:spcAft>
-                      </a:pPr>
-                      <a:r>
-                        <a:rPr lang="en-US" sz="900">
-                          <a:effectLst/>
-                        </a:rPr>
-                        <a:t>5</a:t>
-                      </a:r>
-                      <a:endParaRPr lang="en-US" sz="1000">
-                        <a:effectLst/>
-                        <a:latin typeface="Calibri"/>
-                        <a:ea typeface="等线"/>
-                        <a:cs typeface="Times New Roman"/>
-                      </a:endParaRPr>
-                    </a:p>
-                  </a:txBody>
-                  <a:tcPr marL="8905" marR="8905" marT="8905" marB="8905" anchor="ctr"/>
-                </a:tc>
-                <a:tc>
-                  <a:txBody>
-                    <a:bodyPr/>
-                    <a:lstStyle/>
-                    <a:p>
-                      <a:pPr marL="0" marR="0" algn="ctr">
-                        <a:lnSpc>
-                          <a:spcPct val="107000"/>
-                        </a:lnSpc>
-                        <a:spcBef>
-                          <a:spcPts val="0"/>
-                        </a:spcBef>
-                        <a:spcAft>
-                          <a:spcPts val="800"/>
-                        </a:spcAft>
-                      </a:pPr>
-                      <a:r>
-                        <a:rPr lang="en-US" sz="1100">
-                          <a:effectLst/>
-                        </a:rPr>
-                        <a:t>23-27 Sept</a:t>
-                      </a:r>
-                      <a:endParaRPr lang="en-US" sz="1100">
-                        <a:effectLst/>
-                        <a:latin typeface="Calibri"/>
-                        <a:ea typeface="等线"/>
-                        <a:cs typeface="Times New Roman"/>
-                      </a:endParaRPr>
-                    </a:p>
-                  </a:txBody>
-                  <a:tcPr marL="8905" marR="8905" marT="8905" marB="8905" anchor="ctr"/>
-                </a:tc>
-                <a:tc>
-                  <a:txBody>
-                    <a:bodyPr/>
-                    <a:lstStyle/>
-                    <a:p>
-                      <a:pPr marL="0" marR="0">
-                        <a:lnSpc>
-                          <a:spcPct val="107000"/>
-                        </a:lnSpc>
-                        <a:spcBef>
-                          <a:spcPts val="0"/>
-                        </a:spcBef>
-                        <a:spcAft>
-                          <a:spcPts val="800"/>
-                        </a:spcAft>
-                      </a:pPr>
-                      <a:r>
-                        <a:rPr lang="en-US" sz="1100">
-                          <a:effectLst/>
-                        </a:rPr>
-                        <a:t> </a:t>
-                      </a:r>
-                      <a:endParaRPr lang="en-US" sz="1100">
-                        <a:effectLst/>
-                        <a:latin typeface="Calibri"/>
-                        <a:ea typeface="等线"/>
-                        <a:cs typeface="Times New Roman"/>
-                      </a:endParaRPr>
-                    </a:p>
-                  </a:txBody>
-                  <a:tcPr marL="8905" marR="8905" marT="8905" marB="8905" anchor="ctr"/>
-                </a:tc>
-                <a:tc>
-                  <a:txBody>
-                    <a:bodyPr/>
-                    <a:lstStyle/>
-                    <a:p>
-                      <a:pPr marL="0" marR="0">
-                        <a:lnSpc>
-                          <a:spcPct val="107000"/>
-                        </a:lnSpc>
-                        <a:spcBef>
-                          <a:spcPts val="0"/>
-                        </a:spcBef>
-                        <a:spcAft>
-                          <a:spcPts val="800"/>
-                        </a:spcAft>
-                      </a:pPr>
-                      <a:r>
-                        <a:rPr lang="en-US" sz="1100" dirty="0">
-                          <a:effectLst/>
-                        </a:rPr>
-                        <a:t>Further on objects</a:t>
-                      </a:r>
-                      <a:endParaRPr lang="en-US" sz="1100" dirty="0">
-                        <a:effectLst/>
-                        <a:latin typeface="Calibri"/>
-                        <a:ea typeface="等线"/>
-                        <a:cs typeface="Times New Roman"/>
-                      </a:endParaRPr>
-                    </a:p>
-                  </a:txBody>
-                  <a:tcPr marL="8905" marR="8905" marT="8905" marB="8905" anchor="ctr"/>
-                </a:tc>
-              </a:tr>
-              <a:tr h="161937">
-                <a:tc>
-                  <a:txBody>
-                    <a:bodyPr/>
-                    <a:lstStyle/>
-                    <a:p>
-                      <a:pPr marL="0" marR="0" algn="ctr">
-                        <a:lnSpc>
-                          <a:spcPct val="107000"/>
-                        </a:lnSpc>
-                        <a:spcBef>
-                          <a:spcPts val="0"/>
-                        </a:spcBef>
-                        <a:spcAft>
-                          <a:spcPts val="800"/>
-                        </a:spcAft>
-                      </a:pPr>
-                      <a:r>
-                        <a:rPr lang="en-US" sz="900">
-                          <a:effectLst/>
-                        </a:rPr>
-                        <a:t>6</a:t>
-                      </a:r>
-                      <a:endParaRPr lang="en-US" sz="1000">
-                        <a:effectLst/>
-                        <a:latin typeface="Calibri"/>
-                        <a:ea typeface="等线"/>
-                        <a:cs typeface="Times New Roman"/>
-                      </a:endParaRPr>
-                    </a:p>
-                  </a:txBody>
-                  <a:tcPr marL="8905" marR="8905" marT="8905" marB="8905" anchor="ctr"/>
-                </a:tc>
-                <a:tc>
-                  <a:txBody>
-                    <a:bodyPr/>
-                    <a:lstStyle/>
-                    <a:p>
-                      <a:pPr marL="0" marR="0" algn="ctr">
-                        <a:lnSpc>
-                          <a:spcPct val="107000"/>
-                        </a:lnSpc>
-                        <a:spcBef>
-                          <a:spcPts val="0"/>
-                        </a:spcBef>
-                        <a:spcAft>
-                          <a:spcPts val="800"/>
-                        </a:spcAft>
-                      </a:pPr>
-                      <a:r>
-                        <a:rPr lang="en-US" sz="1100">
-                          <a:effectLst/>
-                        </a:rPr>
-                        <a:t>8-11 Oct</a:t>
-                      </a:r>
-                      <a:endParaRPr lang="en-US" sz="1100">
-                        <a:effectLst/>
-                        <a:latin typeface="Calibri"/>
-                        <a:ea typeface="等线"/>
-                        <a:cs typeface="Times New Roman"/>
-                      </a:endParaRPr>
-                    </a:p>
-                  </a:txBody>
-                  <a:tcPr marL="8905" marR="8905" marT="8905" marB="8905" anchor="ctr"/>
-                </a:tc>
-                <a:tc>
-                  <a:txBody>
-                    <a:bodyPr/>
-                    <a:lstStyle/>
-                    <a:p>
-                      <a:pPr marL="0" marR="0">
-                        <a:lnSpc>
-                          <a:spcPct val="107000"/>
-                        </a:lnSpc>
-                        <a:spcBef>
-                          <a:spcPts val="0"/>
-                        </a:spcBef>
-                        <a:spcAft>
-                          <a:spcPts val="0"/>
-                        </a:spcAft>
-                      </a:pPr>
-                      <a:r>
-                        <a:rPr lang="en-US" sz="1100">
-                          <a:effectLst/>
-                        </a:rPr>
-                        <a:t> </a:t>
-                      </a:r>
-                      <a:endParaRPr lang="en-US" sz="1100">
-                        <a:effectLst/>
-                        <a:latin typeface="Calibri"/>
-                        <a:ea typeface="等线"/>
-                        <a:cs typeface="Times New Roman"/>
-                      </a:endParaRPr>
-                    </a:p>
-                  </a:txBody>
-                  <a:tcPr marL="8905" marR="8905" marT="8905" marB="8905" anchor="ctr"/>
-                </a:tc>
-                <a:tc>
-                  <a:txBody>
-                    <a:bodyPr/>
-                    <a:lstStyle/>
-                    <a:p>
-                      <a:pPr marL="0" marR="0">
-                        <a:lnSpc>
-                          <a:spcPct val="107000"/>
-                        </a:lnSpc>
-                        <a:spcBef>
-                          <a:spcPts val="0"/>
-                        </a:spcBef>
-                        <a:spcAft>
-                          <a:spcPts val="800"/>
-                        </a:spcAft>
-                      </a:pPr>
-                      <a:r>
-                        <a:rPr lang="en-US" sz="1100" dirty="0">
-                          <a:effectLst/>
-                        </a:rPr>
-                        <a:t>Tables, searching and sorting</a:t>
-                      </a:r>
-                      <a:endParaRPr lang="en-US" sz="1100" dirty="0">
-                        <a:effectLst/>
-                        <a:latin typeface="Calibri"/>
-                        <a:ea typeface="等线"/>
-                        <a:cs typeface="Times New Roman"/>
-                      </a:endParaRPr>
-                    </a:p>
-                  </a:txBody>
-                  <a:tcPr marL="8905" marR="8905" marT="8905" marB="8905" anchor="ctr"/>
-                </a:tc>
-              </a:tr>
-              <a:tr h="161937">
-                <a:tc>
-                  <a:txBody>
-                    <a:bodyPr/>
-                    <a:lstStyle/>
-                    <a:p>
-                      <a:pPr marL="0" marR="0" algn="ctr">
-                        <a:lnSpc>
-                          <a:spcPct val="107000"/>
-                        </a:lnSpc>
-                        <a:spcBef>
-                          <a:spcPts val="0"/>
-                        </a:spcBef>
-                        <a:spcAft>
-                          <a:spcPts val="800"/>
-                        </a:spcAft>
-                      </a:pPr>
-                      <a:r>
-                        <a:rPr lang="en-US" sz="900">
-                          <a:effectLst/>
-                        </a:rPr>
-                        <a:t>7</a:t>
-                      </a:r>
-                      <a:endParaRPr lang="en-US" sz="1000">
-                        <a:effectLst/>
-                        <a:latin typeface="Calibri"/>
-                        <a:ea typeface="等线"/>
-                        <a:cs typeface="Times New Roman"/>
-                      </a:endParaRPr>
-                    </a:p>
-                  </a:txBody>
-                  <a:tcPr marL="8905" marR="8905" marT="8905" marB="8905" anchor="ctr"/>
-                </a:tc>
-                <a:tc>
-                  <a:txBody>
-                    <a:bodyPr/>
-                    <a:lstStyle/>
-                    <a:p>
-                      <a:pPr marL="0" marR="0" algn="ctr">
-                        <a:lnSpc>
-                          <a:spcPct val="107000"/>
-                        </a:lnSpc>
-                        <a:spcBef>
-                          <a:spcPts val="0"/>
-                        </a:spcBef>
-                        <a:spcAft>
-                          <a:spcPts val="800"/>
-                        </a:spcAft>
-                      </a:pPr>
-                      <a:r>
-                        <a:rPr lang="en-US" sz="1100">
-                          <a:effectLst/>
-                        </a:rPr>
-                        <a:t>14-18 Oct</a:t>
-                      </a:r>
-                      <a:endParaRPr lang="en-US" sz="1100">
-                        <a:effectLst/>
-                        <a:latin typeface="Calibri"/>
-                        <a:ea typeface="等线"/>
-                        <a:cs typeface="Times New Roman"/>
-                      </a:endParaRPr>
-                    </a:p>
-                  </a:txBody>
-                  <a:tcPr marL="8905" marR="8905" marT="8905" marB="8905" anchor="ctr"/>
-                </a:tc>
-                <a:tc>
-                  <a:txBody>
-                    <a:bodyPr/>
-                    <a:lstStyle/>
-                    <a:p>
-                      <a:pPr marL="0" marR="0">
-                        <a:lnSpc>
-                          <a:spcPct val="107000"/>
-                        </a:lnSpc>
-                        <a:spcBef>
-                          <a:spcPts val="0"/>
-                        </a:spcBef>
-                        <a:spcAft>
-                          <a:spcPts val="800"/>
-                        </a:spcAft>
-                      </a:pPr>
-                      <a:r>
-                        <a:rPr lang="en-US" sz="1100">
-                          <a:effectLst/>
-                        </a:rPr>
-                        <a:t> </a:t>
-                      </a:r>
-                      <a:endParaRPr lang="en-US" sz="1100">
-                        <a:effectLst/>
-                        <a:latin typeface="Calibri"/>
-                        <a:ea typeface="等线"/>
-                        <a:cs typeface="Times New Roman"/>
-                      </a:endParaRPr>
-                    </a:p>
-                  </a:txBody>
-                  <a:tcPr marL="8905" marR="8905" marT="8905" marB="8905" anchor="ctr"/>
-                </a:tc>
-                <a:tc>
-                  <a:txBody>
-                    <a:bodyPr/>
-                    <a:lstStyle/>
-                    <a:p>
-                      <a:pPr marL="0" marR="0">
-                        <a:lnSpc>
-                          <a:spcPct val="107000"/>
-                        </a:lnSpc>
-                        <a:spcBef>
-                          <a:spcPts val="0"/>
-                        </a:spcBef>
-                        <a:spcAft>
-                          <a:spcPts val="800"/>
-                        </a:spcAft>
-                      </a:pPr>
-                      <a:r>
-                        <a:rPr lang="en-US" sz="1100">
-                          <a:effectLst/>
-                        </a:rPr>
-                        <a:t>Mid-term preparation and mid-term project</a:t>
-                      </a:r>
-                      <a:endParaRPr lang="en-US" sz="1100">
-                        <a:effectLst/>
-                        <a:latin typeface="Calibri"/>
-                        <a:ea typeface="等线"/>
-                        <a:cs typeface="Times New Roman"/>
-                      </a:endParaRPr>
-                    </a:p>
-                  </a:txBody>
-                  <a:tcPr marL="8905" marR="8905" marT="8905" marB="8905" anchor="ctr"/>
-                </a:tc>
-              </a:tr>
-              <a:tr h="161937">
-                <a:tc>
-                  <a:txBody>
-                    <a:bodyPr/>
-                    <a:lstStyle/>
-                    <a:p>
-                      <a:pPr marL="0" marR="0" algn="ctr">
-                        <a:lnSpc>
-                          <a:spcPct val="107000"/>
-                        </a:lnSpc>
-                        <a:spcBef>
-                          <a:spcPts val="0"/>
-                        </a:spcBef>
-                        <a:spcAft>
-                          <a:spcPts val="800"/>
-                        </a:spcAft>
-                      </a:pPr>
-                      <a:r>
-                        <a:rPr lang="en-US" sz="900">
-                          <a:effectLst/>
-                        </a:rPr>
-                        <a:t>8</a:t>
-                      </a:r>
-                      <a:endParaRPr lang="en-US" sz="1000">
-                        <a:effectLst/>
-                        <a:latin typeface="Calibri"/>
-                        <a:ea typeface="等线"/>
-                        <a:cs typeface="Times New Roman"/>
-                      </a:endParaRPr>
-                    </a:p>
-                  </a:txBody>
-                  <a:tcPr marL="8905" marR="8905" marT="8905" marB="8905" anchor="ctr"/>
-                </a:tc>
-                <a:tc>
-                  <a:txBody>
-                    <a:bodyPr/>
-                    <a:lstStyle/>
-                    <a:p>
-                      <a:pPr marL="0" marR="0" algn="ctr">
-                        <a:lnSpc>
-                          <a:spcPct val="107000"/>
-                        </a:lnSpc>
-                        <a:spcBef>
-                          <a:spcPts val="0"/>
-                        </a:spcBef>
-                        <a:spcAft>
-                          <a:spcPts val="800"/>
-                        </a:spcAft>
-                      </a:pPr>
-                      <a:r>
-                        <a:rPr lang="en-US" sz="1100">
-                          <a:effectLst/>
-                        </a:rPr>
-                        <a:t>21-25 Oct</a:t>
-                      </a:r>
-                      <a:endParaRPr lang="en-US" sz="1100">
-                        <a:effectLst/>
-                        <a:latin typeface="Calibri"/>
-                        <a:ea typeface="等线"/>
-                        <a:cs typeface="Times New Roman"/>
-                      </a:endParaRPr>
-                    </a:p>
-                  </a:txBody>
-                  <a:tcPr marL="8905" marR="8905" marT="8905" marB="8905" anchor="ctr"/>
-                </a:tc>
-                <a:tc>
-                  <a:txBody>
-                    <a:bodyPr/>
-                    <a:lstStyle/>
-                    <a:p>
-                      <a:pPr marL="0" marR="0">
-                        <a:lnSpc>
-                          <a:spcPct val="107000"/>
-                        </a:lnSpc>
-                        <a:spcBef>
-                          <a:spcPts val="0"/>
-                        </a:spcBef>
-                        <a:spcAft>
-                          <a:spcPts val="800"/>
-                        </a:spcAft>
-                      </a:pPr>
-                      <a:r>
-                        <a:rPr lang="en-US" sz="1100">
-                          <a:effectLst/>
-                        </a:rPr>
-                        <a:t> </a:t>
-                      </a:r>
-                      <a:endParaRPr lang="en-US" sz="1100">
-                        <a:effectLst/>
-                        <a:latin typeface="Calibri"/>
-                        <a:ea typeface="等线"/>
-                        <a:cs typeface="Times New Roman"/>
-                      </a:endParaRPr>
-                    </a:p>
-                  </a:txBody>
-                  <a:tcPr marL="8905" marR="8905" marT="8905" marB="8905" anchor="ctr"/>
-                </a:tc>
-                <a:tc>
-                  <a:txBody>
-                    <a:bodyPr/>
-                    <a:lstStyle/>
-                    <a:p>
-                      <a:pPr marL="0" marR="0">
-                        <a:lnSpc>
-                          <a:spcPct val="107000"/>
-                        </a:lnSpc>
-                        <a:spcBef>
-                          <a:spcPts val="0"/>
-                        </a:spcBef>
-                        <a:spcAft>
-                          <a:spcPts val="800"/>
-                        </a:spcAft>
-                      </a:pPr>
-                      <a:r>
-                        <a:rPr lang="en-US" sz="1100">
-                          <a:effectLst/>
-                        </a:rPr>
-                        <a:t>MID-TERM EXAM</a:t>
-                      </a:r>
-                      <a:endParaRPr lang="en-US" sz="1100">
-                        <a:effectLst/>
-                        <a:latin typeface="Calibri"/>
-                        <a:ea typeface="等线"/>
-                        <a:cs typeface="Times New Roman"/>
-                      </a:endParaRPr>
-                    </a:p>
-                  </a:txBody>
-                  <a:tcPr marL="8905" marR="8905" marT="8905" marB="8905" anchor="ctr"/>
-                </a:tc>
-              </a:tr>
-              <a:tr h="161937">
-                <a:tc>
-                  <a:txBody>
-                    <a:bodyPr/>
-                    <a:lstStyle/>
-                    <a:p>
-                      <a:pPr marL="0" marR="0" algn="ctr">
-                        <a:lnSpc>
-                          <a:spcPct val="107000"/>
-                        </a:lnSpc>
-                        <a:spcBef>
-                          <a:spcPts val="0"/>
-                        </a:spcBef>
-                        <a:spcAft>
-                          <a:spcPts val="800"/>
-                        </a:spcAft>
-                      </a:pPr>
-                      <a:r>
-                        <a:rPr lang="en-US" sz="900">
-                          <a:effectLst/>
-                        </a:rPr>
-                        <a:t>9</a:t>
-                      </a:r>
-                      <a:endParaRPr lang="en-US" sz="1000">
-                        <a:effectLst/>
-                        <a:latin typeface="Calibri"/>
-                        <a:ea typeface="等线"/>
-                        <a:cs typeface="Times New Roman"/>
-                      </a:endParaRPr>
-                    </a:p>
-                  </a:txBody>
-                  <a:tcPr marL="8905" marR="8905" marT="8905" marB="8905" anchor="ctr"/>
-                </a:tc>
-                <a:tc>
-                  <a:txBody>
-                    <a:bodyPr/>
-                    <a:lstStyle/>
-                    <a:p>
-                      <a:pPr marL="0" marR="0" algn="ctr">
-                        <a:lnSpc>
-                          <a:spcPct val="107000"/>
-                        </a:lnSpc>
-                        <a:spcBef>
-                          <a:spcPts val="0"/>
-                        </a:spcBef>
-                        <a:spcAft>
-                          <a:spcPts val="800"/>
-                        </a:spcAft>
-                      </a:pPr>
-                      <a:r>
-                        <a:rPr lang="en-US" sz="1100">
-                          <a:effectLst/>
-                        </a:rPr>
-                        <a:t>28 Oct - 1 Nov</a:t>
-                      </a:r>
-                      <a:endParaRPr lang="en-US" sz="1100">
-                        <a:effectLst/>
-                        <a:latin typeface="Calibri"/>
-                        <a:ea typeface="等线"/>
-                        <a:cs typeface="Times New Roman"/>
-                      </a:endParaRPr>
-                    </a:p>
-                  </a:txBody>
-                  <a:tcPr marL="8905" marR="8905" marT="8905" marB="8905" anchor="ctr"/>
-                </a:tc>
-                <a:tc>
-                  <a:txBody>
-                    <a:bodyPr/>
-                    <a:lstStyle/>
-                    <a:p>
-                      <a:pPr marL="0" marR="0">
-                        <a:lnSpc>
-                          <a:spcPct val="107000"/>
-                        </a:lnSpc>
-                        <a:spcBef>
-                          <a:spcPts val="0"/>
-                        </a:spcBef>
-                        <a:spcAft>
-                          <a:spcPts val="800"/>
-                        </a:spcAft>
-                      </a:pPr>
-                      <a:r>
-                        <a:rPr lang="en-US" sz="1100">
-                          <a:effectLst/>
-                        </a:rPr>
-                        <a:t> </a:t>
-                      </a:r>
-                      <a:endParaRPr lang="en-US" sz="1100">
-                        <a:effectLst/>
-                        <a:latin typeface="Calibri"/>
-                        <a:ea typeface="等线"/>
-                        <a:cs typeface="Times New Roman"/>
-                      </a:endParaRPr>
-                    </a:p>
-                  </a:txBody>
-                  <a:tcPr marL="8905" marR="8905" marT="8905" marB="8905" anchor="ctr"/>
-                </a:tc>
-                <a:tc>
-                  <a:txBody>
-                    <a:bodyPr/>
-                    <a:lstStyle/>
-                    <a:p>
-                      <a:pPr marL="0" marR="0">
-                        <a:lnSpc>
-                          <a:spcPct val="107000"/>
-                        </a:lnSpc>
-                        <a:spcBef>
-                          <a:spcPts val="0"/>
-                        </a:spcBef>
-                        <a:spcAft>
-                          <a:spcPts val="800"/>
-                        </a:spcAft>
-                      </a:pPr>
-                      <a:r>
-                        <a:rPr lang="en-US" sz="1100" dirty="0" err="1">
-                          <a:effectLst/>
-                        </a:rPr>
-                        <a:t>HashMap</a:t>
-                      </a:r>
-                      <a:endParaRPr lang="en-US" sz="1100" dirty="0">
-                        <a:effectLst/>
-                        <a:latin typeface="Calibri"/>
-                        <a:ea typeface="等线"/>
-                        <a:cs typeface="Times New Roman"/>
-                      </a:endParaRPr>
-                    </a:p>
-                  </a:txBody>
-                  <a:tcPr marL="8905" marR="8905" marT="8905" marB="8905" anchor="ctr"/>
-                </a:tc>
-              </a:tr>
-              <a:tr h="161937">
-                <a:tc>
-                  <a:txBody>
-                    <a:bodyPr/>
-                    <a:lstStyle/>
-                    <a:p>
-                      <a:pPr marL="0" marR="0" algn="ctr">
-                        <a:lnSpc>
-                          <a:spcPct val="107000"/>
-                        </a:lnSpc>
-                        <a:spcBef>
-                          <a:spcPts val="0"/>
-                        </a:spcBef>
-                        <a:spcAft>
-                          <a:spcPts val="800"/>
-                        </a:spcAft>
-                      </a:pPr>
-                      <a:r>
-                        <a:rPr lang="en-US" sz="900">
-                          <a:effectLst/>
-                        </a:rPr>
-                        <a:t>10</a:t>
-                      </a:r>
-                      <a:endParaRPr lang="en-US" sz="1000">
-                        <a:effectLst/>
-                        <a:latin typeface="Calibri"/>
-                        <a:ea typeface="等线"/>
-                        <a:cs typeface="Times New Roman"/>
-                      </a:endParaRPr>
-                    </a:p>
-                  </a:txBody>
-                  <a:tcPr marL="8905" marR="8905" marT="8905" marB="8905" anchor="ctr"/>
-                </a:tc>
-                <a:tc>
-                  <a:txBody>
-                    <a:bodyPr/>
-                    <a:lstStyle/>
-                    <a:p>
-                      <a:pPr marL="0" marR="0" algn="ctr">
-                        <a:lnSpc>
-                          <a:spcPct val="107000"/>
-                        </a:lnSpc>
-                        <a:spcBef>
-                          <a:spcPts val="0"/>
-                        </a:spcBef>
-                        <a:spcAft>
-                          <a:spcPts val="800"/>
-                        </a:spcAft>
-                      </a:pPr>
-                      <a:r>
-                        <a:rPr lang="en-US" sz="1100">
-                          <a:effectLst/>
-                        </a:rPr>
-                        <a:t>4-8 Nov</a:t>
-                      </a:r>
-                      <a:endParaRPr lang="en-US" sz="1100">
-                        <a:effectLst/>
-                        <a:latin typeface="Calibri"/>
-                        <a:ea typeface="等线"/>
-                        <a:cs typeface="Times New Roman"/>
-                      </a:endParaRPr>
-                    </a:p>
-                  </a:txBody>
-                  <a:tcPr marL="8905" marR="8905" marT="8905" marB="8905" anchor="ctr"/>
-                </a:tc>
-                <a:tc>
-                  <a:txBody>
-                    <a:bodyPr/>
-                    <a:lstStyle/>
-                    <a:p>
-                      <a:pPr marL="0" marR="0">
-                        <a:lnSpc>
-                          <a:spcPct val="107000"/>
-                        </a:lnSpc>
-                        <a:spcBef>
-                          <a:spcPts val="0"/>
-                        </a:spcBef>
-                        <a:spcAft>
-                          <a:spcPts val="800"/>
-                        </a:spcAft>
-                      </a:pPr>
-                      <a:r>
-                        <a:rPr lang="en-US" sz="1100">
-                          <a:effectLst/>
-                        </a:rPr>
-                        <a:t> </a:t>
-                      </a:r>
-                      <a:endParaRPr lang="en-US" sz="1100">
-                        <a:effectLst/>
-                        <a:latin typeface="Calibri"/>
-                        <a:ea typeface="等线"/>
-                        <a:cs typeface="Times New Roman"/>
-                      </a:endParaRPr>
-                    </a:p>
-                  </a:txBody>
-                  <a:tcPr marL="8905" marR="8905" marT="8905" marB="8905" anchor="ctr"/>
-                </a:tc>
-                <a:tc>
-                  <a:txBody>
-                    <a:bodyPr/>
-                    <a:lstStyle/>
-                    <a:p>
-                      <a:pPr marL="0" marR="0">
-                        <a:lnSpc>
-                          <a:spcPct val="107000"/>
-                        </a:lnSpc>
-                        <a:spcBef>
-                          <a:spcPts val="0"/>
-                        </a:spcBef>
-                        <a:spcAft>
-                          <a:spcPts val="0"/>
-                        </a:spcAft>
-                      </a:pPr>
-                      <a:r>
-                        <a:rPr lang="en-US" sz="1100" dirty="0">
-                          <a:effectLst/>
-                        </a:rPr>
-                        <a:t>Interfaces</a:t>
-                      </a:r>
-                      <a:endParaRPr lang="en-US" sz="1100" dirty="0">
-                        <a:effectLst/>
-                        <a:latin typeface="Calibri"/>
-                        <a:ea typeface="等线"/>
-                        <a:cs typeface="Times New Roman"/>
-                      </a:endParaRPr>
-                    </a:p>
-                  </a:txBody>
-                  <a:tcPr marL="8905" marR="8905" marT="8905" marB="8905" anchor="ctr"/>
-                </a:tc>
-              </a:tr>
-              <a:tr h="161937">
-                <a:tc>
-                  <a:txBody>
-                    <a:bodyPr/>
-                    <a:lstStyle/>
-                    <a:p>
-                      <a:pPr marL="0" marR="0" algn="ctr">
-                        <a:lnSpc>
-                          <a:spcPct val="107000"/>
-                        </a:lnSpc>
-                        <a:spcBef>
-                          <a:spcPts val="0"/>
-                        </a:spcBef>
-                        <a:spcAft>
-                          <a:spcPts val="800"/>
-                        </a:spcAft>
-                      </a:pPr>
-                      <a:r>
-                        <a:rPr lang="en-US" sz="900">
-                          <a:effectLst/>
-                        </a:rPr>
-                        <a:t>11</a:t>
-                      </a:r>
-                      <a:endParaRPr lang="en-US" sz="1000">
-                        <a:effectLst/>
-                        <a:latin typeface="Calibri"/>
-                        <a:ea typeface="等线"/>
-                        <a:cs typeface="Times New Roman"/>
-                      </a:endParaRPr>
-                    </a:p>
-                  </a:txBody>
-                  <a:tcPr marL="8905" marR="8905" marT="8905" marB="8905" anchor="ctr"/>
-                </a:tc>
-                <a:tc>
-                  <a:txBody>
-                    <a:bodyPr/>
-                    <a:lstStyle/>
-                    <a:p>
-                      <a:pPr marL="0" marR="0" algn="ctr">
-                        <a:lnSpc>
-                          <a:spcPct val="107000"/>
-                        </a:lnSpc>
-                        <a:spcBef>
-                          <a:spcPts val="0"/>
-                        </a:spcBef>
-                        <a:spcAft>
-                          <a:spcPts val="800"/>
-                        </a:spcAft>
-                      </a:pPr>
-                      <a:r>
-                        <a:rPr lang="en-US" sz="1100">
-                          <a:effectLst/>
-                        </a:rPr>
-                        <a:t>11-15 Nov</a:t>
-                      </a:r>
-                      <a:endParaRPr lang="en-US" sz="1100">
-                        <a:effectLst/>
-                        <a:latin typeface="Calibri"/>
-                        <a:ea typeface="等线"/>
-                        <a:cs typeface="Times New Roman"/>
-                      </a:endParaRPr>
-                    </a:p>
-                  </a:txBody>
-                  <a:tcPr marL="8905" marR="8905" marT="8905" marB="8905" anchor="ctr"/>
-                </a:tc>
-                <a:tc>
-                  <a:txBody>
-                    <a:bodyPr/>
-                    <a:lstStyle/>
-                    <a:p>
-                      <a:pPr marL="0" marR="0">
-                        <a:lnSpc>
-                          <a:spcPct val="107000"/>
-                        </a:lnSpc>
-                        <a:spcBef>
-                          <a:spcPts val="0"/>
-                        </a:spcBef>
-                        <a:spcAft>
-                          <a:spcPts val="800"/>
-                        </a:spcAft>
-                      </a:pPr>
-                      <a:r>
-                        <a:rPr lang="en-US" sz="1100">
-                          <a:effectLst/>
-                        </a:rPr>
-                        <a:t> </a:t>
-                      </a:r>
-                      <a:endParaRPr lang="en-US" sz="1100">
-                        <a:effectLst/>
-                        <a:latin typeface="Calibri"/>
-                        <a:ea typeface="等线"/>
-                        <a:cs typeface="Times New Roman"/>
-                      </a:endParaRPr>
-                    </a:p>
-                  </a:txBody>
-                  <a:tcPr marL="8905" marR="8905" marT="8905" marB="8905" anchor="ctr"/>
-                </a:tc>
-                <a:tc>
-                  <a:txBody>
-                    <a:bodyPr/>
-                    <a:lstStyle/>
-                    <a:p>
-                      <a:pPr marL="0" marR="0">
-                        <a:lnSpc>
-                          <a:spcPct val="107000"/>
-                        </a:lnSpc>
-                        <a:spcBef>
-                          <a:spcPts val="0"/>
-                        </a:spcBef>
-                        <a:spcAft>
-                          <a:spcPts val="0"/>
-                        </a:spcAft>
-                      </a:pPr>
-                      <a:r>
-                        <a:rPr lang="en-US" sz="1100" dirty="0">
-                          <a:effectLst/>
-                        </a:rPr>
-                        <a:t>Exceptions and reading from files</a:t>
-                      </a:r>
-                      <a:endParaRPr lang="en-US" sz="1100" dirty="0">
-                        <a:effectLst/>
-                        <a:latin typeface="Calibri"/>
-                        <a:ea typeface="等线"/>
-                        <a:cs typeface="Times New Roman"/>
-                      </a:endParaRPr>
-                    </a:p>
-                  </a:txBody>
-                  <a:tcPr marL="8905" marR="8905" marT="8905" marB="8905" anchor="ctr"/>
-                </a:tc>
-              </a:tr>
-              <a:tr h="161937">
-                <a:tc>
-                  <a:txBody>
-                    <a:bodyPr/>
-                    <a:lstStyle/>
-                    <a:p>
-                      <a:pPr marL="0" marR="0" algn="ctr">
-                        <a:lnSpc>
-                          <a:spcPct val="107000"/>
-                        </a:lnSpc>
-                        <a:spcBef>
-                          <a:spcPts val="0"/>
-                        </a:spcBef>
-                        <a:spcAft>
-                          <a:spcPts val="800"/>
-                        </a:spcAft>
-                      </a:pPr>
-                      <a:r>
-                        <a:rPr lang="en-US" sz="900">
-                          <a:effectLst/>
-                        </a:rPr>
-                        <a:t>12</a:t>
-                      </a:r>
-                      <a:endParaRPr lang="en-US" sz="1000">
-                        <a:effectLst/>
-                        <a:latin typeface="Calibri"/>
-                        <a:ea typeface="等线"/>
-                        <a:cs typeface="Times New Roman"/>
-                      </a:endParaRPr>
-                    </a:p>
-                  </a:txBody>
-                  <a:tcPr marL="8905" marR="8905" marT="8905" marB="8905" anchor="ctr"/>
-                </a:tc>
-                <a:tc>
-                  <a:txBody>
-                    <a:bodyPr/>
-                    <a:lstStyle/>
-                    <a:p>
-                      <a:pPr marL="0" marR="0" algn="ctr">
-                        <a:lnSpc>
-                          <a:spcPct val="107000"/>
-                        </a:lnSpc>
-                        <a:spcBef>
-                          <a:spcPts val="0"/>
-                        </a:spcBef>
-                        <a:spcAft>
-                          <a:spcPts val="800"/>
-                        </a:spcAft>
-                      </a:pPr>
-                      <a:r>
-                        <a:rPr lang="en-US" sz="1100">
-                          <a:effectLst/>
-                        </a:rPr>
-                        <a:t>18-22 Nov</a:t>
-                      </a:r>
-                      <a:endParaRPr lang="en-US" sz="1100">
-                        <a:effectLst/>
-                        <a:latin typeface="Calibri"/>
-                        <a:ea typeface="等线"/>
-                        <a:cs typeface="Times New Roman"/>
-                      </a:endParaRPr>
-                    </a:p>
-                  </a:txBody>
-                  <a:tcPr marL="8905" marR="8905" marT="8905" marB="8905" anchor="ctr"/>
-                </a:tc>
-                <a:tc>
-                  <a:txBody>
-                    <a:bodyPr/>
-                    <a:lstStyle/>
-                    <a:p>
-                      <a:pPr marL="0" marR="0">
-                        <a:lnSpc>
-                          <a:spcPct val="107000"/>
-                        </a:lnSpc>
-                        <a:spcBef>
-                          <a:spcPts val="0"/>
-                        </a:spcBef>
-                        <a:spcAft>
-                          <a:spcPts val="800"/>
-                        </a:spcAft>
-                      </a:pPr>
-                      <a:r>
-                        <a:rPr lang="en-US" sz="1100">
-                          <a:effectLst/>
-                        </a:rPr>
-                        <a:t> </a:t>
-                      </a:r>
-                      <a:endParaRPr lang="en-US" sz="1100">
-                        <a:effectLst/>
-                        <a:latin typeface="Calibri"/>
-                        <a:ea typeface="等线"/>
-                        <a:cs typeface="Times New Roman"/>
-                      </a:endParaRPr>
-                    </a:p>
-                  </a:txBody>
-                  <a:tcPr marL="8905" marR="8905" marT="8905" marB="8905" anchor="ctr"/>
-                </a:tc>
-                <a:tc>
-                  <a:txBody>
-                    <a:bodyPr/>
-                    <a:lstStyle/>
-                    <a:p>
-                      <a:pPr marL="0" marR="0">
-                        <a:lnSpc>
-                          <a:spcPct val="107000"/>
-                        </a:lnSpc>
-                        <a:spcBef>
-                          <a:spcPts val="0"/>
-                        </a:spcBef>
-                        <a:spcAft>
-                          <a:spcPts val="800"/>
-                        </a:spcAft>
-                      </a:pPr>
-                      <a:r>
-                        <a:rPr lang="en-US" sz="1100" dirty="0">
-                          <a:effectLst/>
-                        </a:rPr>
-                        <a:t>Inheritance</a:t>
-                      </a:r>
-                      <a:endParaRPr lang="en-US" sz="1100" dirty="0">
-                        <a:effectLst/>
-                        <a:latin typeface="Calibri"/>
-                        <a:ea typeface="等线"/>
-                        <a:cs typeface="Times New Roman"/>
-                      </a:endParaRPr>
-                    </a:p>
-                  </a:txBody>
-                  <a:tcPr marL="8905" marR="8905" marT="8905" marB="8905" anchor="ctr"/>
-                </a:tc>
-              </a:tr>
-              <a:tr h="161937">
-                <a:tc>
-                  <a:txBody>
-                    <a:bodyPr/>
-                    <a:lstStyle/>
-                    <a:p>
-                      <a:pPr marL="0" marR="0" algn="ctr">
-                        <a:lnSpc>
-                          <a:spcPct val="107000"/>
-                        </a:lnSpc>
-                        <a:spcBef>
-                          <a:spcPts val="0"/>
-                        </a:spcBef>
-                        <a:spcAft>
-                          <a:spcPts val="800"/>
-                        </a:spcAft>
-                      </a:pPr>
-                      <a:r>
-                        <a:rPr lang="en-US" sz="900">
-                          <a:effectLst/>
-                        </a:rPr>
-                        <a:t>13</a:t>
-                      </a:r>
-                      <a:endParaRPr lang="en-US" sz="1000">
-                        <a:effectLst/>
-                        <a:latin typeface="Calibri"/>
-                        <a:ea typeface="等线"/>
-                        <a:cs typeface="Times New Roman"/>
-                      </a:endParaRPr>
-                    </a:p>
-                  </a:txBody>
-                  <a:tcPr marL="8905" marR="8905" marT="8905" marB="8905" anchor="ctr"/>
-                </a:tc>
-                <a:tc>
-                  <a:txBody>
-                    <a:bodyPr/>
-                    <a:lstStyle/>
-                    <a:p>
-                      <a:pPr marL="0" marR="0" algn="ctr">
-                        <a:lnSpc>
-                          <a:spcPct val="107000"/>
-                        </a:lnSpc>
-                        <a:spcBef>
-                          <a:spcPts val="0"/>
-                        </a:spcBef>
-                        <a:spcAft>
-                          <a:spcPts val="800"/>
-                        </a:spcAft>
-                      </a:pPr>
-                      <a:r>
-                        <a:rPr lang="en-US" sz="1100">
-                          <a:effectLst/>
-                        </a:rPr>
-                        <a:t>25-29 Nov</a:t>
-                      </a:r>
-                      <a:endParaRPr lang="en-US" sz="1100">
-                        <a:effectLst/>
-                        <a:latin typeface="Calibri"/>
-                        <a:ea typeface="等线"/>
-                        <a:cs typeface="Times New Roman"/>
-                      </a:endParaRPr>
-                    </a:p>
-                  </a:txBody>
-                  <a:tcPr marL="8905" marR="8905" marT="8905" marB="8905" anchor="ctr"/>
-                </a:tc>
-                <a:tc>
-                  <a:txBody>
-                    <a:bodyPr/>
-                    <a:lstStyle/>
-                    <a:p>
-                      <a:pPr marL="0" marR="0">
-                        <a:lnSpc>
-                          <a:spcPct val="107000"/>
-                        </a:lnSpc>
-                        <a:spcBef>
-                          <a:spcPts val="0"/>
-                        </a:spcBef>
-                        <a:spcAft>
-                          <a:spcPts val="800"/>
-                        </a:spcAft>
-                      </a:pPr>
-                      <a:r>
-                        <a:rPr lang="en-US" sz="1100">
-                          <a:effectLst/>
-                        </a:rPr>
-                        <a:t> </a:t>
-                      </a:r>
-                      <a:endParaRPr lang="en-US" sz="1100">
-                        <a:effectLst/>
-                        <a:latin typeface="Calibri"/>
-                        <a:ea typeface="等线"/>
-                        <a:cs typeface="Times New Roman"/>
-                      </a:endParaRPr>
-                    </a:p>
-                  </a:txBody>
-                  <a:tcPr marL="8905" marR="8905" marT="8905" marB="8905" anchor="ctr"/>
-                </a:tc>
-                <a:tc>
-                  <a:txBody>
-                    <a:bodyPr/>
-                    <a:lstStyle/>
-                    <a:p>
-                      <a:pPr marL="0" marR="0">
-                        <a:lnSpc>
-                          <a:spcPct val="107000"/>
-                        </a:lnSpc>
-                        <a:spcBef>
-                          <a:spcPts val="0"/>
-                        </a:spcBef>
-                        <a:spcAft>
-                          <a:spcPts val="800"/>
-                        </a:spcAft>
-                      </a:pPr>
-                      <a:r>
-                        <a:rPr lang="en-US" sz="1100" dirty="0">
-                          <a:effectLst/>
-                        </a:rPr>
-                        <a:t>Writing into files and GUI</a:t>
-                      </a:r>
-                      <a:endParaRPr lang="en-US" sz="1100" dirty="0">
-                        <a:effectLst/>
-                        <a:latin typeface="Calibri"/>
-                        <a:ea typeface="等线"/>
-                        <a:cs typeface="Times New Roman"/>
-                      </a:endParaRPr>
-                    </a:p>
-                  </a:txBody>
-                  <a:tcPr marL="8905" marR="8905" marT="8905" marB="8905" anchor="ctr"/>
-                </a:tc>
-              </a:tr>
-              <a:tr h="161937">
-                <a:tc>
-                  <a:txBody>
-                    <a:bodyPr/>
-                    <a:lstStyle/>
-                    <a:p>
-                      <a:pPr marL="0" marR="0" algn="ctr">
-                        <a:lnSpc>
-                          <a:spcPct val="107000"/>
-                        </a:lnSpc>
-                        <a:spcBef>
-                          <a:spcPts val="0"/>
-                        </a:spcBef>
-                        <a:spcAft>
-                          <a:spcPts val="800"/>
-                        </a:spcAft>
-                      </a:pPr>
-                      <a:r>
-                        <a:rPr lang="en-US" sz="900">
-                          <a:effectLst/>
-                        </a:rPr>
-                        <a:t>14</a:t>
-                      </a:r>
-                      <a:endParaRPr lang="en-US" sz="1000">
-                        <a:effectLst/>
-                        <a:latin typeface="Calibri"/>
-                        <a:ea typeface="等线"/>
-                        <a:cs typeface="Times New Roman"/>
-                      </a:endParaRPr>
-                    </a:p>
-                  </a:txBody>
-                  <a:tcPr marL="8905" marR="8905" marT="8905" marB="8905" anchor="ctr"/>
-                </a:tc>
-                <a:tc>
-                  <a:txBody>
-                    <a:bodyPr/>
-                    <a:lstStyle/>
-                    <a:p>
-                      <a:pPr marL="0" marR="0" algn="ctr">
-                        <a:lnSpc>
-                          <a:spcPct val="107000"/>
-                        </a:lnSpc>
-                        <a:spcBef>
-                          <a:spcPts val="0"/>
-                        </a:spcBef>
-                        <a:spcAft>
-                          <a:spcPts val="800"/>
-                        </a:spcAft>
-                      </a:pPr>
-                      <a:r>
-                        <a:rPr lang="en-US" sz="1100">
-                          <a:effectLst/>
-                        </a:rPr>
-                        <a:t>2-6 Dec</a:t>
-                      </a:r>
-                      <a:endParaRPr lang="en-US" sz="1100">
-                        <a:effectLst/>
-                        <a:latin typeface="Calibri"/>
-                        <a:ea typeface="等线"/>
-                        <a:cs typeface="Times New Roman"/>
-                      </a:endParaRPr>
-                    </a:p>
-                  </a:txBody>
-                  <a:tcPr marL="8905" marR="8905" marT="8905" marB="8905" anchor="ctr"/>
-                </a:tc>
-                <a:tc>
-                  <a:txBody>
-                    <a:bodyPr/>
-                    <a:lstStyle/>
-                    <a:p>
-                      <a:pPr marL="0" marR="0">
-                        <a:lnSpc>
-                          <a:spcPct val="107000"/>
-                        </a:lnSpc>
-                        <a:spcBef>
-                          <a:spcPts val="0"/>
-                        </a:spcBef>
-                        <a:spcAft>
-                          <a:spcPts val="0"/>
-                        </a:spcAft>
-                      </a:pPr>
-                      <a:r>
-                        <a:rPr lang="en-US" sz="1100">
-                          <a:effectLst/>
-                        </a:rPr>
-                        <a:t> </a:t>
-                      </a:r>
-                      <a:endParaRPr lang="en-US" sz="1100">
-                        <a:effectLst/>
-                        <a:latin typeface="Calibri"/>
-                        <a:ea typeface="等线"/>
-                        <a:cs typeface="Times New Roman"/>
-                      </a:endParaRPr>
-                    </a:p>
-                  </a:txBody>
-                  <a:tcPr marL="8905" marR="8905" marT="8905" marB="8905" anchor="ctr"/>
-                </a:tc>
-                <a:tc>
-                  <a:txBody>
-                    <a:bodyPr/>
-                    <a:lstStyle/>
-                    <a:p>
-                      <a:pPr marL="0" marR="0">
-                        <a:lnSpc>
-                          <a:spcPct val="107000"/>
-                        </a:lnSpc>
-                        <a:spcBef>
-                          <a:spcPts val="0"/>
-                        </a:spcBef>
-                        <a:spcAft>
-                          <a:spcPts val="800"/>
-                        </a:spcAft>
-                      </a:pPr>
-                      <a:r>
-                        <a:rPr lang="en-US" sz="1100" dirty="0">
-                          <a:effectLst/>
-                        </a:rPr>
-                        <a:t>Regex, iterators, </a:t>
-                      </a:r>
-                      <a:r>
-                        <a:rPr lang="en-US" sz="1100" dirty="0" err="1">
-                          <a:effectLst/>
-                        </a:rPr>
-                        <a:t>enum</a:t>
-                      </a:r>
-                      <a:endParaRPr lang="en-US" sz="1100" dirty="0">
-                        <a:effectLst/>
-                        <a:latin typeface="Calibri"/>
-                        <a:ea typeface="等线"/>
-                        <a:cs typeface="Times New Roman"/>
-                      </a:endParaRPr>
-                    </a:p>
-                  </a:txBody>
-                  <a:tcPr marL="8905" marR="8905" marT="8905" marB="8905" anchor="ctr"/>
-                </a:tc>
-              </a:tr>
-              <a:tr h="161937">
-                <a:tc>
-                  <a:txBody>
-                    <a:bodyPr/>
-                    <a:lstStyle/>
-                    <a:p>
-                      <a:pPr marL="0" marR="0" algn="ctr">
-                        <a:lnSpc>
-                          <a:spcPct val="107000"/>
-                        </a:lnSpc>
-                        <a:spcBef>
-                          <a:spcPts val="0"/>
-                        </a:spcBef>
-                        <a:spcAft>
-                          <a:spcPts val="800"/>
-                        </a:spcAft>
-                      </a:pPr>
-                      <a:r>
-                        <a:rPr lang="en-US" sz="900">
-                          <a:effectLst/>
-                        </a:rPr>
-                        <a:t>15</a:t>
-                      </a:r>
-                      <a:endParaRPr lang="en-US" sz="1000">
-                        <a:effectLst/>
-                        <a:latin typeface="Calibri"/>
-                        <a:ea typeface="等线"/>
-                        <a:cs typeface="Times New Roman"/>
-                      </a:endParaRPr>
-                    </a:p>
-                  </a:txBody>
-                  <a:tcPr marL="8905" marR="8905" marT="8905" marB="8905" anchor="ctr"/>
-                </a:tc>
-                <a:tc>
-                  <a:txBody>
-                    <a:bodyPr/>
-                    <a:lstStyle/>
-                    <a:p>
-                      <a:pPr marL="0" marR="0" algn="ctr">
-                        <a:lnSpc>
-                          <a:spcPct val="107000"/>
-                        </a:lnSpc>
-                        <a:spcBef>
-                          <a:spcPts val="0"/>
-                        </a:spcBef>
-                        <a:spcAft>
-                          <a:spcPts val="800"/>
-                        </a:spcAft>
-                      </a:pPr>
-                      <a:r>
-                        <a:rPr lang="en-US" sz="1100">
-                          <a:effectLst/>
-                        </a:rPr>
-                        <a:t>9-13 Dec</a:t>
-                      </a:r>
-                      <a:endParaRPr lang="en-US" sz="1100">
-                        <a:effectLst/>
-                        <a:latin typeface="Calibri"/>
-                        <a:ea typeface="等线"/>
-                        <a:cs typeface="Times New Roman"/>
-                      </a:endParaRPr>
-                    </a:p>
-                  </a:txBody>
-                  <a:tcPr marL="8905" marR="8905" marT="8905" marB="8905" anchor="ctr"/>
-                </a:tc>
-                <a:tc>
-                  <a:txBody>
-                    <a:bodyPr/>
-                    <a:lstStyle/>
-                    <a:p>
-                      <a:pPr marL="0" marR="0">
-                        <a:lnSpc>
-                          <a:spcPct val="107000"/>
-                        </a:lnSpc>
-                        <a:spcBef>
-                          <a:spcPts val="0"/>
-                        </a:spcBef>
-                        <a:spcAft>
-                          <a:spcPts val="0"/>
-                        </a:spcAft>
-                      </a:pPr>
-                      <a:r>
-                        <a:rPr lang="en-US" sz="1100">
-                          <a:effectLst/>
-                        </a:rPr>
-                        <a:t> </a:t>
-                      </a:r>
-                      <a:endParaRPr lang="en-US" sz="1100">
-                        <a:effectLst/>
-                        <a:latin typeface="Calibri"/>
-                        <a:ea typeface="等线"/>
-                        <a:cs typeface="Times New Roman"/>
-                      </a:endParaRPr>
-                    </a:p>
-                  </a:txBody>
-                  <a:tcPr marL="8905" marR="8905" marT="8905" marB="8905" anchor="ctr"/>
-                </a:tc>
-                <a:tc>
-                  <a:txBody>
-                    <a:bodyPr/>
-                    <a:lstStyle/>
-                    <a:p>
-                      <a:pPr marL="0" marR="0">
-                        <a:lnSpc>
-                          <a:spcPct val="107000"/>
-                        </a:lnSpc>
-                        <a:spcBef>
-                          <a:spcPts val="0"/>
-                        </a:spcBef>
-                        <a:spcAft>
-                          <a:spcPts val="800"/>
-                        </a:spcAft>
-                      </a:pPr>
-                      <a:r>
-                        <a:rPr lang="en-US" sz="1100" dirty="0">
-                          <a:effectLst/>
-                        </a:rPr>
-                        <a:t>FINAL PROJECT</a:t>
-                      </a:r>
-                      <a:endParaRPr lang="en-US" sz="1100" dirty="0">
-                        <a:effectLst/>
-                        <a:latin typeface="Calibri"/>
-                        <a:ea typeface="等线"/>
-                        <a:cs typeface="Times New Roman"/>
-                      </a:endParaRPr>
-                    </a:p>
-                  </a:txBody>
-                  <a:tcPr marL="8905" marR="8905" marT="8905" marB="8905" anchor="ctr"/>
-                </a:tc>
-              </a:tr>
-              <a:tr h="161937">
-                <a:tc>
-                  <a:txBody>
-                    <a:bodyPr/>
-                    <a:lstStyle/>
-                    <a:p>
-                      <a:pPr marL="0" marR="0" algn="ctr">
-                        <a:lnSpc>
-                          <a:spcPct val="107000"/>
-                        </a:lnSpc>
-                        <a:spcBef>
-                          <a:spcPts val="0"/>
-                        </a:spcBef>
-                        <a:spcAft>
-                          <a:spcPts val="800"/>
-                        </a:spcAft>
-                      </a:pPr>
-                      <a:r>
-                        <a:rPr lang="en-US" sz="900">
-                          <a:effectLst/>
-                        </a:rPr>
-                        <a:t>16</a:t>
-                      </a:r>
-                      <a:endParaRPr lang="en-US" sz="1000">
-                        <a:effectLst/>
-                        <a:latin typeface="Calibri"/>
-                        <a:ea typeface="等线"/>
-                        <a:cs typeface="Times New Roman"/>
-                      </a:endParaRPr>
-                    </a:p>
-                  </a:txBody>
-                  <a:tcPr marL="8905" marR="8905" marT="8905" marB="8905" anchor="ctr"/>
-                </a:tc>
-                <a:tc>
-                  <a:txBody>
-                    <a:bodyPr/>
-                    <a:lstStyle/>
-                    <a:p>
-                      <a:pPr marL="0" marR="0" algn="ctr">
-                        <a:lnSpc>
-                          <a:spcPct val="107000"/>
-                        </a:lnSpc>
-                        <a:spcBef>
-                          <a:spcPts val="0"/>
-                        </a:spcBef>
-                        <a:spcAft>
-                          <a:spcPts val="800"/>
-                        </a:spcAft>
-                      </a:pPr>
-                      <a:r>
-                        <a:rPr lang="en-US" sz="1100">
-                          <a:effectLst/>
-                        </a:rPr>
-                        <a:t>16-20 Dec</a:t>
-                      </a:r>
-                      <a:endParaRPr lang="en-US" sz="1100">
-                        <a:effectLst/>
-                        <a:latin typeface="Calibri"/>
-                        <a:ea typeface="等线"/>
-                        <a:cs typeface="Times New Roman"/>
-                      </a:endParaRPr>
-                    </a:p>
-                  </a:txBody>
-                  <a:tcPr marL="8905" marR="8905" marT="8905" marB="8905" anchor="ctr"/>
-                </a:tc>
-                <a:tc>
-                  <a:txBody>
-                    <a:bodyPr/>
-                    <a:lstStyle/>
-                    <a:p>
-                      <a:pPr marL="0" marR="0">
-                        <a:lnSpc>
-                          <a:spcPct val="107000"/>
-                        </a:lnSpc>
-                        <a:spcBef>
-                          <a:spcPts val="0"/>
-                        </a:spcBef>
-                        <a:spcAft>
-                          <a:spcPts val="0"/>
-                        </a:spcAft>
-                      </a:pPr>
-                      <a:r>
-                        <a:rPr lang="en-US" sz="1100">
-                          <a:effectLst/>
-                        </a:rPr>
-                        <a:t> </a:t>
-                      </a:r>
-                      <a:endParaRPr lang="en-US" sz="1100">
-                        <a:effectLst/>
-                        <a:latin typeface="Calibri"/>
-                        <a:ea typeface="等线"/>
-                        <a:cs typeface="Times New Roman"/>
-                      </a:endParaRPr>
-                    </a:p>
-                  </a:txBody>
-                  <a:tcPr marL="8905" marR="8905" marT="8905" marB="8905" anchor="ctr"/>
-                </a:tc>
-                <a:tc>
-                  <a:txBody>
-                    <a:bodyPr/>
-                    <a:lstStyle/>
-                    <a:p>
-                      <a:pPr marL="0" marR="0">
-                        <a:lnSpc>
-                          <a:spcPct val="107000"/>
-                        </a:lnSpc>
-                        <a:spcBef>
-                          <a:spcPts val="0"/>
-                        </a:spcBef>
-                        <a:spcAft>
-                          <a:spcPts val="0"/>
-                        </a:spcAft>
-                      </a:pPr>
-                      <a:r>
-                        <a:rPr lang="en-US" sz="1100" dirty="0">
-                          <a:effectLst/>
-                        </a:rPr>
-                        <a:t>FINAL PROJECT</a:t>
-                      </a:r>
-                      <a:endParaRPr lang="en-US" sz="1100" dirty="0">
-                        <a:effectLst/>
-                        <a:latin typeface="Calibri"/>
-                        <a:ea typeface="等线"/>
-                        <a:cs typeface="Times New Roman"/>
-                      </a:endParaRPr>
-                    </a:p>
-                  </a:txBody>
-                  <a:tcPr marL="8905" marR="8905" marT="8905" marB="8905" anchor="ctr"/>
-                </a:tc>
-              </a:tr>
-              <a:tr h="161937">
-                <a:tc>
-                  <a:txBody>
-                    <a:bodyPr/>
-                    <a:lstStyle/>
-                    <a:p>
-                      <a:pPr marL="0" marR="0" algn="ctr">
-                        <a:lnSpc>
-                          <a:spcPct val="107000"/>
-                        </a:lnSpc>
-                        <a:spcBef>
-                          <a:spcPts val="0"/>
-                        </a:spcBef>
-                        <a:spcAft>
-                          <a:spcPts val="800"/>
-                        </a:spcAft>
-                      </a:pPr>
-                      <a:r>
-                        <a:rPr lang="en-US" sz="900">
-                          <a:effectLst/>
-                        </a:rPr>
-                        <a:t>17</a:t>
-                      </a:r>
-                      <a:endParaRPr lang="en-US" sz="1000">
-                        <a:effectLst/>
-                        <a:latin typeface="Calibri"/>
-                        <a:ea typeface="等线"/>
-                        <a:cs typeface="Times New Roman"/>
-                      </a:endParaRPr>
-                    </a:p>
-                  </a:txBody>
-                  <a:tcPr marL="8905" marR="8905" marT="8905" marB="8905" anchor="ctr"/>
-                </a:tc>
-                <a:tc>
-                  <a:txBody>
-                    <a:bodyPr/>
-                    <a:lstStyle/>
-                    <a:p>
-                      <a:pPr marL="0" marR="0" algn="ctr">
-                        <a:lnSpc>
-                          <a:spcPct val="107000"/>
-                        </a:lnSpc>
-                        <a:spcBef>
-                          <a:spcPts val="0"/>
-                        </a:spcBef>
-                        <a:spcAft>
-                          <a:spcPts val="800"/>
-                        </a:spcAft>
-                      </a:pPr>
-                      <a:r>
-                        <a:rPr lang="en-US" sz="1100">
-                          <a:effectLst/>
-                        </a:rPr>
-                        <a:t>2-10 Jan</a:t>
-                      </a:r>
-                      <a:endParaRPr lang="en-US" sz="1100">
-                        <a:effectLst/>
-                        <a:latin typeface="Calibri"/>
-                        <a:ea typeface="等线"/>
-                        <a:cs typeface="Times New Roman"/>
-                      </a:endParaRPr>
-                    </a:p>
-                  </a:txBody>
-                  <a:tcPr marL="8905" marR="8905" marT="8905" marB="8905" anchor="ctr"/>
-                </a:tc>
-                <a:tc>
-                  <a:txBody>
-                    <a:bodyPr/>
-                    <a:lstStyle/>
-                    <a:p>
-                      <a:pPr marL="0" marR="0">
-                        <a:lnSpc>
-                          <a:spcPct val="107000"/>
-                        </a:lnSpc>
-                        <a:spcBef>
-                          <a:spcPts val="0"/>
-                        </a:spcBef>
-                        <a:spcAft>
-                          <a:spcPts val="0"/>
-                        </a:spcAft>
-                      </a:pPr>
-                      <a:r>
-                        <a:rPr lang="en-US" sz="1100">
-                          <a:effectLst/>
-                        </a:rPr>
-                        <a:t> </a:t>
-                      </a:r>
-                      <a:endParaRPr lang="en-US" sz="1100">
-                        <a:effectLst/>
-                        <a:latin typeface="Calibri"/>
-                        <a:ea typeface="等线"/>
-                        <a:cs typeface="Times New Roman"/>
-                      </a:endParaRPr>
-                    </a:p>
-                  </a:txBody>
-                  <a:tcPr marL="8905" marR="8905" marT="8905" marB="8905" anchor="ctr"/>
-                </a:tc>
-                <a:tc>
-                  <a:txBody>
-                    <a:bodyPr/>
-                    <a:lstStyle/>
-                    <a:p>
-                      <a:pPr marL="0" marR="0">
-                        <a:lnSpc>
-                          <a:spcPct val="107000"/>
-                        </a:lnSpc>
-                        <a:spcBef>
-                          <a:spcPts val="0"/>
-                        </a:spcBef>
-                        <a:spcAft>
-                          <a:spcPts val="0"/>
-                        </a:spcAft>
-                      </a:pPr>
-                      <a:r>
-                        <a:rPr lang="en-US" sz="1100" dirty="0">
-                          <a:effectLst/>
-                        </a:rPr>
-                        <a:t>Final Exam preparation</a:t>
-                      </a:r>
-                      <a:endParaRPr lang="en-US" sz="1100" dirty="0">
-                        <a:effectLst/>
-                        <a:latin typeface="Calibri"/>
-                        <a:ea typeface="等线"/>
-                        <a:cs typeface="Times New Roman"/>
-                      </a:endParaRPr>
-                    </a:p>
-                  </a:txBody>
-                  <a:tcPr marL="8905" marR="8905" marT="8905" marB="8905" anchor="ctr"/>
-                </a:tc>
-              </a:tr>
-              <a:tr h="161937">
-                <a:tc>
-                  <a:txBody>
-                    <a:bodyPr/>
-                    <a:lstStyle/>
-                    <a:p>
-                      <a:pPr marL="0" marR="0" algn="ctr">
-                        <a:lnSpc>
-                          <a:spcPct val="107000"/>
-                        </a:lnSpc>
-                        <a:spcBef>
-                          <a:spcPts val="0"/>
-                        </a:spcBef>
-                        <a:spcAft>
-                          <a:spcPts val="0"/>
-                        </a:spcAft>
-                      </a:pPr>
-                      <a:r>
-                        <a:rPr lang="en-US" sz="900">
-                          <a:effectLst/>
-                        </a:rPr>
-                        <a:t>18</a:t>
-                      </a:r>
-                      <a:endParaRPr lang="en-US" sz="1000">
-                        <a:effectLst/>
-                        <a:latin typeface="Calibri"/>
-                        <a:ea typeface="等线"/>
-                        <a:cs typeface="Times New Roman"/>
-                      </a:endParaRPr>
-                    </a:p>
-                  </a:txBody>
-                  <a:tcPr marL="8905" marR="8905" marT="8905" marB="8905" anchor="ctr"/>
-                </a:tc>
-                <a:tc>
-                  <a:txBody>
-                    <a:bodyPr/>
-                    <a:lstStyle/>
-                    <a:p>
-                      <a:pPr marL="0" marR="0" algn="ctr">
-                        <a:lnSpc>
-                          <a:spcPct val="107000"/>
-                        </a:lnSpc>
-                        <a:spcBef>
-                          <a:spcPts val="0"/>
-                        </a:spcBef>
-                        <a:spcAft>
-                          <a:spcPts val="0"/>
-                        </a:spcAft>
-                      </a:pPr>
-                      <a:r>
-                        <a:rPr lang="en-US" sz="1100">
-                          <a:effectLst/>
-                        </a:rPr>
-                        <a:t>15-16 Jan</a:t>
-                      </a:r>
-                      <a:endParaRPr lang="en-US" sz="1100">
-                        <a:effectLst/>
-                        <a:latin typeface="Calibri"/>
-                        <a:ea typeface="等线"/>
-                        <a:cs typeface="Times New Roman"/>
-                      </a:endParaRPr>
-                    </a:p>
-                  </a:txBody>
-                  <a:tcPr marL="8905" marR="8905" marT="8905" marB="8905" anchor="ctr"/>
-                </a:tc>
-                <a:tc>
-                  <a:txBody>
-                    <a:bodyPr/>
-                    <a:lstStyle/>
-                    <a:p>
-                      <a:pPr marL="0" marR="0">
-                        <a:lnSpc>
-                          <a:spcPct val="107000"/>
-                        </a:lnSpc>
-                        <a:spcBef>
-                          <a:spcPts val="0"/>
-                        </a:spcBef>
-                        <a:spcAft>
-                          <a:spcPts val="0"/>
-                        </a:spcAft>
-                      </a:pPr>
-                      <a:r>
-                        <a:rPr lang="en-US" sz="1100">
-                          <a:effectLst/>
-                        </a:rPr>
-                        <a:t> </a:t>
-                      </a:r>
-                      <a:endParaRPr lang="en-US" sz="1100">
-                        <a:effectLst/>
-                        <a:latin typeface="Calibri"/>
-                        <a:ea typeface="等线"/>
-                        <a:cs typeface="Times New Roman"/>
-                      </a:endParaRPr>
-                    </a:p>
-                  </a:txBody>
-                  <a:tcPr marL="8905" marR="8905" marT="8905" marB="8905" anchor="ctr"/>
-                </a:tc>
-                <a:tc>
-                  <a:txBody>
-                    <a:bodyPr/>
-                    <a:lstStyle/>
-                    <a:p>
-                      <a:pPr marL="0" marR="0">
-                        <a:lnSpc>
-                          <a:spcPct val="107000"/>
-                        </a:lnSpc>
-                        <a:spcBef>
-                          <a:spcPts val="0"/>
-                        </a:spcBef>
-                        <a:spcAft>
-                          <a:spcPts val="0"/>
-                        </a:spcAft>
-                      </a:pPr>
-                      <a:r>
-                        <a:rPr lang="en-US" sz="1100" dirty="0">
-                          <a:effectLst/>
-                        </a:rPr>
-                        <a:t>FINAL EXAM</a:t>
-                      </a:r>
-                      <a:endParaRPr lang="en-US" sz="1100" dirty="0">
-                        <a:effectLst/>
-                        <a:latin typeface="Calibri"/>
-                        <a:ea typeface="等线"/>
-                        <a:cs typeface="Times New Roman"/>
-                      </a:endParaRPr>
-                    </a:p>
-                  </a:txBody>
-                  <a:tcPr marL="8905" marR="8905" marT="8905" marB="8905" anchor="ctr"/>
-                </a:tc>
-              </a:tr>
-            </a:tbl>
-          </a:graphicData>
-        </a:graphic>
-      </p:graphicFrame>
-      <p:pic>
-        <p:nvPicPr>
-          <p:cNvPr id="1025" name="Picture 25" descr="Description: page2image3733664"/>
-          <p:cNvPicPr>
-            <a:picLocks noChangeAspect="1" noChangeArrowheads="1"/>
-          </p:cNvPicPr>
-          <p:nvPr/>
-        </p:nvPicPr>
-        <p:blipFill>
-          <a:blip r:embed="rId2" r:link="rId3">
-            <a:extLst>
-              <a:ext uri="{28A0092B-C50C-407E-A947-70E740481C1C}">
-                <a14:useLocalDpi xmlns:a14="http://schemas.microsoft.com/office/drawing/2010/main" val="0"/>
-              </a:ext>
-            </a:extLst>
-          </a:blip>
-          <a:srcRect/>
-          <a:stretch>
-            <a:fillRect/>
-          </a:stretch>
-        </p:blipFill>
-        <p:spPr bwMode="auto">
-          <a:xfrm>
-            <a:off x="1806575" y="1200150"/>
-            <a:ext cx="9525" cy="9525"/>
-          </a:xfrm>
-          <a:prstGeom prst="rect">
-            <a:avLst/>
-          </a:prstGeom>
-          <a:noFill/>
-          <a:extLst>
-            <a:ext uri="{909E8E84-426E-40DD-AFC4-6F175D3DCCD1}">
-              <a14:hiddenFill xmlns:a14="http://schemas.microsoft.com/office/drawing/2010/main">
-                <a:solidFill>
-                  <a:srgbClr val="FFFFFF"/>
-                </a:solidFill>
-              </a14:hiddenFill>
-            </a:ext>
-          </a:extLst>
-        </p:spPr>
-      </p:pic>
-    </p:spTree>
-    <p:extLst>
-      <p:ext uri="{BB962C8B-B14F-4D97-AF65-F5344CB8AC3E}">
-        <p14:creationId xmlns:p14="http://schemas.microsoft.com/office/powerpoint/2010/main" val="1615222713"/>
-      </p:ext>
-    </p:extLst>
-  </p:cSld>
-  <p:clrMapOvr>
-    <a:masterClrMapping/>
-  </p:clrMapOvr>
-  <p:timing>
-    <p:tnLst>
-      <p:par>
-        <p:cTn id="1" dur="indefinite" restart="never" nodeType="tmRoot"/>
-      </p:par>
-    </p:tnLst>
-  </p:timing>
-</p:sld>
-</file>
-
-<file path=ppt/slides/slide20.xml><?xml version="1.0" encoding="utf-8"?>
+<file path=ppt/slides/slide21.xml><?xml version="1.0" encoding="utf-8"?>
 <p:sld xmlns:a="http://schemas.openxmlformats.org/drawingml/2006/main" xmlns:r="http://schemas.openxmlformats.org/officeDocument/2006/relationships" xmlns:p="http://schemas.openxmlformats.org/presentationml/2006/main">
   <p:cSld>
     <p:spTree>
@@ -9558,7 +9809,7 @@
 </p:sld>
 </file>
 
-<file path=ppt/slides/slide21.xml><?xml version="1.0" encoding="utf-8"?>
+<file path=ppt/slides/slide22.xml><?xml version="1.0" encoding="utf-8"?>
 <p:sld xmlns:a="http://schemas.openxmlformats.org/drawingml/2006/main" xmlns:r="http://schemas.openxmlformats.org/officeDocument/2006/relationships" xmlns:p="http://schemas.openxmlformats.org/presentationml/2006/main">
   <p:cSld>
     <p:spTree>
@@ -10004,7 +10255,7 @@
 </p:sld>
 </file>
 
-<file path=ppt/slides/slide22.xml><?xml version="1.0" encoding="utf-8"?>
+<file path=ppt/slides/slide23.xml><?xml version="1.0" encoding="utf-8"?>
 <p:sld xmlns:a="http://schemas.openxmlformats.org/drawingml/2006/main" xmlns:r="http://schemas.openxmlformats.org/officeDocument/2006/relationships" xmlns:p="http://schemas.openxmlformats.org/presentationml/2006/main">
   <p:cSld>
     <p:spTree>
@@ -11502,6 +11753,101 @@
           <a:p>
             <a:r>
               <a:rPr lang="en-US" dirty="0" smtClean="0"/>
+              <a:t>Setup</a:t>
+            </a:r>
+            <a:endParaRPr lang="en-US" dirty="0"/>
+          </a:p>
+        </p:txBody>
+      </p:sp>
+      <p:sp>
+        <p:nvSpPr>
+          <p:cNvPr id="3" name="Content Placeholder 2"/>
+          <p:cNvSpPr>
+            <a:spLocks noGrp="1"/>
+          </p:cNvSpPr>
+          <p:nvPr>
+            <p:ph idx="1"/>
+          </p:nvPr>
+        </p:nvSpPr>
+        <p:spPr/>
+        <p:txBody>
+          <a:bodyPr/>
+          <a:lstStyle/>
+          <a:p>
+            <a:pPr marL="0" indent="0" algn="ctr">
+              <a:buNone/>
+            </a:pPr>
+            <a:endParaRPr lang="en-US" dirty="0" smtClean="0"/>
+          </a:p>
+          <a:p>
+            <a:pPr marL="0" indent="0" algn="ctr">
+              <a:buNone/>
+            </a:pPr>
+            <a:endParaRPr lang="en-US"/>
+          </a:p>
+          <a:p>
+            <a:pPr marL="0" indent="0" algn="ctr">
+              <a:buNone/>
+            </a:pPr>
+            <a:r>
+              <a:rPr lang="en-US" smtClean="0"/>
+              <a:t>Go </a:t>
+            </a:r>
+            <a:r>
+              <a:rPr lang="en-US" dirty="0" smtClean="0"/>
+              <a:t>to http://cs.stefanw.co</a:t>
+            </a:r>
+            <a:endParaRPr lang="en-US" dirty="0"/>
+          </a:p>
+        </p:txBody>
+      </p:sp>
+    </p:spTree>
+    <p:extLst>
+      <p:ext uri="{BB962C8B-B14F-4D97-AF65-F5344CB8AC3E}">
+        <p14:creationId xmlns:p14="http://schemas.microsoft.com/office/powerpoint/2010/main" val="575898378"/>
+      </p:ext>
+    </p:extLst>
+  </p:cSld>
+  <p:clrMapOvr>
+    <a:masterClrMapping/>
+  </p:clrMapOvr>
+</p:sld>
+</file>
+
+<file path=ppt/slides/slide6.xml><?xml version="1.0" encoding="utf-8"?>
+<p:sld xmlns:a="http://schemas.openxmlformats.org/drawingml/2006/main" xmlns:r="http://schemas.openxmlformats.org/officeDocument/2006/relationships" xmlns:p="http://schemas.openxmlformats.org/presentationml/2006/main">
+  <p:cSld>
+    <p:spTree>
+      <p:nvGrpSpPr>
+        <p:cNvPr id="1" name=""/>
+        <p:cNvGrpSpPr/>
+        <p:nvPr/>
+      </p:nvGrpSpPr>
+      <p:grpSpPr>
+        <a:xfrm>
+          <a:off x="0" y="0"/>
+          <a:ext cx="0" cy="0"/>
+          <a:chOff x="0" y="0"/>
+          <a:chExt cx="0" cy="0"/>
+        </a:xfrm>
+      </p:grpSpPr>
+      <p:sp>
+        <p:nvSpPr>
+          <p:cNvPr id="2" name="Title 1"/>
+          <p:cNvSpPr>
+            <a:spLocks noGrp="1"/>
+          </p:cNvSpPr>
+          <p:nvPr>
+            <p:ph type="title"/>
+          </p:nvPr>
+        </p:nvSpPr>
+        <p:spPr/>
+        <p:txBody>
+          <a:bodyPr/>
+          <a:lstStyle/>
+          <a:p>
+            <a:r>
+              <a:rPr lang="en-US" dirty="0" smtClean="0"/>
               <a:t>Why Java?</a:t>
             </a:r>
             <a:endParaRPr lang="en-US" dirty="0"/>
@@ -11835,7 +12181,7 @@
 </p:sld>
 </file>
 
-<file path=ppt/slides/slide6.xml><?xml version="1.0" encoding="utf-8"?>
+<file path=ppt/slides/slide7.xml><?xml version="1.0" encoding="utf-8"?>
 <p:sld xmlns:a="http://schemas.openxmlformats.org/drawingml/2006/main" xmlns:r="http://schemas.openxmlformats.org/officeDocument/2006/relationships" xmlns:p="http://schemas.openxmlformats.org/presentationml/2006/main">
   <p:cSld>
     <p:spTree>
@@ -11908,301 +12254,6 @@
     <p:tnLst>
       <p:par>
         <p:cTn id="1" dur="indefinite" restart="never" nodeType="tmRoot"/>
-      </p:par>
-    </p:tnLst>
-  </p:timing>
-</p:sld>
-</file>
-
-<file path=ppt/slides/slide7.xml><?xml version="1.0" encoding="utf-8"?>
-<p:sld xmlns:a="http://schemas.openxmlformats.org/drawingml/2006/main" xmlns:r="http://schemas.openxmlformats.org/officeDocument/2006/relationships" xmlns:p="http://schemas.openxmlformats.org/presentationml/2006/main">
-  <p:cSld>
-    <p:spTree>
-      <p:nvGrpSpPr>
-        <p:cNvPr id="1" name=""/>
-        <p:cNvGrpSpPr/>
-        <p:nvPr/>
-      </p:nvGrpSpPr>
-      <p:grpSpPr>
-        <a:xfrm>
-          <a:off x="0" y="0"/>
-          <a:ext cx="0" cy="0"/>
-          <a:chOff x="0" y="0"/>
-          <a:chExt cx="0" cy="0"/>
-        </a:xfrm>
-      </p:grpSpPr>
-      <p:sp>
-        <p:nvSpPr>
-          <p:cNvPr id="2" name="Title 1"/>
-          <p:cNvSpPr>
-            <a:spLocks noGrp="1"/>
-          </p:cNvSpPr>
-          <p:nvPr>
-            <p:ph type="title"/>
-          </p:nvPr>
-        </p:nvSpPr>
-        <p:spPr/>
-        <p:txBody>
-          <a:bodyPr/>
-          <a:lstStyle/>
-          <a:p>
-            <a:r>
-              <a:rPr lang="en-US" dirty="0" smtClean="0"/>
-              <a:t>The Program</a:t>
-            </a:r>
-            <a:endParaRPr lang="en-US" dirty="0"/>
-          </a:p>
-        </p:txBody>
-      </p:sp>
-      <p:sp>
-        <p:nvSpPr>
-          <p:cNvPr id="3" name="Content Placeholder 2"/>
-          <p:cNvSpPr>
-            <a:spLocks noGrp="1"/>
-          </p:cNvSpPr>
-          <p:nvPr>
-            <p:ph idx="1"/>
-          </p:nvPr>
-        </p:nvSpPr>
-        <p:spPr>
-          <a:xfrm>
-            <a:off x="457200" y="1200151"/>
-            <a:ext cx="8229600" cy="3047999"/>
-          </a:xfrm>
-        </p:spPr>
-        <p:txBody>
-          <a:bodyPr>
-            <a:normAutofit/>
-          </a:bodyPr>
-          <a:lstStyle/>
-          <a:p>
-            <a:pPr marL="0" indent="0">
-              <a:buNone/>
-            </a:pPr>
-            <a:r>
-              <a:rPr lang="en-US" sz="2800" b="1" dirty="0" smtClean="0"/>
-              <a:t>Source code:</a:t>
-            </a:r>
-          </a:p>
-          <a:p>
-            <a:pPr marL="0" indent="0">
-              <a:buNone/>
-            </a:pPr>
-            <a:r>
-              <a:rPr lang="en-US" sz="2800" dirty="0"/>
-              <a:t>	A computer program is composed of commands written in the </a:t>
-            </a:r>
-            <a:r>
-              <a:rPr lang="en-US" sz="2800" i="1" dirty="0"/>
-              <a:t>source code</a:t>
-            </a:r>
-            <a:r>
-              <a:rPr lang="en-US" sz="2800" dirty="0"/>
-              <a:t>. A computer generally runs </a:t>
-            </a:r>
-            <a:r>
-              <a:rPr lang="en-US" sz="2800" i="1" dirty="0"/>
-              <a:t>commands</a:t>
-            </a:r>
-            <a:r>
-              <a:rPr lang="en-US" sz="2800" dirty="0"/>
-              <a:t> in the source code from </a:t>
-            </a:r>
-            <a:r>
-              <a:rPr lang="en-US" sz="2800" i="1" dirty="0"/>
-              <a:t>top to bottom</a:t>
-            </a:r>
-            <a:r>
-              <a:rPr lang="en-US" sz="2800" dirty="0"/>
-              <a:t> and </a:t>
-            </a:r>
-            <a:r>
-              <a:rPr lang="en-US" sz="2800" i="1" dirty="0"/>
-              <a:t>from left to right</a:t>
-            </a:r>
-            <a:r>
-              <a:rPr lang="en-US" sz="2800" dirty="0"/>
-              <a:t>. Source code is saved in a </a:t>
-            </a:r>
-            <a:r>
-              <a:rPr lang="en-US" sz="2800" dirty="0" smtClean="0"/>
-              <a:t>text </a:t>
-            </a:r>
-            <a:r>
-              <a:rPr lang="en-US" sz="2800" dirty="0"/>
-              <a:t>format and will be </a:t>
-            </a:r>
-            <a:r>
-              <a:rPr lang="en-US" sz="2800" i="1" dirty="0"/>
-              <a:t>executed</a:t>
-            </a:r>
-            <a:r>
-              <a:rPr lang="en-US" sz="2800" dirty="0"/>
-              <a:t> somehow.</a:t>
-            </a:r>
-            <a:endParaRPr lang="en-US" sz="2800" dirty="0" smtClean="0"/>
-          </a:p>
-        </p:txBody>
-      </p:sp>
-    </p:spTree>
-    <p:extLst>
-      <p:ext uri="{BB962C8B-B14F-4D97-AF65-F5344CB8AC3E}">
-        <p14:creationId xmlns:p14="http://schemas.microsoft.com/office/powerpoint/2010/main" val="1810991414"/>
-      </p:ext>
-    </p:extLst>
-  </p:cSld>
-  <p:clrMapOvr>
-    <a:masterClrMapping/>
-  </p:clrMapOvr>
-  <p:timing>
-    <p:tnLst>
-      <p:par>
-        <p:cTn id="1" dur="indefinite" restart="never" nodeType="tmRoot">
-          <p:childTnLst>
-            <p:seq concurrent="1" nextAc="seek">
-              <p:cTn id="2" dur="indefinite" nodeType="mainSeq">
-                <p:childTnLst>
-                  <p:par>
-                    <p:cTn id="3" fill="hold">
-                      <p:stCondLst>
-                        <p:cond delay="indefinite"/>
-                      </p:stCondLst>
-                      <p:childTnLst>
-                        <p:par>
-                          <p:cTn id="4" fill="hold">
-                            <p:stCondLst>
-                              <p:cond delay="0"/>
-                            </p:stCondLst>
-                            <p:childTnLst>
-                              <p:par>
-                                <p:cTn id="5" presetID="10" presetClass="entr" presetSubtype="0" fill="hold" nodeType="clickEffect">
-                                  <p:stCondLst>
-                                    <p:cond delay="0"/>
-                                  </p:stCondLst>
-                                  <p:childTnLst>
-                                    <p:set>
-                                      <p:cBhvr>
-                                        <p:cTn id="6" dur="1" fill="hold">
-                                          <p:stCondLst>
-                                            <p:cond delay="0"/>
-                                          </p:stCondLst>
-                                        </p:cTn>
-                                        <p:tgtEl>
-                                          <p:spTgt spid="3">
-                                            <p:txEl>
-                                              <p:pRg st="0" end="0"/>
-                                            </p:txEl>
-                                          </p:spTgt>
-                                        </p:tgtEl>
-                                        <p:attrNameLst>
-                                          <p:attrName>style.visibility</p:attrName>
-                                        </p:attrNameLst>
-                                      </p:cBhvr>
-                                      <p:to>
-                                        <p:strVal val="visible"/>
-                                      </p:to>
-                                    </p:set>
-                                    <p:animEffect transition="in" filter="fade">
-                                      <p:cBhvr>
-                                        <p:cTn id="7" dur="500"/>
-                                        <p:tgtEl>
-                                          <p:spTgt spid="3">
-                                            <p:txEl>
-                                              <p:pRg st="0" end="0"/>
-                                            </p:txEl>
-                                          </p:spTgt>
-                                        </p:tgtEl>
-                                      </p:cBhvr>
-                                    </p:animEffect>
-                                  </p:childTnLst>
-                                </p:cTn>
-                              </p:par>
-                            </p:childTnLst>
-                          </p:cTn>
-                        </p:par>
-                      </p:childTnLst>
-                    </p:cTn>
-                  </p:par>
-                  <p:par>
-                    <p:cTn id="8" fill="hold">
-                      <p:stCondLst>
-                        <p:cond delay="indefinite"/>
-                      </p:stCondLst>
-                      <p:childTnLst>
-                        <p:par>
-                          <p:cTn id="9" fill="hold">
-                            <p:stCondLst>
-                              <p:cond delay="0"/>
-                            </p:stCondLst>
-                            <p:childTnLst>
-                              <p:par>
-                                <p:cTn id="10" presetID="10" presetClass="entr" presetSubtype="0" fill="hold" nodeType="clickEffect">
-                                  <p:stCondLst>
-                                    <p:cond delay="0"/>
-                                  </p:stCondLst>
-                                  <p:childTnLst>
-                                    <p:set>
-                                      <p:cBhvr>
-                                        <p:cTn id="11" dur="1" fill="hold">
-                                          <p:stCondLst>
-                                            <p:cond delay="0"/>
-                                          </p:stCondLst>
-                                        </p:cTn>
-                                        <p:tgtEl>
-                                          <p:spTgt spid="3">
-                                            <p:txEl>
-                                              <p:pRg st="1" end="1"/>
-                                            </p:txEl>
-                                          </p:spTgt>
-                                        </p:tgtEl>
-                                        <p:attrNameLst>
-                                          <p:attrName>style.visibility</p:attrName>
-                                        </p:attrNameLst>
-                                      </p:cBhvr>
-                                      <p:to>
-                                        <p:strVal val="visible"/>
-                                      </p:to>
-                                    </p:set>
-                                    <p:animEffect transition="in" filter="fade">
-                                      <p:cBhvr>
-                                        <p:cTn id="12" dur="500"/>
-                                        <p:tgtEl>
-                                          <p:spTgt spid="3">
-                                            <p:txEl>
-                                              <p:pRg st="1" end="1"/>
-                                            </p:txEl>
-                                          </p:spTgt>
-                                        </p:tgtEl>
-                                      </p:cBhvr>
-                                    </p:animEffect>
-                                  </p:childTnLst>
-                                </p:cTn>
-                              </p:par>
-                            </p:childTnLst>
-                          </p:cTn>
-                        </p:par>
-                      </p:childTnLst>
-                    </p:cTn>
-                  </p:par>
-                </p:childTnLst>
-              </p:cTn>
-              <p:prevCondLst>
-                <p:cond evt="onPrev" delay="0">
-                  <p:tgtEl>
-                    <p:sldTgt/>
-                  </p:tgtEl>
-                </p:cond>
-              </p:prevCondLst>
-              <p:nextCondLst>
-                <p:cond evt="onNext" delay="0">
-                  <p:tgtEl>
-                    <p:sldTgt/>
-                  </p:tgtEl>
-                </p:cond>
-              </p:nextCondLst>
-            </p:seq>
-          </p:childTnLst>
-        </p:cTn>
       </p:par>
     </p:tnLst>
   </p:timing>
@@ -12266,15 +12317,17 @@
           </a:xfrm>
         </p:spPr>
         <p:txBody>
-          <a:bodyPr/>
+          <a:bodyPr>
+            <a:normAutofit/>
+          </a:bodyPr>
           <a:lstStyle/>
           <a:p>
             <a:pPr marL="0" indent="0">
               <a:buNone/>
             </a:pPr>
             <a:r>
-              <a:rPr lang="en-US" b="1" dirty="0" smtClean="0"/>
-              <a:t>Commands:</a:t>
+              <a:rPr lang="en-US" sz="2800" b="1" dirty="0" smtClean="0"/>
+              <a:t>Source code:</a:t>
             </a:r>
           </a:p>
           <a:p>
@@ -12282,40 +12335,65 @@
               <a:buNone/>
             </a:pPr>
             <a:r>
-              <a:rPr lang="en-US" sz="2400" dirty="0" smtClean="0"/>
-              <a:t>	</a:t>
+              <a:rPr lang="en-US" sz="2800" dirty="0"/>
+              <a:t>	A computer program is composed of commands written in the </a:t>
+            </a:r>
+            <a:r>
+              <a:rPr lang="en-US" sz="2800" i="1" dirty="0"/>
+              <a:t>source code</a:t>
+            </a:r>
+            <a:r>
+              <a:rPr lang="en-US" sz="2800" dirty="0"/>
+              <a:t>. A computer generally runs </a:t>
+            </a:r>
+            <a:r>
+              <a:rPr lang="en-US" sz="2800" i="1" dirty="0"/>
+              <a:t>commands</a:t>
+            </a:r>
+            <a:r>
+              <a:rPr lang="en-US" sz="2800" dirty="0"/>
+              <a:t> in the source code from </a:t>
+            </a:r>
+            <a:r>
+              <a:rPr lang="en-US" sz="2800" i="1" dirty="0"/>
+              <a:t>top to bottom</a:t>
+            </a:r>
+            <a:r>
+              <a:rPr lang="en-US" sz="2800" dirty="0"/>
+              <a:t> and </a:t>
+            </a:r>
+            <a:r>
+              <a:rPr lang="en-US" sz="2800" i="1" dirty="0"/>
+              <a:t>from left to right</a:t>
+            </a:r>
+            <a:r>
+              <a:rPr lang="en-US" sz="2800" dirty="0"/>
+              <a:t>. Source code is saved in a </a:t>
             </a:r>
             <a:r>
               <a:rPr lang="en-US" sz="2800" dirty="0" smtClean="0"/>
-              <a:t>Computers </a:t>
+              <a:t>text </a:t>
             </a:r>
             <a:r>
               <a:rPr lang="en-US" sz="2800" dirty="0"/>
-              <a:t>execute different </a:t>
+              <a:t>format and will be </a:t>
             </a:r>
             <a:r>
               <a:rPr lang="en-US" sz="2800" i="1" dirty="0"/>
-              <a:t>operations</a:t>
+              <a:t>executed</a:t>
             </a:r>
             <a:r>
               <a:rPr lang="en-US" sz="2800" dirty="0"/>
-              <a:t>, or actions, based on the commands. For example, when printing the text "Hello world!" on the screen, it is done by the command </a:t>
-            </a:r>
-            <a:r>
-              <a:rPr lang="en-US" sz="2800" dirty="0" err="1"/>
-              <a:t>System.out.println</a:t>
-            </a:r>
-            <a:r>
-              <a:rPr lang="en-US" sz="2800" dirty="0" smtClean="0"/>
-              <a:t>.</a:t>
-            </a:r>
+              <a:t> somehow.</a:t>
+            </a:r>
+            <a:endParaRPr lang="en-US" sz="2800" dirty="0" smtClean="0"/>
           </a:p>
         </p:txBody>
       </p:sp>
     </p:spTree>
     <p:extLst>
       <p:ext uri="{BB962C8B-B14F-4D97-AF65-F5344CB8AC3E}">
-        <p14:creationId xmlns:p14="http://schemas.microsoft.com/office/powerpoint/2010/main" val="3156665768"/>
+        <p14:creationId xmlns:p14="http://schemas.microsoft.com/office/powerpoint/2010/main" val="1810991414"/>
       </p:ext>
     </p:extLst>
   </p:cSld>
@@ -12530,13 +12608,11 @@
         <p:spPr>
           <a:xfrm>
             <a:off x="457200" y="1200151"/>
-            <a:ext cx="8229600" cy="2971799"/>
+            <a:ext cx="8229600" cy="3047999"/>
           </a:xfrm>
         </p:spPr>
         <p:txBody>
-          <a:bodyPr>
-            <a:normAutofit/>
-          </a:bodyPr>
+          <a:bodyPr/>
           <a:lstStyle/>
           <a:p>
             <a:pPr marL="0" indent="0">
@@ -12544,7 +12620,7 @@
             </a:pPr>
             <a:r>
               <a:rPr lang="en-US" b="1" dirty="0" smtClean="0"/>
-              <a:t>Semicolon:</a:t>
+              <a:t>Commands:</a:t>
             </a:r>
           </a:p>
           <a:p>
@@ -12552,12 +12628,32 @@
               <a:buNone/>
             </a:pPr>
             <a:r>
-              <a:rPr lang="en-US" dirty="0"/>
+              <a:rPr lang="en-US" sz="2400" dirty="0" smtClean="0"/>
               <a:t>	</a:t>
             </a:r>
             <a:r>
+              <a:rPr lang="en-US" sz="2800" dirty="0" smtClean="0"/>
+              <a:t>Computers </a:t>
+            </a:r>
+            <a:r>
               <a:rPr lang="en-US" sz="2800" dirty="0"/>
-              <a:t>A semicolon ; is used to separate different commands. The compiler and the interpreter both ignore line breaks in the source code, so we could write the entire program on a single line.</a:t>
+              <a:t>execute different </a:t>
+            </a:r>
+            <a:r>
+              <a:rPr lang="en-US" sz="2800" i="1" dirty="0"/>
+              <a:t>operations</a:t>
+            </a:r>
+            <a:r>
+              <a:rPr lang="en-US" sz="2800" dirty="0"/>
+              <a:t>, or actions, based on the commands. For example, when printing the text "Hello world!" on the screen, it is done by the command </a:t>
+            </a:r>
+            <a:r>
+              <a:rPr lang="en-US" sz="2800" dirty="0" err="1"/>
+              <a:t>System.out.println</a:t>
+            </a:r>
+            <a:r>
+              <a:rPr lang="en-US" sz="2800" dirty="0" smtClean="0"/>
+              <a:t>.</a:t>
             </a:r>
           </a:p>
         </p:txBody>
@@ -12565,7 +12661,7 @@
     </p:spTree>
     <p:extLst>
       <p:ext uri="{BB962C8B-B14F-4D97-AF65-F5344CB8AC3E}">
-        <p14:creationId xmlns:p14="http://schemas.microsoft.com/office/powerpoint/2010/main" val="3534887587"/>
+        <p14:creationId xmlns:p14="http://schemas.microsoft.com/office/powerpoint/2010/main" val="3156665768"/>
       </p:ext>
     </p:extLst>
   </p:cSld>

--- a/Week 1/AP CS A - Week 1 Lecture.pptx
+++ b/Week 1/AP CS A - Week 1 Lecture.pptx
@@ -5,7 +5,7 @@
     <p:sldMasterId id="2147483648" r:id="rId1"/>
   </p:sldMasterIdLst>
   <p:notesMasterIdLst>
-    <p:notesMasterId r:id="rId25"/>
+    <p:notesMasterId r:id="rId32"/>
   </p:notesMasterIdLst>
   <p:sldIdLst>
     <p:sldId id="256" r:id="rId2"/>
@@ -22,15 +22,22 @@
     <p:sldId id="266" r:id="rId13"/>
     <p:sldId id="267" r:id="rId14"/>
     <p:sldId id="277" r:id="rId15"/>
-    <p:sldId id="268" r:id="rId16"/>
-    <p:sldId id="269" r:id="rId17"/>
-    <p:sldId id="270" r:id="rId18"/>
-    <p:sldId id="271" r:id="rId19"/>
-    <p:sldId id="272" r:id="rId20"/>
-    <p:sldId id="273" r:id="rId21"/>
-    <p:sldId id="274" r:id="rId22"/>
-    <p:sldId id="275" r:id="rId23"/>
-    <p:sldId id="276" r:id="rId24"/>
+    <p:sldId id="279" r:id="rId16"/>
+    <p:sldId id="280" r:id="rId17"/>
+    <p:sldId id="281" r:id="rId18"/>
+    <p:sldId id="268" r:id="rId19"/>
+    <p:sldId id="269" r:id="rId20"/>
+    <p:sldId id="270" r:id="rId21"/>
+    <p:sldId id="271" r:id="rId22"/>
+    <p:sldId id="272" r:id="rId23"/>
+    <p:sldId id="273" r:id="rId24"/>
+    <p:sldId id="274" r:id="rId25"/>
+    <p:sldId id="275" r:id="rId26"/>
+    <p:sldId id="276" r:id="rId27"/>
+    <p:sldId id="282" r:id="rId28"/>
+    <p:sldId id="283" r:id="rId29"/>
+    <p:sldId id="284" r:id="rId30"/>
+    <p:sldId id="285" r:id="rId31"/>
   </p:sldIdLst>
   <p:sldSz cx="9144000" cy="5143500" type="screen16x9"/>
   <p:notesSz cx="6858000" cy="9144000"/>
@@ -214,7 +221,7 @@
           <a:p>
             <a:fld id="{F52C6709-C511-4DE8-ABD6-DB2E81FC1149}" type="datetimeFigureOut">
               <a:rPr lang="en-US" smtClean="0"/>
-              <a:t>8/27/2019</a:t>
+              <a:t>9/5/2019</a:t>
             </a:fld>
             <a:endParaRPr lang="en-US"/>
           </a:p>
@@ -671,7 +678,7 @@
           <a:p>
             <a:fld id="{DF13BD6C-D04E-4337-8BF8-D34DDB9F4393}" type="datetimeFigureOut">
               <a:rPr lang="en-US" smtClean="0"/>
-              <a:t>8/27/2019</a:t>
+              <a:t>9/5/2019</a:t>
             </a:fld>
             <a:endParaRPr lang="en-US"/>
           </a:p>
@@ -814,7 +821,7 @@
           <a:p>
             <a:fld id="{DF13BD6C-D04E-4337-8BF8-D34DDB9F4393}" type="datetimeFigureOut">
               <a:rPr lang="en-US" smtClean="0"/>
-              <a:t>8/27/2019</a:t>
+              <a:t>9/5/2019</a:t>
             </a:fld>
             <a:endParaRPr lang="en-US"/>
           </a:p>
@@ -1018,7 +1025,7 @@
           <a:p>
             <a:fld id="{DF13BD6C-D04E-4337-8BF8-D34DDB9F4393}" type="datetimeFigureOut">
               <a:rPr lang="en-US" smtClean="0"/>
-              <a:t>8/27/2019</a:t>
+              <a:t>9/5/2019</a:t>
             </a:fld>
             <a:endParaRPr lang="en-US"/>
           </a:p>
@@ -1405,7 +1412,7 @@
           <a:p>
             <a:fld id="{DF13BD6C-D04E-4337-8BF8-D34DDB9F4393}" type="datetimeFigureOut">
               <a:rPr lang="en-US" smtClean="0"/>
-              <a:t>8/27/2019</a:t>
+              <a:t>9/5/2019</a:t>
             </a:fld>
             <a:endParaRPr lang="en-US"/>
           </a:p>
@@ -1717,7 +1724,7 @@
           <a:p>
             <a:fld id="{DF13BD6C-D04E-4337-8BF8-D34DDB9F4393}" type="datetimeFigureOut">
               <a:rPr lang="en-US" smtClean="0"/>
-              <a:t>8/27/2019</a:t>
+              <a:t>9/5/2019</a:t>
             </a:fld>
             <a:endParaRPr lang="en-US"/>
           </a:p>
@@ -2168,7 +2175,7 @@
           <a:p>
             <a:fld id="{DF13BD6C-D04E-4337-8BF8-D34DDB9F4393}" type="datetimeFigureOut">
               <a:rPr lang="en-US" smtClean="0"/>
-              <a:t>8/27/2019</a:t>
+              <a:t>9/5/2019</a:t>
             </a:fld>
             <a:endParaRPr lang="en-US"/>
           </a:p>
@@ -2310,7 +2317,7 @@
           <a:p>
             <a:fld id="{DF13BD6C-D04E-4337-8BF8-D34DDB9F4393}" type="datetimeFigureOut">
               <a:rPr lang="en-US" smtClean="0"/>
-              <a:t>8/27/2019</a:t>
+              <a:t>9/5/2019</a:t>
             </a:fld>
             <a:endParaRPr lang="en-US"/>
           </a:p>
@@ -2429,7 +2436,7 @@
           <a:p>
             <a:fld id="{DF13BD6C-D04E-4337-8BF8-D34DDB9F4393}" type="datetimeFigureOut">
               <a:rPr lang="en-US" smtClean="0"/>
-              <a:t>8/27/2019</a:t>
+              <a:t>9/5/2019</a:t>
             </a:fld>
             <a:endParaRPr lang="en-US"/>
           </a:p>
@@ -2730,7 +2737,7 @@
           <a:p>
             <a:fld id="{DF13BD6C-D04E-4337-8BF8-D34DDB9F4393}" type="datetimeFigureOut">
               <a:rPr lang="en-US" smtClean="0"/>
-              <a:t>8/27/2019</a:t>
+              <a:t>9/5/2019</a:t>
             </a:fld>
             <a:endParaRPr lang="en-US"/>
           </a:p>
@@ -3007,7 +3014,7 @@
           <a:p>
             <a:fld id="{DF13BD6C-D04E-4337-8BF8-D34DDB9F4393}" type="datetimeFigureOut">
               <a:rPr lang="en-US" smtClean="0"/>
-              <a:t>8/27/2019</a:t>
+              <a:t>9/5/2019</a:t>
             </a:fld>
             <a:endParaRPr lang="en-US"/>
           </a:p>
@@ -4843,6 +4850,497 @@
 </file>
 
 <file path=ppt/slides/slide15.xml><?xml version="1.0" encoding="utf-8"?>
+<p:sld xmlns:a="http://schemas.openxmlformats.org/drawingml/2006/main" xmlns:r="http://schemas.openxmlformats.org/officeDocument/2006/relationships" xmlns:p="http://schemas.openxmlformats.org/presentationml/2006/main">
+  <p:cSld>
+    <p:spTree>
+      <p:nvGrpSpPr>
+        <p:cNvPr id="1" name=""/>
+        <p:cNvGrpSpPr/>
+        <p:nvPr/>
+      </p:nvGrpSpPr>
+      <p:grpSpPr>
+        <a:xfrm>
+          <a:off x="0" y="0"/>
+          <a:ext cx="0" cy="0"/>
+          <a:chOff x="0" y="0"/>
+          <a:chExt cx="0" cy="0"/>
+        </a:xfrm>
+      </p:grpSpPr>
+      <p:sp>
+        <p:nvSpPr>
+          <p:cNvPr id="2" name="Title 1"/>
+          <p:cNvSpPr>
+            <a:spLocks noGrp="1"/>
+          </p:cNvSpPr>
+          <p:nvPr>
+            <p:ph type="title"/>
+          </p:nvPr>
+        </p:nvSpPr>
+        <p:spPr/>
+        <p:txBody>
+          <a:bodyPr/>
+          <a:lstStyle/>
+          <a:p>
+            <a:r>
+              <a:rPr lang="en-US" dirty="0" smtClean="0"/>
+              <a:t>Exercise 1</a:t>
+            </a:r>
+            <a:endParaRPr lang="en-US" dirty="0"/>
+          </a:p>
+        </p:txBody>
+      </p:sp>
+      <p:sp>
+        <p:nvSpPr>
+          <p:cNvPr id="3" name="Content Placeholder 2"/>
+          <p:cNvSpPr>
+            <a:spLocks noGrp="1"/>
+          </p:cNvSpPr>
+          <p:nvPr>
+            <p:ph idx="1"/>
+          </p:nvPr>
+        </p:nvSpPr>
+        <p:spPr/>
+        <p:txBody>
+          <a:bodyPr>
+            <a:normAutofit/>
+          </a:bodyPr>
+          <a:lstStyle/>
+          <a:p>
+            <a:r>
+              <a:rPr lang="en-US" dirty="0" smtClean="0"/>
+              <a:t>Name</a:t>
+            </a:r>
+          </a:p>
+          <a:p>
+            <a:pPr lvl="1"/>
+            <a:r>
+              <a:rPr lang="en-US" dirty="0"/>
+              <a:t>Create a program that prints your name to the screen.</a:t>
+            </a:r>
+          </a:p>
+          <a:p>
+            <a:pPr lvl="1"/>
+            <a:r>
+              <a:rPr lang="en-US" dirty="0"/>
+              <a:t>The program output should resemble the </a:t>
+            </a:r>
+            <a:r>
+              <a:rPr lang="en-US" dirty="0" smtClean="0"/>
+              <a:t>following:</a:t>
+            </a:r>
+          </a:p>
+          <a:p>
+            <a:pPr marL="914400" lvl="2" indent="0">
+              <a:buNone/>
+            </a:pPr>
+            <a:endParaRPr lang="en-US" dirty="0"/>
+          </a:p>
+        </p:txBody>
+      </p:sp>
+      <p:sp>
+        <p:nvSpPr>
+          <p:cNvPr id="4" name="Rectangle 3"/>
+          <p:cNvSpPr/>
+          <p:nvPr/>
+        </p:nvSpPr>
+        <p:spPr>
+          <a:xfrm>
+            <a:off x="1685925" y="3648075"/>
+            <a:ext cx="5334000" cy="533400"/>
+          </a:xfrm>
+          <a:prstGeom prst="rect">
+            <a:avLst/>
+          </a:prstGeom>
+          <a:ln w="9525"/>
+        </p:spPr>
+        <p:style>
+          <a:lnRef idx="2">
+            <a:schemeClr val="dk1"/>
+          </a:lnRef>
+          <a:fillRef idx="1">
+            <a:schemeClr val="lt1"/>
+          </a:fillRef>
+          <a:effectRef idx="0">
+            <a:schemeClr val="dk1"/>
+          </a:effectRef>
+          <a:fontRef idx="minor">
+            <a:schemeClr val="dk1"/>
+          </a:fontRef>
+        </p:style>
+        <p:txBody>
+          <a:bodyPr rtlCol="0" anchor="ctr"/>
+          <a:lstStyle/>
+          <a:p>
+            <a:r>
+              <a:rPr lang="en-US" dirty="0" smtClean="0"/>
+              <a:t>Jane Doe</a:t>
+            </a:r>
+            <a:endParaRPr lang="en-US" dirty="0"/>
+          </a:p>
+        </p:txBody>
+      </p:sp>
+    </p:spTree>
+    <p:extLst>
+      <p:ext uri="{BB962C8B-B14F-4D97-AF65-F5344CB8AC3E}">
+        <p14:creationId xmlns:p14="http://schemas.microsoft.com/office/powerpoint/2010/main" val="751396992"/>
+      </p:ext>
+    </p:extLst>
+  </p:cSld>
+  <p:clrMapOvr>
+    <a:masterClrMapping/>
+  </p:clrMapOvr>
+  <p:timing>
+    <p:tnLst>
+      <p:par>
+        <p:cTn id="1" dur="indefinite" restart="never" nodeType="tmRoot"/>
+      </p:par>
+    </p:tnLst>
+  </p:timing>
+</p:sld>
+</file>
+
+<file path=ppt/slides/slide16.xml><?xml version="1.0" encoding="utf-8"?>
+<p:sld xmlns:a="http://schemas.openxmlformats.org/drawingml/2006/main" xmlns:r="http://schemas.openxmlformats.org/officeDocument/2006/relationships" xmlns:p="http://schemas.openxmlformats.org/presentationml/2006/main">
+  <p:cSld>
+    <p:spTree>
+      <p:nvGrpSpPr>
+        <p:cNvPr id="1" name=""/>
+        <p:cNvGrpSpPr/>
+        <p:nvPr/>
+      </p:nvGrpSpPr>
+      <p:grpSpPr>
+        <a:xfrm>
+          <a:off x="0" y="0"/>
+          <a:ext cx="0" cy="0"/>
+          <a:chOff x="0" y="0"/>
+          <a:chExt cx="0" cy="0"/>
+        </a:xfrm>
+      </p:grpSpPr>
+      <p:sp>
+        <p:nvSpPr>
+          <p:cNvPr id="2" name="Title 1"/>
+          <p:cNvSpPr>
+            <a:spLocks noGrp="1"/>
+          </p:cNvSpPr>
+          <p:nvPr>
+            <p:ph type="title"/>
+          </p:nvPr>
+        </p:nvSpPr>
+        <p:spPr/>
+        <p:txBody>
+          <a:bodyPr/>
+          <a:lstStyle/>
+          <a:p>
+            <a:r>
+              <a:rPr lang="en-US" dirty="0" smtClean="0"/>
+              <a:t>Exercise 2</a:t>
+            </a:r>
+            <a:endParaRPr lang="en-US" dirty="0"/>
+          </a:p>
+        </p:txBody>
+      </p:sp>
+      <p:sp>
+        <p:nvSpPr>
+          <p:cNvPr id="3" name="Content Placeholder 2"/>
+          <p:cNvSpPr>
+            <a:spLocks noGrp="1"/>
+          </p:cNvSpPr>
+          <p:nvPr>
+            <p:ph idx="1"/>
+          </p:nvPr>
+        </p:nvSpPr>
+        <p:spPr/>
+        <p:txBody>
+          <a:bodyPr>
+            <a:normAutofit/>
+          </a:bodyPr>
+          <a:lstStyle/>
+          <a:p>
+            <a:r>
+              <a:rPr lang="en-US" dirty="0" smtClean="0"/>
+              <a:t>Hello World!</a:t>
+            </a:r>
+          </a:p>
+          <a:p>
+            <a:pPr lvl="1"/>
+            <a:r>
+              <a:rPr lang="en-US" dirty="0"/>
+              <a:t>Create a program that prints out the following</a:t>
+            </a:r>
+            <a:r>
+              <a:rPr lang="en-US" dirty="0" smtClean="0"/>
+              <a:t>:</a:t>
+            </a:r>
+            <a:endParaRPr lang="en-US" dirty="0"/>
+          </a:p>
+        </p:txBody>
+      </p:sp>
+      <p:sp>
+        <p:nvSpPr>
+          <p:cNvPr id="4" name="Rectangle 3"/>
+          <p:cNvSpPr/>
+          <p:nvPr/>
+        </p:nvSpPr>
+        <p:spPr>
+          <a:xfrm>
+            <a:off x="1590675" y="2571750"/>
+            <a:ext cx="5334000" cy="762000"/>
+          </a:xfrm>
+          <a:prstGeom prst="rect">
+            <a:avLst/>
+          </a:prstGeom>
+          <a:ln w="9525"/>
+        </p:spPr>
+        <p:style>
+          <a:lnRef idx="2">
+            <a:schemeClr val="dk1"/>
+          </a:lnRef>
+          <a:fillRef idx="1">
+            <a:schemeClr val="lt1"/>
+          </a:fillRef>
+          <a:effectRef idx="0">
+            <a:schemeClr val="dk1"/>
+          </a:effectRef>
+          <a:fontRef idx="minor">
+            <a:schemeClr val="dk1"/>
+          </a:fontRef>
+        </p:style>
+        <p:txBody>
+          <a:bodyPr rtlCol="0" anchor="ctr"/>
+          <a:lstStyle/>
+          <a:p>
+            <a:r>
+              <a:rPr lang="en-US" dirty="0"/>
+              <a:t>Hello world! </a:t>
+            </a:r>
+            <a:endParaRPr lang="en-US" dirty="0" smtClean="0"/>
+          </a:p>
+          <a:p>
+            <a:r>
+              <a:rPr lang="en-US" dirty="0" smtClean="0"/>
+              <a:t>(</a:t>
+            </a:r>
+            <a:r>
+              <a:rPr lang="en-US" dirty="0"/>
+              <a:t>And all the people of the world)</a:t>
+            </a:r>
+          </a:p>
+        </p:txBody>
+      </p:sp>
+    </p:spTree>
+    <p:extLst>
+      <p:ext uri="{BB962C8B-B14F-4D97-AF65-F5344CB8AC3E}">
+        <p14:creationId xmlns:p14="http://schemas.microsoft.com/office/powerpoint/2010/main" val="4212199622"/>
+      </p:ext>
+    </p:extLst>
+  </p:cSld>
+  <p:clrMapOvr>
+    <a:masterClrMapping/>
+  </p:clrMapOvr>
+  <p:timing>
+    <p:tnLst>
+      <p:par>
+        <p:cTn id="1" dur="indefinite" restart="never" nodeType="tmRoot"/>
+      </p:par>
+    </p:tnLst>
+  </p:timing>
+</p:sld>
+</file>
+
+<file path=ppt/slides/slide17.xml><?xml version="1.0" encoding="utf-8"?>
+<p:sld xmlns:a="http://schemas.openxmlformats.org/drawingml/2006/main" xmlns:r="http://schemas.openxmlformats.org/officeDocument/2006/relationships" xmlns:p="http://schemas.openxmlformats.org/presentationml/2006/main">
+  <p:cSld>
+    <p:spTree>
+      <p:nvGrpSpPr>
+        <p:cNvPr id="1" name=""/>
+        <p:cNvGrpSpPr/>
+        <p:nvPr/>
+      </p:nvGrpSpPr>
+      <p:grpSpPr>
+        <a:xfrm>
+          <a:off x="0" y="0"/>
+          <a:ext cx="0" cy="0"/>
+          <a:chOff x="0" y="0"/>
+          <a:chExt cx="0" cy="0"/>
+        </a:xfrm>
+      </p:grpSpPr>
+      <p:sp>
+        <p:nvSpPr>
+          <p:cNvPr id="2" name="Title 1"/>
+          <p:cNvSpPr>
+            <a:spLocks noGrp="1"/>
+          </p:cNvSpPr>
+          <p:nvPr>
+            <p:ph type="title"/>
+          </p:nvPr>
+        </p:nvSpPr>
+        <p:spPr/>
+        <p:txBody>
+          <a:bodyPr/>
+          <a:lstStyle/>
+          <a:p>
+            <a:r>
+              <a:rPr lang="en-US" dirty="0" smtClean="0"/>
+              <a:t>Exercise 3</a:t>
+            </a:r>
+            <a:endParaRPr lang="en-US" dirty="0"/>
+          </a:p>
+        </p:txBody>
+      </p:sp>
+      <p:sp>
+        <p:nvSpPr>
+          <p:cNvPr id="3" name="Content Placeholder 2"/>
+          <p:cNvSpPr>
+            <a:spLocks noGrp="1"/>
+          </p:cNvSpPr>
+          <p:nvPr>
+            <p:ph idx="1"/>
+          </p:nvPr>
+        </p:nvSpPr>
+        <p:spPr/>
+        <p:txBody>
+          <a:bodyPr>
+            <a:normAutofit/>
+          </a:bodyPr>
+          <a:lstStyle/>
+          <a:p>
+            <a:r>
+              <a:rPr lang="en-US" dirty="0" smtClean="0"/>
+              <a:t>Spruce</a:t>
+            </a:r>
+          </a:p>
+          <a:p>
+            <a:pPr lvl="1"/>
+            <a:r>
+              <a:rPr lang="en-US" dirty="0"/>
+              <a:t>Create a program that prints the following:</a:t>
+            </a:r>
+          </a:p>
+          <a:p>
+            <a:pPr marL="0" indent="0">
+              <a:buNone/>
+            </a:pPr>
+            <a:endParaRPr lang="en-US" dirty="0"/>
+          </a:p>
+        </p:txBody>
+      </p:sp>
+      <p:sp>
+        <p:nvSpPr>
+          <p:cNvPr id="4" name="Rectangle 3"/>
+          <p:cNvSpPr/>
+          <p:nvPr/>
+        </p:nvSpPr>
+        <p:spPr>
+          <a:xfrm>
+            <a:off x="1600200" y="2419350"/>
+            <a:ext cx="5334000" cy="1676400"/>
+          </a:xfrm>
+          <a:prstGeom prst="rect">
+            <a:avLst/>
+          </a:prstGeom>
+          <a:ln w="9525"/>
+        </p:spPr>
+        <p:style>
+          <a:lnRef idx="2">
+            <a:schemeClr val="dk1"/>
+          </a:lnRef>
+          <a:fillRef idx="1">
+            <a:schemeClr val="lt1"/>
+          </a:fillRef>
+          <a:effectRef idx="0">
+            <a:schemeClr val="dk1"/>
+          </a:effectRef>
+          <a:fontRef idx="minor">
+            <a:schemeClr val="dk1"/>
+          </a:fontRef>
+        </p:style>
+        <p:txBody>
+          <a:bodyPr rtlCol="0" anchor="ctr"/>
+          <a:lstStyle/>
+          <a:p>
+            <a:r>
+              <a:rPr lang="en-US" dirty="0"/>
+              <a:t> </a:t>
+            </a:r>
+            <a:r>
+              <a:rPr lang="en-US" dirty="0" smtClean="0"/>
+              <a:t>       *</a:t>
+            </a:r>
+            <a:endParaRPr lang="en-US" dirty="0"/>
+          </a:p>
+          <a:p>
+            <a:r>
+              <a:rPr lang="en-US" dirty="0"/>
+              <a:t>   </a:t>
+            </a:r>
+            <a:r>
+              <a:rPr lang="en-US" dirty="0" smtClean="0"/>
+              <a:t>   ***</a:t>
+            </a:r>
+            <a:endParaRPr lang="en-US" dirty="0"/>
+          </a:p>
+          <a:p>
+            <a:r>
+              <a:rPr lang="en-US" dirty="0"/>
+              <a:t>  </a:t>
+            </a:r>
+            <a:r>
+              <a:rPr lang="en-US" dirty="0" smtClean="0"/>
+              <a:t>  *****</a:t>
+            </a:r>
+            <a:endParaRPr lang="en-US" dirty="0"/>
+          </a:p>
+          <a:p>
+            <a:r>
+              <a:rPr lang="en-US" dirty="0"/>
+              <a:t> </a:t>
+            </a:r>
+            <a:r>
+              <a:rPr lang="en-US" dirty="0" smtClean="0"/>
+              <a:t> *******</a:t>
+            </a:r>
+            <a:endParaRPr lang="en-US" dirty="0"/>
+          </a:p>
+          <a:p>
+            <a:r>
+              <a:rPr lang="en-US" dirty="0"/>
+              <a:t>*********</a:t>
+            </a:r>
+          </a:p>
+          <a:p>
+            <a:r>
+              <a:rPr lang="en-US" dirty="0"/>
+              <a:t>    </a:t>
+            </a:r>
+            <a:r>
+              <a:rPr lang="en-US" dirty="0" smtClean="0"/>
+              <a:t>     *</a:t>
+            </a:r>
+            <a:endParaRPr lang="en-US" dirty="0"/>
+          </a:p>
+        </p:txBody>
+      </p:sp>
+    </p:spTree>
+    <p:extLst>
+      <p:ext uri="{BB962C8B-B14F-4D97-AF65-F5344CB8AC3E}">
+        <p14:creationId xmlns:p14="http://schemas.microsoft.com/office/powerpoint/2010/main" val="1988232961"/>
+      </p:ext>
+    </p:extLst>
+  </p:cSld>
+  <p:clrMapOvr>
+    <a:masterClrMapping/>
+  </p:clrMapOvr>
+  <p:timing>
+    <p:tnLst>
+      <p:par>
+        <p:cTn id="1" dur="indefinite" restart="never" nodeType="tmRoot"/>
+      </p:par>
+    </p:tnLst>
+  </p:timing>
+</p:sld>
+</file>
+
+<file path=ppt/slides/slide18.xml><?xml version="1.0" encoding="utf-8"?>
 <p:sld xmlns:a="http://schemas.openxmlformats.org/drawingml/2006/main" xmlns:r="http://schemas.openxmlformats.org/officeDocument/2006/relationships" xmlns:p="http://schemas.openxmlformats.org/presentationml/2006/main">
   <p:cSld>
     <p:spTree>
@@ -5383,7 +5881,7 @@
 </p:sld>
 </file>
 
-<file path=ppt/slides/slide16.xml><?xml version="1.0" encoding="utf-8"?>
+<file path=ppt/slides/slide19.xml><?xml version="1.0" encoding="utf-8"?>
 <p:sld xmlns:a="http://schemas.openxmlformats.org/drawingml/2006/main" xmlns:r="http://schemas.openxmlformats.org/officeDocument/2006/relationships" xmlns:p="http://schemas.openxmlformats.org/presentationml/2006/main">
   <p:cSld>
     <p:spTree>
@@ -5722,794 +6220,6 @@
                                           <p:spTgt spid="3">
                                             <p:txEl>
                                               <p:pRg st="3" end="3"/>
-                                            </p:txEl>
-                                          </p:spTgt>
-                                        </p:tgtEl>
-                                      </p:cBhvr>
-                                    </p:animEffect>
-                                  </p:childTnLst>
-                                </p:cTn>
-                              </p:par>
-                            </p:childTnLst>
-                          </p:cTn>
-                        </p:par>
-                      </p:childTnLst>
-                    </p:cTn>
-                  </p:par>
-                </p:childTnLst>
-              </p:cTn>
-              <p:prevCondLst>
-                <p:cond evt="onPrev" delay="0">
-                  <p:tgtEl>
-                    <p:sldTgt/>
-                  </p:tgtEl>
-                </p:cond>
-              </p:prevCondLst>
-              <p:nextCondLst>
-                <p:cond evt="onNext" delay="0">
-                  <p:tgtEl>
-                    <p:sldTgt/>
-                  </p:tgtEl>
-                </p:cond>
-              </p:nextCondLst>
-            </p:seq>
-          </p:childTnLst>
-        </p:cTn>
-      </p:par>
-    </p:tnLst>
-  </p:timing>
-</p:sld>
-</file>
-
-<file path=ppt/slides/slide17.xml><?xml version="1.0" encoding="utf-8"?>
-<p:sld xmlns:a="http://schemas.openxmlformats.org/drawingml/2006/main" xmlns:r="http://schemas.openxmlformats.org/officeDocument/2006/relationships" xmlns:p="http://schemas.openxmlformats.org/presentationml/2006/main">
-  <p:cSld>
-    <p:spTree>
-      <p:nvGrpSpPr>
-        <p:cNvPr id="1" name=""/>
-        <p:cNvGrpSpPr/>
-        <p:nvPr/>
-      </p:nvGrpSpPr>
-      <p:grpSpPr>
-        <a:xfrm>
-          <a:off x="0" y="0"/>
-          <a:ext cx="0" cy="0"/>
-          <a:chOff x="0" y="0"/>
-          <a:chExt cx="0" cy="0"/>
-        </a:xfrm>
-      </p:grpSpPr>
-      <p:sp>
-        <p:nvSpPr>
-          <p:cNvPr id="2" name="Title 1"/>
-          <p:cNvSpPr>
-            <a:spLocks noGrp="1"/>
-          </p:cNvSpPr>
-          <p:nvPr>
-            <p:ph type="title"/>
-          </p:nvPr>
-        </p:nvSpPr>
-        <p:spPr/>
-        <p:txBody>
-          <a:bodyPr/>
-          <a:lstStyle/>
-          <a:p>
-            <a:r>
-              <a:rPr lang="en-US" dirty="0" smtClean="0"/>
-              <a:t>Calculation</a:t>
-            </a:r>
-            <a:endParaRPr lang="en-US" dirty="0"/>
-          </a:p>
-        </p:txBody>
-      </p:sp>
-      <p:sp>
-        <p:nvSpPr>
-          <p:cNvPr id="3" name="Content Placeholder 2"/>
-          <p:cNvSpPr>
-            <a:spLocks noGrp="1"/>
-          </p:cNvSpPr>
-          <p:nvPr>
-            <p:ph idx="1"/>
-          </p:nvPr>
-        </p:nvSpPr>
-        <p:spPr/>
-        <p:txBody>
-          <a:bodyPr>
-            <a:normAutofit/>
-          </a:bodyPr>
-          <a:lstStyle/>
-          <a:p>
-            <a:r>
-              <a:rPr lang="en-US" sz="2400" dirty="0"/>
-              <a:t>The calculation operations are pretty straightforward: +, -, * and </a:t>
-            </a:r>
-            <a:r>
-              <a:rPr lang="en-US" sz="2400" dirty="0" smtClean="0"/>
-              <a:t>/.</a:t>
-            </a:r>
-          </a:p>
-          <a:p>
-            <a:r>
-              <a:rPr lang="en-US" sz="2400" dirty="0"/>
-              <a:t>A more peculiar operation is the modulo operation %, which calculates the remainder of a division</a:t>
-            </a:r>
-            <a:r>
-              <a:rPr lang="en-US" sz="2400" dirty="0" smtClean="0"/>
-              <a:t>.</a:t>
-            </a:r>
-          </a:p>
-          <a:p>
-            <a:r>
-              <a:rPr lang="en-US" sz="2400" dirty="0"/>
-              <a:t>The order of operations is also pretty straightforward: the operations are calculated from left to right taking the parentheses into account.</a:t>
-            </a:r>
-          </a:p>
-        </p:txBody>
-      </p:sp>
-    </p:spTree>
-    <p:extLst>
-      <p:ext uri="{BB962C8B-B14F-4D97-AF65-F5344CB8AC3E}">
-        <p14:creationId xmlns:p14="http://schemas.microsoft.com/office/powerpoint/2010/main" val="2511286958"/>
-      </p:ext>
-    </p:extLst>
-  </p:cSld>
-  <p:clrMapOvr>
-    <a:masterClrMapping/>
-  </p:clrMapOvr>
-  <p:timing>
-    <p:tnLst>
-      <p:par>
-        <p:cTn id="1" dur="indefinite" restart="never" nodeType="tmRoot">
-          <p:childTnLst>
-            <p:seq concurrent="1" nextAc="seek">
-              <p:cTn id="2" dur="indefinite" nodeType="mainSeq">
-                <p:childTnLst>
-                  <p:par>
-                    <p:cTn id="3" fill="hold">
-                      <p:stCondLst>
-                        <p:cond delay="indefinite"/>
-                      </p:stCondLst>
-                      <p:childTnLst>
-                        <p:par>
-                          <p:cTn id="4" fill="hold">
-                            <p:stCondLst>
-                              <p:cond delay="0"/>
-                            </p:stCondLst>
-                            <p:childTnLst>
-                              <p:par>
-                                <p:cTn id="5" presetID="10" presetClass="entr" presetSubtype="0" fill="hold" nodeType="clickEffect">
-                                  <p:stCondLst>
-                                    <p:cond delay="0"/>
-                                  </p:stCondLst>
-                                  <p:childTnLst>
-                                    <p:set>
-                                      <p:cBhvr>
-                                        <p:cTn id="6" dur="1" fill="hold">
-                                          <p:stCondLst>
-                                            <p:cond delay="0"/>
-                                          </p:stCondLst>
-                                        </p:cTn>
-                                        <p:tgtEl>
-                                          <p:spTgt spid="3">
-                                            <p:txEl>
-                                              <p:pRg st="0" end="0"/>
-                                            </p:txEl>
-                                          </p:spTgt>
-                                        </p:tgtEl>
-                                        <p:attrNameLst>
-                                          <p:attrName>style.visibility</p:attrName>
-                                        </p:attrNameLst>
-                                      </p:cBhvr>
-                                      <p:to>
-                                        <p:strVal val="visible"/>
-                                      </p:to>
-                                    </p:set>
-                                    <p:animEffect transition="in" filter="fade">
-                                      <p:cBhvr>
-                                        <p:cTn id="7" dur="500"/>
-                                        <p:tgtEl>
-                                          <p:spTgt spid="3">
-                                            <p:txEl>
-                                              <p:pRg st="0" end="0"/>
-                                            </p:txEl>
-                                          </p:spTgt>
-                                        </p:tgtEl>
-                                      </p:cBhvr>
-                                    </p:animEffect>
-                                  </p:childTnLst>
-                                </p:cTn>
-                              </p:par>
-                            </p:childTnLst>
-                          </p:cTn>
-                        </p:par>
-                      </p:childTnLst>
-                    </p:cTn>
-                  </p:par>
-                  <p:par>
-                    <p:cTn id="8" fill="hold">
-                      <p:stCondLst>
-                        <p:cond delay="indefinite"/>
-                      </p:stCondLst>
-                      <p:childTnLst>
-                        <p:par>
-                          <p:cTn id="9" fill="hold">
-                            <p:stCondLst>
-                              <p:cond delay="0"/>
-                            </p:stCondLst>
-                            <p:childTnLst>
-                              <p:par>
-                                <p:cTn id="10" presetID="10" presetClass="entr" presetSubtype="0" fill="hold" nodeType="clickEffect">
-                                  <p:stCondLst>
-                                    <p:cond delay="0"/>
-                                  </p:stCondLst>
-                                  <p:childTnLst>
-                                    <p:set>
-                                      <p:cBhvr>
-                                        <p:cTn id="11" dur="1" fill="hold">
-                                          <p:stCondLst>
-                                            <p:cond delay="0"/>
-                                          </p:stCondLst>
-                                        </p:cTn>
-                                        <p:tgtEl>
-                                          <p:spTgt spid="3">
-                                            <p:txEl>
-                                              <p:pRg st="1" end="1"/>
-                                            </p:txEl>
-                                          </p:spTgt>
-                                        </p:tgtEl>
-                                        <p:attrNameLst>
-                                          <p:attrName>style.visibility</p:attrName>
-                                        </p:attrNameLst>
-                                      </p:cBhvr>
-                                      <p:to>
-                                        <p:strVal val="visible"/>
-                                      </p:to>
-                                    </p:set>
-                                    <p:animEffect transition="in" filter="fade">
-                                      <p:cBhvr>
-                                        <p:cTn id="12" dur="500"/>
-                                        <p:tgtEl>
-                                          <p:spTgt spid="3">
-                                            <p:txEl>
-                                              <p:pRg st="1" end="1"/>
-                                            </p:txEl>
-                                          </p:spTgt>
-                                        </p:tgtEl>
-                                      </p:cBhvr>
-                                    </p:animEffect>
-                                  </p:childTnLst>
-                                </p:cTn>
-                              </p:par>
-                            </p:childTnLst>
-                          </p:cTn>
-                        </p:par>
-                      </p:childTnLst>
-                    </p:cTn>
-                  </p:par>
-                  <p:par>
-                    <p:cTn id="13" fill="hold">
-                      <p:stCondLst>
-                        <p:cond delay="indefinite"/>
-                      </p:stCondLst>
-                      <p:childTnLst>
-                        <p:par>
-                          <p:cTn id="14" fill="hold">
-                            <p:stCondLst>
-                              <p:cond delay="0"/>
-                            </p:stCondLst>
-                            <p:childTnLst>
-                              <p:par>
-                                <p:cTn id="15" presetID="10" presetClass="entr" presetSubtype="0" fill="hold" nodeType="clickEffect">
-                                  <p:stCondLst>
-                                    <p:cond delay="0"/>
-                                  </p:stCondLst>
-                                  <p:childTnLst>
-                                    <p:set>
-                                      <p:cBhvr>
-                                        <p:cTn id="16" dur="1" fill="hold">
-                                          <p:stCondLst>
-                                            <p:cond delay="0"/>
-                                          </p:stCondLst>
-                                        </p:cTn>
-                                        <p:tgtEl>
-                                          <p:spTgt spid="3">
-                                            <p:txEl>
-                                              <p:pRg st="2" end="2"/>
-                                            </p:txEl>
-                                          </p:spTgt>
-                                        </p:tgtEl>
-                                        <p:attrNameLst>
-                                          <p:attrName>style.visibility</p:attrName>
-                                        </p:attrNameLst>
-                                      </p:cBhvr>
-                                      <p:to>
-                                        <p:strVal val="visible"/>
-                                      </p:to>
-                                    </p:set>
-                                    <p:animEffect transition="in" filter="fade">
-                                      <p:cBhvr>
-                                        <p:cTn id="17" dur="500"/>
-                                        <p:tgtEl>
-                                          <p:spTgt spid="3">
-                                            <p:txEl>
-                                              <p:pRg st="2" end="2"/>
-                                            </p:txEl>
-                                          </p:spTgt>
-                                        </p:tgtEl>
-                                      </p:cBhvr>
-                                    </p:animEffect>
-                                  </p:childTnLst>
-                                </p:cTn>
-                              </p:par>
-                            </p:childTnLst>
-                          </p:cTn>
-                        </p:par>
-                      </p:childTnLst>
-                    </p:cTn>
-                  </p:par>
-                </p:childTnLst>
-              </p:cTn>
-              <p:prevCondLst>
-                <p:cond evt="onPrev" delay="0">
-                  <p:tgtEl>
-                    <p:sldTgt/>
-                  </p:tgtEl>
-                </p:cond>
-              </p:prevCondLst>
-              <p:nextCondLst>
-                <p:cond evt="onNext" delay="0">
-                  <p:tgtEl>
-                    <p:sldTgt/>
-                  </p:tgtEl>
-                </p:cond>
-              </p:nextCondLst>
-            </p:seq>
-          </p:childTnLst>
-        </p:cTn>
-      </p:par>
-    </p:tnLst>
-  </p:timing>
-</p:sld>
-</file>
-
-<file path=ppt/slides/slide18.xml><?xml version="1.0" encoding="utf-8"?>
-<p:sld xmlns:a="http://schemas.openxmlformats.org/drawingml/2006/main" xmlns:r="http://schemas.openxmlformats.org/officeDocument/2006/relationships" xmlns:p="http://schemas.openxmlformats.org/presentationml/2006/main">
-  <p:cSld>
-    <p:spTree>
-      <p:nvGrpSpPr>
-        <p:cNvPr id="1" name=""/>
-        <p:cNvGrpSpPr/>
-        <p:nvPr/>
-      </p:nvGrpSpPr>
-      <p:grpSpPr>
-        <a:xfrm>
-          <a:off x="0" y="0"/>
-          <a:ext cx="0" cy="0"/>
-          <a:chOff x="0" y="0"/>
-          <a:chExt cx="0" cy="0"/>
-        </a:xfrm>
-      </p:grpSpPr>
-      <p:sp>
-        <p:nvSpPr>
-          <p:cNvPr id="2" name="Title 1"/>
-          <p:cNvSpPr>
-            <a:spLocks noGrp="1"/>
-          </p:cNvSpPr>
-          <p:nvPr>
-            <p:ph type="title"/>
-          </p:nvPr>
-        </p:nvSpPr>
-        <p:spPr/>
-        <p:txBody>
-          <a:bodyPr/>
-          <a:lstStyle/>
-          <a:p>
-            <a:r>
-              <a:rPr lang="en-US" dirty="0" smtClean="0"/>
-              <a:t>Floating point numbers</a:t>
-            </a:r>
-            <a:endParaRPr lang="en-US" dirty="0"/>
-          </a:p>
-        </p:txBody>
-      </p:sp>
-      <p:sp>
-        <p:nvSpPr>
-          <p:cNvPr id="3" name="Content Placeholder 2"/>
-          <p:cNvSpPr>
-            <a:spLocks noGrp="1"/>
-          </p:cNvSpPr>
-          <p:nvPr>
-            <p:ph idx="1"/>
-          </p:nvPr>
-        </p:nvSpPr>
-        <p:spPr/>
-        <p:txBody>
-          <a:bodyPr>
-            <a:normAutofit/>
-          </a:bodyPr>
-          <a:lstStyle/>
-          <a:p>
-            <a:r>
-              <a:rPr lang="en-US" sz="2800" dirty="0"/>
-              <a:t>Calculating the division and remainder of whole numbers is a little trickier</a:t>
-            </a:r>
-            <a:r>
-              <a:rPr lang="en-US" sz="2800" dirty="0" smtClean="0"/>
-              <a:t>.</a:t>
-            </a:r>
-          </a:p>
-          <a:p>
-            <a:r>
-              <a:rPr lang="en-US" sz="2800" dirty="0"/>
-              <a:t>A floating point number (decimal number) and integer (whole number) often get mixed up</a:t>
-            </a:r>
-            <a:r>
-              <a:rPr lang="en-US" sz="2800" dirty="0" smtClean="0"/>
-              <a:t>.</a:t>
-            </a:r>
-          </a:p>
-          <a:p>
-            <a:r>
-              <a:rPr lang="en-US" sz="2800" dirty="0"/>
-              <a:t>If all the variables in a calculation operation are integers, the end result will also be an integer.</a:t>
-            </a:r>
-          </a:p>
-        </p:txBody>
-      </p:sp>
-    </p:spTree>
-    <p:extLst>
-      <p:ext uri="{BB962C8B-B14F-4D97-AF65-F5344CB8AC3E}">
-        <p14:creationId xmlns:p14="http://schemas.microsoft.com/office/powerpoint/2010/main" val="1719028210"/>
-      </p:ext>
-    </p:extLst>
-  </p:cSld>
-  <p:clrMapOvr>
-    <a:masterClrMapping/>
-  </p:clrMapOvr>
-  <p:timing>
-    <p:tnLst>
-      <p:par>
-        <p:cTn id="1" dur="indefinite" restart="never" nodeType="tmRoot">
-          <p:childTnLst>
-            <p:seq concurrent="1" nextAc="seek">
-              <p:cTn id="2" dur="indefinite" nodeType="mainSeq">
-                <p:childTnLst>
-                  <p:par>
-                    <p:cTn id="3" fill="hold">
-                      <p:stCondLst>
-                        <p:cond delay="indefinite"/>
-                      </p:stCondLst>
-                      <p:childTnLst>
-                        <p:par>
-                          <p:cTn id="4" fill="hold">
-                            <p:stCondLst>
-                              <p:cond delay="0"/>
-                            </p:stCondLst>
-                            <p:childTnLst>
-                              <p:par>
-                                <p:cTn id="5" presetID="10" presetClass="entr" presetSubtype="0" fill="hold" nodeType="clickEffect">
-                                  <p:stCondLst>
-                                    <p:cond delay="0"/>
-                                  </p:stCondLst>
-                                  <p:childTnLst>
-                                    <p:set>
-                                      <p:cBhvr>
-                                        <p:cTn id="6" dur="1" fill="hold">
-                                          <p:stCondLst>
-                                            <p:cond delay="0"/>
-                                          </p:stCondLst>
-                                        </p:cTn>
-                                        <p:tgtEl>
-                                          <p:spTgt spid="3">
-                                            <p:txEl>
-                                              <p:pRg st="0" end="0"/>
-                                            </p:txEl>
-                                          </p:spTgt>
-                                        </p:tgtEl>
-                                        <p:attrNameLst>
-                                          <p:attrName>style.visibility</p:attrName>
-                                        </p:attrNameLst>
-                                      </p:cBhvr>
-                                      <p:to>
-                                        <p:strVal val="visible"/>
-                                      </p:to>
-                                    </p:set>
-                                    <p:animEffect transition="in" filter="fade">
-                                      <p:cBhvr>
-                                        <p:cTn id="7" dur="500"/>
-                                        <p:tgtEl>
-                                          <p:spTgt spid="3">
-                                            <p:txEl>
-                                              <p:pRg st="0" end="0"/>
-                                            </p:txEl>
-                                          </p:spTgt>
-                                        </p:tgtEl>
-                                      </p:cBhvr>
-                                    </p:animEffect>
-                                  </p:childTnLst>
-                                </p:cTn>
-                              </p:par>
-                            </p:childTnLst>
-                          </p:cTn>
-                        </p:par>
-                      </p:childTnLst>
-                    </p:cTn>
-                  </p:par>
-                  <p:par>
-                    <p:cTn id="8" fill="hold">
-                      <p:stCondLst>
-                        <p:cond delay="indefinite"/>
-                      </p:stCondLst>
-                      <p:childTnLst>
-                        <p:par>
-                          <p:cTn id="9" fill="hold">
-                            <p:stCondLst>
-                              <p:cond delay="0"/>
-                            </p:stCondLst>
-                            <p:childTnLst>
-                              <p:par>
-                                <p:cTn id="10" presetID="10" presetClass="entr" presetSubtype="0" fill="hold" nodeType="clickEffect">
-                                  <p:stCondLst>
-                                    <p:cond delay="0"/>
-                                  </p:stCondLst>
-                                  <p:childTnLst>
-                                    <p:set>
-                                      <p:cBhvr>
-                                        <p:cTn id="11" dur="1" fill="hold">
-                                          <p:stCondLst>
-                                            <p:cond delay="0"/>
-                                          </p:stCondLst>
-                                        </p:cTn>
-                                        <p:tgtEl>
-                                          <p:spTgt spid="3">
-                                            <p:txEl>
-                                              <p:pRg st="1" end="1"/>
-                                            </p:txEl>
-                                          </p:spTgt>
-                                        </p:tgtEl>
-                                        <p:attrNameLst>
-                                          <p:attrName>style.visibility</p:attrName>
-                                        </p:attrNameLst>
-                                      </p:cBhvr>
-                                      <p:to>
-                                        <p:strVal val="visible"/>
-                                      </p:to>
-                                    </p:set>
-                                    <p:animEffect transition="in" filter="fade">
-                                      <p:cBhvr>
-                                        <p:cTn id="12" dur="500"/>
-                                        <p:tgtEl>
-                                          <p:spTgt spid="3">
-                                            <p:txEl>
-                                              <p:pRg st="1" end="1"/>
-                                            </p:txEl>
-                                          </p:spTgt>
-                                        </p:tgtEl>
-                                      </p:cBhvr>
-                                    </p:animEffect>
-                                  </p:childTnLst>
-                                </p:cTn>
-                              </p:par>
-                            </p:childTnLst>
-                          </p:cTn>
-                        </p:par>
-                      </p:childTnLst>
-                    </p:cTn>
-                  </p:par>
-                  <p:par>
-                    <p:cTn id="13" fill="hold">
-                      <p:stCondLst>
-                        <p:cond delay="indefinite"/>
-                      </p:stCondLst>
-                      <p:childTnLst>
-                        <p:par>
-                          <p:cTn id="14" fill="hold">
-                            <p:stCondLst>
-                              <p:cond delay="0"/>
-                            </p:stCondLst>
-                            <p:childTnLst>
-                              <p:par>
-                                <p:cTn id="15" presetID="10" presetClass="entr" presetSubtype="0" fill="hold" nodeType="clickEffect">
-                                  <p:stCondLst>
-                                    <p:cond delay="0"/>
-                                  </p:stCondLst>
-                                  <p:childTnLst>
-                                    <p:set>
-                                      <p:cBhvr>
-                                        <p:cTn id="16" dur="1" fill="hold">
-                                          <p:stCondLst>
-                                            <p:cond delay="0"/>
-                                          </p:stCondLst>
-                                        </p:cTn>
-                                        <p:tgtEl>
-                                          <p:spTgt spid="3">
-                                            <p:txEl>
-                                              <p:pRg st="2" end="2"/>
-                                            </p:txEl>
-                                          </p:spTgt>
-                                        </p:tgtEl>
-                                        <p:attrNameLst>
-                                          <p:attrName>style.visibility</p:attrName>
-                                        </p:attrNameLst>
-                                      </p:cBhvr>
-                                      <p:to>
-                                        <p:strVal val="visible"/>
-                                      </p:to>
-                                    </p:set>
-                                    <p:animEffect transition="in" filter="fade">
-                                      <p:cBhvr>
-                                        <p:cTn id="17" dur="500"/>
-                                        <p:tgtEl>
-                                          <p:spTgt spid="3">
-                                            <p:txEl>
-                                              <p:pRg st="2" end="2"/>
-                                            </p:txEl>
-                                          </p:spTgt>
-                                        </p:tgtEl>
-                                      </p:cBhvr>
-                                    </p:animEffect>
-                                  </p:childTnLst>
-                                </p:cTn>
-                              </p:par>
-                            </p:childTnLst>
-                          </p:cTn>
-                        </p:par>
-                      </p:childTnLst>
-                    </p:cTn>
-                  </p:par>
-                </p:childTnLst>
-              </p:cTn>
-              <p:prevCondLst>
-                <p:cond evt="onPrev" delay="0">
-                  <p:tgtEl>
-                    <p:sldTgt/>
-                  </p:tgtEl>
-                </p:cond>
-              </p:prevCondLst>
-              <p:nextCondLst>
-                <p:cond evt="onNext" delay="0">
-                  <p:tgtEl>
-                    <p:sldTgt/>
-                  </p:tgtEl>
-                </p:cond>
-              </p:nextCondLst>
-            </p:seq>
-          </p:childTnLst>
-        </p:cTn>
-      </p:par>
-    </p:tnLst>
-  </p:timing>
-</p:sld>
-</file>
-
-<file path=ppt/slides/slide19.xml><?xml version="1.0" encoding="utf-8"?>
-<p:sld xmlns:a="http://schemas.openxmlformats.org/drawingml/2006/main" xmlns:r="http://schemas.openxmlformats.org/officeDocument/2006/relationships" xmlns:p="http://schemas.openxmlformats.org/presentationml/2006/main">
-  <p:cSld>
-    <p:spTree>
-      <p:nvGrpSpPr>
-        <p:cNvPr id="1" name=""/>
-        <p:cNvGrpSpPr/>
-        <p:nvPr/>
-      </p:nvGrpSpPr>
-      <p:grpSpPr>
-        <a:xfrm>
-          <a:off x="0" y="0"/>
-          <a:ext cx="0" cy="0"/>
-          <a:chOff x="0" y="0"/>
-          <a:chExt cx="0" cy="0"/>
-        </a:xfrm>
-      </p:grpSpPr>
-      <p:sp>
-        <p:nvSpPr>
-          <p:cNvPr id="2" name="Title 1"/>
-          <p:cNvSpPr>
-            <a:spLocks noGrp="1"/>
-          </p:cNvSpPr>
-          <p:nvPr>
-            <p:ph type="title"/>
-          </p:nvPr>
-        </p:nvSpPr>
-        <p:spPr/>
-        <p:txBody>
-          <a:bodyPr/>
-          <a:lstStyle/>
-          <a:p>
-            <a:r>
-              <a:rPr lang="en-US" dirty="0" smtClean="0"/>
-              <a:t>Concatenation</a:t>
-            </a:r>
-            <a:endParaRPr lang="en-US" dirty="0"/>
-          </a:p>
-        </p:txBody>
-      </p:sp>
-      <p:sp>
-        <p:nvSpPr>
-          <p:cNvPr id="3" name="Content Placeholder 2"/>
-          <p:cNvSpPr>
-            <a:spLocks noGrp="1"/>
-          </p:cNvSpPr>
-          <p:nvPr>
-            <p:ph idx="1"/>
-          </p:nvPr>
-        </p:nvSpPr>
-        <p:spPr/>
-        <p:txBody>
-          <a:bodyPr>
-            <a:normAutofit/>
-          </a:bodyPr>
-          <a:lstStyle/>
-          <a:p>
-            <a:r>
-              <a:rPr lang="en-US" sz="2800" dirty="0"/>
-              <a:t>If the + operator is used between two strings, a new string is created with the two strings combined.</a:t>
-            </a:r>
-          </a:p>
-        </p:txBody>
-      </p:sp>
-    </p:spTree>
-    <p:extLst>
-      <p:ext uri="{BB962C8B-B14F-4D97-AF65-F5344CB8AC3E}">
-        <p14:creationId xmlns:p14="http://schemas.microsoft.com/office/powerpoint/2010/main" val="3269883544"/>
-      </p:ext>
-    </p:extLst>
-  </p:cSld>
-  <p:clrMapOvr>
-    <a:masterClrMapping/>
-  </p:clrMapOvr>
-  <p:timing>
-    <p:tnLst>
-      <p:par>
-        <p:cTn id="1" dur="indefinite" restart="never" nodeType="tmRoot">
-          <p:childTnLst>
-            <p:seq concurrent="1" nextAc="seek">
-              <p:cTn id="2" dur="indefinite" nodeType="mainSeq">
-                <p:childTnLst>
-                  <p:par>
-                    <p:cTn id="3" fill="hold">
-                      <p:stCondLst>
-                        <p:cond delay="indefinite"/>
-                      </p:stCondLst>
-                      <p:childTnLst>
-                        <p:par>
-                          <p:cTn id="4" fill="hold">
-                            <p:stCondLst>
-                              <p:cond delay="0"/>
-                            </p:stCondLst>
-                            <p:childTnLst>
-                              <p:par>
-                                <p:cTn id="5" presetID="10" presetClass="entr" presetSubtype="0" fill="hold" nodeType="clickEffect">
-                                  <p:stCondLst>
-                                    <p:cond delay="0"/>
-                                  </p:stCondLst>
-                                  <p:childTnLst>
-                                    <p:set>
-                                      <p:cBhvr>
-                                        <p:cTn id="6" dur="1" fill="hold">
-                                          <p:stCondLst>
-                                            <p:cond delay="0"/>
-                                          </p:stCondLst>
-                                        </p:cTn>
-                                        <p:tgtEl>
-                                          <p:spTgt spid="3">
-                                            <p:txEl>
-                                              <p:pRg st="0" end="0"/>
-                                            </p:txEl>
-                                          </p:spTgt>
-                                        </p:tgtEl>
-                                        <p:attrNameLst>
-                                          <p:attrName>style.visibility</p:attrName>
-                                        </p:attrNameLst>
-                                      </p:cBhvr>
-                                      <p:to>
-                                        <p:strVal val="visible"/>
-                                      </p:to>
-                                    </p:set>
-                                    <p:animEffect transition="in" filter="fade">
-                                      <p:cBhvr>
-                                        <p:cTn id="7" dur="500"/>
-                                        <p:tgtEl>
-                                          <p:spTgt spid="3">
-                                            <p:txEl>
-                                              <p:pRg st="0" end="0"/>
                                             </p:txEl>
                                           </p:spTgt>
                                         </p:tgtEl>
@@ -9201,6 +8911,794 @@
           <a:p>
             <a:r>
               <a:rPr lang="en-US" dirty="0" smtClean="0"/>
+              <a:t>Calculation</a:t>
+            </a:r>
+            <a:endParaRPr lang="en-US" dirty="0"/>
+          </a:p>
+        </p:txBody>
+      </p:sp>
+      <p:sp>
+        <p:nvSpPr>
+          <p:cNvPr id="3" name="Content Placeholder 2"/>
+          <p:cNvSpPr>
+            <a:spLocks noGrp="1"/>
+          </p:cNvSpPr>
+          <p:nvPr>
+            <p:ph idx="1"/>
+          </p:nvPr>
+        </p:nvSpPr>
+        <p:spPr/>
+        <p:txBody>
+          <a:bodyPr>
+            <a:normAutofit/>
+          </a:bodyPr>
+          <a:lstStyle/>
+          <a:p>
+            <a:r>
+              <a:rPr lang="en-US" sz="2400" dirty="0"/>
+              <a:t>The calculation operations are pretty straightforward: +, -, * and </a:t>
+            </a:r>
+            <a:r>
+              <a:rPr lang="en-US" sz="2400" dirty="0" smtClean="0"/>
+              <a:t>/.</a:t>
+            </a:r>
+          </a:p>
+          <a:p>
+            <a:r>
+              <a:rPr lang="en-US" sz="2400" dirty="0"/>
+              <a:t>A more peculiar operation is the modulo operation %, which calculates the remainder of a division</a:t>
+            </a:r>
+            <a:r>
+              <a:rPr lang="en-US" sz="2400" dirty="0" smtClean="0"/>
+              <a:t>.</a:t>
+            </a:r>
+          </a:p>
+          <a:p>
+            <a:r>
+              <a:rPr lang="en-US" sz="2400" dirty="0"/>
+              <a:t>The order of operations is also pretty straightforward: the operations are calculated from left to right taking the parentheses into account.</a:t>
+            </a:r>
+          </a:p>
+        </p:txBody>
+      </p:sp>
+    </p:spTree>
+    <p:extLst>
+      <p:ext uri="{BB962C8B-B14F-4D97-AF65-F5344CB8AC3E}">
+        <p14:creationId xmlns:p14="http://schemas.microsoft.com/office/powerpoint/2010/main" val="2511286958"/>
+      </p:ext>
+    </p:extLst>
+  </p:cSld>
+  <p:clrMapOvr>
+    <a:masterClrMapping/>
+  </p:clrMapOvr>
+  <p:timing>
+    <p:tnLst>
+      <p:par>
+        <p:cTn id="1" dur="indefinite" restart="never" nodeType="tmRoot">
+          <p:childTnLst>
+            <p:seq concurrent="1" nextAc="seek">
+              <p:cTn id="2" dur="indefinite" nodeType="mainSeq">
+                <p:childTnLst>
+                  <p:par>
+                    <p:cTn id="3" fill="hold">
+                      <p:stCondLst>
+                        <p:cond delay="indefinite"/>
+                      </p:stCondLst>
+                      <p:childTnLst>
+                        <p:par>
+                          <p:cTn id="4" fill="hold">
+                            <p:stCondLst>
+                              <p:cond delay="0"/>
+                            </p:stCondLst>
+                            <p:childTnLst>
+                              <p:par>
+                                <p:cTn id="5" presetID="10" presetClass="entr" presetSubtype="0" fill="hold" nodeType="clickEffect">
+                                  <p:stCondLst>
+                                    <p:cond delay="0"/>
+                                  </p:stCondLst>
+                                  <p:childTnLst>
+                                    <p:set>
+                                      <p:cBhvr>
+                                        <p:cTn id="6" dur="1" fill="hold">
+                                          <p:stCondLst>
+                                            <p:cond delay="0"/>
+                                          </p:stCondLst>
+                                        </p:cTn>
+                                        <p:tgtEl>
+                                          <p:spTgt spid="3">
+                                            <p:txEl>
+                                              <p:pRg st="0" end="0"/>
+                                            </p:txEl>
+                                          </p:spTgt>
+                                        </p:tgtEl>
+                                        <p:attrNameLst>
+                                          <p:attrName>style.visibility</p:attrName>
+                                        </p:attrNameLst>
+                                      </p:cBhvr>
+                                      <p:to>
+                                        <p:strVal val="visible"/>
+                                      </p:to>
+                                    </p:set>
+                                    <p:animEffect transition="in" filter="fade">
+                                      <p:cBhvr>
+                                        <p:cTn id="7" dur="500"/>
+                                        <p:tgtEl>
+                                          <p:spTgt spid="3">
+                                            <p:txEl>
+                                              <p:pRg st="0" end="0"/>
+                                            </p:txEl>
+                                          </p:spTgt>
+                                        </p:tgtEl>
+                                      </p:cBhvr>
+                                    </p:animEffect>
+                                  </p:childTnLst>
+                                </p:cTn>
+                              </p:par>
+                            </p:childTnLst>
+                          </p:cTn>
+                        </p:par>
+                      </p:childTnLst>
+                    </p:cTn>
+                  </p:par>
+                  <p:par>
+                    <p:cTn id="8" fill="hold">
+                      <p:stCondLst>
+                        <p:cond delay="indefinite"/>
+                      </p:stCondLst>
+                      <p:childTnLst>
+                        <p:par>
+                          <p:cTn id="9" fill="hold">
+                            <p:stCondLst>
+                              <p:cond delay="0"/>
+                            </p:stCondLst>
+                            <p:childTnLst>
+                              <p:par>
+                                <p:cTn id="10" presetID="10" presetClass="entr" presetSubtype="0" fill="hold" nodeType="clickEffect">
+                                  <p:stCondLst>
+                                    <p:cond delay="0"/>
+                                  </p:stCondLst>
+                                  <p:childTnLst>
+                                    <p:set>
+                                      <p:cBhvr>
+                                        <p:cTn id="11" dur="1" fill="hold">
+                                          <p:stCondLst>
+                                            <p:cond delay="0"/>
+                                          </p:stCondLst>
+                                        </p:cTn>
+                                        <p:tgtEl>
+                                          <p:spTgt spid="3">
+                                            <p:txEl>
+                                              <p:pRg st="1" end="1"/>
+                                            </p:txEl>
+                                          </p:spTgt>
+                                        </p:tgtEl>
+                                        <p:attrNameLst>
+                                          <p:attrName>style.visibility</p:attrName>
+                                        </p:attrNameLst>
+                                      </p:cBhvr>
+                                      <p:to>
+                                        <p:strVal val="visible"/>
+                                      </p:to>
+                                    </p:set>
+                                    <p:animEffect transition="in" filter="fade">
+                                      <p:cBhvr>
+                                        <p:cTn id="12" dur="500"/>
+                                        <p:tgtEl>
+                                          <p:spTgt spid="3">
+                                            <p:txEl>
+                                              <p:pRg st="1" end="1"/>
+                                            </p:txEl>
+                                          </p:spTgt>
+                                        </p:tgtEl>
+                                      </p:cBhvr>
+                                    </p:animEffect>
+                                  </p:childTnLst>
+                                </p:cTn>
+                              </p:par>
+                            </p:childTnLst>
+                          </p:cTn>
+                        </p:par>
+                      </p:childTnLst>
+                    </p:cTn>
+                  </p:par>
+                  <p:par>
+                    <p:cTn id="13" fill="hold">
+                      <p:stCondLst>
+                        <p:cond delay="indefinite"/>
+                      </p:stCondLst>
+                      <p:childTnLst>
+                        <p:par>
+                          <p:cTn id="14" fill="hold">
+                            <p:stCondLst>
+                              <p:cond delay="0"/>
+                            </p:stCondLst>
+                            <p:childTnLst>
+                              <p:par>
+                                <p:cTn id="15" presetID="10" presetClass="entr" presetSubtype="0" fill="hold" nodeType="clickEffect">
+                                  <p:stCondLst>
+                                    <p:cond delay="0"/>
+                                  </p:stCondLst>
+                                  <p:childTnLst>
+                                    <p:set>
+                                      <p:cBhvr>
+                                        <p:cTn id="16" dur="1" fill="hold">
+                                          <p:stCondLst>
+                                            <p:cond delay="0"/>
+                                          </p:stCondLst>
+                                        </p:cTn>
+                                        <p:tgtEl>
+                                          <p:spTgt spid="3">
+                                            <p:txEl>
+                                              <p:pRg st="2" end="2"/>
+                                            </p:txEl>
+                                          </p:spTgt>
+                                        </p:tgtEl>
+                                        <p:attrNameLst>
+                                          <p:attrName>style.visibility</p:attrName>
+                                        </p:attrNameLst>
+                                      </p:cBhvr>
+                                      <p:to>
+                                        <p:strVal val="visible"/>
+                                      </p:to>
+                                    </p:set>
+                                    <p:animEffect transition="in" filter="fade">
+                                      <p:cBhvr>
+                                        <p:cTn id="17" dur="500"/>
+                                        <p:tgtEl>
+                                          <p:spTgt spid="3">
+                                            <p:txEl>
+                                              <p:pRg st="2" end="2"/>
+                                            </p:txEl>
+                                          </p:spTgt>
+                                        </p:tgtEl>
+                                      </p:cBhvr>
+                                    </p:animEffect>
+                                  </p:childTnLst>
+                                </p:cTn>
+                              </p:par>
+                            </p:childTnLst>
+                          </p:cTn>
+                        </p:par>
+                      </p:childTnLst>
+                    </p:cTn>
+                  </p:par>
+                </p:childTnLst>
+              </p:cTn>
+              <p:prevCondLst>
+                <p:cond evt="onPrev" delay="0">
+                  <p:tgtEl>
+                    <p:sldTgt/>
+                  </p:tgtEl>
+                </p:cond>
+              </p:prevCondLst>
+              <p:nextCondLst>
+                <p:cond evt="onNext" delay="0">
+                  <p:tgtEl>
+                    <p:sldTgt/>
+                  </p:tgtEl>
+                </p:cond>
+              </p:nextCondLst>
+            </p:seq>
+          </p:childTnLst>
+        </p:cTn>
+      </p:par>
+    </p:tnLst>
+  </p:timing>
+</p:sld>
+</file>
+
+<file path=ppt/slides/slide21.xml><?xml version="1.0" encoding="utf-8"?>
+<p:sld xmlns:a="http://schemas.openxmlformats.org/drawingml/2006/main" xmlns:r="http://schemas.openxmlformats.org/officeDocument/2006/relationships" xmlns:p="http://schemas.openxmlformats.org/presentationml/2006/main">
+  <p:cSld>
+    <p:spTree>
+      <p:nvGrpSpPr>
+        <p:cNvPr id="1" name=""/>
+        <p:cNvGrpSpPr/>
+        <p:nvPr/>
+      </p:nvGrpSpPr>
+      <p:grpSpPr>
+        <a:xfrm>
+          <a:off x="0" y="0"/>
+          <a:ext cx="0" cy="0"/>
+          <a:chOff x="0" y="0"/>
+          <a:chExt cx="0" cy="0"/>
+        </a:xfrm>
+      </p:grpSpPr>
+      <p:sp>
+        <p:nvSpPr>
+          <p:cNvPr id="2" name="Title 1"/>
+          <p:cNvSpPr>
+            <a:spLocks noGrp="1"/>
+          </p:cNvSpPr>
+          <p:nvPr>
+            <p:ph type="title"/>
+          </p:nvPr>
+        </p:nvSpPr>
+        <p:spPr/>
+        <p:txBody>
+          <a:bodyPr/>
+          <a:lstStyle/>
+          <a:p>
+            <a:r>
+              <a:rPr lang="en-US" dirty="0" smtClean="0"/>
+              <a:t>Floating point numbers</a:t>
+            </a:r>
+            <a:endParaRPr lang="en-US" dirty="0"/>
+          </a:p>
+        </p:txBody>
+      </p:sp>
+      <p:sp>
+        <p:nvSpPr>
+          <p:cNvPr id="3" name="Content Placeholder 2"/>
+          <p:cNvSpPr>
+            <a:spLocks noGrp="1"/>
+          </p:cNvSpPr>
+          <p:nvPr>
+            <p:ph idx="1"/>
+          </p:nvPr>
+        </p:nvSpPr>
+        <p:spPr/>
+        <p:txBody>
+          <a:bodyPr>
+            <a:normAutofit/>
+          </a:bodyPr>
+          <a:lstStyle/>
+          <a:p>
+            <a:r>
+              <a:rPr lang="en-US" sz="2800" dirty="0"/>
+              <a:t>Calculating the division and remainder of whole numbers is a little trickier</a:t>
+            </a:r>
+            <a:r>
+              <a:rPr lang="en-US" sz="2800" dirty="0" smtClean="0"/>
+              <a:t>.</a:t>
+            </a:r>
+          </a:p>
+          <a:p>
+            <a:r>
+              <a:rPr lang="en-US" sz="2800" dirty="0"/>
+              <a:t>A floating point number (decimal number) and integer (whole number) often get mixed up</a:t>
+            </a:r>
+            <a:r>
+              <a:rPr lang="en-US" sz="2800" dirty="0" smtClean="0"/>
+              <a:t>.</a:t>
+            </a:r>
+          </a:p>
+          <a:p>
+            <a:r>
+              <a:rPr lang="en-US" sz="2800" dirty="0"/>
+              <a:t>If all the variables in a calculation operation are integers, the end result will also be an integer.</a:t>
+            </a:r>
+          </a:p>
+        </p:txBody>
+      </p:sp>
+    </p:spTree>
+    <p:extLst>
+      <p:ext uri="{BB962C8B-B14F-4D97-AF65-F5344CB8AC3E}">
+        <p14:creationId xmlns:p14="http://schemas.microsoft.com/office/powerpoint/2010/main" val="1719028210"/>
+      </p:ext>
+    </p:extLst>
+  </p:cSld>
+  <p:clrMapOvr>
+    <a:masterClrMapping/>
+  </p:clrMapOvr>
+  <p:timing>
+    <p:tnLst>
+      <p:par>
+        <p:cTn id="1" dur="indefinite" restart="never" nodeType="tmRoot">
+          <p:childTnLst>
+            <p:seq concurrent="1" nextAc="seek">
+              <p:cTn id="2" dur="indefinite" nodeType="mainSeq">
+                <p:childTnLst>
+                  <p:par>
+                    <p:cTn id="3" fill="hold">
+                      <p:stCondLst>
+                        <p:cond delay="indefinite"/>
+                      </p:stCondLst>
+                      <p:childTnLst>
+                        <p:par>
+                          <p:cTn id="4" fill="hold">
+                            <p:stCondLst>
+                              <p:cond delay="0"/>
+                            </p:stCondLst>
+                            <p:childTnLst>
+                              <p:par>
+                                <p:cTn id="5" presetID="10" presetClass="entr" presetSubtype="0" fill="hold" nodeType="clickEffect">
+                                  <p:stCondLst>
+                                    <p:cond delay="0"/>
+                                  </p:stCondLst>
+                                  <p:childTnLst>
+                                    <p:set>
+                                      <p:cBhvr>
+                                        <p:cTn id="6" dur="1" fill="hold">
+                                          <p:stCondLst>
+                                            <p:cond delay="0"/>
+                                          </p:stCondLst>
+                                        </p:cTn>
+                                        <p:tgtEl>
+                                          <p:spTgt spid="3">
+                                            <p:txEl>
+                                              <p:pRg st="0" end="0"/>
+                                            </p:txEl>
+                                          </p:spTgt>
+                                        </p:tgtEl>
+                                        <p:attrNameLst>
+                                          <p:attrName>style.visibility</p:attrName>
+                                        </p:attrNameLst>
+                                      </p:cBhvr>
+                                      <p:to>
+                                        <p:strVal val="visible"/>
+                                      </p:to>
+                                    </p:set>
+                                    <p:animEffect transition="in" filter="fade">
+                                      <p:cBhvr>
+                                        <p:cTn id="7" dur="500"/>
+                                        <p:tgtEl>
+                                          <p:spTgt spid="3">
+                                            <p:txEl>
+                                              <p:pRg st="0" end="0"/>
+                                            </p:txEl>
+                                          </p:spTgt>
+                                        </p:tgtEl>
+                                      </p:cBhvr>
+                                    </p:animEffect>
+                                  </p:childTnLst>
+                                </p:cTn>
+                              </p:par>
+                            </p:childTnLst>
+                          </p:cTn>
+                        </p:par>
+                      </p:childTnLst>
+                    </p:cTn>
+                  </p:par>
+                  <p:par>
+                    <p:cTn id="8" fill="hold">
+                      <p:stCondLst>
+                        <p:cond delay="indefinite"/>
+                      </p:stCondLst>
+                      <p:childTnLst>
+                        <p:par>
+                          <p:cTn id="9" fill="hold">
+                            <p:stCondLst>
+                              <p:cond delay="0"/>
+                            </p:stCondLst>
+                            <p:childTnLst>
+                              <p:par>
+                                <p:cTn id="10" presetID="10" presetClass="entr" presetSubtype="0" fill="hold" nodeType="clickEffect">
+                                  <p:stCondLst>
+                                    <p:cond delay="0"/>
+                                  </p:stCondLst>
+                                  <p:childTnLst>
+                                    <p:set>
+                                      <p:cBhvr>
+                                        <p:cTn id="11" dur="1" fill="hold">
+                                          <p:stCondLst>
+                                            <p:cond delay="0"/>
+                                          </p:stCondLst>
+                                        </p:cTn>
+                                        <p:tgtEl>
+                                          <p:spTgt spid="3">
+                                            <p:txEl>
+                                              <p:pRg st="1" end="1"/>
+                                            </p:txEl>
+                                          </p:spTgt>
+                                        </p:tgtEl>
+                                        <p:attrNameLst>
+                                          <p:attrName>style.visibility</p:attrName>
+                                        </p:attrNameLst>
+                                      </p:cBhvr>
+                                      <p:to>
+                                        <p:strVal val="visible"/>
+                                      </p:to>
+                                    </p:set>
+                                    <p:animEffect transition="in" filter="fade">
+                                      <p:cBhvr>
+                                        <p:cTn id="12" dur="500"/>
+                                        <p:tgtEl>
+                                          <p:spTgt spid="3">
+                                            <p:txEl>
+                                              <p:pRg st="1" end="1"/>
+                                            </p:txEl>
+                                          </p:spTgt>
+                                        </p:tgtEl>
+                                      </p:cBhvr>
+                                    </p:animEffect>
+                                  </p:childTnLst>
+                                </p:cTn>
+                              </p:par>
+                            </p:childTnLst>
+                          </p:cTn>
+                        </p:par>
+                      </p:childTnLst>
+                    </p:cTn>
+                  </p:par>
+                  <p:par>
+                    <p:cTn id="13" fill="hold">
+                      <p:stCondLst>
+                        <p:cond delay="indefinite"/>
+                      </p:stCondLst>
+                      <p:childTnLst>
+                        <p:par>
+                          <p:cTn id="14" fill="hold">
+                            <p:stCondLst>
+                              <p:cond delay="0"/>
+                            </p:stCondLst>
+                            <p:childTnLst>
+                              <p:par>
+                                <p:cTn id="15" presetID="10" presetClass="entr" presetSubtype="0" fill="hold" nodeType="clickEffect">
+                                  <p:stCondLst>
+                                    <p:cond delay="0"/>
+                                  </p:stCondLst>
+                                  <p:childTnLst>
+                                    <p:set>
+                                      <p:cBhvr>
+                                        <p:cTn id="16" dur="1" fill="hold">
+                                          <p:stCondLst>
+                                            <p:cond delay="0"/>
+                                          </p:stCondLst>
+                                        </p:cTn>
+                                        <p:tgtEl>
+                                          <p:spTgt spid="3">
+                                            <p:txEl>
+                                              <p:pRg st="2" end="2"/>
+                                            </p:txEl>
+                                          </p:spTgt>
+                                        </p:tgtEl>
+                                        <p:attrNameLst>
+                                          <p:attrName>style.visibility</p:attrName>
+                                        </p:attrNameLst>
+                                      </p:cBhvr>
+                                      <p:to>
+                                        <p:strVal val="visible"/>
+                                      </p:to>
+                                    </p:set>
+                                    <p:animEffect transition="in" filter="fade">
+                                      <p:cBhvr>
+                                        <p:cTn id="17" dur="500"/>
+                                        <p:tgtEl>
+                                          <p:spTgt spid="3">
+                                            <p:txEl>
+                                              <p:pRg st="2" end="2"/>
+                                            </p:txEl>
+                                          </p:spTgt>
+                                        </p:tgtEl>
+                                      </p:cBhvr>
+                                    </p:animEffect>
+                                  </p:childTnLst>
+                                </p:cTn>
+                              </p:par>
+                            </p:childTnLst>
+                          </p:cTn>
+                        </p:par>
+                      </p:childTnLst>
+                    </p:cTn>
+                  </p:par>
+                </p:childTnLst>
+              </p:cTn>
+              <p:prevCondLst>
+                <p:cond evt="onPrev" delay="0">
+                  <p:tgtEl>
+                    <p:sldTgt/>
+                  </p:tgtEl>
+                </p:cond>
+              </p:prevCondLst>
+              <p:nextCondLst>
+                <p:cond evt="onNext" delay="0">
+                  <p:tgtEl>
+                    <p:sldTgt/>
+                  </p:tgtEl>
+                </p:cond>
+              </p:nextCondLst>
+            </p:seq>
+          </p:childTnLst>
+        </p:cTn>
+      </p:par>
+    </p:tnLst>
+  </p:timing>
+</p:sld>
+</file>
+
+<file path=ppt/slides/slide22.xml><?xml version="1.0" encoding="utf-8"?>
+<p:sld xmlns:a="http://schemas.openxmlformats.org/drawingml/2006/main" xmlns:r="http://schemas.openxmlformats.org/officeDocument/2006/relationships" xmlns:p="http://schemas.openxmlformats.org/presentationml/2006/main">
+  <p:cSld>
+    <p:spTree>
+      <p:nvGrpSpPr>
+        <p:cNvPr id="1" name=""/>
+        <p:cNvGrpSpPr/>
+        <p:nvPr/>
+      </p:nvGrpSpPr>
+      <p:grpSpPr>
+        <a:xfrm>
+          <a:off x="0" y="0"/>
+          <a:ext cx="0" cy="0"/>
+          <a:chOff x="0" y="0"/>
+          <a:chExt cx="0" cy="0"/>
+        </a:xfrm>
+      </p:grpSpPr>
+      <p:sp>
+        <p:nvSpPr>
+          <p:cNvPr id="2" name="Title 1"/>
+          <p:cNvSpPr>
+            <a:spLocks noGrp="1"/>
+          </p:cNvSpPr>
+          <p:nvPr>
+            <p:ph type="title"/>
+          </p:nvPr>
+        </p:nvSpPr>
+        <p:spPr/>
+        <p:txBody>
+          <a:bodyPr/>
+          <a:lstStyle/>
+          <a:p>
+            <a:r>
+              <a:rPr lang="en-US" dirty="0" smtClean="0"/>
+              <a:t>Concatenation</a:t>
+            </a:r>
+            <a:endParaRPr lang="en-US" dirty="0"/>
+          </a:p>
+        </p:txBody>
+      </p:sp>
+      <p:sp>
+        <p:nvSpPr>
+          <p:cNvPr id="3" name="Content Placeholder 2"/>
+          <p:cNvSpPr>
+            <a:spLocks noGrp="1"/>
+          </p:cNvSpPr>
+          <p:nvPr>
+            <p:ph idx="1"/>
+          </p:nvPr>
+        </p:nvSpPr>
+        <p:spPr/>
+        <p:txBody>
+          <a:bodyPr>
+            <a:normAutofit/>
+          </a:bodyPr>
+          <a:lstStyle/>
+          <a:p>
+            <a:r>
+              <a:rPr lang="en-US" sz="2800" dirty="0"/>
+              <a:t>If the + operator is used between two strings, a new string is created with the two strings combined.</a:t>
+            </a:r>
+          </a:p>
+        </p:txBody>
+      </p:sp>
+    </p:spTree>
+    <p:extLst>
+      <p:ext uri="{BB962C8B-B14F-4D97-AF65-F5344CB8AC3E}">
+        <p14:creationId xmlns:p14="http://schemas.microsoft.com/office/powerpoint/2010/main" val="3269883544"/>
+      </p:ext>
+    </p:extLst>
+  </p:cSld>
+  <p:clrMapOvr>
+    <a:masterClrMapping/>
+  </p:clrMapOvr>
+  <p:timing>
+    <p:tnLst>
+      <p:par>
+        <p:cTn id="1" dur="indefinite" restart="never" nodeType="tmRoot">
+          <p:childTnLst>
+            <p:seq concurrent="1" nextAc="seek">
+              <p:cTn id="2" dur="indefinite" nodeType="mainSeq">
+                <p:childTnLst>
+                  <p:par>
+                    <p:cTn id="3" fill="hold">
+                      <p:stCondLst>
+                        <p:cond delay="indefinite"/>
+                      </p:stCondLst>
+                      <p:childTnLst>
+                        <p:par>
+                          <p:cTn id="4" fill="hold">
+                            <p:stCondLst>
+                              <p:cond delay="0"/>
+                            </p:stCondLst>
+                            <p:childTnLst>
+                              <p:par>
+                                <p:cTn id="5" presetID="10" presetClass="entr" presetSubtype="0" fill="hold" nodeType="clickEffect">
+                                  <p:stCondLst>
+                                    <p:cond delay="0"/>
+                                  </p:stCondLst>
+                                  <p:childTnLst>
+                                    <p:set>
+                                      <p:cBhvr>
+                                        <p:cTn id="6" dur="1" fill="hold">
+                                          <p:stCondLst>
+                                            <p:cond delay="0"/>
+                                          </p:stCondLst>
+                                        </p:cTn>
+                                        <p:tgtEl>
+                                          <p:spTgt spid="3">
+                                            <p:txEl>
+                                              <p:pRg st="0" end="0"/>
+                                            </p:txEl>
+                                          </p:spTgt>
+                                        </p:tgtEl>
+                                        <p:attrNameLst>
+                                          <p:attrName>style.visibility</p:attrName>
+                                        </p:attrNameLst>
+                                      </p:cBhvr>
+                                      <p:to>
+                                        <p:strVal val="visible"/>
+                                      </p:to>
+                                    </p:set>
+                                    <p:animEffect transition="in" filter="fade">
+                                      <p:cBhvr>
+                                        <p:cTn id="7" dur="500"/>
+                                        <p:tgtEl>
+                                          <p:spTgt spid="3">
+                                            <p:txEl>
+                                              <p:pRg st="0" end="0"/>
+                                            </p:txEl>
+                                          </p:spTgt>
+                                        </p:tgtEl>
+                                      </p:cBhvr>
+                                    </p:animEffect>
+                                  </p:childTnLst>
+                                </p:cTn>
+                              </p:par>
+                            </p:childTnLst>
+                          </p:cTn>
+                        </p:par>
+                      </p:childTnLst>
+                    </p:cTn>
+                  </p:par>
+                </p:childTnLst>
+              </p:cTn>
+              <p:prevCondLst>
+                <p:cond evt="onPrev" delay="0">
+                  <p:tgtEl>
+                    <p:sldTgt/>
+                  </p:tgtEl>
+                </p:cond>
+              </p:prevCondLst>
+              <p:nextCondLst>
+                <p:cond evt="onNext" delay="0">
+                  <p:tgtEl>
+                    <p:sldTgt/>
+                  </p:tgtEl>
+                </p:cond>
+              </p:nextCondLst>
+            </p:seq>
+          </p:childTnLst>
+        </p:cTn>
+      </p:par>
+    </p:tnLst>
+  </p:timing>
+</p:sld>
+</file>
+
+<file path=ppt/slides/slide23.xml><?xml version="1.0" encoding="utf-8"?>
+<p:sld xmlns:a="http://schemas.openxmlformats.org/drawingml/2006/main" xmlns:r="http://schemas.openxmlformats.org/officeDocument/2006/relationships" xmlns:p="http://schemas.openxmlformats.org/presentationml/2006/main">
+  <p:cSld>
+    <p:spTree>
+      <p:nvGrpSpPr>
+        <p:cNvPr id="1" name=""/>
+        <p:cNvGrpSpPr/>
+        <p:nvPr/>
+      </p:nvGrpSpPr>
+      <p:grpSpPr>
+        <a:xfrm>
+          <a:off x="0" y="0"/>
+          <a:ext cx="0" cy="0"/>
+          <a:chOff x="0" y="0"/>
+          <a:chExt cx="0" cy="0"/>
+        </a:xfrm>
+      </p:grpSpPr>
+      <p:sp>
+        <p:nvSpPr>
+          <p:cNvPr id="2" name="Title 1"/>
+          <p:cNvSpPr>
+            <a:spLocks noGrp="1"/>
+          </p:cNvSpPr>
+          <p:nvPr>
+            <p:ph type="title"/>
+          </p:nvPr>
+        </p:nvSpPr>
+        <p:spPr/>
+        <p:txBody>
+          <a:bodyPr/>
+          <a:lstStyle/>
+          <a:p>
+            <a:r>
+              <a:rPr lang="en-US" dirty="0" smtClean="0"/>
               <a:t>Reading User Input</a:t>
             </a:r>
             <a:endParaRPr lang="en-US" dirty="0"/>
@@ -9411,7 +9909,7 @@
 </p:sld>
 </file>
 
-<file path=ppt/slides/slide21.xml><?xml version="1.0" encoding="utf-8"?>
+<file path=ppt/slides/slide24.xml><?xml version="1.0" encoding="utf-8"?>
 <p:sld xmlns:a="http://schemas.openxmlformats.org/drawingml/2006/main" xmlns:r="http://schemas.openxmlformats.org/officeDocument/2006/relationships" xmlns:p="http://schemas.openxmlformats.org/presentationml/2006/main">
   <p:cSld>
     <p:spTree>
@@ -9809,7 +10307,7 @@
 </p:sld>
 </file>
 
-<file path=ppt/slides/slide22.xml><?xml version="1.0" encoding="utf-8"?>
+<file path=ppt/slides/slide25.xml><?xml version="1.0" encoding="utf-8"?>
 <p:sld xmlns:a="http://schemas.openxmlformats.org/drawingml/2006/main" xmlns:r="http://schemas.openxmlformats.org/officeDocument/2006/relationships" xmlns:p="http://schemas.openxmlformats.org/presentationml/2006/main">
   <p:cSld>
     <p:spTree>
@@ -10255,7 +10753,7 @@
 </p:sld>
 </file>
 
-<file path=ppt/slides/slide23.xml><?xml version="1.0" encoding="utf-8"?>
+<file path=ppt/slides/slide26.xml><?xml version="1.0" encoding="utf-8"?>
 <p:sld xmlns:a="http://schemas.openxmlformats.org/drawingml/2006/main" xmlns:r="http://schemas.openxmlformats.org/officeDocument/2006/relationships" xmlns:p="http://schemas.openxmlformats.org/presentationml/2006/main">
   <p:cSld>
     <p:spTree>
@@ -10495,6 +10993,833 @@
             </p:seq>
           </p:childTnLst>
         </p:cTn>
+      </p:par>
+    </p:tnLst>
+  </p:timing>
+</p:sld>
+</file>
+
+<file path=ppt/slides/slide27.xml><?xml version="1.0" encoding="utf-8"?>
+<p:sld xmlns:a="http://schemas.openxmlformats.org/drawingml/2006/main" xmlns:r="http://schemas.openxmlformats.org/officeDocument/2006/relationships" xmlns:p="http://schemas.openxmlformats.org/presentationml/2006/main">
+  <p:cSld>
+    <p:spTree>
+      <p:nvGrpSpPr>
+        <p:cNvPr id="1" name=""/>
+        <p:cNvGrpSpPr/>
+        <p:nvPr/>
+      </p:nvGrpSpPr>
+      <p:grpSpPr>
+        <a:xfrm>
+          <a:off x="0" y="0"/>
+          <a:ext cx="0" cy="0"/>
+          <a:chOff x="0" y="0"/>
+          <a:chExt cx="0" cy="0"/>
+        </a:xfrm>
+      </p:grpSpPr>
+      <p:sp>
+        <p:nvSpPr>
+          <p:cNvPr id="2" name="Title 1"/>
+          <p:cNvSpPr>
+            <a:spLocks noGrp="1"/>
+          </p:cNvSpPr>
+          <p:nvPr>
+            <p:ph type="title"/>
+          </p:nvPr>
+        </p:nvSpPr>
+        <p:spPr/>
+        <p:txBody>
+          <a:bodyPr/>
+          <a:lstStyle/>
+          <a:p>
+            <a:r>
+              <a:rPr lang="en-US" dirty="0" smtClean="0"/>
+              <a:t>Exercise 4</a:t>
+            </a:r>
+            <a:endParaRPr lang="en-US" dirty="0"/>
+          </a:p>
+        </p:txBody>
+      </p:sp>
+      <p:sp>
+        <p:nvSpPr>
+          <p:cNvPr id="3" name="Content Placeholder 2"/>
+          <p:cNvSpPr>
+            <a:spLocks noGrp="1"/>
+          </p:cNvSpPr>
+          <p:nvPr>
+            <p:ph idx="1"/>
+          </p:nvPr>
+        </p:nvSpPr>
+        <p:spPr/>
+        <p:txBody>
+          <a:bodyPr>
+            <a:normAutofit fontScale="25000" lnSpcReduction="20000"/>
+          </a:bodyPr>
+          <a:lstStyle/>
+          <a:p>
+            <a:r>
+              <a:rPr lang="en-US" sz="7200" dirty="0"/>
+              <a:t>Varying variables</a:t>
+            </a:r>
+            <a:endParaRPr lang="en-US" sz="7200" dirty="0" smtClean="0"/>
+          </a:p>
+          <a:p>
+            <a:pPr lvl="1"/>
+            <a:r>
+              <a:rPr lang="en-US" sz="6400" dirty="0"/>
+              <a:t>The exercise file </a:t>
+            </a:r>
+            <a:r>
+              <a:rPr lang="en-US" sz="6400" dirty="0" smtClean="0"/>
+              <a:t>initially </a:t>
+            </a:r>
+          </a:p>
+          <a:p>
+            <a:pPr marL="457200" lvl="1" indent="0">
+              <a:buNone/>
+            </a:pPr>
+            <a:r>
+              <a:rPr lang="en-US" sz="6400" dirty="0" smtClean="0"/>
+              <a:t>contains </a:t>
+            </a:r>
+            <a:r>
+              <a:rPr lang="en-US" sz="6400" dirty="0"/>
+              <a:t>a program which prints</a:t>
+            </a:r>
+            <a:r>
+              <a:rPr lang="en-US" sz="6400" dirty="0" smtClean="0"/>
+              <a:t>:</a:t>
+            </a:r>
+          </a:p>
+          <a:p>
+            <a:pPr marL="457200" lvl="1" indent="0">
+              <a:buNone/>
+            </a:pPr>
+            <a:endParaRPr lang="en-US" sz="6400" dirty="0"/>
+          </a:p>
+          <a:p>
+            <a:pPr marL="457200" lvl="1" indent="0">
+              <a:buNone/>
+            </a:pPr>
+            <a:endParaRPr lang="en-US" sz="6400" dirty="0" smtClean="0"/>
+          </a:p>
+          <a:p>
+            <a:pPr marL="457200" lvl="1" indent="0">
+              <a:buNone/>
+            </a:pPr>
+            <a:endParaRPr lang="en-US" sz="6400" dirty="0" smtClean="0"/>
+          </a:p>
+          <a:p>
+            <a:pPr lvl="1"/>
+            <a:r>
+              <a:rPr lang="en-US" sz="6400" dirty="0"/>
+              <a:t>Change the program in </a:t>
+            </a:r>
+            <a:endParaRPr lang="en-US" sz="6400" dirty="0" smtClean="0"/>
+          </a:p>
+          <a:p>
+            <a:pPr marL="457200" lvl="1" indent="0">
+              <a:buNone/>
+            </a:pPr>
+            <a:r>
+              <a:rPr lang="en-US" sz="6400" dirty="0" smtClean="0"/>
+              <a:t>the </a:t>
+            </a:r>
+            <a:r>
+              <a:rPr lang="en-US" sz="6400" dirty="0"/>
+              <a:t>specified places so that </a:t>
+            </a:r>
+            <a:r>
+              <a:rPr lang="en-US" sz="6400" dirty="0" smtClean="0"/>
+              <a:t>it</a:t>
+            </a:r>
+          </a:p>
+          <a:p>
+            <a:pPr marL="457200" lvl="1" indent="0">
+              <a:buNone/>
+            </a:pPr>
+            <a:r>
+              <a:rPr lang="en-US" sz="6400" dirty="0" smtClean="0"/>
+              <a:t>will </a:t>
+            </a:r>
+            <a:r>
+              <a:rPr lang="en-US" sz="6400" dirty="0"/>
+              <a:t>print:</a:t>
+            </a:r>
+          </a:p>
+          <a:p>
+            <a:pPr marL="0" indent="0">
+              <a:buNone/>
+            </a:pPr>
+            <a:r>
+              <a:rPr lang="en-US" dirty="0"/>
+              <a:t/>
+            </a:r>
+            <a:br>
+              <a:rPr lang="en-US" dirty="0"/>
+            </a:br>
+            <a:r>
+              <a:rPr lang="en-US" dirty="0"/>
+              <a:t/>
+            </a:r>
+            <a:br>
+              <a:rPr lang="en-US" dirty="0"/>
+            </a:br>
+            <a:endParaRPr lang="en-US" dirty="0"/>
+          </a:p>
+        </p:txBody>
+      </p:sp>
+      <p:sp>
+        <p:nvSpPr>
+          <p:cNvPr id="4" name="Rectangle 3"/>
+          <p:cNvSpPr/>
+          <p:nvPr/>
+        </p:nvSpPr>
+        <p:spPr>
+          <a:xfrm>
+            <a:off x="4572000" y="1123950"/>
+            <a:ext cx="3124200" cy="1371600"/>
+          </a:xfrm>
+          <a:prstGeom prst="rect">
+            <a:avLst/>
+          </a:prstGeom>
+          <a:ln w="9525"/>
+        </p:spPr>
+        <p:style>
+          <a:lnRef idx="2">
+            <a:schemeClr val="dk1"/>
+          </a:lnRef>
+          <a:fillRef idx="1">
+            <a:schemeClr val="lt1"/>
+          </a:fillRef>
+          <a:effectRef idx="0">
+            <a:schemeClr val="dk1"/>
+          </a:effectRef>
+          <a:fontRef idx="minor">
+            <a:schemeClr val="dk1"/>
+          </a:fontRef>
+        </p:style>
+        <p:txBody>
+          <a:bodyPr rtlCol="0" anchor="ctr"/>
+          <a:lstStyle/>
+          <a:p>
+            <a:r>
+              <a:rPr lang="en-US" sz="800" dirty="0"/>
+              <a:t>Chickens: </a:t>
+            </a:r>
+            <a:endParaRPr lang="en-US" sz="800" dirty="0" smtClean="0"/>
+          </a:p>
+          <a:p>
+            <a:r>
+              <a:rPr lang="en-US" sz="800" dirty="0" smtClean="0"/>
+              <a:t>3 </a:t>
+            </a:r>
+          </a:p>
+          <a:p>
+            <a:r>
+              <a:rPr lang="en-US" sz="800" dirty="0" smtClean="0"/>
+              <a:t>Bacon </a:t>
+            </a:r>
+            <a:r>
+              <a:rPr lang="en-US" sz="800" dirty="0"/>
+              <a:t>(kg</a:t>
+            </a:r>
+            <a:r>
+              <a:rPr lang="en-US" sz="800" dirty="0" smtClean="0"/>
+              <a:t>):</a:t>
+            </a:r>
+          </a:p>
+          <a:p>
+            <a:r>
+              <a:rPr lang="en-US" sz="800" dirty="0" smtClean="0"/>
+              <a:t>5.5</a:t>
+            </a:r>
+          </a:p>
+          <a:p>
+            <a:r>
+              <a:rPr lang="en-US" sz="800" dirty="0" smtClean="0"/>
+              <a:t>A tractor:</a:t>
+            </a:r>
+          </a:p>
+          <a:p>
+            <a:r>
+              <a:rPr lang="en-US" sz="800" dirty="0" smtClean="0"/>
+              <a:t>There </a:t>
+            </a:r>
+            <a:r>
+              <a:rPr lang="en-US" sz="800" dirty="0"/>
+              <a:t>is </a:t>
+            </a:r>
+            <a:r>
+              <a:rPr lang="en-US" sz="800" dirty="0" smtClean="0"/>
+              <a:t>none!</a:t>
+            </a:r>
+          </a:p>
+          <a:p>
+            <a:endParaRPr lang="en-US" sz="800" dirty="0" smtClean="0"/>
+          </a:p>
+          <a:p>
+            <a:r>
+              <a:rPr lang="en-US" sz="800" dirty="0" smtClean="0"/>
+              <a:t>In </a:t>
+            </a:r>
+            <a:r>
+              <a:rPr lang="en-US" sz="800" dirty="0"/>
+              <a:t>a nutshell: </a:t>
+            </a:r>
+            <a:endParaRPr lang="en-US" sz="800" dirty="0" smtClean="0"/>
+          </a:p>
+          <a:p>
+            <a:r>
+              <a:rPr lang="en-US" sz="800" dirty="0" smtClean="0"/>
+              <a:t>3 </a:t>
+            </a:r>
+          </a:p>
+          <a:p>
+            <a:r>
+              <a:rPr lang="en-US" sz="800" dirty="0" smtClean="0"/>
+              <a:t>5.5 </a:t>
+            </a:r>
+          </a:p>
+          <a:p>
+            <a:r>
+              <a:rPr lang="en-US" sz="800" dirty="0" smtClean="0"/>
+              <a:t>There </a:t>
+            </a:r>
+            <a:r>
+              <a:rPr lang="en-US" sz="800" dirty="0"/>
+              <a:t>is none!</a:t>
+            </a:r>
+          </a:p>
+        </p:txBody>
+      </p:sp>
+      <p:sp>
+        <p:nvSpPr>
+          <p:cNvPr id="5" name="Rectangle 4"/>
+          <p:cNvSpPr/>
+          <p:nvPr/>
+        </p:nvSpPr>
+        <p:spPr>
+          <a:xfrm>
+            <a:off x="4572000" y="2724150"/>
+            <a:ext cx="3124200" cy="1371600"/>
+          </a:xfrm>
+          <a:prstGeom prst="rect">
+            <a:avLst/>
+          </a:prstGeom>
+          <a:ln w="9525"/>
+        </p:spPr>
+        <p:style>
+          <a:lnRef idx="2">
+            <a:schemeClr val="dk1"/>
+          </a:lnRef>
+          <a:fillRef idx="1">
+            <a:schemeClr val="lt1"/>
+          </a:fillRef>
+          <a:effectRef idx="0">
+            <a:schemeClr val="dk1"/>
+          </a:effectRef>
+          <a:fontRef idx="minor">
+            <a:schemeClr val="dk1"/>
+          </a:fontRef>
+        </p:style>
+        <p:txBody>
+          <a:bodyPr rtlCol="0" anchor="ctr"/>
+          <a:lstStyle/>
+          <a:p>
+            <a:r>
+              <a:rPr lang="en-US" sz="800" dirty="0"/>
+              <a:t>Chickens: </a:t>
+            </a:r>
+          </a:p>
+          <a:p>
+            <a:r>
+              <a:rPr lang="en-US" sz="800" dirty="0" smtClean="0"/>
+              <a:t>9000</a:t>
+            </a:r>
+            <a:endParaRPr lang="en-US" sz="800" dirty="0"/>
+          </a:p>
+          <a:p>
+            <a:r>
+              <a:rPr lang="en-US" sz="800" dirty="0"/>
+              <a:t>Bacon (kg):</a:t>
+            </a:r>
+          </a:p>
+          <a:p>
+            <a:r>
+              <a:rPr lang="en-US" sz="800" dirty="0" smtClean="0"/>
+              <a:t>0.1</a:t>
+            </a:r>
+            <a:endParaRPr lang="en-US" sz="800" dirty="0"/>
+          </a:p>
+          <a:p>
+            <a:r>
+              <a:rPr lang="en-US" sz="800" dirty="0"/>
+              <a:t>A tractor:</a:t>
+            </a:r>
+          </a:p>
+          <a:p>
+            <a:r>
+              <a:rPr lang="en-US" sz="800" dirty="0" err="1" smtClean="0"/>
+              <a:t>Zetor</a:t>
+            </a:r>
+            <a:endParaRPr lang="en-US" sz="800" dirty="0" smtClean="0"/>
+          </a:p>
+          <a:p>
+            <a:endParaRPr lang="en-US" sz="800" dirty="0"/>
+          </a:p>
+          <a:p>
+            <a:r>
+              <a:rPr lang="en-US" sz="800" dirty="0"/>
+              <a:t>In a nutshell: </a:t>
+            </a:r>
+          </a:p>
+          <a:p>
+            <a:r>
+              <a:rPr lang="en-US" sz="800" dirty="0" smtClean="0"/>
+              <a:t>9000</a:t>
+            </a:r>
+            <a:endParaRPr lang="en-US" sz="800" dirty="0"/>
+          </a:p>
+          <a:p>
+            <a:r>
+              <a:rPr lang="en-US" sz="800" dirty="0" smtClean="0"/>
+              <a:t>0.1</a:t>
+            </a:r>
+            <a:endParaRPr lang="en-US" sz="800" dirty="0"/>
+          </a:p>
+          <a:p>
+            <a:r>
+              <a:rPr lang="en-US" sz="800" dirty="0" err="1" smtClean="0"/>
+              <a:t>Zetor</a:t>
+            </a:r>
+            <a:endParaRPr lang="en-US" sz="800" dirty="0"/>
+          </a:p>
+        </p:txBody>
+      </p:sp>
+    </p:spTree>
+    <p:extLst>
+      <p:ext uri="{BB962C8B-B14F-4D97-AF65-F5344CB8AC3E}">
+        <p14:creationId xmlns:p14="http://schemas.microsoft.com/office/powerpoint/2010/main" val="1869822733"/>
+      </p:ext>
+    </p:extLst>
+  </p:cSld>
+  <p:clrMapOvr>
+    <a:masterClrMapping/>
+  </p:clrMapOvr>
+  <p:timing>
+    <p:tnLst>
+      <p:par>
+        <p:cTn id="1" dur="indefinite" restart="never" nodeType="tmRoot"/>
+      </p:par>
+    </p:tnLst>
+  </p:timing>
+</p:sld>
+</file>
+
+<file path=ppt/slides/slide28.xml><?xml version="1.0" encoding="utf-8"?>
+<p:sld xmlns:a="http://schemas.openxmlformats.org/drawingml/2006/main" xmlns:r="http://schemas.openxmlformats.org/officeDocument/2006/relationships" xmlns:p="http://schemas.openxmlformats.org/presentationml/2006/main">
+  <p:cSld>
+    <p:spTree>
+      <p:nvGrpSpPr>
+        <p:cNvPr id="1" name=""/>
+        <p:cNvGrpSpPr/>
+        <p:nvPr/>
+      </p:nvGrpSpPr>
+      <p:grpSpPr>
+        <a:xfrm>
+          <a:off x="0" y="0"/>
+          <a:ext cx="0" cy="0"/>
+          <a:chOff x="0" y="0"/>
+          <a:chExt cx="0" cy="0"/>
+        </a:xfrm>
+      </p:grpSpPr>
+      <p:sp>
+        <p:nvSpPr>
+          <p:cNvPr id="2" name="Title 1"/>
+          <p:cNvSpPr>
+            <a:spLocks noGrp="1"/>
+          </p:cNvSpPr>
+          <p:nvPr>
+            <p:ph type="title"/>
+          </p:nvPr>
+        </p:nvSpPr>
+        <p:spPr/>
+        <p:txBody>
+          <a:bodyPr/>
+          <a:lstStyle/>
+          <a:p>
+            <a:r>
+              <a:rPr lang="en-US" dirty="0" smtClean="0"/>
+              <a:t>Exercise 5</a:t>
+            </a:r>
+            <a:endParaRPr lang="en-US" dirty="0"/>
+          </a:p>
+        </p:txBody>
+      </p:sp>
+      <p:sp>
+        <p:nvSpPr>
+          <p:cNvPr id="3" name="Content Placeholder 2"/>
+          <p:cNvSpPr>
+            <a:spLocks noGrp="1"/>
+          </p:cNvSpPr>
+          <p:nvPr>
+            <p:ph idx="1"/>
+          </p:nvPr>
+        </p:nvSpPr>
+        <p:spPr/>
+        <p:txBody>
+          <a:bodyPr>
+            <a:normAutofit fontScale="85000" lnSpcReduction="20000"/>
+          </a:bodyPr>
+          <a:lstStyle/>
+          <a:p>
+            <a:r>
+              <a:rPr lang="en-US" dirty="0" smtClean="0"/>
+              <a:t>Seconds in a year</a:t>
+            </a:r>
+          </a:p>
+          <a:p>
+            <a:pPr lvl="1"/>
+            <a:r>
+              <a:rPr lang="en-US" dirty="0"/>
+              <a:t>Create a program that counts how many seconds there are in a year. You can assume that a year consists of 365 days (therefore the year is not a leap year</a:t>
+            </a:r>
+            <a:r>
+              <a:rPr lang="en-US" dirty="0" smtClean="0"/>
+              <a:t>).</a:t>
+            </a:r>
+          </a:p>
+          <a:p>
+            <a:pPr lvl="1"/>
+            <a:r>
+              <a:rPr lang="en-US" dirty="0" smtClean="0"/>
+              <a:t>The </a:t>
+            </a:r>
+            <a:r>
+              <a:rPr lang="en-US" dirty="0"/>
+              <a:t>program should print the following:</a:t>
+            </a:r>
+          </a:p>
+          <a:p>
+            <a:pPr marL="0" indent="0">
+              <a:buNone/>
+            </a:pPr>
+            <a:r>
+              <a:rPr lang="en-US" dirty="0"/>
+              <a:t/>
+            </a:r>
+            <a:br>
+              <a:rPr lang="en-US" dirty="0"/>
+            </a:br>
+            <a:endParaRPr lang="en-US" dirty="0" smtClean="0"/>
+          </a:p>
+          <a:p>
+            <a:pPr marL="914400" lvl="2" indent="0">
+              <a:buNone/>
+            </a:pPr>
+            <a:r>
+              <a:rPr lang="en-US" dirty="0"/>
+              <a:t>X should be replaced with the calculation of your program.</a:t>
+            </a:r>
+          </a:p>
+          <a:p>
+            <a:pPr marL="914400" lvl="2" indent="0">
+              <a:buNone/>
+            </a:pPr>
+            <a:endParaRPr lang="en-US" dirty="0"/>
+          </a:p>
+          <a:p>
+            <a:pPr marL="914400" lvl="2" indent="0">
+              <a:buNone/>
+            </a:pPr>
+            <a:endParaRPr lang="en-US" dirty="0"/>
+          </a:p>
+        </p:txBody>
+      </p:sp>
+      <p:sp>
+        <p:nvSpPr>
+          <p:cNvPr id="4" name="Rectangle 3"/>
+          <p:cNvSpPr/>
+          <p:nvPr/>
+        </p:nvSpPr>
+        <p:spPr>
+          <a:xfrm>
+            <a:off x="1676400" y="2981325"/>
+            <a:ext cx="5334000" cy="533400"/>
+          </a:xfrm>
+          <a:prstGeom prst="rect">
+            <a:avLst/>
+          </a:prstGeom>
+          <a:ln w="9525"/>
+        </p:spPr>
+        <p:style>
+          <a:lnRef idx="2">
+            <a:schemeClr val="dk1"/>
+          </a:lnRef>
+          <a:fillRef idx="1">
+            <a:schemeClr val="lt1"/>
+          </a:fillRef>
+          <a:effectRef idx="0">
+            <a:schemeClr val="dk1"/>
+          </a:effectRef>
+          <a:fontRef idx="minor">
+            <a:schemeClr val="dk1"/>
+          </a:fontRef>
+        </p:style>
+        <p:txBody>
+          <a:bodyPr rtlCol="0" anchor="ctr"/>
+          <a:lstStyle/>
+          <a:p>
+            <a:r>
+              <a:rPr lang="en-US" dirty="0"/>
+              <a:t>There are X seconds in a year. </a:t>
+            </a:r>
+          </a:p>
+        </p:txBody>
+      </p:sp>
+    </p:spTree>
+    <p:extLst>
+      <p:ext uri="{BB962C8B-B14F-4D97-AF65-F5344CB8AC3E}">
+        <p14:creationId xmlns:p14="http://schemas.microsoft.com/office/powerpoint/2010/main" val="1869822733"/>
+      </p:ext>
+    </p:extLst>
+  </p:cSld>
+  <p:clrMapOvr>
+    <a:masterClrMapping/>
+  </p:clrMapOvr>
+  <p:timing>
+    <p:tnLst>
+      <p:par>
+        <p:cTn id="1" dur="indefinite" restart="never" nodeType="tmRoot"/>
+      </p:par>
+    </p:tnLst>
+  </p:timing>
+</p:sld>
+</file>
+
+<file path=ppt/slides/slide29.xml><?xml version="1.0" encoding="utf-8"?>
+<p:sld xmlns:a="http://schemas.openxmlformats.org/drawingml/2006/main" xmlns:r="http://schemas.openxmlformats.org/officeDocument/2006/relationships" xmlns:p="http://schemas.openxmlformats.org/presentationml/2006/main">
+  <p:cSld>
+    <p:spTree>
+      <p:nvGrpSpPr>
+        <p:cNvPr id="1" name=""/>
+        <p:cNvGrpSpPr/>
+        <p:nvPr/>
+      </p:nvGrpSpPr>
+      <p:grpSpPr>
+        <a:xfrm>
+          <a:off x="0" y="0"/>
+          <a:ext cx="0" cy="0"/>
+          <a:chOff x="0" y="0"/>
+          <a:chExt cx="0" cy="0"/>
+        </a:xfrm>
+      </p:grpSpPr>
+      <p:sp>
+        <p:nvSpPr>
+          <p:cNvPr id="2" name="Title 1"/>
+          <p:cNvSpPr>
+            <a:spLocks noGrp="1"/>
+          </p:cNvSpPr>
+          <p:nvPr>
+            <p:ph type="title"/>
+          </p:nvPr>
+        </p:nvSpPr>
+        <p:spPr/>
+        <p:txBody>
+          <a:bodyPr/>
+          <a:lstStyle/>
+          <a:p>
+            <a:r>
+              <a:rPr lang="en-US" dirty="0" smtClean="0"/>
+              <a:t>Exercise 6</a:t>
+            </a:r>
+            <a:endParaRPr lang="en-US" dirty="0"/>
+          </a:p>
+        </p:txBody>
+      </p:sp>
+      <p:sp>
+        <p:nvSpPr>
+          <p:cNvPr id="3" name="Content Placeholder 2"/>
+          <p:cNvSpPr>
+            <a:spLocks noGrp="1"/>
+          </p:cNvSpPr>
+          <p:nvPr>
+            <p:ph idx="1"/>
+          </p:nvPr>
+        </p:nvSpPr>
+        <p:spPr/>
+        <p:txBody>
+          <a:bodyPr>
+            <a:normAutofit fontScale="85000" lnSpcReduction="20000"/>
+          </a:bodyPr>
+          <a:lstStyle/>
+          <a:p>
+            <a:r>
+              <a:rPr lang="en-US" sz="1800" dirty="0" smtClean="0"/>
+              <a:t>Addition</a:t>
+            </a:r>
+          </a:p>
+          <a:p>
+            <a:pPr lvl="1"/>
+            <a:r>
+              <a:rPr lang="en-US" sz="1600" dirty="0"/>
+              <a:t>Create a program to calculate the sum of two numbers. At the beginning of the program two variables are introduced and those variables hold the numbers to be summed. Feel free to use other variables if you need </a:t>
+            </a:r>
+            <a:r>
+              <a:rPr lang="en-US" sz="1600" dirty="0" smtClean="0"/>
+              <a:t>to.</a:t>
+            </a:r>
+          </a:p>
+          <a:p>
+            <a:pPr lvl="1"/>
+            <a:r>
+              <a:rPr lang="en-US" sz="1600" dirty="0"/>
+              <a:t>For example, if the variables hold numbers 5 and 4, the program should output</a:t>
+            </a:r>
+            <a:r>
+              <a:rPr lang="en-US" sz="1600" dirty="0" smtClean="0"/>
+              <a:t>:</a:t>
+            </a:r>
+            <a:endParaRPr lang="en-US" sz="1800" dirty="0"/>
+          </a:p>
+          <a:p>
+            <a:pPr lvl="1"/>
+            <a:endParaRPr lang="en-US" sz="1900" dirty="0" smtClean="0"/>
+          </a:p>
+          <a:p>
+            <a:pPr lvl="1"/>
+            <a:endParaRPr lang="en-US" sz="1900" dirty="0"/>
+          </a:p>
+          <a:p>
+            <a:pPr lvl="1"/>
+            <a:endParaRPr lang="en-US" sz="1900" dirty="0" smtClean="0"/>
+          </a:p>
+          <a:p>
+            <a:pPr lvl="1"/>
+            <a:endParaRPr lang="en-US" sz="1900" dirty="0"/>
+          </a:p>
+          <a:p>
+            <a:pPr lvl="1"/>
+            <a:r>
+              <a:rPr lang="en-US" sz="1900" dirty="0" smtClean="0"/>
+              <a:t>If </a:t>
+            </a:r>
+            <a:r>
+              <a:rPr lang="en-US" sz="1900" dirty="0"/>
+              <a:t>the variables hold numbers 73457 and 12888, the program output should be:</a:t>
+            </a:r>
+          </a:p>
+          <a:p>
+            <a:pPr marL="0" indent="0">
+              <a:buNone/>
+            </a:pPr>
+            <a:r>
+              <a:rPr lang="en-US" dirty="0"/>
+              <a:t/>
+            </a:r>
+            <a:br>
+              <a:rPr lang="en-US" dirty="0"/>
+            </a:br>
+            <a:endParaRPr lang="en-US" sz="1600" dirty="0"/>
+          </a:p>
+        </p:txBody>
+      </p:sp>
+      <p:sp>
+        <p:nvSpPr>
+          <p:cNvPr id="4" name="Rectangle 3"/>
+          <p:cNvSpPr/>
+          <p:nvPr/>
+        </p:nvSpPr>
+        <p:spPr>
+          <a:xfrm>
+            <a:off x="1524000" y="2362200"/>
+            <a:ext cx="5334000" cy="533400"/>
+          </a:xfrm>
+          <a:prstGeom prst="rect">
+            <a:avLst/>
+          </a:prstGeom>
+          <a:ln w="9525"/>
+        </p:spPr>
+        <p:style>
+          <a:lnRef idx="2">
+            <a:schemeClr val="dk1"/>
+          </a:lnRef>
+          <a:fillRef idx="1">
+            <a:schemeClr val="lt1"/>
+          </a:fillRef>
+          <a:effectRef idx="0">
+            <a:schemeClr val="dk1"/>
+          </a:effectRef>
+          <a:fontRef idx="minor">
+            <a:schemeClr val="dk1"/>
+          </a:fontRef>
+        </p:style>
+        <p:txBody>
+          <a:bodyPr rtlCol="0" anchor="ctr"/>
+          <a:lstStyle/>
+          <a:p>
+            <a:r>
+              <a:rPr lang="en-US" dirty="0"/>
+              <a:t>5 + 4 = 9</a:t>
+            </a:r>
+          </a:p>
+        </p:txBody>
+      </p:sp>
+      <p:sp>
+        <p:nvSpPr>
+          <p:cNvPr id="5" name="Rectangle 4"/>
+          <p:cNvSpPr/>
+          <p:nvPr/>
+        </p:nvSpPr>
+        <p:spPr>
+          <a:xfrm>
+            <a:off x="1524000" y="3562350"/>
+            <a:ext cx="5334000" cy="533400"/>
+          </a:xfrm>
+          <a:prstGeom prst="rect">
+            <a:avLst/>
+          </a:prstGeom>
+          <a:ln w="9525"/>
+        </p:spPr>
+        <p:style>
+          <a:lnRef idx="2">
+            <a:schemeClr val="dk1"/>
+          </a:lnRef>
+          <a:fillRef idx="1">
+            <a:schemeClr val="lt1"/>
+          </a:fillRef>
+          <a:effectRef idx="0">
+            <a:schemeClr val="dk1"/>
+          </a:effectRef>
+          <a:fontRef idx="minor">
+            <a:schemeClr val="dk1"/>
+          </a:fontRef>
+        </p:style>
+        <p:txBody>
+          <a:bodyPr rtlCol="0" anchor="ctr"/>
+          <a:lstStyle/>
+          <a:p>
+            <a:r>
+              <a:rPr lang="en-US" dirty="0"/>
+              <a:t>73457 + 12888 = 86345 </a:t>
+            </a:r>
+          </a:p>
+        </p:txBody>
+      </p:sp>
+    </p:spTree>
+    <p:extLst>
+      <p:ext uri="{BB962C8B-B14F-4D97-AF65-F5344CB8AC3E}">
+        <p14:creationId xmlns:p14="http://schemas.microsoft.com/office/powerpoint/2010/main" val="1869822733"/>
+      </p:ext>
+    </p:extLst>
+  </p:cSld>
+  <p:clrMapOvr>
+    <a:masterClrMapping/>
+  </p:clrMapOvr>
+  <p:timing>
+    <p:tnLst>
+      <p:par>
+        <p:cTn id="1" dur="indefinite" restart="never" nodeType="tmRoot"/>
       </p:par>
     </p:tnLst>
   </p:timing>
@@ -11280,6 +12605,226 @@
 </p:sld>
 </file>
 
+<file path=ppt/slides/slide30.xml><?xml version="1.0" encoding="utf-8"?>
+<p:sld xmlns:a="http://schemas.openxmlformats.org/drawingml/2006/main" xmlns:r="http://schemas.openxmlformats.org/officeDocument/2006/relationships" xmlns:p="http://schemas.openxmlformats.org/presentationml/2006/main">
+  <p:cSld>
+    <p:spTree>
+      <p:nvGrpSpPr>
+        <p:cNvPr id="1" name=""/>
+        <p:cNvGrpSpPr/>
+        <p:nvPr/>
+      </p:nvGrpSpPr>
+      <p:grpSpPr>
+        <a:xfrm>
+          <a:off x="0" y="0"/>
+          <a:ext cx="0" cy="0"/>
+          <a:chOff x="0" y="0"/>
+          <a:chExt cx="0" cy="0"/>
+        </a:xfrm>
+      </p:grpSpPr>
+      <p:sp>
+        <p:nvSpPr>
+          <p:cNvPr id="2" name="Title 1"/>
+          <p:cNvSpPr>
+            <a:spLocks noGrp="1"/>
+          </p:cNvSpPr>
+          <p:nvPr>
+            <p:ph type="title"/>
+          </p:nvPr>
+        </p:nvSpPr>
+        <p:spPr/>
+        <p:txBody>
+          <a:bodyPr/>
+          <a:lstStyle/>
+          <a:p>
+            <a:r>
+              <a:rPr lang="en-US" dirty="0" smtClean="0"/>
+              <a:t>Exercise 7</a:t>
+            </a:r>
+            <a:endParaRPr lang="en-US" dirty="0"/>
+          </a:p>
+        </p:txBody>
+      </p:sp>
+      <p:sp>
+        <p:nvSpPr>
+          <p:cNvPr id="3" name="Content Placeholder 2"/>
+          <p:cNvSpPr>
+            <a:spLocks noGrp="1"/>
+          </p:cNvSpPr>
+          <p:nvPr>
+            <p:ph idx="1"/>
+          </p:nvPr>
+        </p:nvSpPr>
+        <p:spPr/>
+        <p:txBody>
+          <a:bodyPr>
+            <a:normAutofit fontScale="85000" lnSpcReduction="10000"/>
+          </a:bodyPr>
+          <a:lstStyle/>
+          <a:p>
+            <a:r>
+              <a:rPr lang="en-US" sz="1800" dirty="0" smtClean="0"/>
+              <a:t>Multiplication</a:t>
+            </a:r>
+          </a:p>
+          <a:p>
+            <a:pPr lvl="1"/>
+            <a:r>
+              <a:rPr lang="en-US" sz="1900" dirty="0"/>
+              <a:t>Create a program similar to the previous one except that it multiplies the two numbers instead of adding them</a:t>
+            </a:r>
+            <a:r>
+              <a:rPr lang="en-US" sz="1900" dirty="0" smtClean="0"/>
+              <a:t>.</a:t>
+            </a:r>
+          </a:p>
+          <a:p>
+            <a:pPr lvl="1"/>
+            <a:r>
+              <a:rPr lang="en-US" sz="1900" dirty="0"/>
+              <a:t>For example, if the variables hold numbers 2 and 8, the program output should be:</a:t>
+            </a:r>
+          </a:p>
+          <a:p>
+            <a:pPr marL="0" indent="0">
+              <a:buNone/>
+            </a:pPr>
+            <a:endParaRPr lang="en-US" dirty="0" smtClean="0"/>
+          </a:p>
+          <a:p>
+            <a:pPr marL="0" indent="0">
+              <a:buNone/>
+            </a:pPr>
+            <a:endParaRPr lang="en-US" sz="1900" dirty="0"/>
+          </a:p>
+          <a:p>
+            <a:pPr lvl="1"/>
+            <a:r>
+              <a:rPr lang="en-US" sz="1900" dirty="0"/>
+              <a:t>If the variables hold numbers 277 and 111, the program output should be:</a:t>
+            </a:r>
+          </a:p>
+          <a:p>
+            <a:pPr lvl="1"/>
+            <a:endParaRPr lang="en-US" sz="1900" dirty="0"/>
+          </a:p>
+          <a:p>
+            <a:pPr marL="0" indent="0">
+              <a:buNone/>
+            </a:pPr>
+            <a:r>
+              <a:rPr lang="en-US" dirty="0" smtClean="0"/>
+              <a:t/>
+            </a:r>
+            <a:br>
+              <a:rPr lang="en-US" dirty="0" smtClean="0"/>
+            </a:br>
+            <a:endParaRPr lang="en-US" sz="1600" dirty="0"/>
+          </a:p>
+        </p:txBody>
+      </p:sp>
+      <p:sp>
+        <p:nvSpPr>
+          <p:cNvPr id="4" name="Rectangle 3"/>
+          <p:cNvSpPr/>
+          <p:nvPr/>
+        </p:nvSpPr>
+        <p:spPr>
+          <a:xfrm>
+            <a:off x="1543050" y="2305050"/>
+            <a:ext cx="5334000" cy="533400"/>
+          </a:xfrm>
+          <a:prstGeom prst="rect">
+            <a:avLst/>
+          </a:prstGeom>
+          <a:ln w="9525"/>
+        </p:spPr>
+        <p:style>
+          <a:lnRef idx="2">
+            <a:schemeClr val="dk1"/>
+          </a:lnRef>
+          <a:fillRef idx="1">
+            <a:schemeClr val="lt1"/>
+          </a:fillRef>
+          <a:effectRef idx="0">
+            <a:schemeClr val="dk1"/>
+          </a:effectRef>
+          <a:fontRef idx="minor">
+            <a:schemeClr val="dk1"/>
+          </a:fontRef>
+        </p:style>
+        <p:txBody>
+          <a:bodyPr rtlCol="0" anchor="ctr"/>
+          <a:lstStyle/>
+          <a:p>
+            <a:r>
+              <a:rPr lang="en-US" dirty="0"/>
+              <a:t>2 * 8 = 16</a:t>
+            </a:r>
+          </a:p>
+        </p:txBody>
+      </p:sp>
+      <p:sp>
+        <p:nvSpPr>
+          <p:cNvPr id="5" name="Rectangle 4"/>
+          <p:cNvSpPr/>
+          <p:nvPr/>
+        </p:nvSpPr>
+        <p:spPr>
+          <a:xfrm>
+            <a:off x="1524000" y="3409950"/>
+            <a:ext cx="5334000" cy="533400"/>
+          </a:xfrm>
+          <a:prstGeom prst="rect">
+            <a:avLst/>
+          </a:prstGeom>
+          <a:ln w="9525"/>
+        </p:spPr>
+        <p:style>
+          <a:lnRef idx="2">
+            <a:schemeClr val="dk1"/>
+          </a:lnRef>
+          <a:fillRef idx="1">
+            <a:schemeClr val="lt1"/>
+          </a:fillRef>
+          <a:effectRef idx="0">
+            <a:schemeClr val="dk1"/>
+          </a:effectRef>
+          <a:fontRef idx="minor">
+            <a:schemeClr val="dk1"/>
+          </a:fontRef>
+        </p:style>
+        <p:txBody>
+          <a:bodyPr rtlCol="0" anchor="ctr"/>
+          <a:lstStyle/>
+          <a:p>
+            <a:r>
+              <a:rPr lang="en-US" dirty="0"/>
+              <a:t>277 * 111 = 30747 </a:t>
+            </a:r>
+          </a:p>
+        </p:txBody>
+      </p:sp>
+    </p:spTree>
+    <p:extLst>
+      <p:ext uri="{BB962C8B-B14F-4D97-AF65-F5344CB8AC3E}">
+        <p14:creationId xmlns:p14="http://schemas.microsoft.com/office/powerpoint/2010/main" val="3328490062"/>
+      </p:ext>
+    </p:extLst>
+  </p:cSld>
+  <p:clrMapOvr>
+    <a:masterClrMapping/>
+  </p:clrMapOvr>
+  <p:timing>
+    <p:tnLst>
+      <p:par>
+        <p:cTn id="1" dur="indefinite" restart="never" nodeType="tmRoot"/>
+      </p:par>
+    </p:tnLst>
+  </p:timing>
+</p:sld>
+</file>
+
 <file path=ppt/slides/slide4.xml><?xml version="1.0" encoding="utf-8"?>
 <p:sld xmlns:a="http://schemas.openxmlformats.org/drawingml/2006/main" xmlns:r="http://schemas.openxmlformats.org/officeDocument/2006/relationships" xmlns:p="http://schemas.openxmlformats.org/presentationml/2006/main">
   <p:cSld>

--- a/Week 1/AP CS A - Week 1 Lecture.pptx
+++ b/Week 1/AP CS A - Week 1 Lecture.pptx
@@ -221,7 +221,7 @@
           <a:p>
             <a:fld id="{F52C6709-C511-4DE8-ABD6-DB2E81FC1149}" type="datetimeFigureOut">
               <a:rPr lang="en-US" smtClean="0"/>
-              <a:t>9/5/2019</a:t>
+              <a:t>9/6/2019</a:t>
             </a:fld>
             <a:endParaRPr lang="en-US"/>
           </a:p>
@@ -678,7 +678,7 @@
           <a:p>
             <a:fld id="{DF13BD6C-D04E-4337-8BF8-D34DDB9F4393}" type="datetimeFigureOut">
               <a:rPr lang="en-US" smtClean="0"/>
-              <a:t>9/5/2019</a:t>
+              <a:t>9/6/2019</a:t>
             </a:fld>
             <a:endParaRPr lang="en-US"/>
           </a:p>
@@ -821,7 +821,7 @@
           <a:p>
             <a:fld id="{DF13BD6C-D04E-4337-8BF8-D34DDB9F4393}" type="datetimeFigureOut">
               <a:rPr lang="en-US" smtClean="0"/>
-              <a:t>9/5/2019</a:t>
+              <a:t>9/6/2019</a:t>
             </a:fld>
             <a:endParaRPr lang="en-US"/>
           </a:p>
@@ -1025,7 +1025,7 @@
           <a:p>
             <a:fld id="{DF13BD6C-D04E-4337-8BF8-D34DDB9F4393}" type="datetimeFigureOut">
               <a:rPr lang="en-US" smtClean="0"/>
-              <a:t>9/5/2019</a:t>
+              <a:t>9/6/2019</a:t>
             </a:fld>
             <a:endParaRPr lang="en-US"/>
           </a:p>
@@ -1412,7 +1412,7 @@
           <a:p>
             <a:fld id="{DF13BD6C-D04E-4337-8BF8-D34DDB9F4393}" type="datetimeFigureOut">
               <a:rPr lang="en-US" smtClean="0"/>
-              <a:t>9/5/2019</a:t>
+              <a:t>9/6/2019</a:t>
             </a:fld>
             <a:endParaRPr lang="en-US"/>
           </a:p>
@@ -1724,7 +1724,7 @@
           <a:p>
             <a:fld id="{DF13BD6C-D04E-4337-8BF8-D34DDB9F4393}" type="datetimeFigureOut">
               <a:rPr lang="en-US" smtClean="0"/>
-              <a:t>9/5/2019</a:t>
+              <a:t>9/6/2019</a:t>
             </a:fld>
             <a:endParaRPr lang="en-US"/>
           </a:p>
@@ -2175,7 +2175,7 @@
           <a:p>
             <a:fld id="{DF13BD6C-D04E-4337-8BF8-D34DDB9F4393}" type="datetimeFigureOut">
               <a:rPr lang="en-US" smtClean="0"/>
-              <a:t>9/5/2019</a:t>
+              <a:t>9/6/2019</a:t>
             </a:fld>
             <a:endParaRPr lang="en-US"/>
           </a:p>
@@ -2317,7 +2317,7 @@
           <a:p>
             <a:fld id="{DF13BD6C-D04E-4337-8BF8-D34DDB9F4393}" type="datetimeFigureOut">
               <a:rPr lang="en-US" smtClean="0"/>
-              <a:t>9/5/2019</a:t>
+              <a:t>9/6/2019</a:t>
             </a:fld>
             <a:endParaRPr lang="en-US"/>
           </a:p>
@@ -2436,7 +2436,7 @@
           <a:p>
             <a:fld id="{DF13BD6C-D04E-4337-8BF8-D34DDB9F4393}" type="datetimeFigureOut">
               <a:rPr lang="en-US" smtClean="0"/>
-              <a:t>9/5/2019</a:t>
+              <a:t>9/6/2019</a:t>
             </a:fld>
             <a:endParaRPr lang="en-US"/>
           </a:p>
@@ -2737,7 +2737,7 @@
           <a:p>
             <a:fld id="{DF13BD6C-D04E-4337-8BF8-D34DDB9F4393}" type="datetimeFigureOut">
               <a:rPr lang="en-US" smtClean="0"/>
-              <a:t>9/5/2019</a:t>
+              <a:t>9/6/2019</a:t>
             </a:fld>
             <a:endParaRPr lang="en-US"/>
           </a:p>
@@ -3014,7 +3014,7 @@
           <a:p>
             <a:fld id="{DF13BD6C-D04E-4337-8BF8-D34DDB9F4393}" type="datetimeFigureOut">
               <a:rPr lang="en-US" smtClean="0"/>
-              <a:t>9/5/2019</a:t>
+              <a:t>9/6/2019</a:t>
             </a:fld>
             <a:endParaRPr lang="en-US"/>
           </a:p>
@@ -3730,8 +3730,17 @@
           <a:p>
             <a:r>
               <a:rPr lang="en-US" dirty="0" smtClean="0"/>
-              <a:t>Code, variables, conditions and logic</a:t>
-            </a:r>
+              <a:t>Code, variables, conditions </a:t>
+            </a:r>
+            <a:r>
+              <a:rPr lang="en-US" smtClean="0"/>
+              <a:t>and </a:t>
+            </a:r>
+            <a:r>
+              <a:rPr lang="en-US" smtClean="0"/>
+              <a:t>logic</a:t>
+            </a:r>
+            <a:endParaRPr lang="en-US" dirty="0" smtClean="0"/>
           </a:p>
         </p:txBody>
       </p:sp>

--- a/Week 1/AP CS A - Week 1 Lecture.pptx
+++ b/Week 1/AP CS A - Week 1 Lecture.pptx
@@ -5,7 +5,7 @@
     <p:sldMasterId id="2147483648" r:id="rId1"/>
   </p:sldMasterIdLst>
   <p:notesMasterIdLst>
-    <p:notesMasterId r:id="rId32"/>
+    <p:notesMasterId r:id="rId37"/>
   </p:notesMasterIdLst>
   <p:sldIdLst>
     <p:sldId id="256" r:id="rId2"/>
@@ -38,6 +38,11 @@
     <p:sldId id="283" r:id="rId29"/>
     <p:sldId id="284" r:id="rId30"/>
     <p:sldId id="285" r:id="rId31"/>
+    <p:sldId id="286" r:id="rId32"/>
+    <p:sldId id="287" r:id="rId33"/>
+    <p:sldId id="288" r:id="rId34"/>
+    <p:sldId id="289" r:id="rId35"/>
+    <p:sldId id="290" r:id="rId36"/>
   </p:sldIdLst>
   <p:sldSz cx="9144000" cy="5143500" type="screen16x9"/>
   <p:notesSz cx="6858000" cy="9144000"/>
@@ -221,7 +226,7 @@
           <a:p>
             <a:fld id="{F52C6709-C511-4DE8-ABD6-DB2E81FC1149}" type="datetimeFigureOut">
               <a:rPr lang="en-US" smtClean="0"/>
-              <a:t>9/6/2019</a:t>
+              <a:t>9/5/2019</a:t>
             </a:fld>
             <a:endParaRPr lang="en-US"/>
           </a:p>
@@ -678,7 +683,7 @@
           <a:p>
             <a:fld id="{DF13BD6C-D04E-4337-8BF8-D34DDB9F4393}" type="datetimeFigureOut">
               <a:rPr lang="en-US" smtClean="0"/>
-              <a:t>9/6/2019</a:t>
+              <a:t>9/5/2019</a:t>
             </a:fld>
             <a:endParaRPr lang="en-US"/>
           </a:p>
@@ -821,7 +826,7 @@
           <a:p>
             <a:fld id="{DF13BD6C-D04E-4337-8BF8-D34DDB9F4393}" type="datetimeFigureOut">
               <a:rPr lang="en-US" smtClean="0"/>
-              <a:t>9/6/2019</a:t>
+              <a:t>9/5/2019</a:t>
             </a:fld>
             <a:endParaRPr lang="en-US"/>
           </a:p>
@@ -1025,7 +1030,7 @@
           <a:p>
             <a:fld id="{DF13BD6C-D04E-4337-8BF8-D34DDB9F4393}" type="datetimeFigureOut">
               <a:rPr lang="en-US" smtClean="0"/>
-              <a:t>9/6/2019</a:t>
+              <a:t>9/5/2019</a:t>
             </a:fld>
             <a:endParaRPr lang="en-US"/>
           </a:p>
@@ -1412,7 +1417,7 @@
           <a:p>
             <a:fld id="{DF13BD6C-D04E-4337-8BF8-D34DDB9F4393}" type="datetimeFigureOut">
               <a:rPr lang="en-US" smtClean="0"/>
-              <a:t>9/6/2019</a:t>
+              <a:t>9/5/2019</a:t>
             </a:fld>
             <a:endParaRPr lang="en-US"/>
           </a:p>
@@ -1724,7 +1729,7 @@
           <a:p>
             <a:fld id="{DF13BD6C-D04E-4337-8BF8-D34DDB9F4393}" type="datetimeFigureOut">
               <a:rPr lang="en-US" smtClean="0"/>
-              <a:t>9/6/2019</a:t>
+              <a:t>9/5/2019</a:t>
             </a:fld>
             <a:endParaRPr lang="en-US"/>
           </a:p>
@@ -2175,7 +2180,7 @@
           <a:p>
             <a:fld id="{DF13BD6C-D04E-4337-8BF8-D34DDB9F4393}" type="datetimeFigureOut">
               <a:rPr lang="en-US" smtClean="0"/>
-              <a:t>9/6/2019</a:t>
+              <a:t>9/5/2019</a:t>
             </a:fld>
             <a:endParaRPr lang="en-US"/>
           </a:p>
@@ -2317,7 +2322,7 @@
           <a:p>
             <a:fld id="{DF13BD6C-D04E-4337-8BF8-D34DDB9F4393}" type="datetimeFigureOut">
               <a:rPr lang="en-US" smtClean="0"/>
-              <a:t>9/6/2019</a:t>
+              <a:t>9/5/2019</a:t>
             </a:fld>
             <a:endParaRPr lang="en-US"/>
           </a:p>
@@ -2436,7 +2441,7 @@
           <a:p>
             <a:fld id="{DF13BD6C-D04E-4337-8BF8-D34DDB9F4393}" type="datetimeFigureOut">
               <a:rPr lang="en-US" smtClean="0"/>
-              <a:t>9/6/2019</a:t>
+              <a:t>9/5/2019</a:t>
             </a:fld>
             <a:endParaRPr lang="en-US"/>
           </a:p>
@@ -2737,7 +2742,7 @@
           <a:p>
             <a:fld id="{DF13BD6C-D04E-4337-8BF8-D34DDB9F4393}" type="datetimeFigureOut">
               <a:rPr lang="en-US" smtClean="0"/>
-              <a:t>9/6/2019</a:t>
+              <a:t>9/5/2019</a:t>
             </a:fld>
             <a:endParaRPr lang="en-US"/>
           </a:p>
@@ -3014,7 +3019,7 @@
           <a:p>
             <a:fld id="{DF13BD6C-D04E-4337-8BF8-D34DDB9F4393}" type="datetimeFigureOut">
               <a:rPr lang="en-US" smtClean="0"/>
-              <a:t>9/6/2019</a:t>
+              <a:t>9/5/2019</a:t>
             </a:fld>
             <a:endParaRPr lang="en-US"/>
           </a:p>
@@ -3730,17 +3735,8 @@
           <a:p>
             <a:r>
               <a:rPr lang="en-US" dirty="0" smtClean="0"/>
-              <a:t>Code, variables, conditions </a:t>
-            </a:r>
-            <a:r>
-              <a:rPr lang="en-US" smtClean="0"/>
-              <a:t>and </a:t>
-            </a:r>
-            <a:r>
-              <a:rPr lang="en-US" smtClean="0"/>
-              <a:t>logic</a:t>
-            </a:r>
-            <a:endParaRPr lang="en-US" dirty="0" smtClean="0"/>
+              <a:t>Code, variables, conditions and logic</a:t>
+            </a:r>
           </a:p>
         </p:txBody>
       </p:sp>
@@ -4898,96 +4894,68 @@
           </a:p>
         </p:txBody>
       </p:sp>
-      <p:sp>
-        <p:nvSpPr>
-          <p:cNvPr id="3" name="Content Placeholder 2"/>
-          <p:cNvSpPr>
-            <a:spLocks noGrp="1"/>
-          </p:cNvSpPr>
-          <p:nvPr>
-            <p:ph idx="1"/>
-          </p:nvPr>
-        </p:nvSpPr>
-        <p:spPr/>
-        <p:txBody>
-          <a:bodyPr>
-            <a:normAutofit/>
-          </a:bodyPr>
-          <a:lstStyle/>
-          <a:p>
-            <a:r>
-              <a:rPr lang="en-US" dirty="0" smtClean="0"/>
-              <a:t>Name</a:t>
-            </a:r>
-          </a:p>
-          <a:p>
-            <a:pPr lvl="1"/>
-            <a:r>
-              <a:rPr lang="en-US" dirty="0"/>
-              <a:t>Create a program that prints your name to the screen.</a:t>
-            </a:r>
-          </a:p>
-          <a:p>
-            <a:pPr lvl="1"/>
-            <a:r>
-              <a:rPr lang="en-US" dirty="0"/>
-              <a:t>The program output should resemble the </a:t>
-            </a:r>
-            <a:r>
-              <a:rPr lang="en-US" dirty="0" smtClean="0"/>
-              <a:t>following:</a:t>
-            </a:r>
-          </a:p>
-          <a:p>
-            <a:pPr marL="914400" lvl="2" indent="0">
-              <a:buNone/>
-            </a:pPr>
-            <a:endParaRPr lang="en-US" dirty="0"/>
-          </a:p>
-        </p:txBody>
-      </p:sp>
-      <p:sp>
-        <p:nvSpPr>
-          <p:cNvPr id="4" name="Rectangle 3"/>
-          <p:cNvSpPr/>
+      <p:pic>
+        <p:nvPicPr>
+          <p:cNvPr id="1026" name="Picture 2"/>
+          <p:cNvPicPr>
+            <a:picLocks noChangeAspect="1" noChangeArrowheads="1"/>
+          </p:cNvPicPr>
           <p:nvPr/>
-        </p:nvSpPr>
-        <p:spPr>
+        </p:nvPicPr>
+        <p:blipFill rotWithShape="1">
+          <a:blip r:embed="rId2">
+            <a:extLst>
+              <a:ext uri="{28A0092B-C50C-407E-A947-70E740481C1C}">
+                <a14:useLocalDpi xmlns:a14="http://schemas.microsoft.com/office/drawing/2010/main" val="0"/>
+              </a:ext>
+            </a:extLst>
+          </a:blip>
+          <a:srcRect l="14495" t="19270" r="16398" b="48698"/>
+          <a:stretch/>
+        </p:blipFill>
+        <p:spPr bwMode="auto">
           <a:xfrm>
-            <a:off x="1685925" y="3648075"/>
-            <a:ext cx="5334000" cy="533400"/>
+            <a:off x="1371600" y="1809750"/>
+            <a:ext cx="6506117" cy="1695450"/>
           </a:xfrm>
           <a:prstGeom prst="rect">
             <a:avLst/>
           </a:prstGeom>
-          <a:ln w="9525"/>
+          <a:noFill/>
+          <a:ln>
+            <a:noFill/>
+          </a:ln>
+          <a:effectLst/>
+          <a:extLst>
+            <a:ext uri="{909E8E84-426E-40DD-AFC4-6F175D3DCCD1}">
+              <a14:hiddenFill xmlns:a14="http://schemas.microsoft.com/office/drawing/2010/main">
+                <a:solidFill>
+                  <a:schemeClr val="accent1"/>
+                </a:solidFill>
+              </a14:hiddenFill>
+            </a:ext>
+            <a:ext uri="{91240B29-F687-4F45-9708-019B960494DF}">
+              <a14:hiddenLine xmlns:a14="http://schemas.microsoft.com/office/drawing/2010/main" w="9525">
+                <a:solidFill>
+                  <a:schemeClr val="tx1"/>
+                </a:solidFill>
+                <a:miter lim="800000"/>
+                <a:headEnd/>
+                <a:tailEnd/>
+              </a14:hiddenLine>
+            </a:ext>
+            <a:ext uri="{AF507438-7753-43E0-B8FC-AC1667EBCBE1}">
+              <a14:hiddenEffects xmlns:a14="http://schemas.microsoft.com/office/drawing/2010/main">
+                <a:effectLst>
+                  <a:outerShdw dist="35921" dir="2700000" algn="ctr" rotWithShape="0">
+                    <a:schemeClr val="bg2"/>
+                  </a:outerShdw>
+                </a:effectLst>
+              </a14:hiddenEffects>
+            </a:ext>
+          </a:extLst>
         </p:spPr>
-        <p:style>
-          <a:lnRef idx="2">
-            <a:schemeClr val="dk1"/>
-          </a:lnRef>
-          <a:fillRef idx="1">
-            <a:schemeClr val="lt1"/>
-          </a:fillRef>
-          <a:effectRef idx="0">
-            <a:schemeClr val="dk1"/>
-          </a:effectRef>
-          <a:fontRef idx="minor">
-            <a:schemeClr val="dk1"/>
-          </a:fontRef>
-        </p:style>
-        <p:txBody>
-          <a:bodyPr rtlCol="0" anchor="ctr"/>
-          <a:lstStyle/>
-          <a:p>
-            <a:r>
-              <a:rPr lang="en-US" dirty="0" smtClean="0"/>
-              <a:t>Jane Doe</a:t>
-            </a:r>
-            <a:endParaRPr lang="en-US" dirty="0"/>
-          </a:p>
-        </p:txBody>
-      </p:sp>
+      </p:pic>
     </p:spTree>
     <p:extLst>
       <p:ext uri="{BB962C8B-B14F-4D97-AF65-F5344CB8AC3E}">
@@ -5048,94 +5016,68 @@
           </a:p>
         </p:txBody>
       </p:sp>
-      <p:sp>
-        <p:nvSpPr>
-          <p:cNvPr id="3" name="Content Placeholder 2"/>
-          <p:cNvSpPr>
-            <a:spLocks noGrp="1"/>
-          </p:cNvSpPr>
-          <p:nvPr>
-            <p:ph idx="1"/>
-          </p:nvPr>
-        </p:nvSpPr>
-        <p:spPr/>
-        <p:txBody>
-          <a:bodyPr>
-            <a:normAutofit/>
-          </a:bodyPr>
-          <a:lstStyle/>
-          <a:p>
-            <a:r>
-              <a:rPr lang="en-US" dirty="0" smtClean="0"/>
-              <a:t>Hello World!</a:t>
-            </a:r>
-          </a:p>
-          <a:p>
-            <a:pPr lvl="1"/>
-            <a:r>
-              <a:rPr lang="en-US" dirty="0"/>
-              <a:t>Create a program that prints out the following</a:t>
-            </a:r>
-            <a:r>
-              <a:rPr lang="en-US" dirty="0" smtClean="0"/>
-              <a:t>:</a:t>
-            </a:r>
-            <a:endParaRPr lang="en-US" dirty="0"/>
-          </a:p>
-        </p:txBody>
-      </p:sp>
-      <p:sp>
-        <p:nvSpPr>
-          <p:cNvPr id="4" name="Rectangle 3"/>
-          <p:cNvSpPr/>
+      <p:pic>
+        <p:nvPicPr>
+          <p:cNvPr id="2050" name="Picture 2"/>
+          <p:cNvPicPr>
+            <a:picLocks noChangeAspect="1" noChangeArrowheads="1"/>
+          </p:cNvPicPr>
           <p:nvPr/>
-        </p:nvSpPr>
-        <p:spPr>
+        </p:nvPicPr>
+        <p:blipFill rotWithShape="1">
+          <a:blip r:embed="rId2">
+            <a:extLst>
+              <a:ext uri="{28A0092B-C50C-407E-A947-70E740481C1C}">
+                <a14:useLocalDpi xmlns:a14="http://schemas.microsoft.com/office/drawing/2010/main" val="0"/>
+              </a:ext>
+            </a:extLst>
+          </a:blip>
+          <a:srcRect l="14348" t="51823" r="15959" b="21615"/>
+          <a:stretch/>
+        </p:blipFill>
+        <p:spPr bwMode="auto">
           <a:xfrm>
-            <a:off x="1590675" y="2571750"/>
-            <a:ext cx="5334000" cy="762000"/>
+            <a:off x="533400" y="1647701"/>
+            <a:ext cx="7924800" cy="1698172"/>
           </a:xfrm>
           <a:prstGeom prst="rect">
             <a:avLst/>
           </a:prstGeom>
-          <a:ln w="9525"/>
+          <a:noFill/>
+          <a:ln>
+            <a:noFill/>
+          </a:ln>
+          <a:effectLst/>
+          <a:extLst>
+            <a:ext uri="{909E8E84-426E-40DD-AFC4-6F175D3DCCD1}">
+              <a14:hiddenFill xmlns:a14="http://schemas.microsoft.com/office/drawing/2010/main">
+                <a:solidFill>
+                  <a:schemeClr val="accent1"/>
+                </a:solidFill>
+              </a14:hiddenFill>
+            </a:ext>
+            <a:ext uri="{91240B29-F687-4F45-9708-019B960494DF}">
+              <a14:hiddenLine xmlns:a14="http://schemas.microsoft.com/office/drawing/2010/main" w="9525">
+                <a:solidFill>
+                  <a:schemeClr val="tx1"/>
+                </a:solidFill>
+                <a:miter lim="800000"/>
+                <a:headEnd/>
+                <a:tailEnd/>
+              </a14:hiddenLine>
+            </a:ext>
+            <a:ext uri="{AF507438-7753-43E0-B8FC-AC1667EBCBE1}">
+              <a14:hiddenEffects xmlns:a14="http://schemas.microsoft.com/office/drawing/2010/main">
+                <a:effectLst>
+                  <a:outerShdw dist="35921" dir="2700000" algn="ctr" rotWithShape="0">
+                    <a:schemeClr val="bg2"/>
+                  </a:outerShdw>
+                </a:effectLst>
+              </a14:hiddenEffects>
+            </a:ext>
+          </a:extLst>
         </p:spPr>
-        <p:style>
-          <a:lnRef idx="2">
-            <a:schemeClr val="dk1"/>
-          </a:lnRef>
-          <a:fillRef idx="1">
-            <a:schemeClr val="lt1"/>
-          </a:fillRef>
-          <a:effectRef idx="0">
-            <a:schemeClr val="dk1"/>
-          </a:effectRef>
-          <a:fontRef idx="minor">
-            <a:schemeClr val="dk1"/>
-          </a:fontRef>
-        </p:style>
-        <p:txBody>
-          <a:bodyPr rtlCol="0" anchor="ctr"/>
-          <a:lstStyle/>
-          <a:p>
-            <a:r>
-              <a:rPr lang="en-US" dirty="0"/>
-              <a:t>Hello world! </a:t>
-            </a:r>
-            <a:endParaRPr lang="en-US" dirty="0" smtClean="0"/>
-          </a:p>
-          <a:p>
-            <a:r>
-              <a:rPr lang="en-US" dirty="0" smtClean="0"/>
-              <a:t>(</a:t>
-            </a:r>
-            <a:r>
-              <a:rPr lang="en-US" dirty="0"/>
-              <a:t>And all the people of the world)</a:t>
-            </a:r>
-          </a:p>
-        </p:txBody>
-      </p:sp>
+      </p:pic>
     </p:spTree>
     <p:extLst>
       <p:ext uri="{BB962C8B-B14F-4D97-AF65-F5344CB8AC3E}">
@@ -5196,139 +5138,68 @@
           </a:p>
         </p:txBody>
       </p:sp>
-      <p:sp>
-        <p:nvSpPr>
-          <p:cNvPr id="3" name="Content Placeholder 2"/>
-          <p:cNvSpPr>
-            <a:spLocks noGrp="1"/>
-          </p:cNvSpPr>
-          <p:nvPr>
-            <p:ph idx="1"/>
-          </p:nvPr>
-        </p:nvSpPr>
-        <p:spPr/>
-        <p:txBody>
-          <a:bodyPr>
-            <a:normAutofit/>
-          </a:bodyPr>
-          <a:lstStyle/>
-          <a:p>
-            <a:r>
-              <a:rPr lang="en-US" dirty="0" smtClean="0"/>
-              <a:t>Spruce</a:t>
-            </a:r>
-          </a:p>
-          <a:p>
-            <a:pPr lvl="1"/>
-            <a:r>
-              <a:rPr lang="en-US" dirty="0"/>
-              <a:t>Create a program that prints the following:</a:t>
-            </a:r>
-          </a:p>
-          <a:p>
-            <a:pPr marL="0" indent="0">
-              <a:buNone/>
-            </a:pPr>
-            <a:endParaRPr lang="en-US" dirty="0"/>
-          </a:p>
-        </p:txBody>
-      </p:sp>
-      <p:sp>
-        <p:nvSpPr>
-          <p:cNvPr id="4" name="Rectangle 3"/>
-          <p:cNvSpPr/>
+      <p:pic>
+        <p:nvPicPr>
+          <p:cNvPr id="3074" name="Picture 2"/>
+          <p:cNvPicPr>
+            <a:picLocks noChangeAspect="1" noChangeArrowheads="1"/>
+          </p:cNvPicPr>
           <p:nvPr/>
-        </p:nvSpPr>
-        <p:spPr>
+        </p:nvPicPr>
+        <p:blipFill rotWithShape="1">
+          <a:blip r:embed="rId2">
+            <a:extLst>
+              <a:ext uri="{28A0092B-C50C-407E-A947-70E740481C1C}">
+                <a14:useLocalDpi xmlns:a14="http://schemas.microsoft.com/office/drawing/2010/main" val="0"/>
+              </a:ext>
+            </a:extLst>
+          </a:blip>
+          <a:srcRect l="14495" t="28646" r="15959" b="24740"/>
+          <a:stretch/>
+        </p:blipFill>
+        <p:spPr bwMode="auto">
           <a:xfrm>
-            <a:off x="1600200" y="2419350"/>
-            <a:ext cx="5334000" cy="1676400"/>
+            <a:off x="838200" y="1276350"/>
+            <a:ext cx="7410450" cy="2792570"/>
           </a:xfrm>
           <a:prstGeom prst="rect">
             <a:avLst/>
           </a:prstGeom>
-          <a:ln w="9525"/>
+          <a:noFill/>
+          <a:ln>
+            <a:noFill/>
+          </a:ln>
+          <a:effectLst/>
+          <a:extLst>
+            <a:ext uri="{909E8E84-426E-40DD-AFC4-6F175D3DCCD1}">
+              <a14:hiddenFill xmlns:a14="http://schemas.microsoft.com/office/drawing/2010/main">
+                <a:solidFill>
+                  <a:schemeClr val="accent1"/>
+                </a:solidFill>
+              </a14:hiddenFill>
+            </a:ext>
+            <a:ext uri="{91240B29-F687-4F45-9708-019B960494DF}">
+              <a14:hiddenLine xmlns:a14="http://schemas.microsoft.com/office/drawing/2010/main" w="9525">
+                <a:solidFill>
+                  <a:schemeClr val="tx1"/>
+                </a:solidFill>
+                <a:miter lim="800000"/>
+                <a:headEnd/>
+                <a:tailEnd/>
+              </a14:hiddenLine>
+            </a:ext>
+            <a:ext uri="{AF507438-7753-43E0-B8FC-AC1667EBCBE1}">
+              <a14:hiddenEffects xmlns:a14="http://schemas.microsoft.com/office/drawing/2010/main">
+                <a:effectLst>
+                  <a:outerShdw dist="35921" dir="2700000" algn="ctr" rotWithShape="0">
+                    <a:schemeClr val="bg2"/>
+                  </a:outerShdw>
+                </a:effectLst>
+              </a14:hiddenEffects>
+            </a:ext>
+          </a:extLst>
         </p:spPr>
-        <p:style>
-          <a:lnRef idx="2">
-            <a:schemeClr val="dk1"/>
-          </a:lnRef>
-          <a:fillRef idx="1">
-            <a:schemeClr val="lt1"/>
-          </a:fillRef>
-          <a:effectRef idx="0">
-            <a:schemeClr val="dk1"/>
-          </a:effectRef>
-          <a:fontRef idx="minor">
-            <a:schemeClr val="dk1"/>
-          </a:fontRef>
-        </p:style>
-        <p:txBody>
-          <a:bodyPr rtlCol="0" anchor="ctr"/>
-          <a:lstStyle/>
-          <a:p>
-            <a:r>
-              <a:rPr lang="en-US" dirty="0"/>
-              <a:t> </a:t>
-            </a:r>
-            <a:r>
-              <a:rPr lang="en-US" dirty="0" smtClean="0"/>
-              <a:t>       *</a:t>
-            </a:r>
-            <a:endParaRPr lang="en-US" dirty="0"/>
-          </a:p>
-          <a:p>
-            <a:r>
-              <a:rPr lang="en-US" dirty="0"/>
-              <a:t>   </a:t>
-            </a:r>
-            <a:r>
-              <a:rPr lang="en-US" dirty="0" smtClean="0"/>
-              <a:t>   ***</a:t>
-            </a:r>
-            <a:endParaRPr lang="en-US" dirty="0"/>
-          </a:p>
-          <a:p>
-            <a:r>
-              <a:rPr lang="en-US" dirty="0"/>
-              <a:t>  </a:t>
-            </a:r>
-            <a:r>
-              <a:rPr lang="en-US" dirty="0" smtClean="0"/>
-              <a:t>  *****</a:t>
-            </a:r>
-            <a:endParaRPr lang="en-US" dirty="0"/>
-          </a:p>
-          <a:p>
-            <a:r>
-              <a:rPr lang="en-US" dirty="0"/>
-              <a:t> </a:t>
-            </a:r>
-            <a:r>
-              <a:rPr lang="en-US" dirty="0" smtClean="0"/>
-              <a:t> *******</a:t>
-            </a:r>
-            <a:endParaRPr lang="en-US" dirty="0"/>
-          </a:p>
-          <a:p>
-            <a:r>
-              <a:rPr lang="en-US" dirty="0"/>
-              <a:t>*********</a:t>
-            </a:r>
-          </a:p>
-          <a:p>
-            <a:r>
-              <a:rPr lang="en-US" dirty="0"/>
-              <a:t>    </a:t>
-            </a:r>
-            <a:r>
-              <a:rPr lang="en-US" dirty="0" smtClean="0"/>
-              <a:t>     *</a:t>
-            </a:r>
-            <a:endParaRPr lang="en-US" dirty="0"/>
-          </a:p>
-        </p:txBody>
-      </p:sp>
+      </p:pic>
     </p:spTree>
     <p:extLst>
       <p:ext uri="{BB962C8B-B14F-4D97-AF65-F5344CB8AC3E}">
@@ -11048,363 +10919,68 @@
           </a:p>
         </p:txBody>
       </p:sp>
-      <p:sp>
-        <p:nvSpPr>
-          <p:cNvPr id="3" name="Content Placeholder 2"/>
-          <p:cNvSpPr>
-            <a:spLocks noGrp="1"/>
-          </p:cNvSpPr>
-          <p:nvPr>
-            <p:ph idx="1"/>
-          </p:nvPr>
-        </p:nvSpPr>
-        <p:spPr/>
-        <p:txBody>
-          <a:bodyPr>
-            <a:normAutofit fontScale="25000" lnSpcReduction="20000"/>
-          </a:bodyPr>
-          <a:lstStyle/>
-          <a:p>
-            <a:r>
-              <a:rPr lang="en-US" sz="7200" dirty="0"/>
-              <a:t>Varying variables</a:t>
-            </a:r>
-            <a:endParaRPr lang="en-US" sz="7200" dirty="0" smtClean="0"/>
-          </a:p>
-          <a:p>
-            <a:pPr lvl="1"/>
-            <a:r>
-              <a:rPr lang="en-US" sz="6400" dirty="0"/>
-              <a:t>The exercise file </a:t>
-            </a:r>
-            <a:r>
-              <a:rPr lang="en-US" sz="6400" dirty="0" smtClean="0"/>
-              <a:t>initially </a:t>
-            </a:r>
-          </a:p>
-          <a:p>
-            <a:pPr marL="457200" lvl="1" indent="0">
-              <a:buNone/>
-            </a:pPr>
-            <a:r>
-              <a:rPr lang="en-US" sz="6400" dirty="0" smtClean="0"/>
-              <a:t>contains </a:t>
-            </a:r>
-            <a:r>
-              <a:rPr lang="en-US" sz="6400" dirty="0"/>
-              <a:t>a program which prints</a:t>
-            </a:r>
-            <a:r>
-              <a:rPr lang="en-US" sz="6400" dirty="0" smtClean="0"/>
-              <a:t>:</a:t>
-            </a:r>
-          </a:p>
-          <a:p>
-            <a:pPr marL="457200" lvl="1" indent="0">
-              <a:buNone/>
-            </a:pPr>
-            <a:endParaRPr lang="en-US" sz="6400" dirty="0"/>
-          </a:p>
-          <a:p>
-            <a:pPr marL="457200" lvl="1" indent="0">
-              <a:buNone/>
-            </a:pPr>
-            <a:endParaRPr lang="en-US" sz="6400" dirty="0" smtClean="0"/>
-          </a:p>
-          <a:p>
-            <a:pPr marL="457200" lvl="1" indent="0">
-              <a:buNone/>
-            </a:pPr>
-            <a:endParaRPr lang="en-US" sz="6400" dirty="0" smtClean="0"/>
-          </a:p>
-          <a:p>
-            <a:pPr lvl="1"/>
-            <a:r>
-              <a:rPr lang="en-US" sz="6400" dirty="0"/>
-              <a:t>Change the program in </a:t>
-            </a:r>
-            <a:endParaRPr lang="en-US" sz="6400" dirty="0" smtClean="0"/>
-          </a:p>
-          <a:p>
-            <a:pPr marL="457200" lvl="1" indent="0">
-              <a:buNone/>
-            </a:pPr>
-            <a:r>
-              <a:rPr lang="en-US" sz="6400" dirty="0" smtClean="0"/>
-              <a:t>the </a:t>
-            </a:r>
-            <a:r>
-              <a:rPr lang="en-US" sz="6400" dirty="0"/>
-              <a:t>specified places so that </a:t>
-            </a:r>
-            <a:r>
-              <a:rPr lang="en-US" sz="6400" dirty="0" smtClean="0"/>
-              <a:t>it</a:t>
-            </a:r>
-          </a:p>
-          <a:p>
-            <a:pPr marL="457200" lvl="1" indent="0">
-              <a:buNone/>
-            </a:pPr>
-            <a:r>
-              <a:rPr lang="en-US" sz="6400" dirty="0" smtClean="0"/>
-              <a:t>will </a:t>
-            </a:r>
-            <a:r>
-              <a:rPr lang="en-US" sz="6400" dirty="0"/>
-              <a:t>print:</a:t>
-            </a:r>
-          </a:p>
-          <a:p>
-            <a:pPr marL="0" indent="0">
-              <a:buNone/>
-            </a:pPr>
-            <a:r>
-              <a:rPr lang="en-US" dirty="0"/>
-              <a:t/>
-            </a:r>
-            <a:br>
-              <a:rPr lang="en-US" dirty="0"/>
-            </a:br>
-            <a:r>
-              <a:rPr lang="en-US" dirty="0"/>
-              <a:t/>
-            </a:r>
-            <a:br>
-              <a:rPr lang="en-US" dirty="0"/>
-            </a:br>
-            <a:endParaRPr lang="en-US" dirty="0"/>
-          </a:p>
-        </p:txBody>
-      </p:sp>
-      <p:sp>
-        <p:nvSpPr>
-          <p:cNvPr id="4" name="Rectangle 3"/>
-          <p:cNvSpPr/>
+      <p:pic>
+        <p:nvPicPr>
+          <p:cNvPr id="4098" name="Picture 2"/>
+          <p:cNvPicPr>
+            <a:picLocks noChangeAspect="1" noChangeArrowheads="1"/>
+          </p:cNvPicPr>
           <p:nvPr/>
-        </p:nvSpPr>
-        <p:spPr>
+        </p:nvPicPr>
+        <p:blipFill rotWithShape="1">
+          <a:blip r:embed="rId2">
+            <a:extLst>
+              <a:ext uri="{28A0092B-C50C-407E-A947-70E740481C1C}">
+                <a14:useLocalDpi xmlns:a14="http://schemas.microsoft.com/office/drawing/2010/main" val="0"/>
+              </a:ext>
+            </a:extLst>
+          </a:blip>
+          <a:srcRect l="17423" t="14063" r="20574" b="13889"/>
+          <a:stretch/>
+        </p:blipFill>
+        <p:spPr bwMode="auto">
           <a:xfrm>
-            <a:off x="4572000" y="1123950"/>
-            <a:ext cx="3124200" cy="1371600"/>
+            <a:off x="609600" y="1126671"/>
+            <a:ext cx="5838371" cy="3814341"/>
           </a:xfrm>
           <a:prstGeom prst="rect">
             <a:avLst/>
           </a:prstGeom>
-          <a:ln w="9525"/>
+          <a:noFill/>
+          <a:ln>
+            <a:noFill/>
+          </a:ln>
+          <a:effectLst/>
+          <a:extLst>
+            <a:ext uri="{909E8E84-426E-40DD-AFC4-6F175D3DCCD1}">
+              <a14:hiddenFill xmlns:a14="http://schemas.microsoft.com/office/drawing/2010/main">
+                <a:solidFill>
+                  <a:schemeClr val="accent1"/>
+                </a:solidFill>
+              </a14:hiddenFill>
+            </a:ext>
+            <a:ext uri="{91240B29-F687-4F45-9708-019B960494DF}">
+              <a14:hiddenLine xmlns:a14="http://schemas.microsoft.com/office/drawing/2010/main" w="9525">
+                <a:solidFill>
+                  <a:schemeClr val="tx1"/>
+                </a:solidFill>
+                <a:miter lim="800000"/>
+                <a:headEnd/>
+                <a:tailEnd/>
+              </a14:hiddenLine>
+            </a:ext>
+            <a:ext uri="{AF507438-7753-43E0-B8FC-AC1667EBCBE1}">
+              <a14:hiddenEffects xmlns:a14="http://schemas.microsoft.com/office/drawing/2010/main">
+                <a:effectLst>
+                  <a:outerShdw dist="35921" dir="2700000" algn="ctr" rotWithShape="0">
+                    <a:schemeClr val="bg2"/>
+                  </a:outerShdw>
+                </a:effectLst>
+              </a14:hiddenEffects>
+            </a:ext>
+          </a:extLst>
         </p:spPr>
-        <p:style>
-          <a:lnRef idx="2">
-            <a:schemeClr val="dk1"/>
-          </a:lnRef>
-          <a:fillRef idx="1">
-            <a:schemeClr val="lt1"/>
-          </a:fillRef>
-          <a:effectRef idx="0">
-            <a:schemeClr val="dk1"/>
-          </a:effectRef>
-          <a:fontRef idx="minor">
-            <a:schemeClr val="dk1"/>
-          </a:fontRef>
-        </p:style>
-        <p:txBody>
-          <a:bodyPr rtlCol="0" anchor="ctr"/>
-          <a:lstStyle/>
-          <a:p>
-            <a:r>
-              <a:rPr lang="en-US" sz="800" dirty="0"/>
-              <a:t>Chickens: </a:t>
-            </a:r>
-            <a:endParaRPr lang="en-US" sz="800" dirty="0" smtClean="0"/>
-          </a:p>
-          <a:p>
-            <a:r>
-              <a:rPr lang="en-US" sz="800" dirty="0" smtClean="0"/>
-              <a:t>3 </a:t>
-            </a:r>
-          </a:p>
-          <a:p>
-            <a:r>
-              <a:rPr lang="en-US" sz="800" dirty="0" smtClean="0"/>
-              <a:t>Bacon </a:t>
-            </a:r>
-            <a:r>
-              <a:rPr lang="en-US" sz="800" dirty="0"/>
-              <a:t>(kg</a:t>
-            </a:r>
-            <a:r>
-              <a:rPr lang="en-US" sz="800" dirty="0" smtClean="0"/>
-              <a:t>):</a:t>
-            </a:r>
-          </a:p>
-          <a:p>
-            <a:r>
-              <a:rPr lang="en-US" sz="800" dirty="0" smtClean="0"/>
-              <a:t>5.5</a:t>
-            </a:r>
-          </a:p>
-          <a:p>
-            <a:r>
-              <a:rPr lang="en-US" sz="800" dirty="0" smtClean="0"/>
-              <a:t>A tractor:</a:t>
-            </a:r>
-          </a:p>
-          <a:p>
-            <a:r>
-              <a:rPr lang="en-US" sz="800" dirty="0" smtClean="0"/>
-              <a:t>There </a:t>
-            </a:r>
-            <a:r>
-              <a:rPr lang="en-US" sz="800" dirty="0"/>
-              <a:t>is </a:t>
-            </a:r>
-            <a:r>
-              <a:rPr lang="en-US" sz="800" dirty="0" smtClean="0"/>
-              <a:t>none!</a:t>
-            </a:r>
-          </a:p>
-          <a:p>
-            <a:endParaRPr lang="en-US" sz="800" dirty="0" smtClean="0"/>
-          </a:p>
-          <a:p>
-            <a:r>
-              <a:rPr lang="en-US" sz="800" dirty="0" smtClean="0"/>
-              <a:t>In </a:t>
-            </a:r>
-            <a:r>
-              <a:rPr lang="en-US" sz="800" dirty="0"/>
-              <a:t>a nutshell: </a:t>
-            </a:r>
-            <a:endParaRPr lang="en-US" sz="800" dirty="0" smtClean="0"/>
-          </a:p>
-          <a:p>
-            <a:r>
-              <a:rPr lang="en-US" sz="800" dirty="0" smtClean="0"/>
-              <a:t>3 </a:t>
-            </a:r>
-          </a:p>
-          <a:p>
-            <a:r>
-              <a:rPr lang="en-US" sz="800" dirty="0" smtClean="0"/>
-              <a:t>5.5 </a:t>
-            </a:r>
-          </a:p>
-          <a:p>
-            <a:r>
-              <a:rPr lang="en-US" sz="800" dirty="0" smtClean="0"/>
-              <a:t>There </a:t>
-            </a:r>
-            <a:r>
-              <a:rPr lang="en-US" sz="800" dirty="0"/>
-              <a:t>is none!</a:t>
-            </a:r>
-          </a:p>
-        </p:txBody>
-      </p:sp>
-      <p:sp>
-        <p:nvSpPr>
-          <p:cNvPr id="5" name="Rectangle 4"/>
-          <p:cNvSpPr/>
-          <p:nvPr/>
-        </p:nvSpPr>
-        <p:spPr>
-          <a:xfrm>
-            <a:off x="4572000" y="2724150"/>
-            <a:ext cx="3124200" cy="1371600"/>
-          </a:xfrm>
-          <a:prstGeom prst="rect">
-            <a:avLst/>
-          </a:prstGeom>
-          <a:ln w="9525"/>
-        </p:spPr>
-        <p:style>
-          <a:lnRef idx="2">
-            <a:schemeClr val="dk1"/>
-          </a:lnRef>
-          <a:fillRef idx="1">
-            <a:schemeClr val="lt1"/>
-          </a:fillRef>
-          <a:effectRef idx="0">
-            <a:schemeClr val="dk1"/>
-          </a:effectRef>
-          <a:fontRef idx="minor">
-            <a:schemeClr val="dk1"/>
-          </a:fontRef>
-        </p:style>
-        <p:txBody>
-          <a:bodyPr rtlCol="0" anchor="ctr"/>
-          <a:lstStyle/>
-          <a:p>
-            <a:r>
-              <a:rPr lang="en-US" sz="800" dirty="0"/>
-              <a:t>Chickens: </a:t>
-            </a:r>
-          </a:p>
-          <a:p>
-            <a:r>
-              <a:rPr lang="en-US" sz="800" dirty="0" smtClean="0"/>
-              <a:t>9000</a:t>
-            </a:r>
-            <a:endParaRPr lang="en-US" sz="800" dirty="0"/>
-          </a:p>
-          <a:p>
-            <a:r>
-              <a:rPr lang="en-US" sz="800" dirty="0"/>
-              <a:t>Bacon (kg):</a:t>
-            </a:r>
-          </a:p>
-          <a:p>
-            <a:r>
-              <a:rPr lang="en-US" sz="800" dirty="0" smtClean="0"/>
-              <a:t>0.1</a:t>
-            </a:r>
-            <a:endParaRPr lang="en-US" sz="800" dirty="0"/>
-          </a:p>
-          <a:p>
-            <a:r>
-              <a:rPr lang="en-US" sz="800" dirty="0"/>
-              <a:t>A tractor:</a:t>
-            </a:r>
-          </a:p>
-          <a:p>
-            <a:r>
-              <a:rPr lang="en-US" sz="800" dirty="0" err="1" smtClean="0"/>
-              <a:t>Zetor</a:t>
-            </a:r>
-            <a:endParaRPr lang="en-US" sz="800" dirty="0" smtClean="0"/>
-          </a:p>
-          <a:p>
-            <a:endParaRPr lang="en-US" sz="800" dirty="0"/>
-          </a:p>
-          <a:p>
-            <a:r>
-              <a:rPr lang="en-US" sz="800" dirty="0"/>
-              <a:t>In a nutshell: </a:t>
-            </a:r>
-          </a:p>
-          <a:p>
-            <a:r>
-              <a:rPr lang="en-US" sz="800" dirty="0" smtClean="0"/>
-              <a:t>9000</a:t>
-            </a:r>
-            <a:endParaRPr lang="en-US" sz="800" dirty="0"/>
-          </a:p>
-          <a:p>
-            <a:r>
-              <a:rPr lang="en-US" sz="800" dirty="0" smtClean="0"/>
-              <a:t>0.1</a:t>
-            </a:r>
-            <a:endParaRPr lang="en-US" sz="800" dirty="0"/>
-          </a:p>
-          <a:p>
-            <a:r>
-              <a:rPr lang="en-US" sz="800" dirty="0" err="1" smtClean="0"/>
-              <a:t>Zetor</a:t>
-            </a:r>
-            <a:endParaRPr lang="en-US" sz="800" dirty="0"/>
-          </a:p>
-        </p:txBody>
-      </p:sp>
+      </p:pic>
     </p:spTree>
     <p:extLst>
       <p:ext uri="{BB962C8B-B14F-4D97-AF65-F5344CB8AC3E}">
@@ -11465,127 +11041,68 @@
           </a:p>
         </p:txBody>
       </p:sp>
-      <p:sp>
-        <p:nvSpPr>
-          <p:cNvPr id="3" name="Content Placeholder 2"/>
-          <p:cNvSpPr>
-            <a:spLocks noGrp="1"/>
-          </p:cNvSpPr>
-          <p:nvPr>
-            <p:ph idx="1"/>
-          </p:nvPr>
-        </p:nvSpPr>
-        <p:spPr/>
-        <p:txBody>
-          <a:bodyPr>
-            <a:normAutofit fontScale="85000" lnSpcReduction="20000"/>
-          </a:bodyPr>
-          <a:lstStyle/>
-          <a:p>
-            <a:r>
-              <a:rPr lang="en-US" dirty="0" smtClean="0"/>
-              <a:t>Seconds in a year</a:t>
-            </a:r>
-          </a:p>
-          <a:p>
-            <a:pPr lvl="1"/>
-            <a:r>
-              <a:rPr lang="en-US" dirty="0"/>
-              <a:t>Create a program that counts how many seconds there are in a year. You can assume that a year consists of 365 days (therefore the year is not a leap year</a:t>
-            </a:r>
-            <a:r>
-              <a:rPr lang="en-US" dirty="0" smtClean="0"/>
-              <a:t>).</a:t>
-            </a:r>
-          </a:p>
-          <a:p>
-            <a:pPr lvl="1"/>
-            <a:r>
-              <a:rPr lang="en-US" dirty="0" smtClean="0"/>
-              <a:t>The </a:t>
-            </a:r>
-            <a:r>
-              <a:rPr lang="en-US" dirty="0"/>
-              <a:t>program should print the following:</a:t>
-            </a:r>
-          </a:p>
-          <a:p>
-            <a:pPr marL="0" indent="0">
-              <a:buNone/>
-            </a:pPr>
-            <a:r>
-              <a:rPr lang="en-US" dirty="0"/>
-              <a:t/>
-            </a:r>
-            <a:br>
-              <a:rPr lang="en-US" dirty="0"/>
-            </a:br>
-            <a:endParaRPr lang="en-US" dirty="0" smtClean="0"/>
-          </a:p>
-          <a:p>
-            <a:pPr marL="914400" lvl="2" indent="0">
-              <a:buNone/>
-            </a:pPr>
-            <a:r>
-              <a:rPr lang="en-US" dirty="0"/>
-              <a:t>X should be replaced with the calculation of your program.</a:t>
-            </a:r>
-          </a:p>
-          <a:p>
-            <a:pPr marL="914400" lvl="2" indent="0">
-              <a:buNone/>
-            </a:pPr>
-            <a:endParaRPr lang="en-US" dirty="0"/>
-          </a:p>
-          <a:p>
-            <a:pPr marL="914400" lvl="2" indent="0">
-              <a:buNone/>
-            </a:pPr>
-            <a:endParaRPr lang="en-US" dirty="0"/>
-          </a:p>
-        </p:txBody>
-      </p:sp>
-      <p:sp>
-        <p:nvSpPr>
-          <p:cNvPr id="4" name="Rectangle 3"/>
-          <p:cNvSpPr/>
+      <p:pic>
+        <p:nvPicPr>
+          <p:cNvPr id="5122" name="Picture 2"/>
+          <p:cNvPicPr>
+            <a:picLocks noChangeAspect="1" noChangeArrowheads="1"/>
+          </p:cNvPicPr>
           <p:nvPr/>
-        </p:nvSpPr>
-        <p:spPr>
+        </p:nvPicPr>
+        <p:blipFill rotWithShape="1">
+          <a:blip r:embed="rId2">
+            <a:extLst>
+              <a:ext uri="{28A0092B-C50C-407E-A947-70E740481C1C}">
+                <a14:useLocalDpi xmlns:a14="http://schemas.microsoft.com/office/drawing/2010/main" val="0"/>
+              </a:ext>
+            </a:extLst>
+          </a:blip>
+          <a:srcRect l="17960" t="31547" r="18567" b="29688"/>
+          <a:stretch/>
+        </p:blipFill>
+        <p:spPr bwMode="auto">
           <a:xfrm>
-            <a:off x="1676400" y="2981325"/>
-            <a:ext cx="5334000" cy="533400"/>
+            <a:off x="805543" y="1200150"/>
+            <a:ext cx="7547429" cy="2591529"/>
           </a:xfrm>
           <a:prstGeom prst="rect">
             <a:avLst/>
           </a:prstGeom>
-          <a:ln w="9525"/>
+          <a:noFill/>
+          <a:ln>
+            <a:noFill/>
+          </a:ln>
+          <a:effectLst/>
+          <a:extLst>
+            <a:ext uri="{909E8E84-426E-40DD-AFC4-6F175D3DCCD1}">
+              <a14:hiddenFill xmlns:a14="http://schemas.microsoft.com/office/drawing/2010/main">
+                <a:solidFill>
+                  <a:schemeClr val="accent1"/>
+                </a:solidFill>
+              </a14:hiddenFill>
+            </a:ext>
+            <a:ext uri="{91240B29-F687-4F45-9708-019B960494DF}">
+              <a14:hiddenLine xmlns:a14="http://schemas.microsoft.com/office/drawing/2010/main" w="9525">
+                <a:solidFill>
+                  <a:schemeClr val="tx1"/>
+                </a:solidFill>
+                <a:miter lim="800000"/>
+                <a:headEnd/>
+                <a:tailEnd/>
+              </a14:hiddenLine>
+            </a:ext>
+            <a:ext uri="{AF507438-7753-43E0-B8FC-AC1667EBCBE1}">
+              <a14:hiddenEffects xmlns:a14="http://schemas.microsoft.com/office/drawing/2010/main">
+                <a:effectLst>
+                  <a:outerShdw dist="35921" dir="2700000" algn="ctr" rotWithShape="0">
+                    <a:schemeClr val="bg2"/>
+                  </a:outerShdw>
+                </a:effectLst>
+              </a14:hiddenEffects>
+            </a:ext>
+          </a:extLst>
         </p:spPr>
-        <p:style>
-          <a:lnRef idx="2">
-            <a:schemeClr val="dk1"/>
-          </a:lnRef>
-          <a:fillRef idx="1">
-            <a:schemeClr val="lt1"/>
-          </a:fillRef>
-          <a:effectRef idx="0">
-            <a:schemeClr val="dk1"/>
-          </a:effectRef>
-          <a:fontRef idx="minor">
-            <a:schemeClr val="dk1"/>
-          </a:fontRef>
-        </p:style>
-        <p:txBody>
-          <a:bodyPr rtlCol="0" anchor="ctr"/>
-          <a:lstStyle/>
-          <a:p>
-            <a:r>
-              <a:rPr lang="en-US" dirty="0"/>
-              <a:t>There are X seconds in a year. </a:t>
-            </a:r>
-          </a:p>
-        </p:txBody>
-      </p:sp>
+      </p:pic>
     </p:spTree>
     <p:extLst>
       <p:ext uri="{BB962C8B-B14F-4D97-AF65-F5344CB8AC3E}">
@@ -11646,175 +11163,68 @@
           </a:p>
         </p:txBody>
       </p:sp>
-      <p:sp>
-        <p:nvSpPr>
-          <p:cNvPr id="3" name="Content Placeholder 2"/>
-          <p:cNvSpPr>
-            <a:spLocks noGrp="1"/>
-          </p:cNvSpPr>
-          <p:nvPr>
-            <p:ph idx="1"/>
-          </p:nvPr>
-        </p:nvSpPr>
-        <p:spPr/>
-        <p:txBody>
-          <a:bodyPr>
-            <a:normAutofit fontScale="85000" lnSpcReduction="20000"/>
-          </a:bodyPr>
-          <a:lstStyle/>
-          <a:p>
-            <a:r>
-              <a:rPr lang="en-US" sz="1800" dirty="0" smtClean="0"/>
-              <a:t>Addition</a:t>
-            </a:r>
-          </a:p>
-          <a:p>
-            <a:pPr lvl="1"/>
-            <a:r>
-              <a:rPr lang="en-US" sz="1600" dirty="0"/>
-              <a:t>Create a program to calculate the sum of two numbers. At the beginning of the program two variables are introduced and those variables hold the numbers to be summed. Feel free to use other variables if you need </a:t>
-            </a:r>
-            <a:r>
-              <a:rPr lang="en-US" sz="1600" dirty="0" smtClean="0"/>
-              <a:t>to.</a:t>
-            </a:r>
-          </a:p>
-          <a:p>
-            <a:pPr lvl="1"/>
-            <a:r>
-              <a:rPr lang="en-US" sz="1600" dirty="0"/>
-              <a:t>For example, if the variables hold numbers 5 and 4, the program should output</a:t>
-            </a:r>
-            <a:r>
-              <a:rPr lang="en-US" sz="1600" dirty="0" smtClean="0"/>
-              <a:t>:</a:t>
-            </a:r>
-            <a:endParaRPr lang="en-US" sz="1800" dirty="0"/>
-          </a:p>
-          <a:p>
-            <a:pPr lvl="1"/>
-            <a:endParaRPr lang="en-US" sz="1900" dirty="0" smtClean="0"/>
-          </a:p>
-          <a:p>
-            <a:pPr lvl="1"/>
-            <a:endParaRPr lang="en-US" sz="1900" dirty="0"/>
-          </a:p>
-          <a:p>
-            <a:pPr lvl="1"/>
-            <a:endParaRPr lang="en-US" sz="1900" dirty="0" smtClean="0"/>
-          </a:p>
-          <a:p>
-            <a:pPr lvl="1"/>
-            <a:endParaRPr lang="en-US" sz="1900" dirty="0"/>
-          </a:p>
-          <a:p>
-            <a:pPr lvl="1"/>
-            <a:r>
-              <a:rPr lang="en-US" sz="1900" dirty="0" smtClean="0"/>
-              <a:t>If </a:t>
-            </a:r>
-            <a:r>
-              <a:rPr lang="en-US" sz="1900" dirty="0"/>
-              <a:t>the variables hold numbers 73457 and 12888, the program output should be:</a:t>
-            </a:r>
-          </a:p>
-          <a:p>
-            <a:pPr marL="0" indent="0">
-              <a:buNone/>
-            </a:pPr>
-            <a:r>
-              <a:rPr lang="en-US" dirty="0"/>
-              <a:t/>
-            </a:r>
-            <a:br>
-              <a:rPr lang="en-US" dirty="0"/>
-            </a:br>
-            <a:endParaRPr lang="en-US" sz="1600" dirty="0"/>
-          </a:p>
-        </p:txBody>
-      </p:sp>
-      <p:sp>
-        <p:nvSpPr>
-          <p:cNvPr id="4" name="Rectangle 3"/>
-          <p:cNvSpPr/>
+      <p:pic>
+        <p:nvPicPr>
+          <p:cNvPr id="6146" name="Picture 2"/>
+          <p:cNvPicPr>
+            <a:picLocks noChangeAspect="1" noChangeArrowheads="1"/>
+          </p:cNvPicPr>
           <p:nvPr/>
-        </p:nvSpPr>
-        <p:spPr>
+        </p:nvPicPr>
+        <p:blipFill rotWithShape="1">
+          <a:blip r:embed="rId2">
+            <a:extLst>
+              <a:ext uri="{28A0092B-C50C-407E-A947-70E740481C1C}">
+                <a14:useLocalDpi xmlns:a14="http://schemas.microsoft.com/office/drawing/2010/main" val="0"/>
+              </a:ext>
+            </a:extLst>
+          </a:blip>
+          <a:srcRect l="17624" t="25198" r="19460" b="29688"/>
+          <a:stretch/>
+        </p:blipFill>
+        <p:spPr bwMode="auto">
           <a:xfrm>
-            <a:off x="1524000" y="2362200"/>
-            <a:ext cx="5334000" cy="533400"/>
+            <a:off x="743857" y="1123950"/>
+            <a:ext cx="7583715" cy="3057353"/>
           </a:xfrm>
           <a:prstGeom prst="rect">
             <a:avLst/>
           </a:prstGeom>
-          <a:ln w="9525"/>
+          <a:noFill/>
+          <a:ln>
+            <a:noFill/>
+          </a:ln>
+          <a:effectLst/>
+          <a:extLst>
+            <a:ext uri="{909E8E84-426E-40DD-AFC4-6F175D3DCCD1}">
+              <a14:hiddenFill xmlns:a14="http://schemas.microsoft.com/office/drawing/2010/main">
+                <a:solidFill>
+                  <a:schemeClr val="accent1"/>
+                </a:solidFill>
+              </a14:hiddenFill>
+            </a:ext>
+            <a:ext uri="{91240B29-F687-4F45-9708-019B960494DF}">
+              <a14:hiddenLine xmlns:a14="http://schemas.microsoft.com/office/drawing/2010/main" w="9525">
+                <a:solidFill>
+                  <a:schemeClr val="tx1"/>
+                </a:solidFill>
+                <a:miter lim="800000"/>
+                <a:headEnd/>
+                <a:tailEnd/>
+              </a14:hiddenLine>
+            </a:ext>
+            <a:ext uri="{AF507438-7753-43E0-B8FC-AC1667EBCBE1}">
+              <a14:hiddenEffects xmlns:a14="http://schemas.microsoft.com/office/drawing/2010/main">
+                <a:effectLst>
+                  <a:outerShdw dist="35921" dir="2700000" algn="ctr" rotWithShape="0">
+                    <a:schemeClr val="bg2"/>
+                  </a:outerShdw>
+                </a:effectLst>
+              </a14:hiddenEffects>
+            </a:ext>
+          </a:extLst>
         </p:spPr>
-        <p:style>
-          <a:lnRef idx="2">
-            <a:schemeClr val="dk1"/>
-          </a:lnRef>
-          <a:fillRef idx="1">
-            <a:schemeClr val="lt1"/>
-          </a:fillRef>
-          <a:effectRef idx="0">
-            <a:schemeClr val="dk1"/>
-          </a:effectRef>
-          <a:fontRef idx="minor">
-            <a:schemeClr val="dk1"/>
-          </a:fontRef>
-        </p:style>
-        <p:txBody>
-          <a:bodyPr rtlCol="0" anchor="ctr"/>
-          <a:lstStyle/>
-          <a:p>
-            <a:r>
-              <a:rPr lang="en-US" dirty="0"/>
-              <a:t>5 + 4 = 9</a:t>
-            </a:r>
-          </a:p>
-        </p:txBody>
-      </p:sp>
-      <p:sp>
-        <p:nvSpPr>
-          <p:cNvPr id="5" name="Rectangle 4"/>
-          <p:cNvSpPr/>
-          <p:nvPr/>
-        </p:nvSpPr>
-        <p:spPr>
-          <a:xfrm>
-            <a:off x="1524000" y="3562350"/>
-            <a:ext cx="5334000" cy="533400"/>
-          </a:xfrm>
-          <a:prstGeom prst="rect">
-            <a:avLst/>
-          </a:prstGeom>
-          <a:ln w="9525"/>
-        </p:spPr>
-        <p:style>
-          <a:lnRef idx="2">
-            <a:schemeClr val="dk1"/>
-          </a:lnRef>
-          <a:fillRef idx="1">
-            <a:schemeClr val="lt1"/>
-          </a:fillRef>
-          <a:effectRef idx="0">
-            <a:schemeClr val="dk1"/>
-          </a:effectRef>
-          <a:fontRef idx="minor">
-            <a:schemeClr val="dk1"/>
-          </a:fontRef>
-        </p:style>
-        <p:txBody>
-          <a:bodyPr rtlCol="0" anchor="ctr"/>
-          <a:lstStyle/>
-          <a:p>
-            <a:r>
-              <a:rPr lang="en-US" dirty="0"/>
-              <a:t>73457 + 12888 = 86345 </a:t>
-            </a:r>
-          </a:p>
-        </p:txBody>
-      </p:sp>
+      </p:pic>
     </p:spTree>
     <p:extLst>
       <p:ext uri="{BB962C8B-B14F-4D97-AF65-F5344CB8AC3E}">
@@ -12654,170 +12064,682 @@
           </a:p>
         </p:txBody>
       </p:sp>
+      <p:pic>
+        <p:nvPicPr>
+          <p:cNvPr id="7170" name="Picture 2"/>
+          <p:cNvPicPr>
+            <a:picLocks noChangeAspect="1" noChangeArrowheads="1"/>
+          </p:cNvPicPr>
+          <p:nvPr/>
+        </p:nvPicPr>
+        <p:blipFill rotWithShape="1">
+          <a:blip r:embed="rId2">
+            <a:extLst>
+              <a:ext uri="{28A0092B-C50C-407E-A947-70E740481C1C}">
+                <a14:useLocalDpi xmlns:a14="http://schemas.microsoft.com/office/drawing/2010/main" val="0"/>
+              </a:ext>
+            </a:extLst>
+          </a:blip>
+          <a:srcRect l="17960" t="30953" r="19236" b="20436"/>
+          <a:stretch/>
+        </p:blipFill>
+        <p:spPr bwMode="auto">
+          <a:xfrm>
+            <a:off x="990600" y="1047750"/>
+            <a:ext cx="7155543" cy="3113870"/>
+          </a:xfrm>
+          <a:prstGeom prst="rect">
+            <a:avLst/>
+          </a:prstGeom>
+          <a:noFill/>
+          <a:ln>
+            <a:noFill/>
+          </a:ln>
+          <a:effectLst/>
+          <a:extLst>
+            <a:ext uri="{909E8E84-426E-40DD-AFC4-6F175D3DCCD1}">
+              <a14:hiddenFill xmlns:a14="http://schemas.microsoft.com/office/drawing/2010/main">
+                <a:solidFill>
+                  <a:schemeClr val="accent1"/>
+                </a:solidFill>
+              </a14:hiddenFill>
+            </a:ext>
+            <a:ext uri="{91240B29-F687-4F45-9708-019B960494DF}">
+              <a14:hiddenLine xmlns:a14="http://schemas.microsoft.com/office/drawing/2010/main" w="9525">
+                <a:solidFill>
+                  <a:schemeClr val="tx1"/>
+                </a:solidFill>
+                <a:miter lim="800000"/>
+                <a:headEnd/>
+                <a:tailEnd/>
+              </a14:hiddenLine>
+            </a:ext>
+            <a:ext uri="{AF507438-7753-43E0-B8FC-AC1667EBCBE1}">
+              <a14:hiddenEffects xmlns:a14="http://schemas.microsoft.com/office/drawing/2010/main">
+                <a:effectLst>
+                  <a:outerShdw dist="35921" dir="2700000" algn="ctr" rotWithShape="0">
+                    <a:schemeClr val="bg2"/>
+                  </a:outerShdw>
+                </a:effectLst>
+              </a14:hiddenEffects>
+            </a:ext>
+          </a:extLst>
+        </p:spPr>
+      </p:pic>
+    </p:spTree>
+    <p:extLst>
+      <p:ext uri="{BB962C8B-B14F-4D97-AF65-F5344CB8AC3E}">
+        <p14:creationId xmlns:p14="http://schemas.microsoft.com/office/powerpoint/2010/main" val="3328490062"/>
+      </p:ext>
+    </p:extLst>
+  </p:cSld>
+  <p:clrMapOvr>
+    <a:masterClrMapping/>
+  </p:clrMapOvr>
+  <p:timing>
+    <p:tnLst>
+      <p:par>
+        <p:cTn id="1" dur="indefinite" restart="never" nodeType="tmRoot"/>
+      </p:par>
+    </p:tnLst>
+  </p:timing>
+</p:sld>
+</file>
+
+<file path=ppt/slides/slide31.xml><?xml version="1.0" encoding="utf-8"?>
+<p:sld xmlns:a="http://schemas.openxmlformats.org/drawingml/2006/main" xmlns:r="http://schemas.openxmlformats.org/officeDocument/2006/relationships" xmlns:p="http://schemas.openxmlformats.org/presentationml/2006/main">
+  <p:cSld>
+    <p:spTree>
+      <p:nvGrpSpPr>
+        <p:cNvPr id="1" name=""/>
+        <p:cNvGrpSpPr/>
+        <p:nvPr/>
+      </p:nvGrpSpPr>
+      <p:grpSpPr>
+        <a:xfrm>
+          <a:off x="0" y="0"/>
+          <a:ext cx="0" cy="0"/>
+          <a:chOff x="0" y="0"/>
+          <a:chExt cx="0" cy="0"/>
+        </a:xfrm>
+      </p:grpSpPr>
       <p:sp>
         <p:nvSpPr>
-          <p:cNvPr id="3" name="Content Placeholder 2"/>
+          <p:cNvPr id="2" name="Title 1"/>
           <p:cNvSpPr>
             <a:spLocks noGrp="1"/>
           </p:cNvSpPr>
           <p:nvPr>
-            <p:ph idx="1"/>
+            <p:ph type="title"/>
           </p:nvPr>
         </p:nvSpPr>
         <p:spPr/>
         <p:txBody>
-          <a:bodyPr>
-            <a:normAutofit fontScale="85000" lnSpcReduction="10000"/>
-          </a:bodyPr>
+          <a:bodyPr/>
           <a:lstStyle/>
           <a:p>
             <a:r>
-              <a:rPr lang="en-US" sz="1800" dirty="0" smtClean="0"/>
-              <a:t>Multiplication</a:t>
-            </a:r>
-          </a:p>
-          <a:p>
-            <a:pPr lvl="1"/>
-            <a:r>
-              <a:rPr lang="en-US" sz="1900" dirty="0"/>
-              <a:t>Create a program similar to the previous one except that it multiplies the two numbers instead of adding them</a:t>
-            </a:r>
-            <a:r>
-              <a:rPr lang="en-US" sz="1900" dirty="0" smtClean="0"/>
-              <a:t>.</a:t>
-            </a:r>
-          </a:p>
-          <a:p>
-            <a:pPr lvl="1"/>
-            <a:r>
-              <a:rPr lang="en-US" sz="1900" dirty="0"/>
-              <a:t>For example, if the variables hold numbers 2 and 8, the program output should be:</a:t>
-            </a:r>
-          </a:p>
-          <a:p>
-            <a:pPr marL="0" indent="0">
-              <a:buNone/>
-            </a:pPr>
-            <a:endParaRPr lang="en-US" dirty="0" smtClean="0"/>
-          </a:p>
-          <a:p>
-            <a:pPr marL="0" indent="0">
-              <a:buNone/>
-            </a:pPr>
-            <a:endParaRPr lang="en-US" sz="1900" dirty="0"/>
-          </a:p>
-          <a:p>
-            <a:pPr lvl="1"/>
-            <a:r>
-              <a:rPr lang="en-US" sz="1900" dirty="0"/>
-              <a:t>If the variables hold numbers 277 and 111, the program output should be:</a:t>
-            </a:r>
-          </a:p>
-          <a:p>
-            <a:pPr lvl="1"/>
-            <a:endParaRPr lang="en-US" sz="1900" dirty="0"/>
-          </a:p>
-          <a:p>
-            <a:pPr marL="0" indent="0">
-              <a:buNone/>
-            </a:pPr>
-            <a:r>
               <a:rPr lang="en-US" dirty="0" smtClean="0"/>
-              <a:t/>
-            </a:r>
-            <a:br>
-              <a:rPr lang="en-US" dirty="0" smtClean="0"/>
-            </a:br>
-            <a:endParaRPr lang="en-US" sz="1600" dirty="0"/>
+              <a:t>Exercise 8</a:t>
+            </a:r>
+            <a:endParaRPr lang="en-US" dirty="0"/>
           </a:p>
         </p:txBody>
       </p:sp>
-      <p:sp>
-        <p:nvSpPr>
-          <p:cNvPr id="4" name="Rectangle 3"/>
-          <p:cNvSpPr/>
+      <p:pic>
+        <p:nvPicPr>
+          <p:cNvPr id="8194" name="Picture 2"/>
+          <p:cNvPicPr>
+            <a:picLocks noChangeAspect="1" noChangeArrowheads="1"/>
+          </p:cNvPicPr>
           <p:nvPr/>
-        </p:nvSpPr>
-        <p:spPr>
+        </p:nvPicPr>
+        <p:blipFill rotWithShape="1">
+          <a:blip r:embed="rId2">
+            <a:extLst>
+              <a:ext uri="{28A0092B-C50C-407E-A947-70E740481C1C}">
+                <a14:useLocalDpi xmlns:a14="http://schemas.microsoft.com/office/drawing/2010/main" val="0"/>
+              </a:ext>
+            </a:extLst>
+          </a:blip>
+          <a:srcRect l="18183" t="22619" r="20128" b="42659"/>
+          <a:stretch/>
+        </p:blipFill>
+        <p:spPr bwMode="auto">
           <a:xfrm>
-            <a:off x="1543050" y="2305050"/>
-            <a:ext cx="5334000" cy="533400"/>
+            <a:off x="838200" y="1276350"/>
+            <a:ext cx="7725229" cy="2444693"/>
           </a:xfrm>
           <a:prstGeom prst="rect">
             <a:avLst/>
           </a:prstGeom>
-          <a:ln w="9525"/>
+          <a:noFill/>
+          <a:ln>
+            <a:noFill/>
+          </a:ln>
+          <a:effectLst/>
+          <a:extLst>
+            <a:ext uri="{909E8E84-426E-40DD-AFC4-6F175D3DCCD1}">
+              <a14:hiddenFill xmlns:a14="http://schemas.microsoft.com/office/drawing/2010/main">
+                <a:solidFill>
+                  <a:schemeClr val="accent1"/>
+                </a:solidFill>
+              </a14:hiddenFill>
+            </a:ext>
+            <a:ext uri="{91240B29-F687-4F45-9708-019B960494DF}">
+              <a14:hiddenLine xmlns:a14="http://schemas.microsoft.com/office/drawing/2010/main" w="9525">
+                <a:solidFill>
+                  <a:schemeClr val="tx1"/>
+                </a:solidFill>
+                <a:miter lim="800000"/>
+                <a:headEnd/>
+                <a:tailEnd/>
+              </a14:hiddenLine>
+            </a:ext>
+            <a:ext uri="{AF507438-7753-43E0-B8FC-AC1667EBCBE1}">
+              <a14:hiddenEffects xmlns:a14="http://schemas.microsoft.com/office/drawing/2010/main">
+                <a:effectLst>
+                  <a:outerShdw dist="35921" dir="2700000" algn="ctr" rotWithShape="0">
+                    <a:schemeClr val="bg2"/>
+                  </a:outerShdw>
+                </a:effectLst>
+              </a14:hiddenEffects>
+            </a:ext>
+          </a:extLst>
         </p:spPr>
-        <p:style>
-          <a:lnRef idx="2">
-            <a:schemeClr val="dk1"/>
-          </a:lnRef>
-          <a:fillRef idx="1">
-            <a:schemeClr val="lt1"/>
-          </a:fillRef>
-          <a:effectRef idx="0">
-            <a:schemeClr val="dk1"/>
-          </a:effectRef>
-          <a:fontRef idx="minor">
-            <a:schemeClr val="dk1"/>
-          </a:fontRef>
-        </p:style>
+      </p:pic>
+    </p:spTree>
+    <p:extLst>
+      <p:ext uri="{BB962C8B-B14F-4D97-AF65-F5344CB8AC3E}">
+        <p14:creationId xmlns:p14="http://schemas.microsoft.com/office/powerpoint/2010/main" val="1713787600"/>
+      </p:ext>
+    </p:extLst>
+  </p:cSld>
+  <p:clrMapOvr>
+    <a:masterClrMapping/>
+  </p:clrMapOvr>
+  <p:timing>
+    <p:tnLst>
+      <p:par>
+        <p:cTn id="1" dur="indefinite" restart="never" nodeType="tmRoot"/>
+      </p:par>
+    </p:tnLst>
+  </p:timing>
+</p:sld>
+</file>
+
+<file path=ppt/slides/slide32.xml><?xml version="1.0" encoding="utf-8"?>
+<p:sld xmlns:a="http://schemas.openxmlformats.org/drawingml/2006/main" xmlns:r="http://schemas.openxmlformats.org/officeDocument/2006/relationships" xmlns:p="http://schemas.openxmlformats.org/presentationml/2006/main">
+  <p:cSld>
+    <p:spTree>
+      <p:nvGrpSpPr>
+        <p:cNvPr id="1" name=""/>
+        <p:cNvGrpSpPr/>
+        <p:nvPr/>
+      </p:nvGrpSpPr>
+      <p:grpSpPr>
+        <a:xfrm>
+          <a:off x="0" y="0"/>
+          <a:ext cx="0" cy="0"/>
+          <a:chOff x="0" y="0"/>
+          <a:chExt cx="0" cy="0"/>
+        </a:xfrm>
+      </p:grpSpPr>
+      <p:sp>
+        <p:nvSpPr>
+          <p:cNvPr id="2" name="Title 1"/>
+          <p:cNvSpPr>
+            <a:spLocks noGrp="1"/>
+          </p:cNvSpPr>
+          <p:nvPr>
+            <p:ph type="title"/>
+          </p:nvPr>
+        </p:nvSpPr>
+        <p:spPr/>
         <p:txBody>
-          <a:bodyPr rtlCol="0" anchor="ctr"/>
+          <a:bodyPr/>
           <a:lstStyle/>
           <a:p>
             <a:r>
-              <a:rPr lang="en-US" dirty="0"/>
-              <a:t>2 * 8 = 16</a:t>
-            </a:r>
+              <a:rPr lang="en-US" dirty="0" smtClean="0"/>
+              <a:t>Exercise 9</a:t>
+            </a:r>
+            <a:endParaRPr lang="en-US" dirty="0"/>
           </a:p>
         </p:txBody>
       </p:sp>
-      <p:sp>
-        <p:nvSpPr>
-          <p:cNvPr id="5" name="Rectangle 4"/>
-          <p:cNvSpPr/>
+      <p:pic>
+        <p:nvPicPr>
+          <p:cNvPr id="9218" name="Picture 2"/>
+          <p:cNvPicPr>
+            <a:picLocks noChangeAspect="1" noChangeArrowheads="1"/>
+          </p:cNvPicPr>
           <p:nvPr/>
-        </p:nvSpPr>
-        <p:spPr>
+        </p:nvPicPr>
+        <p:blipFill rotWithShape="1">
+          <a:blip r:embed="rId2">
+            <a:extLst>
+              <a:ext uri="{28A0092B-C50C-407E-A947-70E740481C1C}">
+                <a14:useLocalDpi xmlns:a14="http://schemas.microsoft.com/office/drawing/2010/main" val="0"/>
+              </a:ext>
+            </a:extLst>
+          </a:blip>
+          <a:srcRect l="17960" t="31349" r="19459" b="37302"/>
+          <a:stretch/>
+        </p:blipFill>
+        <p:spPr bwMode="auto">
           <a:xfrm>
-            <a:off x="1524000" y="3409950"/>
-            <a:ext cx="5334000" cy="533400"/>
+            <a:off x="838200" y="1581150"/>
+            <a:ext cx="7583714" cy="2135878"/>
           </a:xfrm>
           <a:prstGeom prst="rect">
             <a:avLst/>
           </a:prstGeom>
-          <a:ln w="9525"/>
+          <a:noFill/>
+          <a:ln>
+            <a:noFill/>
+          </a:ln>
+          <a:effectLst/>
+          <a:extLst>
+            <a:ext uri="{909E8E84-426E-40DD-AFC4-6F175D3DCCD1}">
+              <a14:hiddenFill xmlns:a14="http://schemas.microsoft.com/office/drawing/2010/main">
+                <a:solidFill>
+                  <a:schemeClr val="accent1"/>
+                </a:solidFill>
+              </a14:hiddenFill>
+            </a:ext>
+            <a:ext uri="{91240B29-F687-4F45-9708-019B960494DF}">
+              <a14:hiddenLine xmlns:a14="http://schemas.microsoft.com/office/drawing/2010/main" w="9525">
+                <a:solidFill>
+                  <a:schemeClr val="tx1"/>
+                </a:solidFill>
+                <a:miter lim="800000"/>
+                <a:headEnd/>
+                <a:tailEnd/>
+              </a14:hiddenLine>
+            </a:ext>
+            <a:ext uri="{AF507438-7753-43E0-B8FC-AC1667EBCBE1}">
+              <a14:hiddenEffects xmlns:a14="http://schemas.microsoft.com/office/drawing/2010/main">
+                <a:effectLst>
+                  <a:outerShdw dist="35921" dir="2700000" algn="ctr" rotWithShape="0">
+                    <a:schemeClr val="bg2"/>
+                  </a:outerShdw>
+                </a:effectLst>
+              </a14:hiddenEffects>
+            </a:ext>
+          </a:extLst>
         </p:spPr>
-        <p:style>
-          <a:lnRef idx="2">
-            <a:schemeClr val="dk1"/>
-          </a:lnRef>
-          <a:fillRef idx="1">
-            <a:schemeClr val="lt1"/>
-          </a:fillRef>
-          <a:effectRef idx="0">
-            <a:schemeClr val="dk1"/>
-          </a:effectRef>
-          <a:fontRef idx="minor">
-            <a:schemeClr val="dk1"/>
-          </a:fontRef>
-        </p:style>
-        <p:txBody>
-          <a:bodyPr rtlCol="0" anchor="ctr"/>
-          <a:lstStyle/>
-          <a:p>
-            <a:r>
-              <a:rPr lang="en-US" dirty="0"/>
-              <a:t>277 * 111 = 30747 </a:t>
-            </a:r>
-          </a:p>
-        </p:txBody>
-      </p:sp>
+      </p:pic>
     </p:spTree>
     <p:extLst>
       <p:ext uri="{BB962C8B-B14F-4D97-AF65-F5344CB8AC3E}">
-        <p14:creationId xmlns:p14="http://schemas.microsoft.com/office/powerpoint/2010/main" val="3328490062"/>
+        <p14:creationId xmlns:p14="http://schemas.microsoft.com/office/powerpoint/2010/main" val="2336253350"/>
+      </p:ext>
+    </p:extLst>
+  </p:cSld>
+  <p:clrMapOvr>
+    <a:masterClrMapping/>
+  </p:clrMapOvr>
+  <p:timing>
+    <p:tnLst>
+      <p:par>
+        <p:cTn id="1" dur="indefinite" restart="never" nodeType="tmRoot"/>
+      </p:par>
+    </p:tnLst>
+  </p:timing>
+</p:sld>
+</file>
+
+<file path=ppt/slides/slide33.xml><?xml version="1.0" encoding="utf-8"?>
+<p:sld xmlns:a="http://schemas.openxmlformats.org/drawingml/2006/main" xmlns:r="http://schemas.openxmlformats.org/officeDocument/2006/relationships" xmlns:p="http://schemas.openxmlformats.org/presentationml/2006/main">
+  <p:cSld>
+    <p:spTree>
+      <p:nvGrpSpPr>
+        <p:cNvPr id="1" name=""/>
+        <p:cNvGrpSpPr/>
+        <p:nvPr/>
+      </p:nvGrpSpPr>
+      <p:grpSpPr>
+        <a:xfrm>
+          <a:off x="0" y="0"/>
+          <a:ext cx="0" cy="0"/>
+          <a:chOff x="0" y="0"/>
+          <a:chExt cx="0" cy="0"/>
+        </a:xfrm>
+      </p:grpSpPr>
+      <p:sp>
+        <p:nvSpPr>
+          <p:cNvPr id="2" name="Title 1"/>
+          <p:cNvSpPr>
+            <a:spLocks noGrp="1"/>
+          </p:cNvSpPr>
+          <p:nvPr>
+            <p:ph type="title"/>
+          </p:nvPr>
+        </p:nvSpPr>
+        <p:spPr/>
+        <p:txBody>
+          <a:bodyPr/>
+          <a:lstStyle/>
+          <a:p>
+            <a:r>
+              <a:rPr lang="en-US" dirty="0" smtClean="0"/>
+              <a:t>Exercise 10</a:t>
+            </a:r>
+            <a:endParaRPr lang="en-US" dirty="0"/>
+          </a:p>
+        </p:txBody>
+      </p:sp>
+      <p:pic>
+        <p:nvPicPr>
+          <p:cNvPr id="10242" name="Picture 2"/>
+          <p:cNvPicPr>
+            <a:picLocks noChangeAspect="1" noChangeArrowheads="1"/>
+          </p:cNvPicPr>
+          <p:nvPr/>
+        </p:nvPicPr>
+        <p:blipFill rotWithShape="1">
+          <a:blip r:embed="rId2">
+            <a:extLst>
+              <a:ext uri="{28A0092B-C50C-407E-A947-70E740481C1C}">
+                <a14:useLocalDpi xmlns:a14="http://schemas.microsoft.com/office/drawing/2010/main" val="0"/>
+              </a:ext>
+            </a:extLst>
+          </a:blip>
+          <a:srcRect l="17848" t="24603" r="19571" b="42658"/>
+          <a:stretch/>
+        </p:blipFill>
+        <p:spPr bwMode="auto">
+          <a:xfrm>
+            <a:off x="990600" y="1581150"/>
+            <a:ext cx="7188200" cy="2114178"/>
+          </a:xfrm>
+          <a:prstGeom prst="rect">
+            <a:avLst/>
+          </a:prstGeom>
+          <a:noFill/>
+          <a:ln>
+            <a:noFill/>
+          </a:ln>
+          <a:effectLst/>
+          <a:extLst>
+            <a:ext uri="{909E8E84-426E-40DD-AFC4-6F175D3DCCD1}">
+              <a14:hiddenFill xmlns:a14="http://schemas.microsoft.com/office/drawing/2010/main">
+                <a:solidFill>
+                  <a:schemeClr val="accent1"/>
+                </a:solidFill>
+              </a14:hiddenFill>
+            </a:ext>
+            <a:ext uri="{91240B29-F687-4F45-9708-019B960494DF}">
+              <a14:hiddenLine xmlns:a14="http://schemas.microsoft.com/office/drawing/2010/main" w="9525">
+                <a:solidFill>
+                  <a:schemeClr val="tx1"/>
+                </a:solidFill>
+                <a:miter lim="800000"/>
+                <a:headEnd/>
+                <a:tailEnd/>
+              </a14:hiddenLine>
+            </a:ext>
+            <a:ext uri="{AF507438-7753-43E0-B8FC-AC1667EBCBE1}">
+              <a14:hiddenEffects xmlns:a14="http://schemas.microsoft.com/office/drawing/2010/main">
+                <a:effectLst>
+                  <a:outerShdw dist="35921" dir="2700000" algn="ctr" rotWithShape="0">
+                    <a:schemeClr val="bg2"/>
+                  </a:outerShdw>
+                </a:effectLst>
+              </a14:hiddenEffects>
+            </a:ext>
+          </a:extLst>
+        </p:spPr>
+      </p:pic>
+    </p:spTree>
+    <p:extLst>
+      <p:ext uri="{BB962C8B-B14F-4D97-AF65-F5344CB8AC3E}">
+        <p14:creationId xmlns:p14="http://schemas.microsoft.com/office/powerpoint/2010/main" val="2463931913"/>
+      </p:ext>
+    </p:extLst>
+  </p:cSld>
+  <p:clrMapOvr>
+    <a:masterClrMapping/>
+  </p:clrMapOvr>
+  <p:timing>
+    <p:tnLst>
+      <p:par>
+        <p:cTn id="1" dur="indefinite" restart="never" nodeType="tmRoot"/>
+      </p:par>
+    </p:tnLst>
+  </p:timing>
+</p:sld>
+</file>
+
+<file path=ppt/slides/slide34.xml><?xml version="1.0" encoding="utf-8"?>
+<p:sld xmlns:a="http://schemas.openxmlformats.org/drawingml/2006/main" xmlns:r="http://schemas.openxmlformats.org/officeDocument/2006/relationships" xmlns:p="http://schemas.openxmlformats.org/presentationml/2006/main">
+  <p:cSld>
+    <p:spTree>
+      <p:nvGrpSpPr>
+        <p:cNvPr id="1" name=""/>
+        <p:cNvGrpSpPr/>
+        <p:nvPr/>
+      </p:nvGrpSpPr>
+      <p:grpSpPr>
+        <a:xfrm>
+          <a:off x="0" y="0"/>
+          <a:ext cx="0" cy="0"/>
+          <a:chOff x="0" y="0"/>
+          <a:chExt cx="0" cy="0"/>
+        </a:xfrm>
+      </p:grpSpPr>
+      <p:sp>
+        <p:nvSpPr>
+          <p:cNvPr id="2" name="Title 1"/>
+          <p:cNvSpPr>
+            <a:spLocks noGrp="1"/>
+          </p:cNvSpPr>
+          <p:nvPr>
+            <p:ph type="title"/>
+          </p:nvPr>
+        </p:nvSpPr>
+        <p:spPr/>
+        <p:txBody>
+          <a:bodyPr/>
+          <a:lstStyle/>
+          <a:p>
+            <a:r>
+              <a:rPr lang="en-US" dirty="0" smtClean="0"/>
+              <a:t>Exercise 11</a:t>
+            </a:r>
+            <a:endParaRPr lang="en-US" dirty="0"/>
+          </a:p>
+        </p:txBody>
+      </p:sp>
+      <p:pic>
+        <p:nvPicPr>
+          <p:cNvPr id="11266" name="Picture 2"/>
+          <p:cNvPicPr>
+            <a:picLocks noChangeAspect="1" noChangeArrowheads="1"/>
+          </p:cNvPicPr>
+          <p:nvPr/>
+        </p:nvPicPr>
+        <p:blipFill rotWithShape="1">
+          <a:blip r:embed="rId2">
+            <a:extLst>
+              <a:ext uri="{28A0092B-C50C-407E-A947-70E740481C1C}">
+                <a14:useLocalDpi xmlns:a14="http://schemas.microsoft.com/office/drawing/2010/main" val="0"/>
+              </a:ext>
+            </a:extLst>
+          </a:blip>
+          <a:srcRect l="18072" t="31547" r="19459" b="27778"/>
+          <a:stretch/>
+        </p:blipFill>
+        <p:spPr bwMode="auto">
+          <a:xfrm>
+            <a:off x="838200" y="1200150"/>
+            <a:ext cx="7507514" cy="2748288"/>
+          </a:xfrm>
+          <a:prstGeom prst="rect">
+            <a:avLst/>
+          </a:prstGeom>
+          <a:noFill/>
+          <a:ln>
+            <a:noFill/>
+          </a:ln>
+          <a:effectLst/>
+          <a:extLst>
+            <a:ext uri="{909E8E84-426E-40DD-AFC4-6F175D3DCCD1}">
+              <a14:hiddenFill xmlns:a14="http://schemas.microsoft.com/office/drawing/2010/main">
+                <a:solidFill>
+                  <a:schemeClr val="accent1"/>
+                </a:solidFill>
+              </a14:hiddenFill>
+            </a:ext>
+            <a:ext uri="{91240B29-F687-4F45-9708-019B960494DF}">
+              <a14:hiddenLine xmlns:a14="http://schemas.microsoft.com/office/drawing/2010/main" w="9525">
+                <a:solidFill>
+                  <a:schemeClr val="tx1"/>
+                </a:solidFill>
+                <a:miter lim="800000"/>
+                <a:headEnd/>
+                <a:tailEnd/>
+              </a14:hiddenLine>
+            </a:ext>
+            <a:ext uri="{AF507438-7753-43E0-B8FC-AC1667EBCBE1}">
+              <a14:hiddenEffects xmlns:a14="http://schemas.microsoft.com/office/drawing/2010/main">
+                <a:effectLst>
+                  <a:outerShdw dist="35921" dir="2700000" algn="ctr" rotWithShape="0">
+                    <a:schemeClr val="bg2"/>
+                  </a:outerShdw>
+                </a:effectLst>
+              </a14:hiddenEffects>
+            </a:ext>
+          </a:extLst>
+        </p:spPr>
+      </p:pic>
+    </p:spTree>
+    <p:extLst>
+      <p:ext uri="{BB962C8B-B14F-4D97-AF65-F5344CB8AC3E}">
+        <p14:creationId xmlns:p14="http://schemas.microsoft.com/office/powerpoint/2010/main" val="2306509334"/>
+      </p:ext>
+    </p:extLst>
+  </p:cSld>
+  <p:clrMapOvr>
+    <a:masterClrMapping/>
+  </p:clrMapOvr>
+  <p:timing>
+    <p:tnLst>
+      <p:par>
+        <p:cTn id="1" dur="indefinite" restart="never" nodeType="tmRoot"/>
+      </p:par>
+    </p:tnLst>
+  </p:timing>
+</p:sld>
+</file>
+
+<file path=ppt/slides/slide35.xml><?xml version="1.0" encoding="utf-8"?>
+<p:sld xmlns:a="http://schemas.openxmlformats.org/drawingml/2006/main" xmlns:r="http://schemas.openxmlformats.org/officeDocument/2006/relationships" xmlns:p="http://schemas.openxmlformats.org/presentationml/2006/main">
+  <p:cSld>
+    <p:spTree>
+      <p:nvGrpSpPr>
+        <p:cNvPr id="1" name=""/>
+        <p:cNvGrpSpPr/>
+        <p:nvPr/>
+      </p:nvGrpSpPr>
+      <p:grpSpPr>
+        <a:xfrm>
+          <a:off x="0" y="0"/>
+          <a:ext cx="0" cy="0"/>
+          <a:chOff x="0" y="0"/>
+          <a:chExt cx="0" cy="0"/>
+        </a:xfrm>
+      </p:grpSpPr>
+      <p:sp>
+        <p:nvSpPr>
+          <p:cNvPr id="2" name="Title 1"/>
+          <p:cNvSpPr>
+            <a:spLocks noGrp="1"/>
+          </p:cNvSpPr>
+          <p:nvPr>
+            <p:ph type="title"/>
+          </p:nvPr>
+        </p:nvSpPr>
+        <p:spPr/>
+        <p:txBody>
+          <a:bodyPr/>
+          <a:lstStyle/>
+          <a:p>
+            <a:r>
+              <a:rPr lang="en-US" dirty="0" smtClean="0"/>
+              <a:t>Exercise 12</a:t>
+            </a:r>
+            <a:endParaRPr lang="en-US" dirty="0"/>
+          </a:p>
+        </p:txBody>
+      </p:sp>
+      <p:pic>
+        <p:nvPicPr>
+          <p:cNvPr id="12290" name="Picture 2"/>
+          <p:cNvPicPr>
+            <a:picLocks noChangeAspect="1" noChangeArrowheads="1"/>
+          </p:cNvPicPr>
+          <p:nvPr/>
+        </p:nvPicPr>
+        <p:blipFill rotWithShape="1">
+          <a:blip r:embed="rId2">
+            <a:extLst>
+              <a:ext uri="{28A0092B-C50C-407E-A947-70E740481C1C}">
+                <a14:useLocalDpi xmlns:a14="http://schemas.microsoft.com/office/drawing/2010/main" val="0"/>
+              </a:ext>
+            </a:extLst>
+          </a:blip>
+          <a:srcRect l="17960" t="34524" r="19570" b="31349"/>
+          <a:stretch/>
+        </p:blipFill>
+        <p:spPr bwMode="auto">
+          <a:xfrm>
+            <a:off x="609600" y="1428750"/>
+            <a:ext cx="7670800" cy="2356031"/>
+          </a:xfrm>
+          <a:prstGeom prst="rect">
+            <a:avLst/>
+          </a:prstGeom>
+          <a:noFill/>
+          <a:ln>
+            <a:noFill/>
+          </a:ln>
+          <a:effectLst/>
+          <a:extLst>
+            <a:ext uri="{909E8E84-426E-40DD-AFC4-6F175D3DCCD1}">
+              <a14:hiddenFill xmlns:a14="http://schemas.microsoft.com/office/drawing/2010/main">
+                <a:solidFill>
+                  <a:schemeClr val="accent1"/>
+                </a:solidFill>
+              </a14:hiddenFill>
+            </a:ext>
+            <a:ext uri="{91240B29-F687-4F45-9708-019B960494DF}">
+              <a14:hiddenLine xmlns:a14="http://schemas.microsoft.com/office/drawing/2010/main" w="9525">
+                <a:solidFill>
+                  <a:schemeClr val="tx1"/>
+                </a:solidFill>
+                <a:miter lim="800000"/>
+                <a:headEnd/>
+                <a:tailEnd/>
+              </a14:hiddenLine>
+            </a:ext>
+            <a:ext uri="{AF507438-7753-43E0-B8FC-AC1667EBCBE1}">
+              <a14:hiddenEffects xmlns:a14="http://schemas.microsoft.com/office/drawing/2010/main">
+                <a:effectLst>
+                  <a:outerShdw dist="35921" dir="2700000" algn="ctr" rotWithShape="0">
+                    <a:schemeClr val="bg2"/>
+                  </a:outerShdw>
+                </a:effectLst>
+              </a14:hiddenEffects>
+            </a:ext>
+          </a:extLst>
+        </p:spPr>
+      </p:pic>
+    </p:spTree>
+    <p:extLst>
+      <p:ext uri="{BB962C8B-B14F-4D97-AF65-F5344CB8AC3E}">
+        <p14:creationId xmlns:p14="http://schemas.microsoft.com/office/powerpoint/2010/main" val="1853729721"/>
       </p:ext>
     </p:extLst>
   </p:cSld>

--- a/Week 1/AP CS A - Week 1 Lecture.pptx
+++ b/Week 1/AP CS A - Week 1 Lecture.pptx
@@ -5,7 +5,7 @@
     <p:sldMasterId id="2147483648" r:id="rId1"/>
   </p:sldMasterIdLst>
   <p:notesMasterIdLst>
-    <p:notesMasterId r:id="rId32"/>
+    <p:notesMasterId r:id="rId37"/>
   </p:notesMasterIdLst>
   <p:sldIdLst>
     <p:sldId id="256" r:id="rId2"/>
@@ -38,6 +38,11 @@
     <p:sldId id="283" r:id="rId29"/>
     <p:sldId id="284" r:id="rId30"/>
     <p:sldId id="285" r:id="rId31"/>
+    <p:sldId id="286" r:id="rId32"/>
+    <p:sldId id="287" r:id="rId33"/>
+    <p:sldId id="288" r:id="rId34"/>
+    <p:sldId id="289" r:id="rId35"/>
+    <p:sldId id="290" r:id="rId36"/>
   </p:sldIdLst>
   <p:sldSz cx="9144000" cy="5143500" type="screen16x9"/>
   <p:notesSz cx="6858000" cy="9144000"/>
@@ -4889,96 +4894,68 @@
           </a:p>
         </p:txBody>
       </p:sp>
-      <p:sp>
-        <p:nvSpPr>
-          <p:cNvPr id="3" name="Content Placeholder 2"/>
-          <p:cNvSpPr>
-            <a:spLocks noGrp="1"/>
-          </p:cNvSpPr>
-          <p:nvPr>
-            <p:ph idx="1"/>
-          </p:nvPr>
-        </p:nvSpPr>
-        <p:spPr/>
-        <p:txBody>
-          <a:bodyPr>
-            <a:normAutofit/>
-          </a:bodyPr>
-          <a:lstStyle/>
-          <a:p>
-            <a:r>
-              <a:rPr lang="en-US" dirty="0" smtClean="0"/>
-              <a:t>Name</a:t>
-            </a:r>
-          </a:p>
-          <a:p>
-            <a:pPr lvl="1"/>
-            <a:r>
-              <a:rPr lang="en-US" dirty="0"/>
-              <a:t>Create a program that prints your name to the screen.</a:t>
-            </a:r>
-          </a:p>
-          <a:p>
-            <a:pPr lvl="1"/>
-            <a:r>
-              <a:rPr lang="en-US" dirty="0"/>
-              <a:t>The program output should resemble the </a:t>
-            </a:r>
-            <a:r>
-              <a:rPr lang="en-US" dirty="0" smtClean="0"/>
-              <a:t>following:</a:t>
-            </a:r>
-          </a:p>
-          <a:p>
-            <a:pPr marL="914400" lvl="2" indent="0">
-              <a:buNone/>
-            </a:pPr>
-            <a:endParaRPr lang="en-US" dirty="0"/>
-          </a:p>
-        </p:txBody>
-      </p:sp>
-      <p:sp>
-        <p:nvSpPr>
-          <p:cNvPr id="4" name="Rectangle 3"/>
-          <p:cNvSpPr/>
+      <p:pic>
+        <p:nvPicPr>
+          <p:cNvPr id="1026" name="Picture 2"/>
+          <p:cNvPicPr>
+            <a:picLocks noChangeAspect="1" noChangeArrowheads="1"/>
+          </p:cNvPicPr>
           <p:nvPr/>
-        </p:nvSpPr>
-        <p:spPr>
+        </p:nvPicPr>
+        <p:blipFill rotWithShape="1">
+          <a:blip r:embed="rId2">
+            <a:extLst>
+              <a:ext uri="{28A0092B-C50C-407E-A947-70E740481C1C}">
+                <a14:useLocalDpi xmlns:a14="http://schemas.microsoft.com/office/drawing/2010/main" val="0"/>
+              </a:ext>
+            </a:extLst>
+          </a:blip>
+          <a:srcRect l="14495" t="19270" r="16398" b="48698"/>
+          <a:stretch/>
+        </p:blipFill>
+        <p:spPr bwMode="auto">
           <a:xfrm>
-            <a:off x="1685925" y="3648075"/>
-            <a:ext cx="5334000" cy="533400"/>
+            <a:off x="1371600" y="1809750"/>
+            <a:ext cx="6506117" cy="1695450"/>
           </a:xfrm>
           <a:prstGeom prst="rect">
             <a:avLst/>
           </a:prstGeom>
-          <a:ln w="9525"/>
+          <a:noFill/>
+          <a:ln>
+            <a:noFill/>
+          </a:ln>
+          <a:effectLst/>
+          <a:extLst>
+            <a:ext uri="{909E8E84-426E-40DD-AFC4-6F175D3DCCD1}">
+              <a14:hiddenFill xmlns:a14="http://schemas.microsoft.com/office/drawing/2010/main">
+                <a:solidFill>
+                  <a:schemeClr val="accent1"/>
+                </a:solidFill>
+              </a14:hiddenFill>
+            </a:ext>
+            <a:ext uri="{91240B29-F687-4F45-9708-019B960494DF}">
+              <a14:hiddenLine xmlns:a14="http://schemas.microsoft.com/office/drawing/2010/main" w="9525">
+                <a:solidFill>
+                  <a:schemeClr val="tx1"/>
+                </a:solidFill>
+                <a:miter lim="800000"/>
+                <a:headEnd/>
+                <a:tailEnd/>
+              </a14:hiddenLine>
+            </a:ext>
+            <a:ext uri="{AF507438-7753-43E0-B8FC-AC1667EBCBE1}">
+              <a14:hiddenEffects xmlns:a14="http://schemas.microsoft.com/office/drawing/2010/main">
+                <a:effectLst>
+                  <a:outerShdw dist="35921" dir="2700000" algn="ctr" rotWithShape="0">
+                    <a:schemeClr val="bg2"/>
+                  </a:outerShdw>
+                </a:effectLst>
+              </a14:hiddenEffects>
+            </a:ext>
+          </a:extLst>
         </p:spPr>
-        <p:style>
-          <a:lnRef idx="2">
-            <a:schemeClr val="dk1"/>
-          </a:lnRef>
-          <a:fillRef idx="1">
-            <a:schemeClr val="lt1"/>
-          </a:fillRef>
-          <a:effectRef idx="0">
-            <a:schemeClr val="dk1"/>
-          </a:effectRef>
-          <a:fontRef idx="minor">
-            <a:schemeClr val="dk1"/>
-          </a:fontRef>
-        </p:style>
-        <p:txBody>
-          <a:bodyPr rtlCol="0" anchor="ctr"/>
-          <a:lstStyle/>
-          <a:p>
-            <a:r>
-              <a:rPr lang="en-US" dirty="0" smtClean="0"/>
-              <a:t>Jane Doe</a:t>
-            </a:r>
-            <a:endParaRPr lang="en-US" dirty="0"/>
-          </a:p>
-        </p:txBody>
-      </p:sp>
+      </p:pic>
     </p:spTree>
     <p:extLst>
       <p:ext uri="{BB962C8B-B14F-4D97-AF65-F5344CB8AC3E}">
@@ -5039,94 +5016,68 @@
           </a:p>
         </p:txBody>
       </p:sp>
-      <p:sp>
-        <p:nvSpPr>
-          <p:cNvPr id="3" name="Content Placeholder 2"/>
-          <p:cNvSpPr>
-            <a:spLocks noGrp="1"/>
-          </p:cNvSpPr>
-          <p:nvPr>
-            <p:ph idx="1"/>
-          </p:nvPr>
-        </p:nvSpPr>
-        <p:spPr/>
-        <p:txBody>
-          <a:bodyPr>
-            <a:normAutofit/>
-          </a:bodyPr>
-          <a:lstStyle/>
-          <a:p>
-            <a:r>
-              <a:rPr lang="en-US" dirty="0" smtClean="0"/>
-              <a:t>Hello World!</a:t>
-            </a:r>
-          </a:p>
-          <a:p>
-            <a:pPr lvl="1"/>
-            <a:r>
-              <a:rPr lang="en-US" dirty="0"/>
-              <a:t>Create a program that prints out the following</a:t>
-            </a:r>
-            <a:r>
-              <a:rPr lang="en-US" dirty="0" smtClean="0"/>
-              <a:t>:</a:t>
-            </a:r>
-            <a:endParaRPr lang="en-US" dirty="0"/>
-          </a:p>
-        </p:txBody>
-      </p:sp>
-      <p:sp>
-        <p:nvSpPr>
-          <p:cNvPr id="4" name="Rectangle 3"/>
-          <p:cNvSpPr/>
+      <p:pic>
+        <p:nvPicPr>
+          <p:cNvPr id="2050" name="Picture 2"/>
+          <p:cNvPicPr>
+            <a:picLocks noChangeAspect="1" noChangeArrowheads="1"/>
+          </p:cNvPicPr>
           <p:nvPr/>
-        </p:nvSpPr>
-        <p:spPr>
+        </p:nvPicPr>
+        <p:blipFill rotWithShape="1">
+          <a:blip r:embed="rId2">
+            <a:extLst>
+              <a:ext uri="{28A0092B-C50C-407E-A947-70E740481C1C}">
+                <a14:useLocalDpi xmlns:a14="http://schemas.microsoft.com/office/drawing/2010/main" val="0"/>
+              </a:ext>
+            </a:extLst>
+          </a:blip>
+          <a:srcRect l="14348" t="51823" r="15959" b="21615"/>
+          <a:stretch/>
+        </p:blipFill>
+        <p:spPr bwMode="auto">
           <a:xfrm>
-            <a:off x="1590675" y="2571750"/>
-            <a:ext cx="5334000" cy="762000"/>
+            <a:off x="533400" y="1647701"/>
+            <a:ext cx="7924800" cy="1698172"/>
           </a:xfrm>
           <a:prstGeom prst="rect">
             <a:avLst/>
           </a:prstGeom>
-          <a:ln w="9525"/>
+          <a:noFill/>
+          <a:ln>
+            <a:noFill/>
+          </a:ln>
+          <a:effectLst/>
+          <a:extLst>
+            <a:ext uri="{909E8E84-426E-40DD-AFC4-6F175D3DCCD1}">
+              <a14:hiddenFill xmlns:a14="http://schemas.microsoft.com/office/drawing/2010/main">
+                <a:solidFill>
+                  <a:schemeClr val="accent1"/>
+                </a:solidFill>
+              </a14:hiddenFill>
+            </a:ext>
+            <a:ext uri="{91240B29-F687-4F45-9708-019B960494DF}">
+              <a14:hiddenLine xmlns:a14="http://schemas.microsoft.com/office/drawing/2010/main" w="9525">
+                <a:solidFill>
+                  <a:schemeClr val="tx1"/>
+                </a:solidFill>
+                <a:miter lim="800000"/>
+                <a:headEnd/>
+                <a:tailEnd/>
+              </a14:hiddenLine>
+            </a:ext>
+            <a:ext uri="{AF507438-7753-43E0-B8FC-AC1667EBCBE1}">
+              <a14:hiddenEffects xmlns:a14="http://schemas.microsoft.com/office/drawing/2010/main">
+                <a:effectLst>
+                  <a:outerShdw dist="35921" dir="2700000" algn="ctr" rotWithShape="0">
+                    <a:schemeClr val="bg2"/>
+                  </a:outerShdw>
+                </a:effectLst>
+              </a14:hiddenEffects>
+            </a:ext>
+          </a:extLst>
         </p:spPr>
-        <p:style>
-          <a:lnRef idx="2">
-            <a:schemeClr val="dk1"/>
-          </a:lnRef>
-          <a:fillRef idx="1">
-            <a:schemeClr val="lt1"/>
-          </a:fillRef>
-          <a:effectRef idx="0">
-            <a:schemeClr val="dk1"/>
-          </a:effectRef>
-          <a:fontRef idx="minor">
-            <a:schemeClr val="dk1"/>
-          </a:fontRef>
-        </p:style>
-        <p:txBody>
-          <a:bodyPr rtlCol="0" anchor="ctr"/>
-          <a:lstStyle/>
-          <a:p>
-            <a:r>
-              <a:rPr lang="en-US" dirty="0"/>
-              <a:t>Hello world! </a:t>
-            </a:r>
-            <a:endParaRPr lang="en-US" dirty="0" smtClean="0"/>
-          </a:p>
-          <a:p>
-            <a:r>
-              <a:rPr lang="en-US" dirty="0" smtClean="0"/>
-              <a:t>(</a:t>
-            </a:r>
-            <a:r>
-              <a:rPr lang="en-US" dirty="0"/>
-              <a:t>And all the people of the world)</a:t>
-            </a:r>
-          </a:p>
-        </p:txBody>
-      </p:sp>
+      </p:pic>
     </p:spTree>
     <p:extLst>
       <p:ext uri="{BB962C8B-B14F-4D97-AF65-F5344CB8AC3E}">
@@ -5187,139 +5138,68 @@
           </a:p>
         </p:txBody>
       </p:sp>
-      <p:sp>
-        <p:nvSpPr>
-          <p:cNvPr id="3" name="Content Placeholder 2"/>
-          <p:cNvSpPr>
-            <a:spLocks noGrp="1"/>
-          </p:cNvSpPr>
-          <p:nvPr>
-            <p:ph idx="1"/>
-          </p:nvPr>
-        </p:nvSpPr>
-        <p:spPr/>
-        <p:txBody>
-          <a:bodyPr>
-            <a:normAutofit/>
-          </a:bodyPr>
-          <a:lstStyle/>
-          <a:p>
-            <a:r>
-              <a:rPr lang="en-US" dirty="0" smtClean="0"/>
-              <a:t>Spruce</a:t>
-            </a:r>
-          </a:p>
-          <a:p>
-            <a:pPr lvl="1"/>
-            <a:r>
-              <a:rPr lang="en-US" dirty="0"/>
-              <a:t>Create a program that prints the following:</a:t>
-            </a:r>
-          </a:p>
-          <a:p>
-            <a:pPr marL="0" indent="0">
-              <a:buNone/>
-            </a:pPr>
-            <a:endParaRPr lang="en-US" dirty="0"/>
-          </a:p>
-        </p:txBody>
-      </p:sp>
-      <p:sp>
-        <p:nvSpPr>
-          <p:cNvPr id="4" name="Rectangle 3"/>
-          <p:cNvSpPr/>
+      <p:pic>
+        <p:nvPicPr>
+          <p:cNvPr id="3074" name="Picture 2"/>
+          <p:cNvPicPr>
+            <a:picLocks noChangeAspect="1" noChangeArrowheads="1"/>
+          </p:cNvPicPr>
           <p:nvPr/>
-        </p:nvSpPr>
-        <p:spPr>
+        </p:nvPicPr>
+        <p:blipFill rotWithShape="1">
+          <a:blip r:embed="rId2">
+            <a:extLst>
+              <a:ext uri="{28A0092B-C50C-407E-A947-70E740481C1C}">
+                <a14:useLocalDpi xmlns:a14="http://schemas.microsoft.com/office/drawing/2010/main" val="0"/>
+              </a:ext>
+            </a:extLst>
+          </a:blip>
+          <a:srcRect l="14495" t="28646" r="15959" b="24740"/>
+          <a:stretch/>
+        </p:blipFill>
+        <p:spPr bwMode="auto">
           <a:xfrm>
-            <a:off x="1600200" y="2419350"/>
-            <a:ext cx="5334000" cy="1676400"/>
+            <a:off x="838200" y="1276350"/>
+            <a:ext cx="7410450" cy="2792570"/>
           </a:xfrm>
           <a:prstGeom prst="rect">
             <a:avLst/>
           </a:prstGeom>
-          <a:ln w="9525"/>
+          <a:noFill/>
+          <a:ln>
+            <a:noFill/>
+          </a:ln>
+          <a:effectLst/>
+          <a:extLst>
+            <a:ext uri="{909E8E84-426E-40DD-AFC4-6F175D3DCCD1}">
+              <a14:hiddenFill xmlns:a14="http://schemas.microsoft.com/office/drawing/2010/main">
+                <a:solidFill>
+                  <a:schemeClr val="accent1"/>
+                </a:solidFill>
+              </a14:hiddenFill>
+            </a:ext>
+            <a:ext uri="{91240B29-F687-4F45-9708-019B960494DF}">
+              <a14:hiddenLine xmlns:a14="http://schemas.microsoft.com/office/drawing/2010/main" w="9525">
+                <a:solidFill>
+                  <a:schemeClr val="tx1"/>
+                </a:solidFill>
+                <a:miter lim="800000"/>
+                <a:headEnd/>
+                <a:tailEnd/>
+              </a14:hiddenLine>
+            </a:ext>
+            <a:ext uri="{AF507438-7753-43E0-B8FC-AC1667EBCBE1}">
+              <a14:hiddenEffects xmlns:a14="http://schemas.microsoft.com/office/drawing/2010/main">
+                <a:effectLst>
+                  <a:outerShdw dist="35921" dir="2700000" algn="ctr" rotWithShape="0">
+                    <a:schemeClr val="bg2"/>
+                  </a:outerShdw>
+                </a:effectLst>
+              </a14:hiddenEffects>
+            </a:ext>
+          </a:extLst>
         </p:spPr>
-        <p:style>
-          <a:lnRef idx="2">
-            <a:schemeClr val="dk1"/>
-          </a:lnRef>
-          <a:fillRef idx="1">
-            <a:schemeClr val="lt1"/>
-          </a:fillRef>
-          <a:effectRef idx="0">
-            <a:schemeClr val="dk1"/>
-          </a:effectRef>
-          <a:fontRef idx="minor">
-            <a:schemeClr val="dk1"/>
-          </a:fontRef>
-        </p:style>
-        <p:txBody>
-          <a:bodyPr rtlCol="0" anchor="ctr"/>
-          <a:lstStyle/>
-          <a:p>
-            <a:r>
-              <a:rPr lang="en-US" dirty="0"/>
-              <a:t> </a:t>
-            </a:r>
-            <a:r>
-              <a:rPr lang="en-US" dirty="0" smtClean="0"/>
-              <a:t>       *</a:t>
-            </a:r>
-            <a:endParaRPr lang="en-US" dirty="0"/>
-          </a:p>
-          <a:p>
-            <a:r>
-              <a:rPr lang="en-US" dirty="0"/>
-              <a:t>   </a:t>
-            </a:r>
-            <a:r>
-              <a:rPr lang="en-US" dirty="0" smtClean="0"/>
-              <a:t>   ***</a:t>
-            </a:r>
-            <a:endParaRPr lang="en-US" dirty="0"/>
-          </a:p>
-          <a:p>
-            <a:r>
-              <a:rPr lang="en-US" dirty="0"/>
-              <a:t>  </a:t>
-            </a:r>
-            <a:r>
-              <a:rPr lang="en-US" dirty="0" smtClean="0"/>
-              <a:t>  *****</a:t>
-            </a:r>
-            <a:endParaRPr lang="en-US" dirty="0"/>
-          </a:p>
-          <a:p>
-            <a:r>
-              <a:rPr lang="en-US" dirty="0"/>
-              <a:t> </a:t>
-            </a:r>
-            <a:r>
-              <a:rPr lang="en-US" dirty="0" smtClean="0"/>
-              <a:t> *******</a:t>
-            </a:r>
-            <a:endParaRPr lang="en-US" dirty="0"/>
-          </a:p>
-          <a:p>
-            <a:r>
-              <a:rPr lang="en-US" dirty="0"/>
-              <a:t>*********</a:t>
-            </a:r>
-          </a:p>
-          <a:p>
-            <a:r>
-              <a:rPr lang="en-US" dirty="0"/>
-              <a:t>    </a:t>
-            </a:r>
-            <a:r>
-              <a:rPr lang="en-US" dirty="0" smtClean="0"/>
-              <a:t>     *</a:t>
-            </a:r>
-            <a:endParaRPr lang="en-US" dirty="0"/>
-          </a:p>
-        </p:txBody>
-      </p:sp>
+      </p:pic>
     </p:spTree>
     <p:extLst>
       <p:ext uri="{BB962C8B-B14F-4D97-AF65-F5344CB8AC3E}">
@@ -11039,363 +10919,68 @@
           </a:p>
         </p:txBody>
       </p:sp>
-      <p:sp>
-        <p:nvSpPr>
-          <p:cNvPr id="3" name="Content Placeholder 2"/>
-          <p:cNvSpPr>
-            <a:spLocks noGrp="1"/>
-          </p:cNvSpPr>
-          <p:nvPr>
-            <p:ph idx="1"/>
-          </p:nvPr>
-        </p:nvSpPr>
-        <p:spPr/>
-        <p:txBody>
-          <a:bodyPr>
-            <a:normAutofit fontScale="25000" lnSpcReduction="20000"/>
-          </a:bodyPr>
-          <a:lstStyle/>
-          <a:p>
-            <a:r>
-              <a:rPr lang="en-US" sz="7200" dirty="0"/>
-              <a:t>Varying variables</a:t>
-            </a:r>
-            <a:endParaRPr lang="en-US" sz="7200" dirty="0" smtClean="0"/>
-          </a:p>
-          <a:p>
-            <a:pPr lvl="1"/>
-            <a:r>
-              <a:rPr lang="en-US" sz="6400" dirty="0"/>
-              <a:t>The exercise file </a:t>
-            </a:r>
-            <a:r>
-              <a:rPr lang="en-US" sz="6400" dirty="0" smtClean="0"/>
-              <a:t>initially </a:t>
-            </a:r>
-          </a:p>
-          <a:p>
-            <a:pPr marL="457200" lvl="1" indent="0">
-              <a:buNone/>
-            </a:pPr>
-            <a:r>
-              <a:rPr lang="en-US" sz="6400" dirty="0" smtClean="0"/>
-              <a:t>contains </a:t>
-            </a:r>
-            <a:r>
-              <a:rPr lang="en-US" sz="6400" dirty="0"/>
-              <a:t>a program which prints</a:t>
-            </a:r>
-            <a:r>
-              <a:rPr lang="en-US" sz="6400" dirty="0" smtClean="0"/>
-              <a:t>:</a:t>
-            </a:r>
-          </a:p>
-          <a:p>
-            <a:pPr marL="457200" lvl="1" indent="0">
-              <a:buNone/>
-            </a:pPr>
-            <a:endParaRPr lang="en-US" sz="6400" dirty="0"/>
-          </a:p>
-          <a:p>
-            <a:pPr marL="457200" lvl="1" indent="0">
-              <a:buNone/>
-            </a:pPr>
-            <a:endParaRPr lang="en-US" sz="6400" dirty="0" smtClean="0"/>
-          </a:p>
-          <a:p>
-            <a:pPr marL="457200" lvl="1" indent="0">
-              <a:buNone/>
-            </a:pPr>
-            <a:endParaRPr lang="en-US" sz="6400" dirty="0" smtClean="0"/>
-          </a:p>
-          <a:p>
-            <a:pPr lvl="1"/>
-            <a:r>
-              <a:rPr lang="en-US" sz="6400" dirty="0"/>
-              <a:t>Change the program in </a:t>
-            </a:r>
-            <a:endParaRPr lang="en-US" sz="6400" dirty="0" smtClean="0"/>
-          </a:p>
-          <a:p>
-            <a:pPr marL="457200" lvl="1" indent="0">
-              <a:buNone/>
-            </a:pPr>
-            <a:r>
-              <a:rPr lang="en-US" sz="6400" dirty="0" smtClean="0"/>
-              <a:t>the </a:t>
-            </a:r>
-            <a:r>
-              <a:rPr lang="en-US" sz="6400" dirty="0"/>
-              <a:t>specified places so that </a:t>
-            </a:r>
-            <a:r>
-              <a:rPr lang="en-US" sz="6400" dirty="0" smtClean="0"/>
-              <a:t>it</a:t>
-            </a:r>
-          </a:p>
-          <a:p>
-            <a:pPr marL="457200" lvl="1" indent="0">
-              <a:buNone/>
-            </a:pPr>
-            <a:r>
-              <a:rPr lang="en-US" sz="6400" dirty="0" smtClean="0"/>
-              <a:t>will </a:t>
-            </a:r>
-            <a:r>
-              <a:rPr lang="en-US" sz="6400" dirty="0"/>
-              <a:t>print:</a:t>
-            </a:r>
-          </a:p>
-          <a:p>
-            <a:pPr marL="0" indent="0">
-              <a:buNone/>
-            </a:pPr>
-            <a:r>
-              <a:rPr lang="en-US" dirty="0"/>
-              <a:t/>
-            </a:r>
-            <a:br>
-              <a:rPr lang="en-US" dirty="0"/>
-            </a:br>
-            <a:r>
-              <a:rPr lang="en-US" dirty="0"/>
-              <a:t/>
-            </a:r>
-            <a:br>
-              <a:rPr lang="en-US" dirty="0"/>
-            </a:br>
-            <a:endParaRPr lang="en-US" dirty="0"/>
-          </a:p>
-        </p:txBody>
-      </p:sp>
-      <p:sp>
-        <p:nvSpPr>
-          <p:cNvPr id="4" name="Rectangle 3"/>
-          <p:cNvSpPr/>
+      <p:pic>
+        <p:nvPicPr>
+          <p:cNvPr id="4098" name="Picture 2"/>
+          <p:cNvPicPr>
+            <a:picLocks noChangeAspect="1" noChangeArrowheads="1"/>
+          </p:cNvPicPr>
           <p:nvPr/>
-        </p:nvSpPr>
-        <p:spPr>
+        </p:nvPicPr>
+        <p:blipFill rotWithShape="1">
+          <a:blip r:embed="rId2">
+            <a:extLst>
+              <a:ext uri="{28A0092B-C50C-407E-A947-70E740481C1C}">
+                <a14:useLocalDpi xmlns:a14="http://schemas.microsoft.com/office/drawing/2010/main" val="0"/>
+              </a:ext>
+            </a:extLst>
+          </a:blip>
+          <a:srcRect l="17423" t="14063" r="20574" b="13889"/>
+          <a:stretch/>
+        </p:blipFill>
+        <p:spPr bwMode="auto">
           <a:xfrm>
-            <a:off x="4572000" y="1123950"/>
-            <a:ext cx="3124200" cy="1371600"/>
+            <a:off x="609600" y="1126671"/>
+            <a:ext cx="5838371" cy="3814341"/>
           </a:xfrm>
           <a:prstGeom prst="rect">
             <a:avLst/>
           </a:prstGeom>
-          <a:ln w="9525"/>
+          <a:noFill/>
+          <a:ln>
+            <a:noFill/>
+          </a:ln>
+          <a:effectLst/>
+          <a:extLst>
+            <a:ext uri="{909E8E84-426E-40DD-AFC4-6F175D3DCCD1}">
+              <a14:hiddenFill xmlns:a14="http://schemas.microsoft.com/office/drawing/2010/main">
+                <a:solidFill>
+                  <a:schemeClr val="accent1"/>
+                </a:solidFill>
+              </a14:hiddenFill>
+            </a:ext>
+            <a:ext uri="{91240B29-F687-4F45-9708-019B960494DF}">
+              <a14:hiddenLine xmlns:a14="http://schemas.microsoft.com/office/drawing/2010/main" w="9525">
+                <a:solidFill>
+                  <a:schemeClr val="tx1"/>
+                </a:solidFill>
+                <a:miter lim="800000"/>
+                <a:headEnd/>
+                <a:tailEnd/>
+              </a14:hiddenLine>
+            </a:ext>
+            <a:ext uri="{AF507438-7753-43E0-B8FC-AC1667EBCBE1}">
+              <a14:hiddenEffects xmlns:a14="http://schemas.microsoft.com/office/drawing/2010/main">
+                <a:effectLst>
+                  <a:outerShdw dist="35921" dir="2700000" algn="ctr" rotWithShape="0">
+                    <a:schemeClr val="bg2"/>
+                  </a:outerShdw>
+                </a:effectLst>
+              </a14:hiddenEffects>
+            </a:ext>
+          </a:extLst>
         </p:spPr>
-        <p:style>
-          <a:lnRef idx="2">
-            <a:schemeClr val="dk1"/>
-          </a:lnRef>
-          <a:fillRef idx="1">
-            <a:schemeClr val="lt1"/>
-          </a:fillRef>
-          <a:effectRef idx="0">
-            <a:schemeClr val="dk1"/>
-          </a:effectRef>
-          <a:fontRef idx="minor">
-            <a:schemeClr val="dk1"/>
-          </a:fontRef>
-        </p:style>
-        <p:txBody>
-          <a:bodyPr rtlCol="0" anchor="ctr"/>
-          <a:lstStyle/>
-          <a:p>
-            <a:r>
-              <a:rPr lang="en-US" sz="800" dirty="0"/>
-              <a:t>Chickens: </a:t>
-            </a:r>
-            <a:endParaRPr lang="en-US" sz="800" dirty="0" smtClean="0"/>
-          </a:p>
-          <a:p>
-            <a:r>
-              <a:rPr lang="en-US" sz="800" dirty="0" smtClean="0"/>
-              <a:t>3 </a:t>
-            </a:r>
-          </a:p>
-          <a:p>
-            <a:r>
-              <a:rPr lang="en-US" sz="800" dirty="0" smtClean="0"/>
-              <a:t>Bacon </a:t>
-            </a:r>
-            <a:r>
-              <a:rPr lang="en-US" sz="800" dirty="0"/>
-              <a:t>(kg</a:t>
-            </a:r>
-            <a:r>
-              <a:rPr lang="en-US" sz="800" dirty="0" smtClean="0"/>
-              <a:t>):</a:t>
-            </a:r>
-          </a:p>
-          <a:p>
-            <a:r>
-              <a:rPr lang="en-US" sz="800" dirty="0" smtClean="0"/>
-              <a:t>5.5</a:t>
-            </a:r>
-          </a:p>
-          <a:p>
-            <a:r>
-              <a:rPr lang="en-US" sz="800" dirty="0" smtClean="0"/>
-              <a:t>A tractor:</a:t>
-            </a:r>
-          </a:p>
-          <a:p>
-            <a:r>
-              <a:rPr lang="en-US" sz="800" dirty="0" smtClean="0"/>
-              <a:t>There </a:t>
-            </a:r>
-            <a:r>
-              <a:rPr lang="en-US" sz="800" dirty="0"/>
-              <a:t>is </a:t>
-            </a:r>
-            <a:r>
-              <a:rPr lang="en-US" sz="800" dirty="0" smtClean="0"/>
-              <a:t>none!</a:t>
-            </a:r>
-          </a:p>
-          <a:p>
-            <a:endParaRPr lang="en-US" sz="800" dirty="0" smtClean="0"/>
-          </a:p>
-          <a:p>
-            <a:r>
-              <a:rPr lang="en-US" sz="800" dirty="0" smtClean="0"/>
-              <a:t>In </a:t>
-            </a:r>
-            <a:r>
-              <a:rPr lang="en-US" sz="800" dirty="0"/>
-              <a:t>a nutshell: </a:t>
-            </a:r>
-            <a:endParaRPr lang="en-US" sz="800" dirty="0" smtClean="0"/>
-          </a:p>
-          <a:p>
-            <a:r>
-              <a:rPr lang="en-US" sz="800" dirty="0" smtClean="0"/>
-              <a:t>3 </a:t>
-            </a:r>
-          </a:p>
-          <a:p>
-            <a:r>
-              <a:rPr lang="en-US" sz="800" dirty="0" smtClean="0"/>
-              <a:t>5.5 </a:t>
-            </a:r>
-          </a:p>
-          <a:p>
-            <a:r>
-              <a:rPr lang="en-US" sz="800" dirty="0" smtClean="0"/>
-              <a:t>There </a:t>
-            </a:r>
-            <a:r>
-              <a:rPr lang="en-US" sz="800" dirty="0"/>
-              <a:t>is none!</a:t>
-            </a:r>
-          </a:p>
-        </p:txBody>
-      </p:sp>
-      <p:sp>
-        <p:nvSpPr>
-          <p:cNvPr id="5" name="Rectangle 4"/>
-          <p:cNvSpPr/>
-          <p:nvPr/>
-        </p:nvSpPr>
-        <p:spPr>
-          <a:xfrm>
-            <a:off x="4572000" y="2724150"/>
-            <a:ext cx="3124200" cy="1371600"/>
-          </a:xfrm>
-          <a:prstGeom prst="rect">
-            <a:avLst/>
-          </a:prstGeom>
-          <a:ln w="9525"/>
-        </p:spPr>
-        <p:style>
-          <a:lnRef idx="2">
-            <a:schemeClr val="dk1"/>
-          </a:lnRef>
-          <a:fillRef idx="1">
-            <a:schemeClr val="lt1"/>
-          </a:fillRef>
-          <a:effectRef idx="0">
-            <a:schemeClr val="dk1"/>
-          </a:effectRef>
-          <a:fontRef idx="minor">
-            <a:schemeClr val="dk1"/>
-          </a:fontRef>
-        </p:style>
-        <p:txBody>
-          <a:bodyPr rtlCol="0" anchor="ctr"/>
-          <a:lstStyle/>
-          <a:p>
-            <a:r>
-              <a:rPr lang="en-US" sz="800" dirty="0"/>
-              <a:t>Chickens: </a:t>
-            </a:r>
-          </a:p>
-          <a:p>
-            <a:r>
-              <a:rPr lang="en-US" sz="800" dirty="0" smtClean="0"/>
-              <a:t>9000</a:t>
-            </a:r>
-            <a:endParaRPr lang="en-US" sz="800" dirty="0"/>
-          </a:p>
-          <a:p>
-            <a:r>
-              <a:rPr lang="en-US" sz="800" dirty="0"/>
-              <a:t>Bacon (kg):</a:t>
-            </a:r>
-          </a:p>
-          <a:p>
-            <a:r>
-              <a:rPr lang="en-US" sz="800" dirty="0" smtClean="0"/>
-              <a:t>0.1</a:t>
-            </a:r>
-            <a:endParaRPr lang="en-US" sz="800" dirty="0"/>
-          </a:p>
-          <a:p>
-            <a:r>
-              <a:rPr lang="en-US" sz="800" dirty="0"/>
-              <a:t>A tractor:</a:t>
-            </a:r>
-          </a:p>
-          <a:p>
-            <a:r>
-              <a:rPr lang="en-US" sz="800" dirty="0" err="1" smtClean="0"/>
-              <a:t>Zetor</a:t>
-            </a:r>
-            <a:endParaRPr lang="en-US" sz="800" dirty="0" smtClean="0"/>
-          </a:p>
-          <a:p>
-            <a:endParaRPr lang="en-US" sz="800" dirty="0"/>
-          </a:p>
-          <a:p>
-            <a:r>
-              <a:rPr lang="en-US" sz="800" dirty="0"/>
-              <a:t>In a nutshell: </a:t>
-            </a:r>
-          </a:p>
-          <a:p>
-            <a:r>
-              <a:rPr lang="en-US" sz="800" dirty="0" smtClean="0"/>
-              <a:t>9000</a:t>
-            </a:r>
-            <a:endParaRPr lang="en-US" sz="800" dirty="0"/>
-          </a:p>
-          <a:p>
-            <a:r>
-              <a:rPr lang="en-US" sz="800" dirty="0" smtClean="0"/>
-              <a:t>0.1</a:t>
-            </a:r>
-            <a:endParaRPr lang="en-US" sz="800" dirty="0"/>
-          </a:p>
-          <a:p>
-            <a:r>
-              <a:rPr lang="en-US" sz="800" dirty="0" err="1" smtClean="0"/>
-              <a:t>Zetor</a:t>
-            </a:r>
-            <a:endParaRPr lang="en-US" sz="800" dirty="0"/>
-          </a:p>
-        </p:txBody>
-      </p:sp>
+      </p:pic>
     </p:spTree>
     <p:extLst>
       <p:ext uri="{BB962C8B-B14F-4D97-AF65-F5344CB8AC3E}">
@@ -11456,127 +11041,68 @@
           </a:p>
         </p:txBody>
       </p:sp>
-      <p:sp>
-        <p:nvSpPr>
-          <p:cNvPr id="3" name="Content Placeholder 2"/>
-          <p:cNvSpPr>
-            <a:spLocks noGrp="1"/>
-          </p:cNvSpPr>
-          <p:nvPr>
-            <p:ph idx="1"/>
-          </p:nvPr>
-        </p:nvSpPr>
-        <p:spPr/>
-        <p:txBody>
-          <a:bodyPr>
-            <a:normAutofit fontScale="85000" lnSpcReduction="20000"/>
-          </a:bodyPr>
-          <a:lstStyle/>
-          <a:p>
-            <a:r>
-              <a:rPr lang="en-US" dirty="0" smtClean="0"/>
-              <a:t>Seconds in a year</a:t>
-            </a:r>
-          </a:p>
-          <a:p>
-            <a:pPr lvl="1"/>
-            <a:r>
-              <a:rPr lang="en-US" dirty="0"/>
-              <a:t>Create a program that counts how many seconds there are in a year. You can assume that a year consists of 365 days (therefore the year is not a leap year</a:t>
-            </a:r>
-            <a:r>
-              <a:rPr lang="en-US" dirty="0" smtClean="0"/>
-              <a:t>).</a:t>
-            </a:r>
-          </a:p>
-          <a:p>
-            <a:pPr lvl="1"/>
-            <a:r>
-              <a:rPr lang="en-US" dirty="0" smtClean="0"/>
-              <a:t>The </a:t>
-            </a:r>
-            <a:r>
-              <a:rPr lang="en-US" dirty="0"/>
-              <a:t>program should print the following:</a:t>
-            </a:r>
-          </a:p>
-          <a:p>
-            <a:pPr marL="0" indent="0">
-              <a:buNone/>
-            </a:pPr>
-            <a:r>
-              <a:rPr lang="en-US" dirty="0"/>
-              <a:t/>
-            </a:r>
-            <a:br>
-              <a:rPr lang="en-US" dirty="0"/>
-            </a:br>
-            <a:endParaRPr lang="en-US" dirty="0" smtClean="0"/>
-          </a:p>
-          <a:p>
-            <a:pPr marL="914400" lvl="2" indent="0">
-              <a:buNone/>
-            </a:pPr>
-            <a:r>
-              <a:rPr lang="en-US" dirty="0"/>
-              <a:t>X should be replaced with the calculation of your program.</a:t>
-            </a:r>
-          </a:p>
-          <a:p>
-            <a:pPr marL="914400" lvl="2" indent="0">
-              <a:buNone/>
-            </a:pPr>
-            <a:endParaRPr lang="en-US" dirty="0"/>
-          </a:p>
-          <a:p>
-            <a:pPr marL="914400" lvl="2" indent="0">
-              <a:buNone/>
-            </a:pPr>
-            <a:endParaRPr lang="en-US" dirty="0"/>
-          </a:p>
-        </p:txBody>
-      </p:sp>
-      <p:sp>
-        <p:nvSpPr>
-          <p:cNvPr id="4" name="Rectangle 3"/>
-          <p:cNvSpPr/>
+      <p:pic>
+        <p:nvPicPr>
+          <p:cNvPr id="5122" name="Picture 2"/>
+          <p:cNvPicPr>
+            <a:picLocks noChangeAspect="1" noChangeArrowheads="1"/>
+          </p:cNvPicPr>
           <p:nvPr/>
-        </p:nvSpPr>
-        <p:spPr>
+        </p:nvPicPr>
+        <p:blipFill rotWithShape="1">
+          <a:blip r:embed="rId2">
+            <a:extLst>
+              <a:ext uri="{28A0092B-C50C-407E-A947-70E740481C1C}">
+                <a14:useLocalDpi xmlns:a14="http://schemas.microsoft.com/office/drawing/2010/main" val="0"/>
+              </a:ext>
+            </a:extLst>
+          </a:blip>
+          <a:srcRect l="17960" t="31547" r="18567" b="29688"/>
+          <a:stretch/>
+        </p:blipFill>
+        <p:spPr bwMode="auto">
           <a:xfrm>
-            <a:off x="1676400" y="2981325"/>
-            <a:ext cx="5334000" cy="533400"/>
+            <a:off x="805543" y="1200150"/>
+            <a:ext cx="7547429" cy="2591529"/>
           </a:xfrm>
           <a:prstGeom prst="rect">
             <a:avLst/>
           </a:prstGeom>
-          <a:ln w="9525"/>
+          <a:noFill/>
+          <a:ln>
+            <a:noFill/>
+          </a:ln>
+          <a:effectLst/>
+          <a:extLst>
+            <a:ext uri="{909E8E84-426E-40DD-AFC4-6F175D3DCCD1}">
+              <a14:hiddenFill xmlns:a14="http://schemas.microsoft.com/office/drawing/2010/main">
+                <a:solidFill>
+                  <a:schemeClr val="accent1"/>
+                </a:solidFill>
+              </a14:hiddenFill>
+            </a:ext>
+            <a:ext uri="{91240B29-F687-4F45-9708-019B960494DF}">
+              <a14:hiddenLine xmlns:a14="http://schemas.microsoft.com/office/drawing/2010/main" w="9525">
+                <a:solidFill>
+                  <a:schemeClr val="tx1"/>
+                </a:solidFill>
+                <a:miter lim="800000"/>
+                <a:headEnd/>
+                <a:tailEnd/>
+              </a14:hiddenLine>
+            </a:ext>
+            <a:ext uri="{AF507438-7753-43E0-B8FC-AC1667EBCBE1}">
+              <a14:hiddenEffects xmlns:a14="http://schemas.microsoft.com/office/drawing/2010/main">
+                <a:effectLst>
+                  <a:outerShdw dist="35921" dir="2700000" algn="ctr" rotWithShape="0">
+                    <a:schemeClr val="bg2"/>
+                  </a:outerShdw>
+                </a:effectLst>
+              </a14:hiddenEffects>
+            </a:ext>
+          </a:extLst>
         </p:spPr>
-        <p:style>
-          <a:lnRef idx="2">
-            <a:schemeClr val="dk1"/>
-          </a:lnRef>
-          <a:fillRef idx="1">
-            <a:schemeClr val="lt1"/>
-          </a:fillRef>
-          <a:effectRef idx="0">
-            <a:schemeClr val="dk1"/>
-          </a:effectRef>
-          <a:fontRef idx="minor">
-            <a:schemeClr val="dk1"/>
-          </a:fontRef>
-        </p:style>
-        <p:txBody>
-          <a:bodyPr rtlCol="0" anchor="ctr"/>
-          <a:lstStyle/>
-          <a:p>
-            <a:r>
-              <a:rPr lang="en-US" dirty="0"/>
-              <a:t>There are X seconds in a year. </a:t>
-            </a:r>
-          </a:p>
-        </p:txBody>
-      </p:sp>
+      </p:pic>
     </p:spTree>
     <p:extLst>
       <p:ext uri="{BB962C8B-B14F-4D97-AF65-F5344CB8AC3E}">
@@ -11637,175 +11163,68 @@
           </a:p>
         </p:txBody>
       </p:sp>
-      <p:sp>
-        <p:nvSpPr>
-          <p:cNvPr id="3" name="Content Placeholder 2"/>
-          <p:cNvSpPr>
-            <a:spLocks noGrp="1"/>
-          </p:cNvSpPr>
-          <p:nvPr>
-            <p:ph idx="1"/>
-          </p:nvPr>
-        </p:nvSpPr>
-        <p:spPr/>
-        <p:txBody>
-          <a:bodyPr>
-            <a:normAutofit fontScale="85000" lnSpcReduction="20000"/>
-          </a:bodyPr>
-          <a:lstStyle/>
-          <a:p>
-            <a:r>
-              <a:rPr lang="en-US" sz="1800" dirty="0" smtClean="0"/>
-              <a:t>Addition</a:t>
-            </a:r>
-          </a:p>
-          <a:p>
-            <a:pPr lvl="1"/>
-            <a:r>
-              <a:rPr lang="en-US" sz="1600" dirty="0"/>
-              <a:t>Create a program to calculate the sum of two numbers. At the beginning of the program two variables are introduced and those variables hold the numbers to be summed. Feel free to use other variables if you need </a:t>
-            </a:r>
-            <a:r>
-              <a:rPr lang="en-US" sz="1600" dirty="0" smtClean="0"/>
-              <a:t>to.</a:t>
-            </a:r>
-          </a:p>
-          <a:p>
-            <a:pPr lvl="1"/>
-            <a:r>
-              <a:rPr lang="en-US" sz="1600" dirty="0"/>
-              <a:t>For example, if the variables hold numbers 5 and 4, the program should output</a:t>
-            </a:r>
-            <a:r>
-              <a:rPr lang="en-US" sz="1600" dirty="0" smtClean="0"/>
-              <a:t>:</a:t>
-            </a:r>
-            <a:endParaRPr lang="en-US" sz="1800" dirty="0"/>
-          </a:p>
-          <a:p>
-            <a:pPr lvl="1"/>
-            <a:endParaRPr lang="en-US" sz="1900" dirty="0" smtClean="0"/>
-          </a:p>
-          <a:p>
-            <a:pPr lvl="1"/>
-            <a:endParaRPr lang="en-US" sz="1900" dirty="0"/>
-          </a:p>
-          <a:p>
-            <a:pPr lvl="1"/>
-            <a:endParaRPr lang="en-US" sz="1900" dirty="0" smtClean="0"/>
-          </a:p>
-          <a:p>
-            <a:pPr lvl="1"/>
-            <a:endParaRPr lang="en-US" sz="1900" dirty="0"/>
-          </a:p>
-          <a:p>
-            <a:pPr lvl="1"/>
-            <a:r>
-              <a:rPr lang="en-US" sz="1900" dirty="0" smtClean="0"/>
-              <a:t>If </a:t>
-            </a:r>
-            <a:r>
-              <a:rPr lang="en-US" sz="1900" dirty="0"/>
-              <a:t>the variables hold numbers 73457 and 12888, the program output should be:</a:t>
-            </a:r>
-          </a:p>
-          <a:p>
-            <a:pPr marL="0" indent="0">
-              <a:buNone/>
-            </a:pPr>
-            <a:r>
-              <a:rPr lang="en-US" dirty="0"/>
-              <a:t/>
-            </a:r>
-            <a:br>
-              <a:rPr lang="en-US" dirty="0"/>
-            </a:br>
-            <a:endParaRPr lang="en-US" sz="1600" dirty="0"/>
-          </a:p>
-        </p:txBody>
-      </p:sp>
-      <p:sp>
-        <p:nvSpPr>
-          <p:cNvPr id="4" name="Rectangle 3"/>
-          <p:cNvSpPr/>
+      <p:pic>
+        <p:nvPicPr>
+          <p:cNvPr id="6146" name="Picture 2"/>
+          <p:cNvPicPr>
+            <a:picLocks noChangeAspect="1" noChangeArrowheads="1"/>
+          </p:cNvPicPr>
           <p:nvPr/>
-        </p:nvSpPr>
-        <p:spPr>
+        </p:nvPicPr>
+        <p:blipFill rotWithShape="1">
+          <a:blip r:embed="rId2">
+            <a:extLst>
+              <a:ext uri="{28A0092B-C50C-407E-A947-70E740481C1C}">
+                <a14:useLocalDpi xmlns:a14="http://schemas.microsoft.com/office/drawing/2010/main" val="0"/>
+              </a:ext>
+            </a:extLst>
+          </a:blip>
+          <a:srcRect l="17624" t="25198" r="19460" b="29688"/>
+          <a:stretch/>
+        </p:blipFill>
+        <p:spPr bwMode="auto">
           <a:xfrm>
-            <a:off x="1524000" y="2362200"/>
-            <a:ext cx="5334000" cy="533400"/>
+            <a:off x="743857" y="1123950"/>
+            <a:ext cx="7583715" cy="3057353"/>
           </a:xfrm>
           <a:prstGeom prst="rect">
             <a:avLst/>
           </a:prstGeom>
-          <a:ln w="9525"/>
+          <a:noFill/>
+          <a:ln>
+            <a:noFill/>
+          </a:ln>
+          <a:effectLst/>
+          <a:extLst>
+            <a:ext uri="{909E8E84-426E-40DD-AFC4-6F175D3DCCD1}">
+              <a14:hiddenFill xmlns:a14="http://schemas.microsoft.com/office/drawing/2010/main">
+                <a:solidFill>
+                  <a:schemeClr val="accent1"/>
+                </a:solidFill>
+              </a14:hiddenFill>
+            </a:ext>
+            <a:ext uri="{91240B29-F687-4F45-9708-019B960494DF}">
+              <a14:hiddenLine xmlns:a14="http://schemas.microsoft.com/office/drawing/2010/main" w="9525">
+                <a:solidFill>
+                  <a:schemeClr val="tx1"/>
+                </a:solidFill>
+                <a:miter lim="800000"/>
+                <a:headEnd/>
+                <a:tailEnd/>
+              </a14:hiddenLine>
+            </a:ext>
+            <a:ext uri="{AF507438-7753-43E0-B8FC-AC1667EBCBE1}">
+              <a14:hiddenEffects xmlns:a14="http://schemas.microsoft.com/office/drawing/2010/main">
+                <a:effectLst>
+                  <a:outerShdw dist="35921" dir="2700000" algn="ctr" rotWithShape="0">
+                    <a:schemeClr val="bg2"/>
+                  </a:outerShdw>
+                </a:effectLst>
+              </a14:hiddenEffects>
+            </a:ext>
+          </a:extLst>
         </p:spPr>
-        <p:style>
-          <a:lnRef idx="2">
-            <a:schemeClr val="dk1"/>
-          </a:lnRef>
-          <a:fillRef idx="1">
-            <a:schemeClr val="lt1"/>
-          </a:fillRef>
-          <a:effectRef idx="0">
-            <a:schemeClr val="dk1"/>
-          </a:effectRef>
-          <a:fontRef idx="minor">
-            <a:schemeClr val="dk1"/>
-          </a:fontRef>
-        </p:style>
-        <p:txBody>
-          <a:bodyPr rtlCol="0" anchor="ctr"/>
-          <a:lstStyle/>
-          <a:p>
-            <a:r>
-              <a:rPr lang="en-US" dirty="0"/>
-              <a:t>5 + 4 = 9</a:t>
-            </a:r>
-          </a:p>
-        </p:txBody>
-      </p:sp>
-      <p:sp>
-        <p:nvSpPr>
-          <p:cNvPr id="5" name="Rectangle 4"/>
-          <p:cNvSpPr/>
-          <p:nvPr/>
-        </p:nvSpPr>
-        <p:spPr>
-          <a:xfrm>
-            <a:off x="1524000" y="3562350"/>
-            <a:ext cx="5334000" cy="533400"/>
-          </a:xfrm>
-          <a:prstGeom prst="rect">
-            <a:avLst/>
-          </a:prstGeom>
-          <a:ln w="9525"/>
-        </p:spPr>
-        <p:style>
-          <a:lnRef idx="2">
-            <a:schemeClr val="dk1"/>
-          </a:lnRef>
-          <a:fillRef idx="1">
-            <a:schemeClr val="lt1"/>
-          </a:fillRef>
-          <a:effectRef idx="0">
-            <a:schemeClr val="dk1"/>
-          </a:effectRef>
-          <a:fontRef idx="minor">
-            <a:schemeClr val="dk1"/>
-          </a:fontRef>
-        </p:style>
-        <p:txBody>
-          <a:bodyPr rtlCol="0" anchor="ctr"/>
-          <a:lstStyle/>
-          <a:p>
-            <a:r>
-              <a:rPr lang="en-US" dirty="0"/>
-              <a:t>73457 + 12888 = 86345 </a:t>
-            </a:r>
-          </a:p>
-        </p:txBody>
-      </p:sp>
+      </p:pic>
     </p:spTree>
     <p:extLst>
       <p:ext uri="{BB962C8B-B14F-4D97-AF65-F5344CB8AC3E}">
@@ -12645,170 +12064,682 @@
           </a:p>
         </p:txBody>
       </p:sp>
+      <p:pic>
+        <p:nvPicPr>
+          <p:cNvPr id="7170" name="Picture 2"/>
+          <p:cNvPicPr>
+            <a:picLocks noChangeAspect="1" noChangeArrowheads="1"/>
+          </p:cNvPicPr>
+          <p:nvPr/>
+        </p:nvPicPr>
+        <p:blipFill rotWithShape="1">
+          <a:blip r:embed="rId2">
+            <a:extLst>
+              <a:ext uri="{28A0092B-C50C-407E-A947-70E740481C1C}">
+                <a14:useLocalDpi xmlns:a14="http://schemas.microsoft.com/office/drawing/2010/main" val="0"/>
+              </a:ext>
+            </a:extLst>
+          </a:blip>
+          <a:srcRect l="17960" t="30953" r="19236" b="20436"/>
+          <a:stretch/>
+        </p:blipFill>
+        <p:spPr bwMode="auto">
+          <a:xfrm>
+            <a:off x="990600" y="1047750"/>
+            <a:ext cx="7155543" cy="3113870"/>
+          </a:xfrm>
+          <a:prstGeom prst="rect">
+            <a:avLst/>
+          </a:prstGeom>
+          <a:noFill/>
+          <a:ln>
+            <a:noFill/>
+          </a:ln>
+          <a:effectLst/>
+          <a:extLst>
+            <a:ext uri="{909E8E84-426E-40DD-AFC4-6F175D3DCCD1}">
+              <a14:hiddenFill xmlns:a14="http://schemas.microsoft.com/office/drawing/2010/main">
+                <a:solidFill>
+                  <a:schemeClr val="accent1"/>
+                </a:solidFill>
+              </a14:hiddenFill>
+            </a:ext>
+            <a:ext uri="{91240B29-F687-4F45-9708-019B960494DF}">
+              <a14:hiddenLine xmlns:a14="http://schemas.microsoft.com/office/drawing/2010/main" w="9525">
+                <a:solidFill>
+                  <a:schemeClr val="tx1"/>
+                </a:solidFill>
+                <a:miter lim="800000"/>
+                <a:headEnd/>
+                <a:tailEnd/>
+              </a14:hiddenLine>
+            </a:ext>
+            <a:ext uri="{AF507438-7753-43E0-B8FC-AC1667EBCBE1}">
+              <a14:hiddenEffects xmlns:a14="http://schemas.microsoft.com/office/drawing/2010/main">
+                <a:effectLst>
+                  <a:outerShdw dist="35921" dir="2700000" algn="ctr" rotWithShape="0">
+                    <a:schemeClr val="bg2"/>
+                  </a:outerShdw>
+                </a:effectLst>
+              </a14:hiddenEffects>
+            </a:ext>
+          </a:extLst>
+        </p:spPr>
+      </p:pic>
+    </p:spTree>
+    <p:extLst>
+      <p:ext uri="{BB962C8B-B14F-4D97-AF65-F5344CB8AC3E}">
+        <p14:creationId xmlns:p14="http://schemas.microsoft.com/office/powerpoint/2010/main" val="3328490062"/>
+      </p:ext>
+    </p:extLst>
+  </p:cSld>
+  <p:clrMapOvr>
+    <a:masterClrMapping/>
+  </p:clrMapOvr>
+  <p:timing>
+    <p:tnLst>
+      <p:par>
+        <p:cTn id="1" dur="indefinite" restart="never" nodeType="tmRoot"/>
+      </p:par>
+    </p:tnLst>
+  </p:timing>
+</p:sld>
+</file>
+
+<file path=ppt/slides/slide31.xml><?xml version="1.0" encoding="utf-8"?>
+<p:sld xmlns:a="http://schemas.openxmlformats.org/drawingml/2006/main" xmlns:r="http://schemas.openxmlformats.org/officeDocument/2006/relationships" xmlns:p="http://schemas.openxmlformats.org/presentationml/2006/main">
+  <p:cSld>
+    <p:spTree>
+      <p:nvGrpSpPr>
+        <p:cNvPr id="1" name=""/>
+        <p:cNvGrpSpPr/>
+        <p:nvPr/>
+      </p:nvGrpSpPr>
+      <p:grpSpPr>
+        <a:xfrm>
+          <a:off x="0" y="0"/>
+          <a:ext cx="0" cy="0"/>
+          <a:chOff x="0" y="0"/>
+          <a:chExt cx="0" cy="0"/>
+        </a:xfrm>
+      </p:grpSpPr>
       <p:sp>
         <p:nvSpPr>
-          <p:cNvPr id="3" name="Content Placeholder 2"/>
+          <p:cNvPr id="2" name="Title 1"/>
           <p:cNvSpPr>
             <a:spLocks noGrp="1"/>
           </p:cNvSpPr>
           <p:nvPr>
-            <p:ph idx="1"/>
+            <p:ph type="title"/>
           </p:nvPr>
         </p:nvSpPr>
         <p:spPr/>
         <p:txBody>
-          <a:bodyPr>
-            <a:normAutofit fontScale="85000" lnSpcReduction="10000"/>
-          </a:bodyPr>
+          <a:bodyPr/>
           <a:lstStyle/>
           <a:p>
             <a:r>
-              <a:rPr lang="en-US" sz="1800" dirty="0" smtClean="0"/>
-              <a:t>Multiplication</a:t>
-            </a:r>
-          </a:p>
-          <a:p>
-            <a:pPr lvl="1"/>
-            <a:r>
-              <a:rPr lang="en-US" sz="1900" dirty="0"/>
-              <a:t>Create a program similar to the previous one except that it multiplies the two numbers instead of adding them</a:t>
-            </a:r>
-            <a:r>
-              <a:rPr lang="en-US" sz="1900" dirty="0" smtClean="0"/>
-              <a:t>.</a:t>
-            </a:r>
-          </a:p>
-          <a:p>
-            <a:pPr lvl="1"/>
-            <a:r>
-              <a:rPr lang="en-US" sz="1900" dirty="0"/>
-              <a:t>For example, if the variables hold numbers 2 and 8, the program output should be:</a:t>
-            </a:r>
-          </a:p>
-          <a:p>
-            <a:pPr marL="0" indent="0">
-              <a:buNone/>
-            </a:pPr>
-            <a:endParaRPr lang="en-US" dirty="0" smtClean="0"/>
-          </a:p>
-          <a:p>
-            <a:pPr marL="0" indent="0">
-              <a:buNone/>
-            </a:pPr>
-            <a:endParaRPr lang="en-US" sz="1900" dirty="0"/>
-          </a:p>
-          <a:p>
-            <a:pPr lvl="1"/>
-            <a:r>
-              <a:rPr lang="en-US" sz="1900" dirty="0"/>
-              <a:t>If the variables hold numbers 277 and 111, the program output should be:</a:t>
-            </a:r>
-          </a:p>
-          <a:p>
-            <a:pPr lvl="1"/>
-            <a:endParaRPr lang="en-US" sz="1900" dirty="0"/>
-          </a:p>
-          <a:p>
-            <a:pPr marL="0" indent="0">
-              <a:buNone/>
-            </a:pPr>
-            <a:r>
               <a:rPr lang="en-US" dirty="0" smtClean="0"/>
-              <a:t/>
-            </a:r>
-            <a:br>
-              <a:rPr lang="en-US" dirty="0" smtClean="0"/>
-            </a:br>
-            <a:endParaRPr lang="en-US" sz="1600" dirty="0"/>
+              <a:t>Exercise 8</a:t>
+            </a:r>
+            <a:endParaRPr lang="en-US" dirty="0"/>
           </a:p>
         </p:txBody>
       </p:sp>
-      <p:sp>
-        <p:nvSpPr>
-          <p:cNvPr id="4" name="Rectangle 3"/>
-          <p:cNvSpPr/>
+      <p:pic>
+        <p:nvPicPr>
+          <p:cNvPr id="8194" name="Picture 2"/>
+          <p:cNvPicPr>
+            <a:picLocks noChangeAspect="1" noChangeArrowheads="1"/>
+          </p:cNvPicPr>
           <p:nvPr/>
-        </p:nvSpPr>
-        <p:spPr>
+        </p:nvPicPr>
+        <p:blipFill rotWithShape="1">
+          <a:blip r:embed="rId2">
+            <a:extLst>
+              <a:ext uri="{28A0092B-C50C-407E-A947-70E740481C1C}">
+                <a14:useLocalDpi xmlns:a14="http://schemas.microsoft.com/office/drawing/2010/main" val="0"/>
+              </a:ext>
+            </a:extLst>
+          </a:blip>
+          <a:srcRect l="18183" t="22619" r="20128" b="42659"/>
+          <a:stretch/>
+        </p:blipFill>
+        <p:spPr bwMode="auto">
           <a:xfrm>
-            <a:off x="1543050" y="2305050"/>
-            <a:ext cx="5334000" cy="533400"/>
+            <a:off x="838200" y="1276350"/>
+            <a:ext cx="7725229" cy="2444693"/>
           </a:xfrm>
           <a:prstGeom prst="rect">
             <a:avLst/>
           </a:prstGeom>
-          <a:ln w="9525"/>
+          <a:noFill/>
+          <a:ln>
+            <a:noFill/>
+          </a:ln>
+          <a:effectLst/>
+          <a:extLst>
+            <a:ext uri="{909E8E84-426E-40DD-AFC4-6F175D3DCCD1}">
+              <a14:hiddenFill xmlns:a14="http://schemas.microsoft.com/office/drawing/2010/main">
+                <a:solidFill>
+                  <a:schemeClr val="accent1"/>
+                </a:solidFill>
+              </a14:hiddenFill>
+            </a:ext>
+            <a:ext uri="{91240B29-F687-4F45-9708-019B960494DF}">
+              <a14:hiddenLine xmlns:a14="http://schemas.microsoft.com/office/drawing/2010/main" w="9525">
+                <a:solidFill>
+                  <a:schemeClr val="tx1"/>
+                </a:solidFill>
+                <a:miter lim="800000"/>
+                <a:headEnd/>
+                <a:tailEnd/>
+              </a14:hiddenLine>
+            </a:ext>
+            <a:ext uri="{AF507438-7753-43E0-B8FC-AC1667EBCBE1}">
+              <a14:hiddenEffects xmlns:a14="http://schemas.microsoft.com/office/drawing/2010/main">
+                <a:effectLst>
+                  <a:outerShdw dist="35921" dir="2700000" algn="ctr" rotWithShape="0">
+                    <a:schemeClr val="bg2"/>
+                  </a:outerShdw>
+                </a:effectLst>
+              </a14:hiddenEffects>
+            </a:ext>
+          </a:extLst>
         </p:spPr>
-        <p:style>
-          <a:lnRef idx="2">
-            <a:schemeClr val="dk1"/>
-          </a:lnRef>
-          <a:fillRef idx="1">
-            <a:schemeClr val="lt1"/>
-          </a:fillRef>
-          <a:effectRef idx="0">
-            <a:schemeClr val="dk1"/>
-          </a:effectRef>
-          <a:fontRef idx="minor">
-            <a:schemeClr val="dk1"/>
-          </a:fontRef>
-        </p:style>
+      </p:pic>
+    </p:spTree>
+    <p:extLst>
+      <p:ext uri="{BB962C8B-B14F-4D97-AF65-F5344CB8AC3E}">
+        <p14:creationId xmlns:p14="http://schemas.microsoft.com/office/powerpoint/2010/main" val="1713787600"/>
+      </p:ext>
+    </p:extLst>
+  </p:cSld>
+  <p:clrMapOvr>
+    <a:masterClrMapping/>
+  </p:clrMapOvr>
+  <p:timing>
+    <p:tnLst>
+      <p:par>
+        <p:cTn id="1" dur="indefinite" restart="never" nodeType="tmRoot"/>
+      </p:par>
+    </p:tnLst>
+  </p:timing>
+</p:sld>
+</file>
+
+<file path=ppt/slides/slide32.xml><?xml version="1.0" encoding="utf-8"?>
+<p:sld xmlns:a="http://schemas.openxmlformats.org/drawingml/2006/main" xmlns:r="http://schemas.openxmlformats.org/officeDocument/2006/relationships" xmlns:p="http://schemas.openxmlformats.org/presentationml/2006/main">
+  <p:cSld>
+    <p:spTree>
+      <p:nvGrpSpPr>
+        <p:cNvPr id="1" name=""/>
+        <p:cNvGrpSpPr/>
+        <p:nvPr/>
+      </p:nvGrpSpPr>
+      <p:grpSpPr>
+        <a:xfrm>
+          <a:off x="0" y="0"/>
+          <a:ext cx="0" cy="0"/>
+          <a:chOff x="0" y="0"/>
+          <a:chExt cx="0" cy="0"/>
+        </a:xfrm>
+      </p:grpSpPr>
+      <p:sp>
+        <p:nvSpPr>
+          <p:cNvPr id="2" name="Title 1"/>
+          <p:cNvSpPr>
+            <a:spLocks noGrp="1"/>
+          </p:cNvSpPr>
+          <p:nvPr>
+            <p:ph type="title"/>
+          </p:nvPr>
+        </p:nvSpPr>
+        <p:spPr/>
         <p:txBody>
-          <a:bodyPr rtlCol="0" anchor="ctr"/>
+          <a:bodyPr/>
           <a:lstStyle/>
           <a:p>
             <a:r>
-              <a:rPr lang="en-US" dirty="0"/>
-              <a:t>2 * 8 = 16</a:t>
-            </a:r>
+              <a:rPr lang="en-US" dirty="0" smtClean="0"/>
+              <a:t>Exercise 9</a:t>
+            </a:r>
+            <a:endParaRPr lang="en-US" dirty="0"/>
           </a:p>
         </p:txBody>
       </p:sp>
-      <p:sp>
-        <p:nvSpPr>
-          <p:cNvPr id="5" name="Rectangle 4"/>
-          <p:cNvSpPr/>
+      <p:pic>
+        <p:nvPicPr>
+          <p:cNvPr id="9218" name="Picture 2"/>
+          <p:cNvPicPr>
+            <a:picLocks noChangeAspect="1" noChangeArrowheads="1"/>
+          </p:cNvPicPr>
           <p:nvPr/>
-        </p:nvSpPr>
-        <p:spPr>
+        </p:nvPicPr>
+        <p:blipFill rotWithShape="1">
+          <a:blip r:embed="rId2">
+            <a:extLst>
+              <a:ext uri="{28A0092B-C50C-407E-A947-70E740481C1C}">
+                <a14:useLocalDpi xmlns:a14="http://schemas.microsoft.com/office/drawing/2010/main" val="0"/>
+              </a:ext>
+            </a:extLst>
+          </a:blip>
+          <a:srcRect l="17960" t="31349" r="19459" b="37302"/>
+          <a:stretch/>
+        </p:blipFill>
+        <p:spPr bwMode="auto">
           <a:xfrm>
-            <a:off x="1524000" y="3409950"/>
-            <a:ext cx="5334000" cy="533400"/>
+            <a:off x="838200" y="1581150"/>
+            <a:ext cx="7583714" cy="2135878"/>
           </a:xfrm>
           <a:prstGeom prst="rect">
             <a:avLst/>
           </a:prstGeom>
-          <a:ln w="9525"/>
+          <a:noFill/>
+          <a:ln>
+            <a:noFill/>
+          </a:ln>
+          <a:effectLst/>
+          <a:extLst>
+            <a:ext uri="{909E8E84-426E-40DD-AFC4-6F175D3DCCD1}">
+              <a14:hiddenFill xmlns:a14="http://schemas.microsoft.com/office/drawing/2010/main">
+                <a:solidFill>
+                  <a:schemeClr val="accent1"/>
+                </a:solidFill>
+              </a14:hiddenFill>
+            </a:ext>
+            <a:ext uri="{91240B29-F687-4F45-9708-019B960494DF}">
+              <a14:hiddenLine xmlns:a14="http://schemas.microsoft.com/office/drawing/2010/main" w="9525">
+                <a:solidFill>
+                  <a:schemeClr val="tx1"/>
+                </a:solidFill>
+                <a:miter lim="800000"/>
+                <a:headEnd/>
+                <a:tailEnd/>
+              </a14:hiddenLine>
+            </a:ext>
+            <a:ext uri="{AF507438-7753-43E0-B8FC-AC1667EBCBE1}">
+              <a14:hiddenEffects xmlns:a14="http://schemas.microsoft.com/office/drawing/2010/main">
+                <a:effectLst>
+                  <a:outerShdw dist="35921" dir="2700000" algn="ctr" rotWithShape="0">
+                    <a:schemeClr val="bg2"/>
+                  </a:outerShdw>
+                </a:effectLst>
+              </a14:hiddenEffects>
+            </a:ext>
+          </a:extLst>
         </p:spPr>
-        <p:style>
-          <a:lnRef idx="2">
-            <a:schemeClr val="dk1"/>
-          </a:lnRef>
-          <a:fillRef idx="1">
-            <a:schemeClr val="lt1"/>
-          </a:fillRef>
-          <a:effectRef idx="0">
-            <a:schemeClr val="dk1"/>
-          </a:effectRef>
-          <a:fontRef idx="minor">
-            <a:schemeClr val="dk1"/>
-          </a:fontRef>
-        </p:style>
-        <p:txBody>
-          <a:bodyPr rtlCol="0" anchor="ctr"/>
-          <a:lstStyle/>
-          <a:p>
-            <a:r>
-              <a:rPr lang="en-US" dirty="0"/>
-              <a:t>277 * 111 = 30747 </a:t>
-            </a:r>
-          </a:p>
-        </p:txBody>
-      </p:sp>
+      </p:pic>
     </p:spTree>
     <p:extLst>
       <p:ext uri="{BB962C8B-B14F-4D97-AF65-F5344CB8AC3E}">
-        <p14:creationId xmlns:p14="http://schemas.microsoft.com/office/powerpoint/2010/main" val="3328490062"/>
+        <p14:creationId xmlns:p14="http://schemas.microsoft.com/office/powerpoint/2010/main" val="2336253350"/>
+      </p:ext>
+    </p:extLst>
+  </p:cSld>
+  <p:clrMapOvr>
+    <a:masterClrMapping/>
+  </p:clrMapOvr>
+  <p:timing>
+    <p:tnLst>
+      <p:par>
+        <p:cTn id="1" dur="indefinite" restart="never" nodeType="tmRoot"/>
+      </p:par>
+    </p:tnLst>
+  </p:timing>
+</p:sld>
+</file>
+
+<file path=ppt/slides/slide33.xml><?xml version="1.0" encoding="utf-8"?>
+<p:sld xmlns:a="http://schemas.openxmlformats.org/drawingml/2006/main" xmlns:r="http://schemas.openxmlformats.org/officeDocument/2006/relationships" xmlns:p="http://schemas.openxmlformats.org/presentationml/2006/main">
+  <p:cSld>
+    <p:spTree>
+      <p:nvGrpSpPr>
+        <p:cNvPr id="1" name=""/>
+        <p:cNvGrpSpPr/>
+        <p:nvPr/>
+      </p:nvGrpSpPr>
+      <p:grpSpPr>
+        <a:xfrm>
+          <a:off x="0" y="0"/>
+          <a:ext cx="0" cy="0"/>
+          <a:chOff x="0" y="0"/>
+          <a:chExt cx="0" cy="0"/>
+        </a:xfrm>
+      </p:grpSpPr>
+      <p:sp>
+        <p:nvSpPr>
+          <p:cNvPr id="2" name="Title 1"/>
+          <p:cNvSpPr>
+            <a:spLocks noGrp="1"/>
+          </p:cNvSpPr>
+          <p:nvPr>
+            <p:ph type="title"/>
+          </p:nvPr>
+        </p:nvSpPr>
+        <p:spPr/>
+        <p:txBody>
+          <a:bodyPr/>
+          <a:lstStyle/>
+          <a:p>
+            <a:r>
+              <a:rPr lang="en-US" dirty="0" smtClean="0"/>
+              <a:t>Exercise 10</a:t>
+            </a:r>
+            <a:endParaRPr lang="en-US" dirty="0"/>
+          </a:p>
+        </p:txBody>
+      </p:sp>
+      <p:pic>
+        <p:nvPicPr>
+          <p:cNvPr id="10242" name="Picture 2"/>
+          <p:cNvPicPr>
+            <a:picLocks noChangeAspect="1" noChangeArrowheads="1"/>
+          </p:cNvPicPr>
+          <p:nvPr/>
+        </p:nvPicPr>
+        <p:blipFill rotWithShape="1">
+          <a:blip r:embed="rId2">
+            <a:extLst>
+              <a:ext uri="{28A0092B-C50C-407E-A947-70E740481C1C}">
+                <a14:useLocalDpi xmlns:a14="http://schemas.microsoft.com/office/drawing/2010/main" val="0"/>
+              </a:ext>
+            </a:extLst>
+          </a:blip>
+          <a:srcRect l="17848" t="24603" r="19571" b="42658"/>
+          <a:stretch/>
+        </p:blipFill>
+        <p:spPr bwMode="auto">
+          <a:xfrm>
+            <a:off x="990600" y="1581150"/>
+            <a:ext cx="7188200" cy="2114178"/>
+          </a:xfrm>
+          <a:prstGeom prst="rect">
+            <a:avLst/>
+          </a:prstGeom>
+          <a:noFill/>
+          <a:ln>
+            <a:noFill/>
+          </a:ln>
+          <a:effectLst/>
+          <a:extLst>
+            <a:ext uri="{909E8E84-426E-40DD-AFC4-6F175D3DCCD1}">
+              <a14:hiddenFill xmlns:a14="http://schemas.microsoft.com/office/drawing/2010/main">
+                <a:solidFill>
+                  <a:schemeClr val="accent1"/>
+                </a:solidFill>
+              </a14:hiddenFill>
+            </a:ext>
+            <a:ext uri="{91240B29-F687-4F45-9708-019B960494DF}">
+              <a14:hiddenLine xmlns:a14="http://schemas.microsoft.com/office/drawing/2010/main" w="9525">
+                <a:solidFill>
+                  <a:schemeClr val="tx1"/>
+                </a:solidFill>
+                <a:miter lim="800000"/>
+                <a:headEnd/>
+                <a:tailEnd/>
+              </a14:hiddenLine>
+            </a:ext>
+            <a:ext uri="{AF507438-7753-43E0-B8FC-AC1667EBCBE1}">
+              <a14:hiddenEffects xmlns:a14="http://schemas.microsoft.com/office/drawing/2010/main">
+                <a:effectLst>
+                  <a:outerShdw dist="35921" dir="2700000" algn="ctr" rotWithShape="0">
+                    <a:schemeClr val="bg2"/>
+                  </a:outerShdw>
+                </a:effectLst>
+              </a14:hiddenEffects>
+            </a:ext>
+          </a:extLst>
+        </p:spPr>
+      </p:pic>
+    </p:spTree>
+    <p:extLst>
+      <p:ext uri="{BB962C8B-B14F-4D97-AF65-F5344CB8AC3E}">
+        <p14:creationId xmlns:p14="http://schemas.microsoft.com/office/powerpoint/2010/main" val="2463931913"/>
+      </p:ext>
+    </p:extLst>
+  </p:cSld>
+  <p:clrMapOvr>
+    <a:masterClrMapping/>
+  </p:clrMapOvr>
+  <p:timing>
+    <p:tnLst>
+      <p:par>
+        <p:cTn id="1" dur="indefinite" restart="never" nodeType="tmRoot"/>
+      </p:par>
+    </p:tnLst>
+  </p:timing>
+</p:sld>
+</file>
+
+<file path=ppt/slides/slide34.xml><?xml version="1.0" encoding="utf-8"?>
+<p:sld xmlns:a="http://schemas.openxmlformats.org/drawingml/2006/main" xmlns:r="http://schemas.openxmlformats.org/officeDocument/2006/relationships" xmlns:p="http://schemas.openxmlformats.org/presentationml/2006/main">
+  <p:cSld>
+    <p:spTree>
+      <p:nvGrpSpPr>
+        <p:cNvPr id="1" name=""/>
+        <p:cNvGrpSpPr/>
+        <p:nvPr/>
+      </p:nvGrpSpPr>
+      <p:grpSpPr>
+        <a:xfrm>
+          <a:off x="0" y="0"/>
+          <a:ext cx="0" cy="0"/>
+          <a:chOff x="0" y="0"/>
+          <a:chExt cx="0" cy="0"/>
+        </a:xfrm>
+      </p:grpSpPr>
+      <p:sp>
+        <p:nvSpPr>
+          <p:cNvPr id="2" name="Title 1"/>
+          <p:cNvSpPr>
+            <a:spLocks noGrp="1"/>
+          </p:cNvSpPr>
+          <p:nvPr>
+            <p:ph type="title"/>
+          </p:nvPr>
+        </p:nvSpPr>
+        <p:spPr/>
+        <p:txBody>
+          <a:bodyPr/>
+          <a:lstStyle/>
+          <a:p>
+            <a:r>
+              <a:rPr lang="en-US" dirty="0" smtClean="0"/>
+              <a:t>Exercise 11</a:t>
+            </a:r>
+            <a:endParaRPr lang="en-US" dirty="0"/>
+          </a:p>
+        </p:txBody>
+      </p:sp>
+      <p:pic>
+        <p:nvPicPr>
+          <p:cNvPr id="11266" name="Picture 2"/>
+          <p:cNvPicPr>
+            <a:picLocks noChangeAspect="1" noChangeArrowheads="1"/>
+          </p:cNvPicPr>
+          <p:nvPr/>
+        </p:nvPicPr>
+        <p:blipFill rotWithShape="1">
+          <a:blip r:embed="rId2">
+            <a:extLst>
+              <a:ext uri="{28A0092B-C50C-407E-A947-70E740481C1C}">
+                <a14:useLocalDpi xmlns:a14="http://schemas.microsoft.com/office/drawing/2010/main" val="0"/>
+              </a:ext>
+            </a:extLst>
+          </a:blip>
+          <a:srcRect l="18072" t="31547" r="19459" b="27778"/>
+          <a:stretch/>
+        </p:blipFill>
+        <p:spPr bwMode="auto">
+          <a:xfrm>
+            <a:off x="838200" y="1200150"/>
+            <a:ext cx="7507514" cy="2748288"/>
+          </a:xfrm>
+          <a:prstGeom prst="rect">
+            <a:avLst/>
+          </a:prstGeom>
+          <a:noFill/>
+          <a:ln>
+            <a:noFill/>
+          </a:ln>
+          <a:effectLst/>
+          <a:extLst>
+            <a:ext uri="{909E8E84-426E-40DD-AFC4-6F175D3DCCD1}">
+              <a14:hiddenFill xmlns:a14="http://schemas.microsoft.com/office/drawing/2010/main">
+                <a:solidFill>
+                  <a:schemeClr val="accent1"/>
+                </a:solidFill>
+              </a14:hiddenFill>
+            </a:ext>
+            <a:ext uri="{91240B29-F687-4F45-9708-019B960494DF}">
+              <a14:hiddenLine xmlns:a14="http://schemas.microsoft.com/office/drawing/2010/main" w="9525">
+                <a:solidFill>
+                  <a:schemeClr val="tx1"/>
+                </a:solidFill>
+                <a:miter lim="800000"/>
+                <a:headEnd/>
+                <a:tailEnd/>
+              </a14:hiddenLine>
+            </a:ext>
+            <a:ext uri="{AF507438-7753-43E0-B8FC-AC1667EBCBE1}">
+              <a14:hiddenEffects xmlns:a14="http://schemas.microsoft.com/office/drawing/2010/main">
+                <a:effectLst>
+                  <a:outerShdw dist="35921" dir="2700000" algn="ctr" rotWithShape="0">
+                    <a:schemeClr val="bg2"/>
+                  </a:outerShdw>
+                </a:effectLst>
+              </a14:hiddenEffects>
+            </a:ext>
+          </a:extLst>
+        </p:spPr>
+      </p:pic>
+    </p:spTree>
+    <p:extLst>
+      <p:ext uri="{BB962C8B-B14F-4D97-AF65-F5344CB8AC3E}">
+        <p14:creationId xmlns:p14="http://schemas.microsoft.com/office/powerpoint/2010/main" val="2306509334"/>
+      </p:ext>
+    </p:extLst>
+  </p:cSld>
+  <p:clrMapOvr>
+    <a:masterClrMapping/>
+  </p:clrMapOvr>
+  <p:timing>
+    <p:tnLst>
+      <p:par>
+        <p:cTn id="1" dur="indefinite" restart="never" nodeType="tmRoot"/>
+      </p:par>
+    </p:tnLst>
+  </p:timing>
+</p:sld>
+</file>
+
+<file path=ppt/slides/slide35.xml><?xml version="1.0" encoding="utf-8"?>
+<p:sld xmlns:a="http://schemas.openxmlformats.org/drawingml/2006/main" xmlns:r="http://schemas.openxmlformats.org/officeDocument/2006/relationships" xmlns:p="http://schemas.openxmlformats.org/presentationml/2006/main">
+  <p:cSld>
+    <p:spTree>
+      <p:nvGrpSpPr>
+        <p:cNvPr id="1" name=""/>
+        <p:cNvGrpSpPr/>
+        <p:nvPr/>
+      </p:nvGrpSpPr>
+      <p:grpSpPr>
+        <a:xfrm>
+          <a:off x="0" y="0"/>
+          <a:ext cx="0" cy="0"/>
+          <a:chOff x="0" y="0"/>
+          <a:chExt cx="0" cy="0"/>
+        </a:xfrm>
+      </p:grpSpPr>
+      <p:sp>
+        <p:nvSpPr>
+          <p:cNvPr id="2" name="Title 1"/>
+          <p:cNvSpPr>
+            <a:spLocks noGrp="1"/>
+          </p:cNvSpPr>
+          <p:nvPr>
+            <p:ph type="title"/>
+          </p:nvPr>
+        </p:nvSpPr>
+        <p:spPr/>
+        <p:txBody>
+          <a:bodyPr/>
+          <a:lstStyle/>
+          <a:p>
+            <a:r>
+              <a:rPr lang="en-US" dirty="0" smtClean="0"/>
+              <a:t>Exercise 12</a:t>
+            </a:r>
+            <a:endParaRPr lang="en-US" dirty="0"/>
+          </a:p>
+        </p:txBody>
+      </p:sp>
+      <p:pic>
+        <p:nvPicPr>
+          <p:cNvPr id="12290" name="Picture 2"/>
+          <p:cNvPicPr>
+            <a:picLocks noChangeAspect="1" noChangeArrowheads="1"/>
+          </p:cNvPicPr>
+          <p:nvPr/>
+        </p:nvPicPr>
+        <p:blipFill rotWithShape="1">
+          <a:blip r:embed="rId2">
+            <a:extLst>
+              <a:ext uri="{28A0092B-C50C-407E-A947-70E740481C1C}">
+                <a14:useLocalDpi xmlns:a14="http://schemas.microsoft.com/office/drawing/2010/main" val="0"/>
+              </a:ext>
+            </a:extLst>
+          </a:blip>
+          <a:srcRect l="17960" t="34524" r="19570" b="31349"/>
+          <a:stretch/>
+        </p:blipFill>
+        <p:spPr bwMode="auto">
+          <a:xfrm>
+            <a:off x="609600" y="1428750"/>
+            <a:ext cx="7670800" cy="2356031"/>
+          </a:xfrm>
+          <a:prstGeom prst="rect">
+            <a:avLst/>
+          </a:prstGeom>
+          <a:noFill/>
+          <a:ln>
+            <a:noFill/>
+          </a:ln>
+          <a:effectLst/>
+          <a:extLst>
+            <a:ext uri="{909E8E84-426E-40DD-AFC4-6F175D3DCCD1}">
+              <a14:hiddenFill xmlns:a14="http://schemas.microsoft.com/office/drawing/2010/main">
+                <a:solidFill>
+                  <a:schemeClr val="accent1"/>
+                </a:solidFill>
+              </a14:hiddenFill>
+            </a:ext>
+            <a:ext uri="{91240B29-F687-4F45-9708-019B960494DF}">
+              <a14:hiddenLine xmlns:a14="http://schemas.microsoft.com/office/drawing/2010/main" w="9525">
+                <a:solidFill>
+                  <a:schemeClr val="tx1"/>
+                </a:solidFill>
+                <a:miter lim="800000"/>
+                <a:headEnd/>
+                <a:tailEnd/>
+              </a14:hiddenLine>
+            </a:ext>
+            <a:ext uri="{AF507438-7753-43E0-B8FC-AC1667EBCBE1}">
+              <a14:hiddenEffects xmlns:a14="http://schemas.microsoft.com/office/drawing/2010/main">
+                <a:effectLst>
+                  <a:outerShdw dist="35921" dir="2700000" algn="ctr" rotWithShape="0">
+                    <a:schemeClr val="bg2"/>
+                  </a:outerShdw>
+                </a:effectLst>
+              </a14:hiddenEffects>
+            </a:ext>
+          </a:extLst>
+        </p:spPr>
+      </p:pic>
+    </p:spTree>
+    <p:extLst>
+      <p:ext uri="{BB962C8B-B14F-4D97-AF65-F5344CB8AC3E}">
+        <p14:creationId xmlns:p14="http://schemas.microsoft.com/office/powerpoint/2010/main" val="1853729721"/>
       </p:ext>
     </p:extLst>
   </p:cSld>
